--- a/EE3 Targets.pptx
+++ b/EE3 Targets.pptx
@@ -11,8 +11,8 @@
     <p:sldId id="257" r:id="rId2"/>
     <p:sldId id="293" r:id="rId3"/>
     <p:sldId id="324" r:id="rId4"/>
-    <p:sldId id="325" r:id="rId5"/>
-    <p:sldId id="326" r:id="rId6"/>
+    <p:sldId id="326" r:id="rId5"/>
+    <p:sldId id="325" r:id="rId6"/>
     <p:sldId id="269" r:id="rId7"/>
     <p:sldId id="270" r:id="rId8"/>
     <p:sldId id="314" r:id="rId9"/>
@@ -291,7 +291,7 @@
               <a:pPr>
                 <a:defRPr/>
               </a:pPr>
-              <a:t>9/25/2019</a:t>
+              <a:t>10/16/2019</a:t>
             </a:fld>
             <a:endParaRPr lang="en-US"/>
           </a:p>
@@ -1608,67 +1608,72 @@
       </p:grpSpPr>
       <p:sp>
         <p:nvSpPr>
-          <p:cNvPr id="7" name="Rectangle 7"/>
+          <p:cNvPr id="257" name="Shape 257"/>
           <p:cNvSpPr>
-            <a:spLocks noGrp="1" noChangeArrowheads="1"/>
-          </p:cNvSpPr>
-          <p:nvPr>
-            <p:ph type="sldNum" sz="quarter" idx="5"/>
-          </p:nvPr>
-        </p:nvSpPr>
-        <p:spPr>
-          <a:ln/>
-        </p:spPr>
-        <p:txBody>
-          <a:bodyPr/>
-          <a:lstStyle/>
-          <a:p>
-            <a:fld id="{EBD6C4EF-7654-4399-BC08-F29F2FFC8B9C}" type="slidenum">
-              <a:rPr lang="en-GB"/>
-              <a:pPr/>
-              <a:t>4</a:t>
-            </a:fld>
-            <a:endParaRPr lang="en-GB"/>
-          </a:p>
-        </p:txBody>
-      </p:sp>
-      <p:sp>
-        <p:nvSpPr>
-          <p:cNvPr id="11266" name="Rectangle 2"/>
-          <p:cNvSpPr>
-            <a:spLocks noGrp="1" noRot="1" noChangeAspect="1" noChangeArrowheads="1" noTextEdit="1"/>
+            <a:spLocks noGrp="1" noRot="1" noChangeAspect="1"/>
           </p:cNvSpPr>
           <p:nvPr>
             <p:ph type="sldImg"/>
           </p:nvPr>
         </p:nvSpPr>
         <p:spPr>
-          <a:ln/>
-        </p:spPr>
-      </p:sp>
-      <p:sp>
-        <p:nvSpPr>
-          <p:cNvPr id="11267" name="Rectangle 3"/>
-          <p:cNvSpPr>
-            <a:spLocks noGrp="1" noChangeArrowheads="1"/>
-          </p:cNvSpPr>
-          <p:nvPr>
-            <p:ph type="body" idx="1"/>
-          </p:nvPr>
-        </p:nvSpPr>
-        <p:spPr/>
+          <a:prstGeom prst="rect">
+            <a:avLst/>
+          </a:prstGeom>
+        </p:spPr>
         <p:txBody>
           <a:bodyPr/>
           <a:lstStyle/>
           <a:p>
-            <a:endParaRPr lang="en-US"/>
+            <a:endParaRPr/>
+          </a:p>
+        </p:txBody>
+      </p:sp>
+      <p:sp>
+        <p:nvSpPr>
+          <p:cNvPr id="258" name="Shape 258"/>
+          <p:cNvSpPr>
+            <a:spLocks noGrp="1"/>
+          </p:cNvSpPr>
+          <p:nvPr>
+            <p:ph type="body" sz="quarter" idx="1"/>
+          </p:nvPr>
+        </p:nvSpPr>
+        <p:spPr>
+          <a:prstGeom prst="rect">
+            <a:avLst/>
+          </a:prstGeom>
+        </p:spPr>
+        <p:txBody>
+          <a:bodyPr/>
+          <a:lstStyle/>
+          <a:p>
+            <a:r>
+              <a:t>A bit of homespun wisdom from Abraham Lincoln.</a:t>
+            </a:r>
+          </a:p>
+          <a:p>
+            <a:endParaRPr/>
+          </a:p>
+          <a:p>
+            <a:r>
+              <a:t>Can think of CBA as a way to systematise the way we make this determination.</a:t>
+            </a:r>
+          </a:p>
+          <a:p>
+            <a:endParaRPr/>
+          </a:p>
+          <a:p>
+            <a:r>
+              <a:t>Do gains exceed losses?</a:t>
+            </a:r>
           </a:p>
         </p:txBody>
       </p:sp>
     </p:spTree>
     <p:extLst>
       <p:ext uri="{BB962C8B-B14F-4D97-AF65-F5344CB8AC3E}">
-        <p14:creationId xmlns:p14="http://schemas.microsoft.com/office/powerpoint/2010/main" val="735454518"/>
+        <p14:creationId xmlns:p14="http://schemas.microsoft.com/office/powerpoint/2010/main" val="226795733"/>
       </p:ext>
     </p:extLst>
   </p:cSld>
@@ -1697,72 +1702,67 @@
       </p:grpSpPr>
       <p:sp>
         <p:nvSpPr>
-          <p:cNvPr id="257" name="Shape 257"/>
+          <p:cNvPr id="7" name="Rectangle 7"/>
           <p:cNvSpPr>
-            <a:spLocks noGrp="1" noRot="1" noChangeAspect="1"/>
+            <a:spLocks noGrp="1" noChangeArrowheads="1"/>
+          </p:cNvSpPr>
+          <p:nvPr>
+            <p:ph type="sldNum" sz="quarter" idx="5"/>
+          </p:nvPr>
+        </p:nvSpPr>
+        <p:spPr>
+          <a:ln/>
+        </p:spPr>
+        <p:txBody>
+          <a:bodyPr/>
+          <a:lstStyle/>
+          <a:p>
+            <a:fld id="{EBD6C4EF-7654-4399-BC08-F29F2FFC8B9C}" type="slidenum">
+              <a:rPr lang="en-GB"/>
+              <a:pPr/>
+              <a:t>5</a:t>
+            </a:fld>
+            <a:endParaRPr lang="en-GB"/>
+          </a:p>
+        </p:txBody>
+      </p:sp>
+      <p:sp>
+        <p:nvSpPr>
+          <p:cNvPr id="11266" name="Rectangle 2"/>
+          <p:cNvSpPr>
+            <a:spLocks noGrp="1" noRot="1" noChangeAspect="1" noChangeArrowheads="1" noTextEdit="1"/>
           </p:cNvSpPr>
           <p:nvPr>
             <p:ph type="sldImg"/>
           </p:nvPr>
         </p:nvSpPr>
         <p:spPr>
-          <a:prstGeom prst="rect">
-            <a:avLst/>
-          </a:prstGeom>
-        </p:spPr>
+          <a:ln/>
+        </p:spPr>
+      </p:sp>
+      <p:sp>
+        <p:nvSpPr>
+          <p:cNvPr id="11267" name="Rectangle 3"/>
+          <p:cNvSpPr>
+            <a:spLocks noGrp="1" noChangeArrowheads="1"/>
+          </p:cNvSpPr>
+          <p:nvPr>
+            <p:ph type="body" idx="1"/>
+          </p:nvPr>
+        </p:nvSpPr>
+        <p:spPr/>
         <p:txBody>
           <a:bodyPr/>
           <a:lstStyle/>
           <a:p>
-            <a:endParaRPr/>
-          </a:p>
-        </p:txBody>
-      </p:sp>
-      <p:sp>
-        <p:nvSpPr>
-          <p:cNvPr id="258" name="Shape 258"/>
-          <p:cNvSpPr>
-            <a:spLocks noGrp="1"/>
-          </p:cNvSpPr>
-          <p:nvPr>
-            <p:ph type="body" sz="quarter" idx="1"/>
-          </p:nvPr>
-        </p:nvSpPr>
-        <p:spPr>
-          <a:prstGeom prst="rect">
-            <a:avLst/>
-          </a:prstGeom>
-        </p:spPr>
-        <p:txBody>
-          <a:bodyPr/>
-          <a:lstStyle/>
-          <a:p>
-            <a:r>
-              <a:t>A bit of homespun wisdom from Abraham Lincoln.</a:t>
-            </a:r>
-          </a:p>
-          <a:p>
-            <a:endParaRPr/>
-          </a:p>
-          <a:p>
-            <a:r>
-              <a:t>Can think of CBA as a way to systematise the way we make this determination.</a:t>
-            </a:r>
-          </a:p>
-          <a:p>
-            <a:endParaRPr/>
-          </a:p>
-          <a:p>
-            <a:r>
-              <a:t>Do gains exceed losses?</a:t>
-            </a:r>
+            <a:endParaRPr lang="en-US"/>
           </a:p>
         </p:txBody>
       </p:sp>
     </p:spTree>
     <p:extLst>
       <p:ext uri="{BB962C8B-B14F-4D97-AF65-F5344CB8AC3E}">
-        <p14:creationId xmlns:p14="http://schemas.microsoft.com/office/powerpoint/2010/main" val="226795733"/>
+        <p14:creationId xmlns:p14="http://schemas.microsoft.com/office/powerpoint/2010/main" val="735454518"/>
       </p:ext>
     </p:extLst>
   </p:cSld>
@@ -6294,10 +6294,10 @@
               </a:lnSpc>
             </a:pPr>
             <a:r>
-              <a:rPr lang="de-DE" sz="2800" dirty="0">
-                <a:latin typeface="Candara" panose="020E0502030303020204" pitchFamily="34" charset="0"/>
-              </a:rPr>
-              <a:t>Area B: Optimal level of externality</a:t>
+              <a:rPr lang="en-GB" sz="2800" dirty="0">
+                <a:latin typeface="Candara" panose="020E0502030303020204" pitchFamily="34" charset="0"/>
+              </a:rPr>
+              <a:t>Area B Optimal level of externality</a:t>
             </a:r>
           </a:p>
           <a:p>
@@ -6307,10 +6307,10 @@
               </a:lnSpc>
             </a:pPr>
             <a:r>
-              <a:rPr lang="de-DE" sz="2800" dirty="0">
-                <a:latin typeface="Candara" panose="020E0502030303020204" pitchFamily="34" charset="0"/>
-              </a:rPr>
-              <a:t>Area A+B: Optimal level of net private benefits of the polluter</a:t>
+              <a:rPr lang="en-GB" sz="2800" dirty="0">
+                <a:latin typeface="Candara" panose="020E0502030303020204" pitchFamily="34" charset="0"/>
+              </a:rPr>
+              <a:t>Area A+B Optimal level of net private benefits of the polluter</a:t>
             </a:r>
           </a:p>
           <a:p>
@@ -6320,10 +6320,10 @@
               </a:lnSpc>
             </a:pPr>
             <a:r>
-              <a:rPr lang="de-DE" sz="2800" dirty="0">
-                <a:latin typeface="Candara" panose="020E0502030303020204" pitchFamily="34" charset="0"/>
-              </a:rPr>
-              <a:t>Area A: Optimal level of net social benefits</a:t>
+              <a:rPr lang="en-GB" sz="2800" dirty="0">
+                <a:latin typeface="Candara" panose="020E0502030303020204" pitchFamily="34" charset="0"/>
+              </a:rPr>
+              <a:t>Area A Optimal level of net social benefits</a:t>
             </a:r>
           </a:p>
         </p:txBody>
@@ -6400,10 +6400,10 @@
               <a:defRPr/>
             </a:pPr>
             <a:r>
-              <a:rPr lang="de-DE" sz="2800" kern="0" dirty="0">
-                <a:latin typeface="Candara" panose="020E0502030303020204" pitchFamily="34" charset="0"/>
-              </a:rPr>
-              <a:t>Area C+D: Level of non-optimal externality that needs regulation</a:t>
+              <a:rPr lang="en-GB" sz="2800" kern="0" dirty="0">
+                <a:latin typeface="Candara" panose="020E0502030303020204" pitchFamily="34" charset="0"/>
+              </a:rPr>
+              <a:t>Area C+D Level of non-optimal externality that needs regulation</a:t>
             </a:r>
           </a:p>
           <a:p>
@@ -6419,10 +6419,10 @@
               <a:defRPr/>
             </a:pPr>
             <a:r>
-              <a:rPr lang="de-DE" sz="2800" kern="0" dirty="0">
-                <a:latin typeface="Candara" panose="020E0502030303020204" pitchFamily="34" charset="0"/>
-              </a:rPr>
-              <a:t>Area C: Level of net private benefits that are unwarranted</a:t>
+              <a:rPr lang="en-GB" sz="2800" kern="0" dirty="0">
+                <a:latin typeface="Candara" panose="020E0502030303020204" pitchFamily="34" charset="0"/>
+              </a:rPr>
+              <a:t>Area C Level of net private benefits that are unwarranted</a:t>
             </a:r>
           </a:p>
           <a:p>
@@ -6438,10 +6438,10 @@
               <a:defRPr/>
             </a:pPr>
             <a:r>
-              <a:rPr lang="de-DE" sz="2800" kern="0" dirty="0">
-                <a:latin typeface="Candara" panose="020E0502030303020204" pitchFamily="34" charset="0"/>
-              </a:rPr>
-              <a:t>Q*: Optimal level of economic activity</a:t>
+              <a:rPr lang="en-GB" sz="2800" kern="0" dirty="0">
+                <a:latin typeface="Candara" panose="020E0502030303020204" pitchFamily="34" charset="0"/>
+              </a:rPr>
+              <a:t>Q* Optimal level of economic activity</a:t>
             </a:r>
           </a:p>
           <a:p>
@@ -6457,14 +6457,11 @@
               <a:defRPr/>
             </a:pPr>
             <a:r>
-              <a:rPr lang="de-DE" sz="2800" kern="0" dirty="0">
-                <a:latin typeface="Candara" panose="020E0502030303020204" pitchFamily="34" charset="0"/>
-              </a:rPr>
-              <a:t>Q‘: Level of economic activity that maximises private benefits</a:t>
-            </a:r>
-            <a:endParaRPr lang="en-GB" sz="2800" kern="0" dirty="0">
-              <a:latin typeface="Candara" panose="020E0502030303020204" pitchFamily="34" charset="0"/>
-            </a:endParaRPr>
+              <a:rPr lang="en-GB" sz="2800" kern="0" dirty="0">
+                <a:latin typeface="Candara" panose="020E0502030303020204" pitchFamily="34" charset="0"/>
+              </a:rPr>
+              <a:t>Q’ Level of economic activity that maximises private benefits</a:t>
+            </a:r>
           </a:p>
         </p:txBody>
       </p:sp>
@@ -6811,54 +6808,30 @@
           <a:lstStyle/>
           <a:p>
             <a:r>
-              <a:rPr lang="de-DE" sz="2800" dirty="0">
+              <a:rPr lang="en-GB" sz="2800" dirty="0">
                 <a:latin typeface="Candara" panose="020E0502030303020204" pitchFamily="34" charset="0"/>
               </a:rPr>
               <a:t>Damages of pollution </a:t>
             </a:r>
             <a:r>
-              <a:rPr lang="de-DE" sz="2800" i="1" dirty="0">
+              <a:rPr lang="en-GB" sz="2800" i="1" dirty="0">
                 <a:latin typeface="Candara" panose="020E0502030303020204" pitchFamily="34" charset="0"/>
               </a:rPr>
               <a:t>D=D(A)</a:t>
             </a:r>
-            <a:endParaRPr lang="de-DE" sz="2800" dirty="0">
+            <a:endParaRPr lang="en-GB" sz="2800" dirty="0">
               <a:latin typeface="Candara" panose="020E0502030303020204" pitchFamily="34" charset="0"/>
             </a:endParaRPr>
           </a:p>
           <a:p>
             <a:r>
-              <a:rPr lang="de-DE" sz="2800" dirty="0">
-                <a:latin typeface="Candara" panose="020E0502030303020204" pitchFamily="34" charset="0"/>
-              </a:rPr>
-              <a:t>Benefits of </a:t>
-            </a:r>
-            <a:r>
-              <a:rPr lang="de-DE" sz="2800" dirty="0" err="1">
-                <a:latin typeface="Candara" panose="020E0502030303020204" pitchFamily="34" charset="0"/>
-              </a:rPr>
-              <a:t>polluting</a:t>
-            </a:r>
-            <a:r>
-              <a:rPr lang="de-DE" sz="2800" dirty="0">
-                <a:latin typeface="Candara" panose="020E0502030303020204" pitchFamily="34" charset="0"/>
-              </a:rPr>
-              <a:t> </a:t>
-            </a:r>
-            <a:r>
-              <a:rPr lang="de-DE" sz="2800" dirty="0" err="1">
-                <a:latin typeface="Candara" panose="020E0502030303020204" pitchFamily="34" charset="0"/>
-              </a:rPr>
-              <a:t>activity</a:t>
-            </a:r>
-            <a:r>
-              <a:rPr lang="de-DE" sz="2800" dirty="0">
-                <a:latin typeface="Candara" panose="020E0502030303020204" pitchFamily="34" charset="0"/>
-              </a:rPr>
-              <a:t> </a:t>
-            </a:r>
-            <a:r>
-              <a:rPr lang="de-DE" sz="2800" i="1" dirty="0">
+              <a:rPr lang="en-GB" sz="2800" dirty="0">
+                <a:latin typeface="Candara" panose="020E0502030303020204" pitchFamily="34" charset="0"/>
+              </a:rPr>
+              <a:t>Benefits of polluting activity </a:t>
+            </a:r>
+            <a:r>
+              <a:rPr lang="en-GB" sz="2800" i="1" dirty="0">
                 <a:latin typeface="Candara" panose="020E0502030303020204" pitchFamily="34" charset="0"/>
               </a:rPr>
               <a:t>B=B(M)</a:t>
@@ -6866,7 +6839,7 @@
           </a:p>
           <a:p>
             <a:r>
-              <a:rPr lang="de-DE" sz="2800" dirty="0">
+              <a:rPr lang="en-GB" sz="2800" dirty="0">
                 <a:latin typeface="Candara" panose="020E0502030303020204" pitchFamily="34" charset="0"/>
               </a:rPr>
               <a:t>Stock: </a:t>
@@ -6874,30 +6847,30 @@
           </a:p>
           <a:p>
             <a:r>
-              <a:rPr lang="de-DE" sz="2800" dirty="0">
+              <a:rPr lang="en-GB" sz="2800" dirty="0">
                 <a:latin typeface="Candara" panose="020E0502030303020204" pitchFamily="34" charset="0"/>
               </a:rPr>
               <a:t>Net current benefits </a:t>
             </a:r>
             <a:r>
-              <a:rPr lang="de-DE" sz="2800" i="1" dirty="0">
+              <a:rPr lang="en-GB" sz="2800" i="1" dirty="0">
                 <a:latin typeface="Candara" panose="020E0502030303020204" pitchFamily="34" charset="0"/>
               </a:rPr>
               <a:t>NB=B(M)-D(A)</a:t>
             </a:r>
-            <a:endParaRPr lang="de-DE" sz="2800" dirty="0">
+            <a:endParaRPr lang="en-GB" sz="2800" dirty="0">
               <a:latin typeface="Candara" panose="020E0502030303020204" pitchFamily="34" charset="0"/>
             </a:endParaRPr>
           </a:p>
           <a:p>
             <a:r>
-              <a:rPr lang="de-DE" sz="2800" dirty="0">
+              <a:rPr lang="en-GB" sz="2800" dirty="0">
                 <a:latin typeface="Candara" panose="020E0502030303020204" pitchFamily="34" charset="0"/>
               </a:rPr>
               <a:t>Efficient pollution Max NPV</a:t>
             </a:r>
             <a:r>
-              <a:rPr lang="de-DE" sz="2800" i="1" dirty="0">
+              <a:rPr lang="en-GB" sz="2800" i="1" dirty="0">
                 <a:latin typeface="Candara" panose="020E0502030303020204" pitchFamily="34" charset="0"/>
               </a:rPr>
               <a:t>NB</a:t>
@@ -7479,7 +7452,7 @@
             <p:spPr bwMode="auto">
               <a:xfrm>
                 <a:off x="1143000" y="4953000"/>
-                <a:ext cx="6096000" cy="1295400"/>
+                <a:ext cx="6934200" cy="1295400"/>
               </a:xfrm>
               <a:prstGeom prst="rect">
                 <a:avLst/>
@@ -7502,7 +7475,7 @@
                       <m:f>
                         <m:fPr>
                           <m:ctrlPr>
-                            <a:rPr lang="en-GB" sz="2800" i="1">
+                            <a:rPr lang="en-GB" sz="2800" i="1" smtClean="0">
                               <a:solidFill>
                                 <a:srgbClr val="000000"/>
                               </a:solidFill>
@@ -7576,6 +7549,83 @@
                           </m:sSub>
                         </m:den>
                       </m:f>
+                      <m:f>
+                        <m:fPr>
+                          <m:ctrlPr>
+                            <a:rPr lang="en-GB" sz="2800" i="1">
+                              <a:solidFill>
+                                <a:srgbClr val="000000"/>
+                              </a:solidFill>
+                              <a:latin typeface="Cambria Math" panose="02040503050406030204" pitchFamily="18" charset="0"/>
+                            </a:rPr>
+                          </m:ctrlPr>
+                        </m:fPr>
+                        <m:num>
+                          <m:r>
+                            <a:rPr lang="en-GB" sz="2800" i="1">
+                              <a:solidFill>
+                                <a:srgbClr val="000000"/>
+                              </a:solidFill>
+                              <a:latin typeface="Cambria Math" panose="02040503050406030204" pitchFamily="18" charset="0"/>
+                            </a:rPr>
+                            <m:t>1</m:t>
+                          </m:r>
+                        </m:num>
+                        <m:den>
+                          <m:r>
+                            <a:rPr lang="en-GB" sz="2800" i="1">
+                              <a:solidFill>
+                                <a:srgbClr val="000000"/>
+                              </a:solidFill>
+                              <a:latin typeface="Cambria Math" panose="02040503050406030204" pitchFamily="18" charset="0"/>
+                            </a:rPr>
+                            <m:t>(1+</m:t>
+                          </m:r>
+                          <m:r>
+                            <a:rPr lang="en-GB" sz="2800" i="1">
+                              <a:solidFill>
+                                <a:srgbClr val="000000"/>
+                              </a:solidFill>
+                              <a:latin typeface="Cambria Math" panose="02040503050406030204" pitchFamily="18" charset="0"/>
+                            </a:rPr>
+                            <m:t>𝜌</m:t>
+                          </m:r>
+                          <m:sSup>
+                            <m:sSupPr>
+                              <m:ctrlPr>
+                                <a:rPr lang="en-GB" sz="2800" i="1">
+                                  <a:solidFill>
+                                    <a:srgbClr val="000000"/>
+                                  </a:solidFill>
+                                  <a:latin typeface="Cambria Math" panose="02040503050406030204" pitchFamily="18" charset="0"/>
+                                </a:rPr>
+                              </m:ctrlPr>
+                            </m:sSupPr>
+                            <m:e>
+                              <m:r>
+                                <a:rPr lang="en-GB" sz="2800" i="1">
+                                  <a:solidFill>
+                                    <a:srgbClr val="000000"/>
+                                  </a:solidFill>
+                                  <a:latin typeface="Cambria Math" panose="02040503050406030204" pitchFamily="18" charset="0"/>
+                                </a:rPr>
+                                <m:t>)</m:t>
+                              </m:r>
+                            </m:e>
+                            <m:sup>
+                              <m:r>
+                                <a:rPr lang="en-GB" sz="2800" i="1">
+                                  <a:solidFill>
+                                    <a:srgbClr val="000000"/>
+                                  </a:solidFill>
+                                  <a:latin typeface="Cambria Math" panose="02040503050406030204" pitchFamily="18" charset="0"/>
+                                </a:rPr>
+                                <m:t>𝑡</m:t>
+                              </m:r>
+                            </m:sup>
+                          </m:sSup>
+                        </m:den>
+                      </m:f>
                       <m:r>
                         <a:rPr lang="en-GB" sz="2800" i="1">
                           <a:solidFill>
@@ -7606,6 +7656,15 @@
                               <a:latin typeface="Cambria Math" panose="02040503050406030204" pitchFamily="18" charset="0"/>
                             </a:rPr>
                             <m:t>𝑠</m:t>
+                          </m:r>
+                          <m:r>
+                            <a:rPr lang="en-GB" sz="2800" b="0" i="1" smtClean="0">
+                              <a:solidFill>
+                                <a:srgbClr val="000000"/>
+                              </a:solidFill>
+                              <a:latin typeface="Cambria Math" panose="02040503050406030204" pitchFamily="18" charset="0"/>
+                            </a:rPr>
+                            <m:t>=1</m:t>
                           </m:r>
                         </m:sub>
                         <m:sup/>
@@ -7933,7 +7992,7 @@
             <p:spPr bwMode="auto">
               <a:xfrm>
                 <a:off x="1143000" y="4953000"/>
-                <a:ext cx="6096000" cy="1295400"/>
+                <a:ext cx="6934200" cy="1295400"/>
               </a:xfrm>
               <a:prstGeom prst="rect">
                 <a:avLst/>
@@ -8361,7 +8420,7 @@
                       <m:f>
                         <m:fPr>
                           <m:ctrlPr>
-                            <a:rPr lang="en-GB" sz="2800" i="1">
+                            <a:rPr lang="en-GB" sz="2800" i="1" smtClean="0">
                               <a:solidFill>
                                 <a:srgbClr val="000000"/>
                               </a:solidFill>
@@ -8465,6 +8524,15 @@
                               <a:latin typeface="Cambria Math" panose="02040503050406030204" pitchFamily="18" charset="0"/>
                             </a:rPr>
                             <m:t>𝑠</m:t>
+                          </m:r>
+                          <m:r>
+                            <a:rPr lang="en-GB" sz="2800" b="0" i="1" smtClean="0">
+                              <a:solidFill>
+                                <a:srgbClr val="000000"/>
+                              </a:solidFill>
+                              <a:latin typeface="Cambria Math" panose="02040503050406030204" pitchFamily="18" charset="0"/>
+                            </a:rPr>
+                            <m:t>=1</m:t>
                           </m:r>
                         </m:sub>
                         <m:sup/>
@@ -8635,24 +8703,6 @@
                                       </a:solidFill>
                                       <a:latin typeface="Cambria Math" panose="02040503050406030204" pitchFamily="18" charset="0"/>
                                     </a:rPr>
-                                    <m:t>𝑡</m:t>
-                                  </m:r>
-                                  <m:r>
-                                    <a:rPr lang="en-GB" sz="2800" i="1">
-                                      <a:solidFill>
-                                        <a:srgbClr val="000000"/>
-                                      </a:solidFill>
-                                      <a:latin typeface="Cambria Math" panose="02040503050406030204" pitchFamily="18" charset="0"/>
-                                    </a:rPr>
-                                    <m:t>+</m:t>
-                                  </m:r>
-                                  <m:r>
-                                    <a:rPr lang="en-GB" sz="2800" i="1">
-                                      <a:solidFill>
-                                        <a:srgbClr val="000000"/>
-                                      </a:solidFill>
-                                      <a:latin typeface="Cambria Math" panose="02040503050406030204" pitchFamily="18" charset="0"/>
-                                    </a:rPr>
                                     <m:t>𝑠</m:t>
                                   </m:r>
                                 </m:sup>
@@ -8730,24 +8780,6 @@
                                       </a:solidFill>
                                       <a:latin typeface="Cambria Math" panose="02040503050406030204" pitchFamily="18" charset="0"/>
                                     </a:rPr>
-                                    <m:t>𝑡</m:t>
-                                  </m:r>
-                                  <m:r>
-                                    <a:rPr lang="en-GB" sz="2800" i="1">
-                                      <a:solidFill>
-                                        <a:srgbClr val="000000"/>
-                                      </a:solidFill>
-                                      <a:latin typeface="Cambria Math" panose="02040503050406030204" pitchFamily="18" charset="0"/>
-                                    </a:rPr>
-                                    <m:t>+</m:t>
-                                  </m:r>
-                                  <m:r>
-                                    <a:rPr lang="en-GB" sz="2800" i="1">
-                                      <a:solidFill>
-                                        <a:srgbClr val="000000"/>
-                                      </a:solidFill>
-                                      <a:latin typeface="Cambria Math" panose="02040503050406030204" pitchFamily="18" charset="0"/>
-                                    </a:rPr>
                                     <m:t>𝑠</m:t>
                                   </m:r>
                                 </m:sup>
@@ -8786,6 +8818,15 @@
                               <a:latin typeface="Cambria Math" panose="02040503050406030204" pitchFamily="18" charset="0"/>
                             </a:rPr>
                             <m:t>𝑠</m:t>
+                          </m:r>
+                          <m:r>
+                            <a:rPr lang="en-GB" sz="2800" b="0" i="1" smtClean="0">
+                              <a:solidFill>
+                                <a:srgbClr val="000000"/>
+                              </a:solidFill>
+                              <a:latin typeface="Cambria Math" panose="02040503050406030204" pitchFamily="18" charset="0"/>
+                            </a:rPr>
+                            <m:t>=1</m:t>
                           </m:r>
                         </m:sub>
                         <m:sup/>
@@ -8967,24 +9008,6 @@
                                   </m:r>
                                 </m:e>
                                 <m:sup>
-                                  <m:r>
-                                    <a:rPr lang="en-GB" sz="2800" i="1">
-                                      <a:solidFill>
-                                        <a:srgbClr val="000000"/>
-                                      </a:solidFill>
-                                      <a:latin typeface="Cambria Math" panose="02040503050406030204" pitchFamily="18" charset="0"/>
-                                    </a:rPr>
-                                    <m:t>𝑡</m:t>
-                                  </m:r>
-                                  <m:r>
-                                    <a:rPr lang="en-GB" sz="2800" i="1">
-                                      <a:solidFill>
-                                        <a:srgbClr val="000000"/>
-                                      </a:solidFill>
-                                      <a:latin typeface="Cambria Math" panose="02040503050406030204" pitchFamily="18" charset="0"/>
-                                    </a:rPr>
-                                    <m:t>+</m:t>
-                                  </m:r>
                                   <m:r>
                                     <a:rPr lang="en-GB" sz="2800" i="1">
                                       <a:solidFill>
@@ -9804,11 +9827,20 @@
               <a:buNone/>
             </a:pPr>
             <a:r>
-              <a:rPr lang="en-US" sz="2800" dirty="0">
-                <a:latin typeface="Candara" panose="020E0502030303020204" pitchFamily="34" charset="0"/>
-              </a:rPr>
-              <a:t>9 Imperfect information</a:t>
-            </a:r>
+              <a:rPr lang="en-US" sz="2800">
+                <a:latin typeface="Candara" panose="020E0502030303020204" pitchFamily="34" charset="0"/>
+              </a:rPr>
+              <a:t>9 </a:t>
+            </a:r>
+            <a:r>
+              <a:rPr lang="en-US" sz="2800">
+                <a:latin typeface="Candara" panose="020E0502030303020204" pitchFamily="34" charset="0"/>
+              </a:rPr>
+              <a:t>Complications with instruments</a:t>
+            </a:r>
+            <a:endParaRPr lang="en-US" sz="2800" dirty="0">
+              <a:latin typeface="Candara" panose="020E0502030303020204" pitchFamily="34" charset="0"/>
+            </a:endParaRPr>
           </a:p>
           <a:p>
             <a:pPr eaLnBrk="1" hangingPunct="1">
@@ -10753,7 +10785,7 @@
               <a:rPr lang="en-GB" sz="2400" dirty="0">
                 <a:latin typeface="Candara" panose="020E0502030303020204" pitchFamily="34" charset="0"/>
               </a:rPr>
-              <a:t>Benefits outweigh costs — B &gt; C, B / C &gt; 1</a:t>
+              <a:t>Benefits outweigh costs — B &gt; C, B / C &gt; 1 (single project)</a:t>
             </a:r>
           </a:p>
           <a:p>
@@ -11436,6 +11468,28 @@
               </a:rPr>
               <a:t>e.g. compensation through tax system</a:t>
             </a:r>
+            <a:endParaRPr lang="en-GB" sz="2400" dirty="0">
+              <a:latin typeface="Candara" panose="020E0502030303020204" pitchFamily="34" charset="0"/>
+            </a:endParaRPr>
+          </a:p>
+          <a:p>
+            <a:pPr marL="739441" lvl="1" indent="-219395" defTabSz="373783">
+              <a:spcBef>
+                <a:spcPts val="984"/>
+              </a:spcBef>
+              <a:buSzPct val="100000"/>
+              <a:buChar char="•"/>
+              <a:defRPr sz="3276"/>
+            </a:pPr>
+            <a:r>
+              <a:rPr lang="en-GB" sz="2400" dirty="0">
+                <a:latin typeface="Candara" panose="020E0502030303020204" pitchFamily="34" charset="0"/>
+              </a:rPr>
+              <a:t>Potential v actual Pareto improvements</a:t>
+            </a:r>
+            <a:endParaRPr sz="2400" dirty="0">
+              <a:latin typeface="Candara" panose="020E0502030303020204" pitchFamily="34" charset="0"/>
+            </a:endParaRPr>
           </a:p>
           <a:p>
             <a:pPr marL="406286" indent="-406286" defTabSz="373783">
@@ -13052,21 +13106,21 @@
                 <a:gridCol w="2086978">
                   <a:extLst>
                     <a:ext uri="{9D8B030D-6E8A-4147-A177-3AD203B41FA5}">
-                      <a16:colId xmlns:a16="http://schemas.microsoft.com/office/drawing/2014/main" val="20000"/>
+                      <a16:colId xmlns:a16="http://schemas.microsoft.com/office/drawing/2014/main" xmlns="" val="20000"/>
                     </a:ext>
                   </a:extLst>
                 </a:gridCol>
                 <a:gridCol w="2815420">
                   <a:extLst>
                     <a:ext uri="{9D8B030D-6E8A-4147-A177-3AD203B41FA5}">
-                      <a16:colId xmlns:a16="http://schemas.microsoft.com/office/drawing/2014/main" val="20001"/>
+                      <a16:colId xmlns:a16="http://schemas.microsoft.com/office/drawing/2014/main" xmlns="" val="20001"/>
                     </a:ext>
                   </a:extLst>
                 </a:gridCol>
                 <a:gridCol w="3080742">
                   <a:extLst>
                     <a:ext uri="{9D8B030D-6E8A-4147-A177-3AD203B41FA5}">
-                      <a16:colId xmlns:a16="http://schemas.microsoft.com/office/drawing/2014/main" val="20002"/>
+                      <a16:colId xmlns:a16="http://schemas.microsoft.com/office/drawing/2014/main" xmlns="" val="20002"/>
                     </a:ext>
                   </a:extLst>
                 </a:gridCol>
@@ -13171,7 +13225,7 @@
                 </a:tc>
                 <a:extLst>
                   <a:ext uri="{0D108BD9-81ED-4DB2-BD59-A6C34878D82A}">
-                    <a16:rowId xmlns:a16="http://schemas.microsoft.com/office/drawing/2014/main" val="10000"/>
+                    <a16:rowId xmlns:a16="http://schemas.microsoft.com/office/drawing/2014/main" xmlns="" val="10000"/>
                   </a:ext>
                 </a:extLst>
               </a:tr>
@@ -13336,7 +13390,7 @@
                 </a:tc>
                 <a:extLst>
                   <a:ext uri="{0D108BD9-81ED-4DB2-BD59-A6C34878D82A}">
-                    <a16:rowId xmlns:a16="http://schemas.microsoft.com/office/drawing/2014/main" val="10001"/>
+                    <a16:rowId xmlns:a16="http://schemas.microsoft.com/office/drawing/2014/main" xmlns="" val="10001"/>
                   </a:ext>
                 </a:extLst>
               </a:tr>
@@ -13561,7 +13615,7 @@
                 </a:tc>
                 <a:extLst>
                   <a:ext uri="{0D108BD9-81ED-4DB2-BD59-A6C34878D82A}">
-                    <a16:rowId xmlns:a16="http://schemas.microsoft.com/office/drawing/2014/main" val="10002"/>
+                    <a16:rowId xmlns:a16="http://schemas.microsoft.com/office/drawing/2014/main" xmlns="" val="10002"/>
                   </a:ext>
                 </a:extLst>
               </a:tr>
@@ -13665,22 +13719,10 @@
               <a:defRPr sz="5700"/>
             </a:pPr>
             <a:r>
-              <a:rPr sz="2800" dirty="0">
-                <a:latin typeface="Candara" panose="020E0502030303020204" pitchFamily="34" charset="0"/>
-              </a:rPr>
-              <a:t>Air quality, </a:t>
-            </a:r>
-            <a:r>
-              <a:rPr sz="2800" dirty="0" err="1">
-                <a:latin typeface="Candara" panose="020E0502030303020204" pitchFamily="34" charset="0"/>
-              </a:rPr>
-              <a:t>odour</a:t>
-            </a:r>
-            <a:r>
-              <a:rPr sz="2800" dirty="0">
-                <a:latin typeface="Candara" panose="020E0502030303020204" pitchFamily="34" charset="0"/>
-              </a:rPr>
-              <a:t>, noise, vibration from construction works</a:t>
+              <a:rPr lang="en-GB" sz="2800" dirty="0">
+                <a:latin typeface="Candara" panose="020E0502030303020204" pitchFamily="34" charset="0"/>
+              </a:rPr>
+              <a:t>Air quality, odour, noise, vibration from construction works</a:t>
             </a:r>
           </a:p>
           <a:p>
@@ -13691,7 +13733,7 @@
               <a:defRPr sz="5700"/>
             </a:pPr>
             <a:r>
-              <a:rPr sz="2800" dirty="0">
+              <a:rPr lang="en-GB" sz="2800" dirty="0">
                 <a:latin typeface="Candara" panose="020E0502030303020204" pitchFamily="34" charset="0"/>
               </a:rPr>
               <a:t>Cultural heritage: archaeological remains</a:t>
@@ -13705,7 +13747,7 @@
               <a:defRPr sz="5700"/>
             </a:pPr>
             <a:r>
-              <a:rPr sz="2800" dirty="0">
+              <a:rPr lang="en-GB" sz="2800" dirty="0">
                 <a:latin typeface="Candara" panose="020E0502030303020204" pitchFamily="34" charset="0"/>
               </a:rPr>
               <a:t>Ecological impacts other than dead fish</a:t>
@@ -13719,7 +13761,7 @@
               <a:defRPr sz="5700"/>
             </a:pPr>
             <a:r>
-              <a:rPr sz="2800" dirty="0">
+              <a:rPr lang="en-GB" sz="2800" dirty="0">
                 <a:latin typeface="Candara" panose="020E0502030303020204" pitchFamily="34" charset="0"/>
               </a:rPr>
               <a:t>Hydrological impacts</a:t>
@@ -14221,31 +14263,13 @@
           <a:lstStyle/>
           <a:p>
             <a:r>
-              <a:rPr sz="3600" dirty="0">
+              <a:rPr lang="en-GB" sz="3600" dirty="0">
                 <a:solidFill>
                   <a:schemeClr val="tx1"/>
                 </a:solidFill>
                 <a:latin typeface="Candara" panose="020E0502030303020204" pitchFamily="34" charset="0"/>
               </a:rPr>
-              <a:t>Step 6: </a:t>
-            </a:r>
-            <a:r>
-              <a:rPr sz="3600" dirty="0" err="1">
-                <a:solidFill>
-                  <a:schemeClr val="tx1"/>
-                </a:solidFill>
-                <a:latin typeface="Candara" panose="020E0502030303020204" pitchFamily="34" charset="0"/>
-              </a:rPr>
-              <a:t>monetise</a:t>
-            </a:r>
-            <a:r>
-              <a:rPr sz="3600" dirty="0">
-                <a:solidFill>
-                  <a:schemeClr val="tx1"/>
-                </a:solidFill>
-                <a:latin typeface="Candara" panose="020E0502030303020204" pitchFamily="34" charset="0"/>
-              </a:rPr>
-              <a:t> impacts</a:t>
+              <a:t>Step 6: monetise impacts</a:t>
             </a:r>
           </a:p>
         </p:txBody>
@@ -14865,14 +14889,14 @@
                 <a:gridCol w="1578089">
                   <a:extLst>
                     <a:ext uri="{9D8B030D-6E8A-4147-A177-3AD203B41FA5}">
-                      <a16:colId xmlns:a16="http://schemas.microsoft.com/office/drawing/2014/main" val="20000"/>
+                      <a16:colId xmlns:a16="http://schemas.microsoft.com/office/drawing/2014/main" xmlns="" val="20000"/>
                     </a:ext>
                   </a:extLst>
                 </a:gridCol>
                 <a:gridCol w="2056293">
                   <a:extLst>
                     <a:ext uri="{9D8B030D-6E8A-4147-A177-3AD203B41FA5}">
-                      <a16:colId xmlns:a16="http://schemas.microsoft.com/office/drawing/2014/main" val="20001"/>
+                      <a16:colId xmlns:a16="http://schemas.microsoft.com/office/drawing/2014/main" xmlns="" val="20001"/>
                     </a:ext>
                   </a:extLst>
                 </a:gridCol>
@@ -14949,7 +14973,7 @@
                 </a:tc>
                 <a:extLst>
                   <a:ext uri="{0D108BD9-81ED-4DB2-BD59-A6C34878D82A}">
-                    <a16:rowId xmlns:a16="http://schemas.microsoft.com/office/drawing/2014/main" val="10000"/>
+                    <a16:rowId xmlns:a16="http://schemas.microsoft.com/office/drawing/2014/main" xmlns="" val="10000"/>
                   </a:ext>
                 </a:extLst>
               </a:tr>
@@ -15025,7 +15049,7 @@
                 </a:tc>
                 <a:extLst>
                   <a:ext uri="{0D108BD9-81ED-4DB2-BD59-A6C34878D82A}">
-                    <a16:rowId xmlns:a16="http://schemas.microsoft.com/office/drawing/2014/main" val="10001"/>
+                    <a16:rowId xmlns:a16="http://schemas.microsoft.com/office/drawing/2014/main" xmlns="" val="10001"/>
                   </a:ext>
                 </a:extLst>
               </a:tr>
@@ -15101,7 +15125,7 @@
                 </a:tc>
                 <a:extLst>
                   <a:ext uri="{0D108BD9-81ED-4DB2-BD59-A6C34878D82A}">
-                    <a16:rowId xmlns:a16="http://schemas.microsoft.com/office/drawing/2014/main" val="10002"/>
+                    <a16:rowId xmlns:a16="http://schemas.microsoft.com/office/drawing/2014/main" xmlns="" val="10002"/>
                   </a:ext>
                 </a:extLst>
               </a:tr>
@@ -15177,7 +15201,7 @@
                 </a:tc>
                 <a:extLst>
                   <a:ext uri="{0D108BD9-81ED-4DB2-BD59-A6C34878D82A}">
-                    <a16:rowId xmlns:a16="http://schemas.microsoft.com/office/drawing/2014/main" val="10003"/>
+                    <a16:rowId xmlns:a16="http://schemas.microsoft.com/office/drawing/2014/main" xmlns="" val="10003"/>
                   </a:ext>
                 </a:extLst>
               </a:tr>
@@ -15218,183 +15242,109 @@
       </p:grpSpPr>
       <p:sp>
         <p:nvSpPr>
-          <p:cNvPr id="2051" name="Rectangle 3"/>
-          <p:cNvSpPr>
-            <a:spLocks noGrp="1" noChangeArrowheads="1"/>
+          <p:cNvPr id="255" name="“The true rule in determining to embrace or reject anything is not whether it have any evil in it; but whether it have more of evil than of good.”  — Abraham Lincoln"/>
+          <p:cNvSpPr txBox="1">
+            <a:spLocks noGrp="1"/>
           </p:cNvSpPr>
           <p:nvPr>
-            <p:ph type="body" idx="1"/>
+            <p:ph type="body" sz="half" idx="1"/>
           </p:nvPr>
         </p:nvSpPr>
         <p:spPr>
           <a:xfrm>
-            <a:off x="228600" y="457200"/>
-            <a:ext cx="8534400" cy="4114800"/>
+            <a:off x="457200" y="1101727"/>
+            <a:ext cx="6172200" cy="5143500"/>
           </a:xfrm>
+          <a:prstGeom prst="rect">
+            <a:avLst/>
+          </a:prstGeom>
         </p:spPr>
         <p:txBody>
           <a:bodyPr/>
           <a:lstStyle/>
           <a:p>
-            <a:pPr>
-              <a:lnSpc>
-                <a:spcPct val="90000"/>
-              </a:lnSpc>
+            <a:pPr marL="0" indent="0" defTabSz="373783">
               <a:spcBef>
-                <a:spcPts val="0"/>
+                <a:spcPts val="984"/>
               </a:spcBef>
-              <a:buFontTx/>
               <a:buNone/>
-            </a:pPr>
-            <a:endParaRPr lang="de-DE" sz="2800" dirty="0">
-              <a:latin typeface="Comic Sans MS" pitchFamily="66" charset="0"/>
-            </a:endParaRPr>
-          </a:p>
-          <a:p>
-            <a:pPr>
-              <a:lnSpc>
-                <a:spcPct val="90000"/>
-              </a:lnSpc>
-              <a:spcBef>
-                <a:spcPts val="0"/>
-              </a:spcBef>
-              <a:buFontTx/>
-              <a:buNone/>
-            </a:pPr>
-            <a:endParaRPr lang="de-DE" sz="2800" dirty="0">
-              <a:latin typeface="Comic Sans MS" pitchFamily="66" charset="0"/>
-            </a:endParaRPr>
-          </a:p>
-          <a:p>
-            <a:pPr>
-              <a:lnSpc>
-                <a:spcPct val="90000"/>
-              </a:lnSpc>
-              <a:spcBef>
-                <a:spcPts val="0"/>
-              </a:spcBef>
-              <a:buFontTx/>
-              <a:buNone/>
-            </a:pPr>
-            <a:endParaRPr lang="de-DE" sz="2800" dirty="0">
-              <a:latin typeface="Comic Sans MS" pitchFamily="66" charset="0"/>
-            </a:endParaRPr>
-          </a:p>
-          <a:p>
-            <a:pPr>
-              <a:lnSpc>
-                <a:spcPct val="90000"/>
-              </a:lnSpc>
-              <a:spcBef>
-                <a:spcPts val="0"/>
-              </a:spcBef>
-              <a:buFontTx/>
-              <a:buNone/>
-            </a:pPr>
-            <a:endParaRPr lang="de-DE" sz="2800" dirty="0">
-              <a:latin typeface="Comic Sans MS" pitchFamily="66" charset="0"/>
-            </a:endParaRPr>
-          </a:p>
-          <a:p>
-            <a:pPr>
-              <a:lnSpc>
-                <a:spcPct val="90000"/>
-              </a:lnSpc>
-              <a:spcBef>
-                <a:spcPts val="0"/>
-              </a:spcBef>
-              <a:buFontTx/>
-              <a:buNone/>
-            </a:pPr>
-            <a:r>
-              <a:rPr lang="de-DE" sz="2800" dirty="0">
-                <a:latin typeface="Candara" panose="020E0502030303020204" pitchFamily="34" charset="0"/>
-              </a:rPr>
-              <a:t>Every upside has its downside</a:t>
-            </a:r>
-          </a:p>
-          <a:p>
-            <a:pPr>
-              <a:lnSpc>
-                <a:spcPct val="90000"/>
-              </a:lnSpc>
-              <a:spcBef>
-                <a:spcPts val="0"/>
-              </a:spcBef>
-              <a:buFontTx/>
-              <a:buNone/>
-            </a:pPr>
-            <a:endParaRPr lang="de-DE" sz="2800" dirty="0">
-              <a:latin typeface="Candara" panose="020E0502030303020204" pitchFamily="34" charset="0"/>
-            </a:endParaRPr>
-          </a:p>
-          <a:p>
-            <a:pPr>
-              <a:lnSpc>
-                <a:spcPct val="90000"/>
-              </a:lnSpc>
-              <a:spcBef>
-                <a:spcPts val="0"/>
-              </a:spcBef>
-              <a:buFontTx/>
-              <a:buNone/>
-            </a:pPr>
-            <a:endParaRPr lang="de-DE" sz="2800" dirty="0">
-              <a:latin typeface="Candara" panose="020E0502030303020204" pitchFamily="34" charset="0"/>
-            </a:endParaRPr>
-          </a:p>
-          <a:p>
-            <a:pPr>
-              <a:lnSpc>
-                <a:spcPct val="90000"/>
-              </a:lnSpc>
-              <a:spcBef>
-                <a:spcPts val="0"/>
-              </a:spcBef>
-              <a:buFontTx/>
-              <a:buNone/>
-            </a:pPr>
-            <a:r>
-              <a:rPr lang="de-DE" sz="2800" dirty="0">
-                <a:latin typeface="Candara" panose="020E0502030303020204" pitchFamily="34" charset="0"/>
-              </a:rPr>
-              <a:t>				Johan Cruyff</a:t>
-            </a:r>
-            <a:endParaRPr lang="en-GB" sz="2800" dirty="0">
-              <a:latin typeface="Candara" panose="020E0502030303020204" pitchFamily="34" charset="0"/>
-            </a:endParaRPr>
+              <a:defRPr sz="5460"/>
+            </a:pPr>
+            <a:r>
+              <a:rPr sz="2800" dirty="0">
+                <a:latin typeface="Candara" panose="020E0502030303020204" pitchFamily="34" charset="0"/>
+              </a:rPr>
+              <a:t>The true rule in determining to embrace or reject anything is not whether it have any evil in it; but whether it have more of evil than of good.</a:t>
+            </a:r>
+            <a:br>
+              <a:rPr sz="2800" dirty="0">
+                <a:latin typeface="Candara" panose="020E0502030303020204" pitchFamily="34" charset="0"/>
+              </a:rPr>
+            </a:br>
+            <a:r>
+              <a:rPr sz="2800" dirty="0">
+                <a:latin typeface="Candara" panose="020E0502030303020204" pitchFamily="34" charset="0"/>
+              </a:rPr>
+              <a:t/>
+            </a:r>
+            <a:br>
+              <a:rPr sz="2800" dirty="0">
+                <a:latin typeface="Candara" panose="020E0502030303020204" pitchFamily="34" charset="0"/>
+              </a:rPr>
+            </a:br>
+            <a:r>
+              <a:rPr lang="en-GB" sz="2800" dirty="0">
+                <a:latin typeface="Candara" panose="020E0502030303020204" pitchFamily="34" charset="0"/>
+              </a:rPr>
+              <a:t>					  				</a:t>
+            </a:r>
+            <a:r>
+              <a:rPr sz="2800" dirty="0">
+                <a:latin typeface="Candara" panose="020E0502030303020204" pitchFamily="34" charset="0"/>
+              </a:rPr>
+              <a:t>Abraham Lincoln</a:t>
+            </a:r>
           </a:p>
         </p:txBody>
       </p:sp>
       <p:pic>
         <p:nvPicPr>
-          <p:cNvPr id="4" name="Picture 3" descr="cruyffajaz.jpg"/>
+          <p:cNvPr id="256" name="abraham-lincoln.jpg" descr="abraham-lincoln.jpg"/>
           <p:cNvPicPr>
             <a:picLocks noChangeAspect="1"/>
           </p:cNvPicPr>
           <p:nvPr/>
         </p:nvPicPr>
         <p:blipFill>
-          <a:blip r:embed="rId3" cstate="print"/>
+          <a:blip r:embed="rId3"/>
           <a:stretch>
             <a:fillRect/>
           </a:stretch>
         </p:blipFill>
         <p:spPr>
           <a:xfrm>
-            <a:off x="5334000" y="152400"/>
-            <a:ext cx="3657600" cy="3425952"/>
+            <a:off x="6858000" y="76200"/>
+            <a:ext cx="2181821" cy="3597277"/>
           </a:xfrm>
           <a:prstGeom prst="rect">
             <a:avLst/>
           </a:prstGeom>
+          <a:ln w="12700">
+            <a:miter lim="400000"/>
+          </a:ln>
         </p:spPr>
       </p:pic>
     </p:spTree>
+    <p:extLst>
+      <p:ext uri="{BB962C8B-B14F-4D97-AF65-F5344CB8AC3E}">
+        <p14:creationId xmlns:p14="http://schemas.microsoft.com/office/powerpoint/2010/main" val="2872554945"/>
+      </p:ext>
+    </p:extLst>
   </p:cSld>
   <p:clrMapOvr>
     <a:masterClrMapping/>
   </p:clrMapOvr>
+  <p:transition spd="med"/>
 </p:sld>
 </file>
 
@@ -16119,22 +16069,10 @@
               <a:defRPr sz="5940"/>
             </a:pPr>
             <a:r>
-              <a:rPr sz="2400" dirty="0">
-                <a:latin typeface="Candara" panose="020E0502030303020204" pitchFamily="34" charset="0"/>
-              </a:rPr>
-              <a:t>Distribution/</a:t>
-            </a:r>
-            <a:r>
-              <a:rPr sz="2400" dirty="0" err="1">
-                <a:latin typeface="Candara" panose="020E0502030303020204" pitchFamily="34" charset="0"/>
-              </a:rPr>
-              <a:t>equit</a:t>
-            </a:r>
-            <a:r>
-              <a:rPr lang="en-GB" sz="2400" dirty="0">
-                <a:latin typeface="Candara" panose="020E0502030303020204" pitchFamily="34" charset="0"/>
-              </a:rPr>
-              <a:t>y</a:t>
+              <a:rPr lang="en-GB" sz="2000" dirty="0">
+                <a:latin typeface="Candara" panose="020E0502030303020204" pitchFamily="34" charset="0"/>
+              </a:rPr>
+              <a:t>Distribution, equity</a:t>
             </a:r>
           </a:p>
           <a:p>
@@ -16145,14 +16083,11 @@
               <a:defRPr sz="5940"/>
             </a:pPr>
             <a:r>
-              <a:rPr sz="2800" dirty="0">
-                <a:latin typeface="Candara" panose="020E0502030303020204" pitchFamily="34" charset="0"/>
-              </a:rPr>
-              <a:t>Lobbying/special interests</a:t>
-            </a:r>
-            <a:endParaRPr lang="en-GB" sz="2800" dirty="0">
-              <a:latin typeface="Candara" panose="020E0502030303020204" pitchFamily="34" charset="0"/>
-            </a:endParaRPr>
+              <a:rPr lang="en-GB" sz="2000" dirty="0">
+                <a:latin typeface="Candara" panose="020E0502030303020204" pitchFamily="34" charset="0"/>
+              </a:rPr>
+              <a:t>Lobbying, special interests</a:t>
+            </a:r>
           </a:p>
           <a:p>
             <a:pPr marL="1524986" lvl="2" indent="-442004" defTabSz="406644">
@@ -16162,14 +16097,11 @@
               <a:defRPr sz="5940"/>
             </a:pPr>
             <a:r>
-              <a:rPr sz="2800" dirty="0">
+              <a:rPr lang="en-GB" sz="2000" dirty="0">
                 <a:latin typeface="Candara" panose="020E0502030303020204" pitchFamily="34" charset="0"/>
               </a:rPr>
               <a:t>Floating voters</a:t>
             </a:r>
-            <a:endParaRPr lang="en-GB" sz="2800" dirty="0">
-              <a:latin typeface="Candara" panose="020E0502030303020204" pitchFamily="34" charset="0"/>
-            </a:endParaRPr>
           </a:p>
           <a:p>
             <a:pPr marL="1524986" lvl="2" indent="-442004" defTabSz="406644">
@@ -16179,17 +16111,14 @@
               <a:defRPr sz="5940"/>
             </a:pPr>
             <a:r>
-              <a:rPr lang="en-GB" sz="2800" dirty="0">
+              <a:rPr lang="en-GB" sz="2000" dirty="0">
                 <a:latin typeface="Candara" panose="020E0502030303020204" pitchFamily="34" charset="0"/>
               </a:rPr>
               <a:t>…</a:t>
             </a:r>
-            <a:r>
-              <a:rPr sz="2800" dirty="0">
-                <a:latin typeface="Candara" panose="020E0502030303020204" pitchFamily="34" charset="0"/>
-              </a:rPr>
-              <a:t> </a:t>
-            </a:r>
+            <a:endParaRPr sz="2800" dirty="0">
+              <a:latin typeface="Candara" panose="020E0502030303020204" pitchFamily="34" charset="0"/>
+            </a:endParaRPr>
           </a:p>
         </p:txBody>
       </p:sp>
@@ -16269,7 +16198,7 @@
         <p:spPr>
           <a:xfrm>
             <a:off x="571501" y="1143000"/>
-            <a:ext cx="6784168" cy="5143500"/>
+            <a:ext cx="8267700" cy="5143500"/>
           </a:xfrm>
           <a:prstGeom prst="rect">
             <a:avLst/>
@@ -16332,18 +16261,7 @@
               <a:rPr sz="2400" dirty="0">
                 <a:latin typeface="Candara" panose="020E0502030303020204" pitchFamily="34" charset="0"/>
               </a:rPr>
-              <a:t> benefits </a:t>
-            </a:r>
-            <a:br>
-              <a:rPr sz="2400" dirty="0">
-                <a:latin typeface="Candara" panose="020E0502030303020204" pitchFamily="34" charset="0"/>
-              </a:rPr>
-            </a:br>
-            <a:r>
-              <a:rPr sz="2400" dirty="0">
-                <a:latin typeface="Candara" panose="020E0502030303020204" pitchFamily="34" charset="0"/>
-              </a:rPr>
-              <a:t>outside Thames area included</a:t>
+              <a:t> benefits outside Thames area included</a:t>
             </a:r>
           </a:p>
           <a:p>
@@ -16357,18 +16275,7 @@
               <a:rPr sz="2800" dirty="0">
                 <a:latin typeface="Candara" panose="020E0502030303020204" pitchFamily="34" charset="0"/>
               </a:rPr>
-              <a:t>Construction has started, </a:t>
-            </a:r>
-            <a:br>
-              <a:rPr sz="2800" dirty="0">
-                <a:latin typeface="Candara" panose="020E0502030303020204" pitchFamily="34" charset="0"/>
-              </a:rPr>
-            </a:br>
-            <a:r>
-              <a:rPr sz="2800" dirty="0">
-                <a:latin typeface="Candara" panose="020E0502030303020204" pitchFamily="34" charset="0"/>
-              </a:rPr>
-              <a:t>due for completion by 2023</a:t>
+              <a:t>Construction has started, due for completion by 2023</a:t>
             </a:r>
           </a:p>
           <a:p>
@@ -16670,103 +16577,183 @@
       </p:grpSpPr>
       <p:sp>
         <p:nvSpPr>
-          <p:cNvPr id="255" name="“The true rule in determining to embrace or reject anything is not whether it have any evil in it; but whether it have more of evil than of good.”  — Abraham Lincoln"/>
-          <p:cNvSpPr txBox="1">
-            <a:spLocks noGrp="1"/>
+          <p:cNvPr id="2051" name="Rectangle 3"/>
+          <p:cNvSpPr>
+            <a:spLocks noGrp="1" noChangeArrowheads="1"/>
           </p:cNvSpPr>
           <p:nvPr>
-            <p:ph type="body" sz="half" idx="1"/>
+            <p:ph type="body" idx="1"/>
           </p:nvPr>
         </p:nvSpPr>
         <p:spPr>
           <a:xfrm>
-            <a:off x="457200" y="1101727"/>
-            <a:ext cx="6172200" cy="5143500"/>
+            <a:off x="228600" y="457200"/>
+            <a:ext cx="8534400" cy="4114800"/>
           </a:xfrm>
-          <a:prstGeom prst="rect">
-            <a:avLst/>
-          </a:prstGeom>
         </p:spPr>
         <p:txBody>
           <a:bodyPr/>
           <a:lstStyle/>
           <a:p>
-            <a:pPr marL="0" indent="0" defTabSz="373783">
+            <a:pPr>
+              <a:lnSpc>
+                <a:spcPct val="90000"/>
+              </a:lnSpc>
               <a:spcBef>
-                <a:spcPts val="984"/>
+                <a:spcPts val="0"/>
               </a:spcBef>
+              <a:buFontTx/>
               <a:buNone/>
-              <a:defRPr sz="5460"/>
-            </a:pPr>
-            <a:r>
-              <a:rPr sz="2800" dirty="0">
-                <a:latin typeface="Candara" panose="020E0502030303020204" pitchFamily="34" charset="0"/>
-              </a:rPr>
-              <a:t>The true rule in determining to embrace or reject anything is not whether it have any evil in it; but whether it have more of evil than of good.</a:t>
-            </a:r>
-            <a:br>
-              <a:rPr sz="2800" dirty="0">
-                <a:latin typeface="Candara" panose="020E0502030303020204" pitchFamily="34" charset="0"/>
-              </a:rPr>
-            </a:br>
-            <a:br>
-              <a:rPr sz="2800" dirty="0">
-                <a:latin typeface="Candara" panose="020E0502030303020204" pitchFamily="34" charset="0"/>
-              </a:rPr>
-            </a:br>
-            <a:r>
-              <a:rPr lang="en-GB" sz="2800" dirty="0">
-                <a:latin typeface="Candara" panose="020E0502030303020204" pitchFamily="34" charset="0"/>
-              </a:rPr>
-              <a:t>					  				</a:t>
-            </a:r>
-            <a:r>
-              <a:rPr sz="2800" dirty="0">
-                <a:latin typeface="Candara" panose="020E0502030303020204" pitchFamily="34" charset="0"/>
-              </a:rPr>
-              <a:t>Abraham Lincoln</a:t>
-            </a:r>
+            </a:pPr>
+            <a:endParaRPr lang="de-DE" sz="2800" dirty="0">
+              <a:latin typeface="Comic Sans MS" pitchFamily="66" charset="0"/>
+            </a:endParaRPr>
+          </a:p>
+          <a:p>
+            <a:pPr>
+              <a:lnSpc>
+                <a:spcPct val="90000"/>
+              </a:lnSpc>
+              <a:spcBef>
+                <a:spcPts val="0"/>
+              </a:spcBef>
+              <a:buFontTx/>
+              <a:buNone/>
+            </a:pPr>
+            <a:endParaRPr lang="de-DE" sz="2800" dirty="0">
+              <a:latin typeface="Comic Sans MS" pitchFamily="66" charset="0"/>
+            </a:endParaRPr>
+          </a:p>
+          <a:p>
+            <a:pPr>
+              <a:lnSpc>
+                <a:spcPct val="90000"/>
+              </a:lnSpc>
+              <a:spcBef>
+                <a:spcPts val="0"/>
+              </a:spcBef>
+              <a:buFontTx/>
+              <a:buNone/>
+            </a:pPr>
+            <a:endParaRPr lang="de-DE" sz="2800" dirty="0">
+              <a:latin typeface="Comic Sans MS" pitchFamily="66" charset="0"/>
+            </a:endParaRPr>
+          </a:p>
+          <a:p>
+            <a:pPr>
+              <a:lnSpc>
+                <a:spcPct val="90000"/>
+              </a:lnSpc>
+              <a:spcBef>
+                <a:spcPts val="0"/>
+              </a:spcBef>
+              <a:buFontTx/>
+              <a:buNone/>
+            </a:pPr>
+            <a:endParaRPr lang="de-DE" sz="2800" dirty="0">
+              <a:latin typeface="Comic Sans MS" pitchFamily="66" charset="0"/>
+            </a:endParaRPr>
+          </a:p>
+          <a:p>
+            <a:pPr>
+              <a:lnSpc>
+                <a:spcPct val="90000"/>
+              </a:lnSpc>
+              <a:spcBef>
+                <a:spcPts val="0"/>
+              </a:spcBef>
+              <a:buFontTx/>
+              <a:buNone/>
+            </a:pPr>
+            <a:r>
+              <a:rPr lang="de-DE" sz="2800" dirty="0">
+                <a:latin typeface="Candara" panose="020E0502030303020204" pitchFamily="34" charset="0"/>
+              </a:rPr>
+              <a:t>Every upside has its downside</a:t>
+            </a:r>
+          </a:p>
+          <a:p>
+            <a:pPr>
+              <a:lnSpc>
+                <a:spcPct val="90000"/>
+              </a:lnSpc>
+              <a:spcBef>
+                <a:spcPts val="0"/>
+              </a:spcBef>
+              <a:buFontTx/>
+              <a:buNone/>
+            </a:pPr>
+            <a:endParaRPr lang="de-DE" sz="2800" dirty="0">
+              <a:latin typeface="Candara" panose="020E0502030303020204" pitchFamily="34" charset="0"/>
+            </a:endParaRPr>
+          </a:p>
+          <a:p>
+            <a:pPr>
+              <a:lnSpc>
+                <a:spcPct val="90000"/>
+              </a:lnSpc>
+              <a:spcBef>
+                <a:spcPts val="0"/>
+              </a:spcBef>
+              <a:buFontTx/>
+              <a:buNone/>
+            </a:pPr>
+            <a:endParaRPr lang="de-DE" sz="2800" dirty="0">
+              <a:latin typeface="Candara" panose="020E0502030303020204" pitchFamily="34" charset="0"/>
+            </a:endParaRPr>
+          </a:p>
+          <a:p>
+            <a:pPr>
+              <a:lnSpc>
+                <a:spcPct val="90000"/>
+              </a:lnSpc>
+              <a:spcBef>
+                <a:spcPts val="0"/>
+              </a:spcBef>
+              <a:buFontTx/>
+              <a:buNone/>
+            </a:pPr>
+            <a:r>
+              <a:rPr lang="de-DE" sz="2800" dirty="0">
+                <a:latin typeface="Candara" panose="020E0502030303020204" pitchFamily="34" charset="0"/>
+              </a:rPr>
+              <a:t>				Johan Cruyff</a:t>
+            </a:r>
+            <a:endParaRPr lang="en-GB" sz="2800" dirty="0">
+              <a:latin typeface="Candara" panose="020E0502030303020204" pitchFamily="34" charset="0"/>
+            </a:endParaRPr>
           </a:p>
         </p:txBody>
       </p:sp>
       <p:pic>
         <p:nvPicPr>
-          <p:cNvPr id="256" name="abraham-lincoln.jpg" descr="abraham-lincoln.jpg"/>
+          <p:cNvPr id="4" name="Picture 3" descr="cruyffajaz.jpg"/>
           <p:cNvPicPr>
             <a:picLocks noChangeAspect="1"/>
           </p:cNvPicPr>
           <p:nvPr/>
         </p:nvPicPr>
         <p:blipFill>
-          <a:blip r:embed="rId3"/>
+          <a:blip r:embed="rId3" cstate="print"/>
           <a:stretch>
             <a:fillRect/>
           </a:stretch>
         </p:blipFill>
         <p:spPr>
           <a:xfrm>
-            <a:off x="6858000" y="76200"/>
-            <a:ext cx="2181821" cy="3597277"/>
+            <a:off x="5334000" y="152400"/>
+            <a:ext cx="3657600" cy="3425952"/>
           </a:xfrm>
           <a:prstGeom prst="rect">
             <a:avLst/>
           </a:prstGeom>
-          <a:ln w="12700">
-            <a:miter lim="400000"/>
-          </a:ln>
         </p:spPr>
       </p:pic>
     </p:spTree>
-    <p:extLst>
-      <p:ext uri="{BB962C8B-B14F-4D97-AF65-F5344CB8AC3E}">
-        <p14:creationId xmlns:p14="http://schemas.microsoft.com/office/powerpoint/2010/main" val="2872554945"/>
-      </p:ext>
-    </p:extLst>
   </p:cSld>
   <p:clrMapOvr>
     <a:masterClrMapping/>
   </p:clrMapOvr>
-  <p:transition spd="med"/>
 </p:sld>
 </file>
 
@@ -16843,7 +16830,7 @@
               <a:rPr lang="en-GB" sz="2800" dirty="0">
                 <a:latin typeface="Candara" panose="020E0502030303020204" pitchFamily="34" charset="0"/>
               </a:rPr>
-              <a:t>Pollution is an externality, that is, the unintended consequence of one‘s production or consumption on somebody else‘s production or consumption</a:t>
+              <a:t>Pollution is an externality, that is, the unintended consequence of one’s production or consumption on somebody else’s production or consumption</a:t>
             </a:r>
           </a:p>
           <a:p>

--- a/EE3 Targets.pptx
+++ b/EE3 Targets.pptx
@@ -5,54 +5,60 @@
     <p:sldMasterId id="2147483648" r:id="rId1"/>
   </p:sldMasterIdLst>
   <p:notesMasterIdLst>
-    <p:notesMasterId r:id="rId47"/>
+    <p:notesMasterId r:id="rId53"/>
   </p:notesMasterIdLst>
   <p:sldIdLst>
     <p:sldId id="257" r:id="rId2"/>
     <p:sldId id="293" r:id="rId3"/>
-    <p:sldId id="324" r:id="rId4"/>
-    <p:sldId id="326" r:id="rId5"/>
-    <p:sldId id="325" r:id="rId6"/>
-    <p:sldId id="269" r:id="rId7"/>
-    <p:sldId id="270" r:id="rId8"/>
-    <p:sldId id="314" r:id="rId9"/>
-    <p:sldId id="316" r:id="rId10"/>
-    <p:sldId id="317" r:id="rId11"/>
-    <p:sldId id="318" r:id="rId12"/>
-    <p:sldId id="319" r:id="rId13"/>
-    <p:sldId id="320" r:id="rId14"/>
-    <p:sldId id="271" r:id="rId15"/>
-    <p:sldId id="272" r:id="rId16"/>
-    <p:sldId id="322" r:id="rId17"/>
-    <p:sldId id="323" r:id="rId18"/>
-    <p:sldId id="273" r:id="rId19"/>
-    <p:sldId id="274" r:id="rId20"/>
-    <p:sldId id="275" r:id="rId21"/>
-    <p:sldId id="285" r:id="rId22"/>
-    <p:sldId id="351" r:id="rId23"/>
-    <p:sldId id="352" r:id="rId24"/>
-    <p:sldId id="355" r:id="rId25"/>
-    <p:sldId id="358" r:id="rId26"/>
-    <p:sldId id="360" r:id="rId27"/>
-    <p:sldId id="361" r:id="rId28"/>
-    <p:sldId id="362" r:id="rId29"/>
-    <p:sldId id="363" r:id="rId30"/>
-    <p:sldId id="364" r:id="rId31"/>
-    <p:sldId id="365" r:id="rId32"/>
-    <p:sldId id="366" r:id="rId33"/>
-    <p:sldId id="367" r:id="rId34"/>
-    <p:sldId id="368" r:id="rId35"/>
-    <p:sldId id="369" r:id="rId36"/>
-    <p:sldId id="370" r:id="rId37"/>
-    <p:sldId id="371" r:id="rId38"/>
-    <p:sldId id="372" r:id="rId39"/>
-    <p:sldId id="373" r:id="rId40"/>
-    <p:sldId id="374" r:id="rId41"/>
-    <p:sldId id="375" r:id="rId42"/>
-    <p:sldId id="376" r:id="rId43"/>
-    <p:sldId id="377" r:id="rId44"/>
-    <p:sldId id="378" r:id="rId45"/>
-    <p:sldId id="388" r:id="rId46"/>
+    <p:sldId id="389" r:id="rId4"/>
+    <p:sldId id="324" r:id="rId5"/>
+    <p:sldId id="326" r:id="rId6"/>
+    <p:sldId id="325" r:id="rId7"/>
+    <p:sldId id="269" r:id="rId8"/>
+    <p:sldId id="270" r:id="rId9"/>
+    <p:sldId id="314" r:id="rId10"/>
+    <p:sldId id="316" r:id="rId11"/>
+    <p:sldId id="317" r:id="rId12"/>
+    <p:sldId id="318" r:id="rId13"/>
+    <p:sldId id="319" r:id="rId14"/>
+    <p:sldId id="320" r:id="rId15"/>
+    <p:sldId id="271" r:id="rId16"/>
+    <p:sldId id="272" r:id="rId17"/>
+    <p:sldId id="322" r:id="rId18"/>
+    <p:sldId id="323" r:id="rId19"/>
+    <p:sldId id="393" r:id="rId20"/>
+    <p:sldId id="273" r:id="rId21"/>
+    <p:sldId id="274" r:id="rId22"/>
+    <p:sldId id="275" r:id="rId23"/>
+    <p:sldId id="391" r:id="rId24"/>
+    <p:sldId id="285" r:id="rId25"/>
+    <p:sldId id="394" r:id="rId26"/>
+    <p:sldId id="390" r:id="rId27"/>
+    <p:sldId id="351" r:id="rId28"/>
+    <p:sldId id="352" r:id="rId29"/>
+    <p:sldId id="355" r:id="rId30"/>
+    <p:sldId id="358" r:id="rId31"/>
+    <p:sldId id="360" r:id="rId32"/>
+    <p:sldId id="392" r:id="rId33"/>
+    <p:sldId id="361" r:id="rId34"/>
+    <p:sldId id="362" r:id="rId35"/>
+    <p:sldId id="363" r:id="rId36"/>
+    <p:sldId id="364" r:id="rId37"/>
+    <p:sldId id="365" r:id="rId38"/>
+    <p:sldId id="366" r:id="rId39"/>
+    <p:sldId id="367" r:id="rId40"/>
+    <p:sldId id="368" r:id="rId41"/>
+    <p:sldId id="369" r:id="rId42"/>
+    <p:sldId id="370" r:id="rId43"/>
+    <p:sldId id="371" r:id="rId44"/>
+    <p:sldId id="372" r:id="rId45"/>
+    <p:sldId id="373" r:id="rId46"/>
+    <p:sldId id="374" r:id="rId47"/>
+    <p:sldId id="375" r:id="rId48"/>
+    <p:sldId id="376" r:id="rId49"/>
+    <p:sldId id="377" r:id="rId50"/>
+    <p:sldId id="378" r:id="rId51"/>
+    <p:sldId id="388" r:id="rId52"/>
   </p:sldIdLst>
   <p:sldSz cx="9144000" cy="6858000" type="screen4x3"/>
   <p:notesSz cx="6858000" cy="9144000"/>
@@ -291,7 +297,7 @@
               <a:pPr>
                 <a:defRPr/>
               </a:pPr>
-              <a:t>10/16/2019</a:t>
+              <a:t>7/28/2020</a:t>
             </a:fld>
             <a:endParaRPr lang="en-US"/>
           </a:p>
@@ -637,7 +643,7 @@
             <a:fld id="{EBD6C4EF-7654-4399-BC08-F29F2FFC8B9C}" type="slidenum">
               <a:rPr lang="en-GB"/>
               <a:pPr/>
-              <a:t>3</a:t>
+              <a:t>4</a:t>
             </a:fld>
             <a:endParaRPr lang="en-GB"/>
           </a:p>
@@ -1720,7 +1726,7 @@
             <a:fld id="{EBD6C4EF-7654-4399-BC08-F29F2FFC8B9C}" type="slidenum">
               <a:rPr lang="en-GB"/>
               <a:pPr/>
-              <a:t>5</a:t>
+              <a:t>6</a:t>
             </a:fld>
             <a:endParaRPr lang="en-GB"/>
           </a:p>
@@ -5935,7 +5941,12 @@
             <p:ph type="title"/>
           </p:nvPr>
         </p:nvSpPr>
-        <p:spPr/>
+        <p:spPr>
+          <a:xfrm>
+            <a:off x="685800" y="190500"/>
+            <a:ext cx="7772400" cy="1143000"/>
+          </a:xfrm>
+        </p:spPr>
         <p:txBody>
           <a:bodyPr/>
           <a:lstStyle/>
@@ -5963,7 +5974,12 @@
             <p:ph type="body" idx="1"/>
           </p:nvPr>
         </p:nvSpPr>
-        <p:spPr/>
+        <p:spPr>
+          <a:xfrm>
+            <a:off x="685800" y="1371600"/>
+            <a:ext cx="7772400" cy="4114800"/>
+          </a:xfrm>
+        </p:spPr>
         <p:txBody>
           <a:bodyPr/>
           <a:lstStyle/>
@@ -5977,6 +5993,24 @@
             </a:r>
           </a:p>
           <a:p>
+            <a:pPr lvl="1" eaLnBrk="1" hangingPunct="1"/>
+            <a:r>
+              <a:rPr lang="de-DE" dirty="0">
+                <a:latin typeface="Candara" panose="020E0502030303020204" pitchFamily="34" charset="0"/>
+              </a:rPr>
+              <a:t>Efficient flow pollution</a:t>
+            </a:r>
+          </a:p>
+          <a:p>
+            <a:pPr lvl="1" eaLnBrk="1" hangingPunct="1"/>
+            <a:r>
+              <a:rPr lang="de-DE" dirty="0">
+                <a:latin typeface="Candara" panose="020E0502030303020204" pitchFamily="34" charset="0"/>
+              </a:rPr>
+              <a:t>Efficient stock pollution</a:t>
+            </a:r>
+          </a:p>
+          <a:p>
             <a:pPr eaLnBrk="1" hangingPunct="1"/>
             <a:r>
               <a:rPr lang="de-DE" dirty="0">
@@ -5993,6 +6027,27 @@
               </a:rPr>
               <a:t>Applications</a:t>
             </a:r>
+          </a:p>
+          <a:p>
+            <a:pPr lvl="1" eaLnBrk="1" hangingPunct="1"/>
+            <a:r>
+              <a:rPr lang="de-DE" dirty="0">
+                <a:latin typeface="Candara" panose="020E0502030303020204" pitchFamily="34" charset="0"/>
+              </a:rPr>
+              <a:t>How to apply cost-benefit analysis</a:t>
+            </a:r>
+          </a:p>
+          <a:p>
+            <a:pPr lvl="1" eaLnBrk="1" hangingPunct="1"/>
+            <a:r>
+              <a:rPr lang="de-DE" dirty="0">
+                <a:latin typeface="Candara" panose="020E0502030303020204" pitchFamily="34" charset="0"/>
+              </a:rPr>
+              <a:t>The London Super Sewer</a:t>
+            </a:r>
+          </a:p>
+          <a:p>
+            <a:pPr lvl="1" eaLnBrk="1" hangingPunct="1"/>
             <a:endParaRPr lang="en-GB" dirty="0">
               <a:latin typeface="Candara" panose="020E0502030303020204" pitchFamily="34" charset="0"/>
             </a:endParaRPr>
@@ -6008,6 +6063,63 @@
 </file>
 
 <file path=ppt/slides/slide10.xml><?xml version="1.0" encoding="utf-8"?>
+<p:sld xmlns:a="http://schemas.openxmlformats.org/drawingml/2006/main" xmlns:r="http://schemas.openxmlformats.org/officeDocument/2006/relationships" xmlns:p="http://schemas.openxmlformats.org/presentationml/2006/main">
+  <p:cSld>
+    <p:spTree>
+      <p:nvGrpSpPr>
+        <p:cNvPr id="1" name=""/>
+        <p:cNvGrpSpPr/>
+        <p:nvPr/>
+      </p:nvGrpSpPr>
+      <p:grpSpPr>
+        <a:xfrm>
+          <a:off x="0" y="0"/>
+          <a:ext cx="0" cy="0"/>
+          <a:chOff x="0" y="0"/>
+          <a:chExt cx="0" cy="0"/>
+        </a:xfrm>
+      </p:grpSpPr>
+      <p:pic>
+        <p:nvPicPr>
+          <p:cNvPr id="9218" name="Picture 2"/>
+          <p:cNvPicPr>
+            <a:picLocks noChangeAspect="1" noChangeArrowheads="1"/>
+          </p:cNvPicPr>
+          <p:nvPr/>
+        </p:nvPicPr>
+        <p:blipFill>
+          <a:blip r:embed="rId2" cstate="print"/>
+          <a:srcRect/>
+          <a:stretch>
+            <a:fillRect/>
+          </a:stretch>
+        </p:blipFill>
+        <p:spPr bwMode="auto">
+          <a:xfrm>
+            <a:off x="0" y="0"/>
+            <a:ext cx="9144000" cy="6634163"/>
+          </a:xfrm>
+          <a:prstGeom prst="rect">
+            <a:avLst/>
+          </a:prstGeom>
+          <a:noFill/>
+          <a:ln w="9525">
+            <a:noFill/>
+            <a:miter lim="800000"/>
+            <a:headEnd/>
+            <a:tailEnd/>
+          </a:ln>
+        </p:spPr>
+      </p:pic>
+    </p:spTree>
+  </p:cSld>
+  <p:clrMapOvr>
+    <a:masterClrMapping/>
+  </p:clrMapOvr>
+</p:sld>
+</file>
+
+<file path=ppt/slides/slide11.xml><?xml version="1.0" encoding="utf-8"?>
 <p:sld xmlns:a="http://schemas.openxmlformats.org/drawingml/2006/main" xmlns:r="http://schemas.openxmlformats.org/officeDocument/2006/relationships" xmlns:p="http://schemas.openxmlformats.org/presentationml/2006/main">
   <p:cSld>
     <p:spTree>
@@ -6065,7 +6177,7 @@
 </p:sld>
 </file>
 
-<file path=ppt/slides/slide11.xml><?xml version="1.0" encoding="utf-8"?>
+<file path=ppt/slides/slide12.xml><?xml version="1.0" encoding="utf-8"?>
 <p:sld xmlns:a="http://schemas.openxmlformats.org/drawingml/2006/main" xmlns:r="http://schemas.openxmlformats.org/officeDocument/2006/relationships" xmlns:p="http://schemas.openxmlformats.org/presentationml/2006/main">
   <p:cSld>
     <p:spTree>
@@ -6122,7 +6234,7 @@
 </p:sld>
 </file>
 
-<file path=ppt/slides/slide12.xml><?xml version="1.0" encoding="utf-8"?>
+<file path=ppt/slides/slide13.xml><?xml version="1.0" encoding="utf-8"?>
 <p:sld xmlns:a="http://schemas.openxmlformats.org/drawingml/2006/main" xmlns:r="http://schemas.openxmlformats.org/officeDocument/2006/relationships" xmlns:p="http://schemas.openxmlformats.org/presentationml/2006/main">
   <p:cSld>
     <p:spTree>
@@ -6179,7 +6291,7 @@
 </p:sld>
 </file>
 
-<file path=ppt/slides/slide13.xml><?xml version="1.0" encoding="utf-8"?>
+<file path=ppt/slides/slide14.xml><?xml version="1.0" encoding="utf-8"?>
 <p:sld xmlns:a="http://schemas.openxmlformats.org/drawingml/2006/main" xmlns:r="http://schemas.openxmlformats.org/officeDocument/2006/relationships" xmlns:p="http://schemas.openxmlformats.org/presentationml/2006/main">
   <p:cSld>
     <p:spTree>
@@ -6236,7 +6348,7 @@
 </p:sld>
 </file>
 
-<file path=ppt/slides/slide14.xml><?xml version="1.0" encoding="utf-8"?>
+<file path=ppt/slides/slide15.xml><?xml version="1.0" encoding="utf-8"?>
 <p:sld xmlns:a="http://schemas.openxmlformats.org/drawingml/2006/main" xmlns:r="http://schemas.openxmlformats.org/officeDocument/2006/relationships" xmlns:p="http://schemas.openxmlformats.org/presentationml/2006/main">
   <p:cSld>
     <p:spTree>
@@ -6473,7 +6585,7 @@
 </p:sld>
 </file>
 
-<file path=ppt/slides/slide15.xml><?xml version="1.0" encoding="utf-8"?>
+<file path=ppt/slides/slide16.xml><?xml version="1.0" encoding="utf-8"?>
 <p:sld xmlns:a="http://schemas.openxmlformats.org/drawingml/2006/main" xmlns:r="http://schemas.openxmlformats.org/officeDocument/2006/relationships" xmlns:p="http://schemas.openxmlformats.org/presentationml/2006/main">
   <p:cSld>
     <p:spTree>
@@ -6567,7 +6679,7 @@
 </p:sld>
 </file>
 
-<file path=ppt/slides/slide16.xml><?xml version="1.0" encoding="utf-8"?>
+<file path=ppt/slides/slide17.xml><?xml version="1.0" encoding="utf-8"?>
 <p:sld xmlns:a="http://schemas.openxmlformats.org/drawingml/2006/main" xmlns:r="http://schemas.openxmlformats.org/officeDocument/2006/relationships" xmlns:p="http://schemas.openxmlformats.org/presentationml/2006/main">
   <p:cSld>
     <p:spTree>
@@ -6625,7 +6737,7 @@
 </p:sld>
 </file>
 
-<file path=ppt/slides/slide17.xml><?xml version="1.0" encoding="utf-8"?>
+<file path=ppt/slides/slide18.xml><?xml version="1.0" encoding="utf-8"?>
 <p:sld xmlns:a="http://schemas.openxmlformats.org/drawingml/2006/main" xmlns:r="http://schemas.openxmlformats.org/officeDocument/2006/relationships" xmlns:p="http://schemas.openxmlformats.org/presentationml/2006/main">
   <p:cSld>
     <p:spTree>
@@ -6738,7 +6850,341 @@
 </p:sld>
 </file>
 
-<file path=ppt/slides/slide18.xml><?xml version="1.0" encoding="utf-8"?>
+<file path=ppt/slides/slide19.xml><?xml version="1.0" encoding="utf-8"?>
+<p:sld xmlns:a="http://schemas.openxmlformats.org/drawingml/2006/main" xmlns:r="http://schemas.openxmlformats.org/officeDocument/2006/relationships" xmlns:p="http://schemas.openxmlformats.org/presentationml/2006/main">
+  <p:cSld>
+    <p:spTree>
+      <p:nvGrpSpPr>
+        <p:cNvPr id="1" name=""/>
+        <p:cNvGrpSpPr/>
+        <p:nvPr/>
+      </p:nvGrpSpPr>
+      <p:grpSpPr>
+        <a:xfrm>
+          <a:off x="0" y="0"/>
+          <a:ext cx="0" cy="0"/>
+          <a:chOff x="0" y="0"/>
+          <a:chExt cx="0" cy="0"/>
+        </a:xfrm>
+      </p:grpSpPr>
+      <p:sp>
+        <p:nvSpPr>
+          <p:cNvPr id="6146" name="Rectangle 2"/>
+          <p:cNvSpPr>
+            <a:spLocks noGrp="1" noChangeArrowheads="1"/>
+          </p:cNvSpPr>
+          <p:nvPr>
+            <p:ph type="title"/>
+          </p:nvPr>
+        </p:nvSpPr>
+        <p:spPr>
+          <a:xfrm>
+            <a:off x="685800" y="190500"/>
+            <a:ext cx="7772400" cy="1143000"/>
+          </a:xfrm>
+        </p:spPr>
+        <p:txBody>
+          <a:bodyPr/>
+          <a:lstStyle/>
+          <a:p>
+            <a:pPr eaLnBrk="1" hangingPunct="1"/>
+            <a:r>
+              <a:rPr lang="de-DE" dirty="0">
+                <a:latin typeface="Candara" panose="020E0502030303020204" pitchFamily="34" charset="0"/>
+              </a:rPr>
+              <a:t>Decision analysis</a:t>
+            </a:r>
+            <a:endParaRPr lang="en-GB" dirty="0">
+              <a:latin typeface="Candara" panose="020E0502030303020204" pitchFamily="34" charset="0"/>
+            </a:endParaRPr>
+          </a:p>
+        </p:txBody>
+      </p:sp>
+      <p:sp>
+        <p:nvSpPr>
+          <p:cNvPr id="6147" name="Rectangle 3"/>
+          <p:cNvSpPr>
+            <a:spLocks noGrp="1" noChangeArrowheads="1"/>
+          </p:cNvSpPr>
+          <p:nvPr>
+            <p:ph type="body" idx="1"/>
+          </p:nvPr>
+        </p:nvSpPr>
+        <p:spPr>
+          <a:xfrm>
+            <a:off x="685800" y="1371600"/>
+            <a:ext cx="7772400" cy="4114800"/>
+          </a:xfrm>
+        </p:spPr>
+        <p:txBody>
+          <a:bodyPr/>
+          <a:lstStyle/>
+          <a:p>
+            <a:pPr eaLnBrk="1" hangingPunct="1"/>
+            <a:r>
+              <a:rPr lang="de-DE" dirty="0">
+                <a:latin typeface="Candara" panose="020E0502030303020204" pitchFamily="34" charset="0"/>
+              </a:rPr>
+              <a:t>Cost-benefit analysis</a:t>
+            </a:r>
+          </a:p>
+          <a:p>
+            <a:pPr lvl="1" eaLnBrk="1" hangingPunct="1"/>
+            <a:r>
+              <a:rPr lang="de-DE" dirty="0">
+                <a:latin typeface="Candara" panose="020E0502030303020204" pitchFamily="34" charset="0"/>
+              </a:rPr>
+              <a:t>Efficient flow pollution</a:t>
+            </a:r>
+          </a:p>
+          <a:p>
+            <a:pPr lvl="1" eaLnBrk="1" hangingPunct="1"/>
+            <a:r>
+              <a:rPr lang="de-DE" b="1" dirty="0">
+                <a:latin typeface="Candara" panose="020E0502030303020204" pitchFamily="34" charset="0"/>
+              </a:rPr>
+              <a:t>Efficient stock pollution</a:t>
+            </a:r>
+          </a:p>
+          <a:p>
+            <a:pPr eaLnBrk="1" hangingPunct="1"/>
+            <a:r>
+              <a:rPr lang="de-DE" dirty="0">
+                <a:latin typeface="Candara" panose="020E0502030303020204" pitchFamily="34" charset="0"/>
+              </a:rPr>
+              <a:t>Alternatives</a:t>
+            </a:r>
+          </a:p>
+          <a:p>
+            <a:pPr eaLnBrk="1" hangingPunct="1"/>
+            <a:r>
+              <a:rPr lang="de-DE" dirty="0">
+                <a:latin typeface="Candara" panose="020E0502030303020204" pitchFamily="34" charset="0"/>
+              </a:rPr>
+              <a:t>Applications</a:t>
+            </a:r>
+          </a:p>
+          <a:p>
+            <a:pPr lvl="1" eaLnBrk="1" hangingPunct="1"/>
+            <a:r>
+              <a:rPr lang="de-DE" dirty="0">
+                <a:latin typeface="Candara" panose="020E0502030303020204" pitchFamily="34" charset="0"/>
+              </a:rPr>
+              <a:t>How to apply cost-benefit analysis</a:t>
+            </a:r>
+          </a:p>
+          <a:p>
+            <a:pPr lvl="1" eaLnBrk="1" hangingPunct="1"/>
+            <a:r>
+              <a:rPr lang="de-DE" dirty="0">
+                <a:latin typeface="Candara" panose="020E0502030303020204" pitchFamily="34" charset="0"/>
+              </a:rPr>
+              <a:t>The London Super Sewer</a:t>
+            </a:r>
+          </a:p>
+          <a:p>
+            <a:pPr lvl="1" eaLnBrk="1" hangingPunct="1"/>
+            <a:endParaRPr lang="en-GB" dirty="0">
+              <a:latin typeface="Candara" panose="020E0502030303020204" pitchFamily="34" charset="0"/>
+            </a:endParaRPr>
+          </a:p>
+        </p:txBody>
+      </p:sp>
+    </p:spTree>
+    <p:extLst>
+      <p:ext uri="{BB962C8B-B14F-4D97-AF65-F5344CB8AC3E}">
+        <p14:creationId xmlns:p14="http://schemas.microsoft.com/office/powerpoint/2010/main" val="2671387063"/>
+      </p:ext>
+    </p:extLst>
+  </p:cSld>
+  <p:clrMapOvr>
+    <a:masterClrMapping/>
+  </p:clrMapOvr>
+</p:sld>
+</file>
+
+<file path=ppt/slides/slide2.xml><?xml version="1.0" encoding="utf-8"?>
+<p:sld xmlns:a="http://schemas.openxmlformats.org/drawingml/2006/main" xmlns:r="http://schemas.openxmlformats.org/officeDocument/2006/relationships" xmlns:p="http://schemas.openxmlformats.org/presentationml/2006/main">
+  <p:cSld>
+    <p:spTree>
+      <p:nvGrpSpPr>
+        <p:cNvPr id="1" name=""/>
+        <p:cNvGrpSpPr/>
+        <p:nvPr/>
+      </p:nvGrpSpPr>
+      <p:grpSpPr>
+        <a:xfrm>
+          <a:off x="0" y="0"/>
+          <a:ext cx="0" cy="0"/>
+          <a:chOff x="0" y="0"/>
+          <a:chExt cx="0" cy="0"/>
+        </a:xfrm>
+      </p:grpSpPr>
+      <p:sp>
+        <p:nvSpPr>
+          <p:cNvPr id="4099" name="Content Placeholder 2"/>
+          <p:cNvSpPr>
+            <a:spLocks noGrp="1"/>
+          </p:cNvSpPr>
+          <p:nvPr>
+            <p:ph idx="1"/>
+          </p:nvPr>
+        </p:nvSpPr>
+        <p:spPr>
+          <a:xfrm>
+            <a:off x="457200" y="304800"/>
+            <a:ext cx="8229600" cy="5211763"/>
+          </a:xfrm>
+        </p:spPr>
+        <p:txBody>
+          <a:bodyPr/>
+          <a:lstStyle/>
+          <a:p>
+            <a:pPr eaLnBrk="1" hangingPunct="1">
+              <a:buNone/>
+            </a:pPr>
+            <a:r>
+              <a:rPr lang="en-US" sz="2800" dirty="0">
+                <a:latin typeface="Candara" panose="020E0502030303020204" pitchFamily="34" charset="0"/>
+              </a:rPr>
+              <a:t>0 Introduction</a:t>
+            </a:r>
+          </a:p>
+          <a:p>
+            <a:pPr eaLnBrk="1" hangingPunct="1">
+              <a:buNone/>
+            </a:pPr>
+            <a:r>
+              <a:rPr lang="en-US" sz="2800" dirty="0">
+                <a:latin typeface="Candara" panose="020E0502030303020204" pitchFamily="34" charset="0"/>
+              </a:rPr>
+              <a:t>1 Social choice</a:t>
+            </a:r>
+          </a:p>
+          <a:p>
+            <a:pPr eaLnBrk="1" hangingPunct="1">
+              <a:buNone/>
+            </a:pPr>
+            <a:r>
+              <a:rPr lang="en-US" sz="2800" dirty="0">
+                <a:latin typeface="Candara" panose="020E0502030303020204" pitchFamily="34" charset="0"/>
+              </a:rPr>
+              <a:t>2 Externalities and public goods</a:t>
+            </a:r>
+          </a:p>
+          <a:p>
+            <a:pPr eaLnBrk="1" hangingPunct="1">
+              <a:buNone/>
+            </a:pPr>
+            <a:r>
+              <a:rPr lang="en-US" sz="3600" b="1" dirty="0">
+                <a:latin typeface="Candara" panose="020E0502030303020204" pitchFamily="34" charset="0"/>
+              </a:rPr>
+              <a:t>3 Decision analysis</a:t>
+            </a:r>
+          </a:p>
+          <a:p>
+            <a:pPr eaLnBrk="1" hangingPunct="1">
+              <a:buNone/>
+            </a:pPr>
+            <a:r>
+              <a:rPr lang="en-US" sz="2800" dirty="0">
+                <a:latin typeface="Candara" panose="020E0502030303020204" pitchFamily="34" charset="0"/>
+              </a:rPr>
+              <a:t>4 Valuation: Aims and purpose</a:t>
+            </a:r>
+          </a:p>
+          <a:p>
+            <a:pPr eaLnBrk="1" hangingPunct="1">
+              <a:buNone/>
+            </a:pPr>
+            <a:r>
+              <a:rPr lang="en-US" sz="2800" dirty="0">
+                <a:latin typeface="Candara" panose="020E0502030303020204" pitchFamily="34" charset="0"/>
+              </a:rPr>
+              <a:t>5 Valuation: Revealed preferences</a:t>
+            </a:r>
+          </a:p>
+          <a:p>
+            <a:pPr eaLnBrk="1" hangingPunct="1">
+              <a:buNone/>
+            </a:pPr>
+            <a:r>
+              <a:rPr lang="en-US" sz="2800" dirty="0">
+                <a:latin typeface="Candara" panose="020E0502030303020204" pitchFamily="34" charset="0"/>
+              </a:rPr>
+              <a:t>6 Valuation: Stated preferences</a:t>
+            </a:r>
+          </a:p>
+          <a:p>
+            <a:pPr eaLnBrk="1" hangingPunct="1">
+              <a:buNone/>
+            </a:pPr>
+            <a:r>
+              <a:rPr lang="en-US" sz="2800" dirty="0">
+                <a:latin typeface="Candara" panose="020E0502030303020204" pitchFamily="34" charset="0"/>
+              </a:rPr>
+              <a:t>7 Direct regulation</a:t>
+            </a:r>
+          </a:p>
+          <a:p>
+            <a:pPr eaLnBrk="1" hangingPunct="1">
+              <a:buNone/>
+            </a:pPr>
+            <a:r>
+              <a:rPr lang="en-US" sz="2800" dirty="0">
+                <a:latin typeface="Candara" panose="020E0502030303020204" pitchFamily="34" charset="0"/>
+              </a:rPr>
+              <a:t>8 Market-based instruments</a:t>
+            </a:r>
+          </a:p>
+          <a:p>
+            <a:pPr eaLnBrk="1" hangingPunct="1">
+              <a:buNone/>
+            </a:pPr>
+            <a:r>
+              <a:rPr lang="en-US" sz="2800">
+                <a:latin typeface="Candara" panose="020E0502030303020204" pitchFamily="34" charset="0"/>
+              </a:rPr>
+              <a:t>9 Complications with instruments</a:t>
+            </a:r>
+            <a:endParaRPr lang="en-US" sz="2800" dirty="0">
+              <a:latin typeface="Candara" panose="020E0502030303020204" pitchFamily="34" charset="0"/>
+            </a:endParaRPr>
+          </a:p>
+          <a:p>
+            <a:pPr eaLnBrk="1" hangingPunct="1">
+              <a:buNone/>
+            </a:pPr>
+            <a:r>
+              <a:rPr lang="en-US" sz="2800" dirty="0">
+                <a:latin typeface="Candara" panose="020E0502030303020204" pitchFamily="34" charset="0"/>
+              </a:rPr>
+              <a:t>10 Growth and the environment</a:t>
+            </a:r>
+          </a:p>
+          <a:p>
+            <a:pPr eaLnBrk="1" hangingPunct="1">
+              <a:buNone/>
+            </a:pPr>
+            <a:r>
+              <a:rPr lang="en-US" sz="2800" dirty="0">
+                <a:latin typeface="Candara" panose="020E0502030303020204" pitchFamily="34" charset="0"/>
+              </a:rPr>
+              <a:t>11 Green accounting</a:t>
+            </a:r>
+          </a:p>
+        </p:txBody>
+      </p:sp>
+    </p:spTree>
+  </p:cSld>
+  <p:clrMapOvr>
+    <a:masterClrMapping/>
+  </p:clrMapOvr>
+</p:sld>
+</file>
+
+<file path=ppt/slides/slide20.xml><?xml version="1.0" encoding="utf-8"?>
 <p:sld xmlns:a="http://schemas.openxmlformats.org/drawingml/2006/main" xmlns:r="http://schemas.openxmlformats.org/officeDocument/2006/relationships" xmlns:p="http://schemas.openxmlformats.org/presentationml/2006/main">
   <p:cSld>
     <p:spTree>
@@ -7664,7 +8110,7 @@
                               </a:solidFill>
                               <a:latin typeface="Cambria Math" panose="02040503050406030204" pitchFamily="18" charset="0"/>
                             </a:rPr>
-                            <m:t>=1</m:t>
+                            <m:t>=0</m:t>
                           </m:r>
                         </m:sub>
                         <m:sup/>
@@ -7788,7 +8234,7 @@
                               <m:sSub>
                                 <m:sSubPr>
                                   <m:ctrlPr>
-                                    <a:rPr lang="en-GB" sz="2800" i="1">
+                                    <a:rPr lang="en-GB" sz="2800" i="1" smtClean="0">
                                       <a:solidFill>
                                         <a:srgbClr val="000000"/>
                                       </a:solidFill>
@@ -7839,6 +8285,15 @@
                               </m:sSub>
                             </m:num>
                             <m:den>
+                              <m:r>
+                                <a:rPr lang="en-GB" sz="2800" i="1">
+                                  <a:solidFill>
+                                    <a:srgbClr val="000000"/>
+                                  </a:solidFill>
+                                  <a:latin typeface="Cambria Math" panose="02040503050406030204" pitchFamily="18" charset="0"/>
+                                </a:rPr>
+                                <m:t>𝜕</m:t>
+                              </m:r>
                               <m:sSub>
                                 <m:sSubPr>
                                   <m:ctrlPr>
@@ -8027,7 +8482,7 @@
 </p:sld>
 </file>
 
-<file path=ppt/slides/slide19.xml><?xml version="1.0" encoding="utf-8"?>
+<file path=ppt/slides/slide21.xml><?xml version="1.0" encoding="utf-8"?>
 <p:sld xmlns:a="http://schemas.openxmlformats.org/drawingml/2006/main" xmlns:r="http://schemas.openxmlformats.org/officeDocument/2006/relationships" xmlns:p="http://schemas.openxmlformats.org/presentationml/2006/main">
   <p:cSld>
     <p:spTree>
@@ -8532,7 +8987,7 @@
                               </a:solidFill>
                               <a:latin typeface="Cambria Math" panose="02040503050406030204" pitchFamily="18" charset="0"/>
                             </a:rPr>
-                            <m:t>=1</m:t>
+                            <m:t>=0</m:t>
                           </m:r>
                         </m:sub>
                         <m:sup/>
@@ -8826,7 +9281,7 @@
                               </a:solidFill>
                               <a:latin typeface="Cambria Math" panose="02040503050406030204" pitchFamily="18" charset="0"/>
                             </a:rPr>
-                            <m:t>=1</m:t>
+                            <m:t>=0</m:t>
                           </m:r>
                         </m:sub>
                         <m:sup/>
@@ -9687,194 +10142,7 @@
 </p:sld>
 </file>
 
-<file path=ppt/slides/slide2.xml><?xml version="1.0" encoding="utf-8"?>
-<p:sld xmlns:a="http://schemas.openxmlformats.org/drawingml/2006/main" xmlns:r="http://schemas.openxmlformats.org/officeDocument/2006/relationships" xmlns:p="http://schemas.openxmlformats.org/presentationml/2006/main">
-  <p:cSld>
-    <p:spTree>
-      <p:nvGrpSpPr>
-        <p:cNvPr id="1" name=""/>
-        <p:cNvGrpSpPr/>
-        <p:nvPr/>
-      </p:nvGrpSpPr>
-      <p:grpSpPr>
-        <a:xfrm>
-          <a:off x="0" y="0"/>
-          <a:ext cx="0" cy="0"/>
-          <a:chOff x="0" y="0"/>
-          <a:chExt cx="0" cy="0"/>
-        </a:xfrm>
-      </p:grpSpPr>
-      <p:sp>
-        <p:nvSpPr>
-          <p:cNvPr id="4099" name="Content Placeholder 2"/>
-          <p:cNvSpPr>
-            <a:spLocks noGrp="1"/>
-          </p:cNvSpPr>
-          <p:nvPr>
-            <p:ph idx="1"/>
-          </p:nvPr>
-        </p:nvSpPr>
-        <p:spPr>
-          <a:xfrm>
-            <a:off x="457200" y="304800"/>
-            <a:ext cx="8229600" cy="5211763"/>
-          </a:xfrm>
-        </p:spPr>
-        <p:txBody>
-          <a:bodyPr/>
-          <a:lstStyle/>
-          <a:p>
-            <a:pPr eaLnBrk="1" hangingPunct="1">
-              <a:buNone/>
-            </a:pPr>
-            <a:r>
-              <a:rPr lang="en-US" sz="2800" dirty="0">
-                <a:latin typeface="Candara" panose="020E0502030303020204" pitchFamily="34" charset="0"/>
-              </a:rPr>
-              <a:t>0 Introduction</a:t>
-            </a:r>
-          </a:p>
-          <a:p>
-            <a:pPr eaLnBrk="1" hangingPunct="1">
-              <a:buNone/>
-            </a:pPr>
-            <a:r>
-              <a:rPr lang="en-US" sz="2800" dirty="0">
-                <a:latin typeface="Candara" panose="020E0502030303020204" pitchFamily="34" charset="0"/>
-              </a:rPr>
-              <a:t>1 Social choice</a:t>
-            </a:r>
-          </a:p>
-          <a:p>
-            <a:pPr eaLnBrk="1" hangingPunct="1">
-              <a:buNone/>
-            </a:pPr>
-            <a:r>
-              <a:rPr lang="en-US" sz="2800" dirty="0">
-                <a:latin typeface="Candara" panose="020E0502030303020204" pitchFamily="34" charset="0"/>
-              </a:rPr>
-              <a:t>2 Externalities and public goods</a:t>
-            </a:r>
-          </a:p>
-          <a:p>
-            <a:pPr eaLnBrk="1" hangingPunct="1">
-              <a:buNone/>
-            </a:pPr>
-            <a:r>
-              <a:rPr lang="en-US" sz="3600" b="1" dirty="0">
-                <a:latin typeface="Candara" panose="020E0502030303020204" pitchFamily="34" charset="0"/>
-              </a:rPr>
-              <a:t>3 Decision analysis</a:t>
-            </a:r>
-          </a:p>
-          <a:p>
-            <a:pPr eaLnBrk="1" hangingPunct="1">
-              <a:buNone/>
-            </a:pPr>
-            <a:r>
-              <a:rPr lang="en-US" sz="2800" dirty="0">
-                <a:latin typeface="Candara" panose="020E0502030303020204" pitchFamily="34" charset="0"/>
-              </a:rPr>
-              <a:t>4 Valuation: Aims and purpose</a:t>
-            </a:r>
-          </a:p>
-          <a:p>
-            <a:pPr eaLnBrk="1" hangingPunct="1">
-              <a:buNone/>
-            </a:pPr>
-            <a:r>
-              <a:rPr lang="en-US" sz="2800" dirty="0">
-                <a:latin typeface="Candara" panose="020E0502030303020204" pitchFamily="34" charset="0"/>
-              </a:rPr>
-              <a:t>5 Valuation: Revealed preferences</a:t>
-            </a:r>
-          </a:p>
-          <a:p>
-            <a:pPr eaLnBrk="1" hangingPunct="1">
-              <a:buNone/>
-            </a:pPr>
-            <a:r>
-              <a:rPr lang="en-US" sz="2800" dirty="0">
-                <a:latin typeface="Candara" panose="020E0502030303020204" pitchFamily="34" charset="0"/>
-              </a:rPr>
-              <a:t>6 Valuation: Stated preferences</a:t>
-            </a:r>
-          </a:p>
-          <a:p>
-            <a:pPr eaLnBrk="1" hangingPunct="1">
-              <a:buNone/>
-            </a:pPr>
-            <a:r>
-              <a:rPr lang="en-US" sz="2800" dirty="0">
-                <a:latin typeface="Candara" panose="020E0502030303020204" pitchFamily="34" charset="0"/>
-              </a:rPr>
-              <a:t>7 Direct regulation</a:t>
-            </a:r>
-          </a:p>
-          <a:p>
-            <a:pPr eaLnBrk="1" hangingPunct="1">
-              <a:buNone/>
-            </a:pPr>
-            <a:r>
-              <a:rPr lang="en-US" sz="2800" dirty="0">
-                <a:latin typeface="Candara" panose="020E0502030303020204" pitchFamily="34" charset="0"/>
-              </a:rPr>
-              <a:t>8 Market-based instruments</a:t>
-            </a:r>
-          </a:p>
-          <a:p>
-            <a:pPr eaLnBrk="1" hangingPunct="1">
-              <a:buNone/>
-            </a:pPr>
-            <a:r>
-              <a:rPr lang="en-US" sz="2800">
-                <a:latin typeface="Candara" panose="020E0502030303020204" pitchFamily="34" charset="0"/>
-              </a:rPr>
-              <a:t>9 </a:t>
-            </a:r>
-            <a:r>
-              <a:rPr lang="en-US" sz="2800">
-                <a:latin typeface="Candara" panose="020E0502030303020204" pitchFamily="34" charset="0"/>
-              </a:rPr>
-              <a:t>Complications with instruments</a:t>
-            </a:r>
-            <a:endParaRPr lang="en-US" sz="2800" dirty="0">
-              <a:latin typeface="Candara" panose="020E0502030303020204" pitchFamily="34" charset="0"/>
-            </a:endParaRPr>
-          </a:p>
-          <a:p>
-            <a:pPr eaLnBrk="1" hangingPunct="1">
-              <a:buNone/>
-            </a:pPr>
-            <a:r>
-              <a:rPr lang="en-US" sz="2800" dirty="0">
-                <a:latin typeface="Candara" panose="020E0502030303020204" pitchFamily="34" charset="0"/>
-              </a:rPr>
-              <a:t>10 Growth and the environment</a:t>
-            </a:r>
-          </a:p>
-          <a:p>
-            <a:pPr eaLnBrk="1" hangingPunct="1">
-              <a:buNone/>
-            </a:pPr>
-            <a:r>
-              <a:rPr lang="en-US" sz="2800" dirty="0">
-                <a:latin typeface="Candara" panose="020E0502030303020204" pitchFamily="34" charset="0"/>
-              </a:rPr>
-              <a:t>11 Green accounting</a:t>
-            </a:r>
-          </a:p>
-        </p:txBody>
-      </p:sp>
-    </p:spTree>
-  </p:cSld>
-  <p:clrMapOvr>
-    <a:masterClrMapping/>
-  </p:clrMapOvr>
-</p:sld>
-</file>
-
-<file path=ppt/slides/slide20.xml><?xml version="1.0" encoding="utf-8"?>
+<file path=ppt/slides/slide22.xml><?xml version="1.0" encoding="utf-8"?>
 <p:sld xmlns:a="http://schemas.openxmlformats.org/drawingml/2006/main" xmlns:r="http://schemas.openxmlformats.org/officeDocument/2006/relationships" xmlns:p="http://schemas.openxmlformats.org/presentationml/2006/main">
   <p:cSld>
     <p:spTree>
@@ -10464,355 +10732,6 @@
 </p:sld>
 </file>
 
-<file path=ppt/slides/slide21.xml><?xml version="1.0" encoding="utf-8"?>
-<p:sld xmlns:a="http://schemas.openxmlformats.org/drawingml/2006/main" xmlns:r="http://schemas.openxmlformats.org/officeDocument/2006/relationships" xmlns:p="http://schemas.openxmlformats.org/presentationml/2006/main">
-  <p:cSld>
-    <p:spTree>
-      <p:nvGrpSpPr>
-        <p:cNvPr id="1" name=""/>
-        <p:cNvGrpSpPr/>
-        <p:nvPr/>
-      </p:nvGrpSpPr>
-      <p:grpSpPr>
-        <a:xfrm>
-          <a:off x="0" y="0"/>
-          <a:ext cx="0" cy="0"/>
-          <a:chOff x="0" y="0"/>
-          <a:chExt cx="0" cy="0"/>
-        </a:xfrm>
-      </p:grpSpPr>
-      <p:sp>
-        <p:nvSpPr>
-          <p:cNvPr id="16386" name="Rectangle 2"/>
-          <p:cNvSpPr>
-            <a:spLocks noGrp="1" noChangeArrowheads="1"/>
-          </p:cNvSpPr>
-          <p:nvPr>
-            <p:ph type="title"/>
-          </p:nvPr>
-        </p:nvSpPr>
-        <p:spPr>
-          <a:xfrm>
-            <a:off x="685800" y="0"/>
-            <a:ext cx="7772400" cy="1143000"/>
-          </a:xfrm>
-        </p:spPr>
-        <p:txBody>
-          <a:bodyPr/>
-          <a:lstStyle/>
-          <a:p>
-            <a:r>
-              <a:rPr lang="de-DE" sz="3600" dirty="0">
-                <a:latin typeface="Candara" panose="020E0502030303020204" pitchFamily="34" charset="0"/>
-              </a:rPr>
-              <a:t>Alternative Standards</a:t>
-            </a:r>
-            <a:endParaRPr lang="en-GB" sz="3600" dirty="0">
-              <a:latin typeface="Candara" panose="020E0502030303020204" pitchFamily="34" charset="0"/>
-            </a:endParaRPr>
-          </a:p>
-        </p:txBody>
-      </p:sp>
-      <p:sp>
-        <p:nvSpPr>
-          <p:cNvPr id="16387" name="Rectangle 3"/>
-          <p:cNvSpPr>
-            <a:spLocks noGrp="1" noChangeArrowheads="1"/>
-          </p:cNvSpPr>
-          <p:nvPr>
-            <p:ph type="body" idx="1"/>
-          </p:nvPr>
-        </p:nvSpPr>
-        <p:spPr>
-          <a:xfrm>
-            <a:off x="685800" y="1143000"/>
-            <a:ext cx="7772400" cy="4343400"/>
-          </a:xfrm>
-        </p:spPr>
-        <p:txBody>
-          <a:bodyPr/>
-          <a:lstStyle/>
-          <a:p>
-            <a:pPr>
-              <a:lnSpc>
-                <a:spcPct val="90000"/>
-              </a:lnSpc>
-            </a:pPr>
-            <a:r>
-              <a:rPr lang="de-DE" sz="2800" dirty="0">
-                <a:latin typeface="Candara" panose="020E0502030303020204" pitchFamily="34" charset="0"/>
-              </a:rPr>
-              <a:t>Optimal pollution is but one way of setting standards and not the most popular</a:t>
-            </a:r>
-          </a:p>
-          <a:p>
-            <a:pPr>
-              <a:lnSpc>
-                <a:spcPct val="90000"/>
-              </a:lnSpc>
-            </a:pPr>
-            <a:r>
-              <a:rPr lang="de-DE" sz="2800" dirty="0">
-                <a:latin typeface="Candara" panose="020E0502030303020204" pitchFamily="34" charset="0"/>
-              </a:rPr>
-              <a:t>The main difficulty lies in estimating the disutility of pollution</a:t>
-            </a:r>
-          </a:p>
-          <a:p>
-            <a:pPr>
-              <a:lnSpc>
-                <a:spcPct val="90000"/>
-              </a:lnSpc>
-            </a:pPr>
-            <a:r>
-              <a:rPr lang="de-DE" sz="2800" dirty="0">
-                <a:latin typeface="Candara" panose="020E0502030303020204" pitchFamily="34" charset="0"/>
-              </a:rPr>
-              <a:t>Alternatives</a:t>
-            </a:r>
-          </a:p>
-          <a:p>
-            <a:pPr lvl="1">
-              <a:lnSpc>
-                <a:spcPct val="90000"/>
-              </a:lnSpc>
-            </a:pPr>
-            <a:r>
-              <a:rPr lang="de-DE" sz="2400" dirty="0">
-                <a:latin typeface="Candara" panose="020E0502030303020204" pitchFamily="34" charset="0"/>
-              </a:rPr>
-              <a:t>Arbitrary standards</a:t>
-            </a:r>
-          </a:p>
-          <a:p>
-            <a:pPr lvl="1">
-              <a:lnSpc>
-                <a:spcPct val="90000"/>
-              </a:lnSpc>
-            </a:pPr>
-            <a:r>
-              <a:rPr lang="de-DE" sz="2400" dirty="0">
-                <a:latin typeface="Candara" panose="020E0502030303020204" pitchFamily="34" charset="0"/>
-              </a:rPr>
-              <a:t>Citizen juries, referendums</a:t>
-            </a:r>
-          </a:p>
-          <a:p>
-            <a:pPr lvl="1">
-              <a:lnSpc>
-                <a:spcPct val="90000"/>
-              </a:lnSpc>
-            </a:pPr>
-            <a:r>
-              <a:rPr lang="de-DE" sz="2400" dirty="0">
-                <a:latin typeface="Candara" panose="020E0502030303020204" pitchFamily="34" charset="0"/>
-              </a:rPr>
-              <a:t>Safe minimum standards</a:t>
-            </a:r>
-          </a:p>
-          <a:p>
-            <a:pPr lvl="1">
-              <a:lnSpc>
-                <a:spcPct val="90000"/>
-              </a:lnSpc>
-            </a:pPr>
-            <a:r>
-              <a:rPr lang="de-DE" sz="2400" dirty="0">
-                <a:latin typeface="Candara" panose="020E0502030303020204" pitchFamily="34" charset="0"/>
-              </a:rPr>
-              <a:t>Best available technology</a:t>
-            </a:r>
-          </a:p>
-          <a:p>
-            <a:pPr lvl="1">
-              <a:lnSpc>
-                <a:spcPct val="90000"/>
-              </a:lnSpc>
-            </a:pPr>
-            <a:r>
-              <a:rPr lang="de-DE" sz="2400" dirty="0">
-                <a:latin typeface="Candara" panose="020E0502030303020204" pitchFamily="34" charset="0"/>
-              </a:rPr>
-              <a:t>Precautionary principle</a:t>
-            </a:r>
-          </a:p>
-          <a:p>
-            <a:pPr>
-              <a:lnSpc>
-                <a:spcPct val="90000"/>
-              </a:lnSpc>
-            </a:pPr>
-            <a:r>
-              <a:rPr lang="de-DE" sz="2800" dirty="0">
-                <a:latin typeface="Candara" panose="020E0502030303020204" pitchFamily="34" charset="0"/>
-              </a:rPr>
-              <a:t>Cost-effectiveness analysis</a:t>
-            </a:r>
-          </a:p>
-          <a:p>
-            <a:pPr>
-              <a:lnSpc>
-                <a:spcPct val="90000"/>
-              </a:lnSpc>
-            </a:pPr>
-            <a:r>
-              <a:rPr lang="de-DE" sz="2800" dirty="0">
-                <a:latin typeface="Candara" panose="020E0502030303020204" pitchFamily="34" charset="0"/>
-              </a:rPr>
-              <a:t>Multicriteria analysis</a:t>
-            </a:r>
-          </a:p>
-        </p:txBody>
-      </p:sp>
-    </p:spTree>
-  </p:cSld>
-  <p:clrMapOvr>
-    <a:masterClrMapping/>
-  </p:clrMapOvr>
-</p:sld>
-</file>
-
-<file path=ppt/slides/slide22.xml><?xml version="1.0" encoding="utf-8"?>
-<p:sld xmlns:a="http://schemas.openxmlformats.org/drawingml/2006/main" xmlns:r="http://schemas.openxmlformats.org/officeDocument/2006/relationships" xmlns:p="http://schemas.openxmlformats.org/presentationml/2006/main">
-  <p:cSld>
-    <p:spTree>
-      <p:nvGrpSpPr>
-        <p:cNvPr id="1" name=""/>
-        <p:cNvGrpSpPr/>
-        <p:nvPr/>
-      </p:nvGrpSpPr>
-      <p:grpSpPr>
-        <a:xfrm>
-          <a:off x="0" y="0"/>
-          <a:ext cx="0" cy="0"/>
-          <a:chOff x="0" y="0"/>
-          <a:chExt cx="0" cy="0"/>
-        </a:xfrm>
-      </p:grpSpPr>
-      <p:sp>
-        <p:nvSpPr>
-          <p:cNvPr id="260" name="Social Cost-Benefit Analysis"/>
-          <p:cNvSpPr txBox="1">
-            <a:spLocks noGrp="1"/>
-          </p:cNvSpPr>
-          <p:nvPr>
-            <p:ph type="title"/>
-          </p:nvPr>
-        </p:nvSpPr>
-        <p:spPr>
-          <a:xfrm>
-            <a:off x="670192" y="-11935"/>
-            <a:ext cx="7772400" cy="1143000"/>
-          </a:xfrm>
-        </p:spPr>
-        <p:txBody>
-          <a:bodyPr/>
-          <a:lstStyle/>
-          <a:p>
-            <a:r>
-              <a:rPr lang="en-GB" sz="3600" dirty="0">
-                <a:latin typeface="Candara" panose="020E0502030303020204" pitchFamily="34" charset="0"/>
-              </a:rPr>
-              <a:t>Applied Cost-Benefit Analysis</a:t>
-            </a:r>
-          </a:p>
-        </p:txBody>
-      </p:sp>
-      <p:sp>
-        <p:nvSpPr>
-          <p:cNvPr id="261" name="Social CBA is an analytical tool to inform decisions about interventions involving public expenditure over time…"/>
-          <p:cNvSpPr txBox="1">
-            <a:spLocks noGrp="1"/>
-          </p:cNvSpPr>
-          <p:nvPr>
-            <p:ph type="body" idx="1"/>
-          </p:nvPr>
-        </p:nvSpPr>
-        <p:spPr>
-          <a:xfrm>
-            <a:off x="304800" y="1219200"/>
-            <a:ext cx="8610600" cy="4114800"/>
-          </a:xfrm>
-        </p:spPr>
-        <p:txBody>
-          <a:bodyPr/>
-          <a:lstStyle/>
-          <a:p>
-            <a:r>
-              <a:rPr lang="en-GB" sz="2800" dirty="0">
-                <a:latin typeface="Candara" panose="020E0502030303020204" pitchFamily="34" charset="0"/>
-              </a:rPr>
-              <a:t>Social CBA is an analytical tool to inform decisions about interventions involving public expenditure over time</a:t>
-            </a:r>
-          </a:p>
-          <a:p>
-            <a:r>
-              <a:rPr lang="en-GB" sz="2800" dirty="0">
-                <a:latin typeface="Candara" panose="020E0502030303020204" pitchFamily="34" charset="0"/>
-              </a:rPr>
-              <a:t>It requires systematic counting and valuation of all relevant costs and benefits to society as a whole</a:t>
-            </a:r>
-          </a:p>
-          <a:p>
-            <a:pPr lvl="1"/>
-            <a:r>
-              <a:rPr lang="en-GB" sz="2400" dirty="0">
-                <a:latin typeface="Candara" panose="020E0502030303020204" pitchFamily="34" charset="0"/>
-              </a:rPr>
-              <a:t>Benefits = anything that increases human welfare</a:t>
-            </a:r>
-          </a:p>
-          <a:p>
-            <a:pPr lvl="1"/>
-            <a:r>
-              <a:rPr lang="en-GB" sz="2400" dirty="0">
-                <a:latin typeface="Candara" panose="020E0502030303020204" pitchFamily="34" charset="0"/>
-              </a:rPr>
-              <a:t>Costs = anything that decreasing human welfare</a:t>
-            </a:r>
-          </a:p>
-          <a:p>
-            <a:r>
-              <a:rPr lang="en-GB" sz="2800" dirty="0">
-                <a:latin typeface="Candara" panose="020E0502030303020204" pitchFamily="34" charset="0"/>
-              </a:rPr>
-              <a:t>It recommends policies where</a:t>
-            </a:r>
-          </a:p>
-          <a:p>
-            <a:pPr lvl="1"/>
-            <a:r>
-              <a:rPr lang="en-GB" sz="2400" dirty="0">
-                <a:latin typeface="Candara" panose="020E0502030303020204" pitchFamily="34" charset="0"/>
-              </a:rPr>
-              <a:t>Benefits outweigh costs — B &gt; C, B / C &gt; 1 (single project)</a:t>
-            </a:r>
-          </a:p>
-          <a:p>
-            <a:pPr lvl="1"/>
-            <a:r>
-              <a:rPr lang="en-GB" sz="2400" dirty="0">
-                <a:latin typeface="Candara" panose="020E0502030303020204" pitchFamily="34" charset="0"/>
-              </a:rPr>
-              <a:t>Net benefits (benefits – costs) are maximised</a:t>
-            </a:r>
-          </a:p>
-        </p:txBody>
-      </p:sp>
-    </p:spTree>
-    <p:extLst>
-      <p:ext uri="{BB962C8B-B14F-4D97-AF65-F5344CB8AC3E}">
-        <p14:creationId xmlns:p14="http://schemas.microsoft.com/office/powerpoint/2010/main" val="1632517793"/>
-      </p:ext>
-    </p:extLst>
-  </p:cSld>
-  <p:clrMapOvr>
-    <a:masterClrMapping/>
-  </p:clrMapOvr>
-  <p:transition spd="med"/>
-</p:sld>
-</file>
-
 <file path=ppt/slides/slide23.xml><?xml version="1.0" encoding="utf-8"?>
 <p:sld xmlns:a="http://schemas.openxmlformats.org/drawingml/2006/main" xmlns:r="http://schemas.openxmlformats.org/officeDocument/2006/relationships" xmlns:p="http://schemas.openxmlformats.org/presentationml/2006/main">
   <p:cSld>
@@ -10832,370 +10751,137 @@
       </p:grpSpPr>
       <p:sp>
         <p:nvSpPr>
-          <p:cNvPr id="265" name="Rectangle"/>
-          <p:cNvSpPr/>
-          <p:nvPr/>
+          <p:cNvPr id="6146" name="Rectangle 2"/>
+          <p:cNvSpPr>
+            <a:spLocks noGrp="1" noChangeArrowheads="1"/>
+          </p:cNvSpPr>
+          <p:nvPr>
+            <p:ph type="title"/>
+          </p:nvPr>
         </p:nvSpPr>
         <p:spPr>
           <a:xfrm>
-            <a:off x="7188398" y="2920008"/>
-            <a:ext cx="2437805" cy="1348383"/>
-          </a:xfrm>
-          <a:prstGeom prst="rect">
-            <a:avLst/>
-          </a:prstGeom>
-          <a:solidFill>
-            <a:srgbClr val="FFFFFF"/>
-          </a:solidFill>
-          <a:ln w="25400">
-            <a:miter lim="400000"/>
-          </a:ln>
-        </p:spPr>
-        <p:txBody>
-          <a:bodyPr lIns="35719" tIns="35719" rIns="35719" bIns="35719" anchor="ctr"/>
-          <a:lstStyle/>
-          <a:p>
-            <a:pPr>
-              <a:defRPr sz="2800">
-                <a:effectLst>
-                  <a:outerShdw blurRad="38100" dist="12700" dir="5400000" rotWithShape="0">
-                    <a:srgbClr val="000000">
-                      <a:alpha val="50000"/>
-                    </a:srgbClr>
-                  </a:outerShdw>
-                </a:effectLst>
-              </a:defRPr>
-            </a:pPr>
-            <a:endParaRPr sz="1969"/>
-          </a:p>
-        </p:txBody>
-      </p:sp>
-      <p:sp>
-        <p:nvSpPr>
-          <p:cNvPr id="266" name="Uses of CBA"/>
-          <p:cNvSpPr txBox="1">
-            <a:spLocks noGrp="1"/>
-          </p:cNvSpPr>
-          <p:nvPr>
-            <p:ph type="title"/>
-          </p:nvPr>
-        </p:nvSpPr>
-        <p:spPr>
-          <a:xfrm>
-            <a:off x="838200" y="0"/>
+            <a:off x="685800" y="190500"/>
             <a:ext cx="7772400" cy="1143000"/>
           </a:xfrm>
-          <a:prstGeom prst="rect">
-            <a:avLst/>
-          </a:prstGeom>
         </p:spPr>
         <p:txBody>
           <a:bodyPr/>
           <a:lstStyle/>
           <a:p>
-            <a:r>
-              <a:rPr sz="3600" dirty="0">
-                <a:latin typeface="Candara" panose="020E0502030303020204" pitchFamily="34" charset="0"/>
-              </a:rPr>
-              <a:t>Uses of CBA</a:t>
-            </a:r>
-          </a:p>
-        </p:txBody>
-      </p:sp>
-      <p:sp>
-        <p:nvSpPr>
-          <p:cNvPr id="267" name="Overall environmental policy…"/>
-          <p:cNvSpPr txBox="1">
-            <a:spLocks noGrp="1"/>
+            <a:pPr eaLnBrk="1" hangingPunct="1"/>
+            <a:r>
+              <a:rPr lang="de-DE" dirty="0">
+                <a:latin typeface="Candara" panose="020E0502030303020204" pitchFamily="34" charset="0"/>
+              </a:rPr>
+              <a:t>Decision analysis</a:t>
+            </a:r>
+            <a:endParaRPr lang="en-GB" dirty="0">
+              <a:latin typeface="Candara" panose="020E0502030303020204" pitchFamily="34" charset="0"/>
+            </a:endParaRPr>
+          </a:p>
+        </p:txBody>
+      </p:sp>
+      <p:sp>
+        <p:nvSpPr>
+          <p:cNvPr id="6147" name="Rectangle 3"/>
+          <p:cNvSpPr>
+            <a:spLocks noGrp="1" noChangeArrowheads="1"/>
           </p:cNvSpPr>
           <p:nvPr>
-            <p:ph type="body" sz="half" idx="1"/>
+            <p:ph type="body" idx="1"/>
           </p:nvPr>
         </p:nvSpPr>
         <p:spPr>
           <a:xfrm>
-            <a:off x="571500" y="1143000"/>
-            <a:ext cx="4881563" cy="5143500"/>
+            <a:off x="685800" y="1371600"/>
+            <a:ext cx="7772400" cy="4114800"/>
           </a:xfrm>
-          <a:prstGeom prst="rect">
-            <a:avLst/>
-          </a:prstGeom>
         </p:spPr>
         <p:txBody>
           <a:bodyPr/>
           <a:lstStyle/>
           <a:p>
-            <a:pPr marL="257165" indent="-257165" defTabSz="394320">
-              <a:spcBef>
-                <a:spcPts val="1055"/>
-              </a:spcBef>
-              <a:defRPr sz="5760"/>
-            </a:pPr>
-            <a:r>
-              <a:rPr sz="2800" dirty="0">
-                <a:latin typeface="Candara" panose="020E0502030303020204" pitchFamily="34" charset="0"/>
-              </a:rPr>
-              <a:t>Overall environmental policy</a:t>
-            </a:r>
-          </a:p>
-          <a:p>
-            <a:pPr marL="257165" indent="-257165" defTabSz="394320">
-              <a:spcBef>
-                <a:spcPts val="1055"/>
-              </a:spcBef>
-              <a:defRPr sz="5760"/>
-            </a:pPr>
-            <a:r>
-              <a:rPr sz="2800" dirty="0">
-                <a:latin typeface="Candara" panose="020E0502030303020204" pitchFamily="34" charset="0"/>
-              </a:rPr>
-              <a:t>Appraisal of specific projects</a:t>
-            </a:r>
-          </a:p>
-          <a:p>
-            <a:pPr marL="257165" indent="-257165" defTabSz="394320">
-              <a:spcBef>
-                <a:spcPts val="1055"/>
-              </a:spcBef>
-              <a:defRPr sz="5760"/>
-            </a:pPr>
-            <a:r>
-              <a:rPr sz="2800" dirty="0">
-                <a:latin typeface="Candara" panose="020E0502030303020204" pitchFamily="34" charset="0"/>
-              </a:rPr>
-              <a:t>Environmental management</a:t>
-            </a:r>
-          </a:p>
-          <a:p>
-            <a:pPr marL="257165" indent="-257165" defTabSz="394320">
-              <a:spcBef>
-                <a:spcPts val="1055"/>
-              </a:spcBef>
-              <a:defRPr sz="5760"/>
-            </a:pPr>
-            <a:r>
-              <a:rPr sz="2800" dirty="0">
-                <a:latin typeface="Candara" panose="020E0502030303020204" pitchFamily="34" charset="0"/>
-              </a:rPr>
-              <a:t>Ex-ante or ex-post</a:t>
-            </a:r>
-          </a:p>
-        </p:txBody>
-      </p:sp>
-      <p:pic>
-        <p:nvPicPr>
-          <p:cNvPr id="268" name="Glen_Canyon_Dam.jpg" descr="Glen_Canyon_Dam.jpg"/>
-          <p:cNvPicPr>
-            <a:picLocks noChangeAspect="1"/>
-          </p:cNvPicPr>
-          <p:nvPr/>
-        </p:nvPicPr>
-        <p:blipFill>
-          <a:blip r:embed="rId3"/>
-          <a:stretch>
-            <a:fillRect/>
-          </a:stretch>
-        </p:blipFill>
-        <p:spPr>
-          <a:xfrm>
-            <a:off x="5589985" y="4578697"/>
-            <a:ext cx="1952625" cy="1464469"/>
-          </a:xfrm>
-          <a:prstGeom prst="rect">
-            <a:avLst/>
-          </a:prstGeom>
-          <a:ln w="12700">
-            <a:miter lim="400000"/>
-          </a:ln>
-        </p:spPr>
-      </p:pic>
-      <p:pic>
-        <p:nvPicPr>
-          <p:cNvPr id="269" name="DSCN6624-bee-close_1200x1200.jpg" descr="DSCN6624-bee-close_1200x1200.jpg"/>
-          <p:cNvPicPr>
-            <a:picLocks noChangeAspect="1"/>
-          </p:cNvPicPr>
-          <p:nvPr/>
-        </p:nvPicPr>
-        <p:blipFill>
-          <a:blip r:embed="rId4"/>
-          <a:stretch>
-            <a:fillRect/>
-          </a:stretch>
-        </p:blipFill>
-        <p:spPr>
-          <a:xfrm>
-            <a:off x="5589984" y="1143000"/>
-            <a:ext cx="1464469" cy="1464469"/>
-          </a:xfrm>
-          <a:prstGeom prst="rect">
-            <a:avLst/>
-          </a:prstGeom>
-          <a:ln w="12700">
-            <a:miter lim="400000"/>
-          </a:ln>
-        </p:spPr>
-      </p:pic>
-      <p:pic>
-        <p:nvPicPr>
-          <p:cNvPr id="270" name="300px-West_Texas_Pumpjack.jpg" descr="300px-West_Texas_Pumpjack.jpg"/>
-          <p:cNvPicPr>
-            <a:picLocks noChangeAspect="1"/>
-          </p:cNvPicPr>
-          <p:nvPr/>
-        </p:nvPicPr>
-        <p:blipFill>
-          <a:blip r:embed="rId5"/>
-          <a:stretch>
-            <a:fillRect/>
-          </a:stretch>
-        </p:blipFill>
-        <p:spPr>
-          <a:xfrm>
-            <a:off x="7188398" y="1143000"/>
-            <a:ext cx="1955602" cy="1466701"/>
-          </a:xfrm>
-          <a:prstGeom prst="rect">
-            <a:avLst/>
-          </a:prstGeom>
-          <a:ln w="12700">
-            <a:miter lim="400000"/>
-          </a:ln>
-        </p:spPr>
-      </p:pic>
-      <p:pic>
-        <p:nvPicPr>
-          <p:cNvPr id="271" name="iStock_000016330086Medium.jpg" descr="iStock_000016330086Medium.jpg"/>
-          <p:cNvPicPr>
-            <a:picLocks noChangeAspect="1"/>
-          </p:cNvPicPr>
-          <p:nvPr/>
-        </p:nvPicPr>
-        <p:blipFill>
-          <a:blip r:embed="rId6"/>
-          <a:srcRect l="21908" t="24837" r="39790" b="22246"/>
-          <a:stretch>
-            <a:fillRect/>
-          </a:stretch>
-        </p:blipFill>
-        <p:spPr>
-          <a:xfrm>
-            <a:off x="5592066" y="2915543"/>
-            <a:ext cx="1464469" cy="1348853"/>
-          </a:xfrm>
-          <a:prstGeom prst="rect">
-            <a:avLst/>
-          </a:prstGeom>
-          <a:ln w="12700">
-            <a:miter lim="400000"/>
-          </a:ln>
-        </p:spPr>
-      </p:pic>
-      <p:pic>
-        <p:nvPicPr>
-          <p:cNvPr id="272" name="london-2012.png" descr="london-2012.png"/>
-          <p:cNvPicPr>
-            <a:picLocks noChangeAspect="1"/>
-          </p:cNvPicPr>
-          <p:nvPr/>
-        </p:nvPicPr>
-        <p:blipFill>
-          <a:blip r:embed="rId7"/>
-          <a:stretch>
-            <a:fillRect/>
-          </a:stretch>
-        </p:blipFill>
-        <p:spPr>
-          <a:xfrm>
-            <a:off x="7331274" y="3143250"/>
-            <a:ext cx="1678781" cy="893952"/>
-          </a:xfrm>
-          <a:prstGeom prst="rect">
-            <a:avLst/>
-          </a:prstGeom>
-          <a:ln w="12700">
-            <a:miter lim="400000"/>
-          </a:ln>
-        </p:spPr>
-      </p:pic>
-      <p:sp>
-        <p:nvSpPr>
-          <p:cNvPr id="273" name="Rectangle"/>
-          <p:cNvSpPr/>
-          <p:nvPr/>
-        </p:nvSpPr>
-        <p:spPr>
-          <a:xfrm>
-            <a:off x="7679531" y="4572000"/>
-            <a:ext cx="2437805" cy="1473398"/>
-          </a:xfrm>
-          <a:prstGeom prst="rect">
-            <a:avLst/>
-          </a:prstGeom>
-          <a:solidFill>
-            <a:srgbClr val="FFFFFF"/>
-          </a:solidFill>
-          <a:ln w="25400">
-            <a:miter lim="400000"/>
-          </a:ln>
-        </p:spPr>
-        <p:txBody>
-          <a:bodyPr lIns="35719" tIns="35719" rIns="35719" bIns="35719" anchor="ctr"/>
-          <a:lstStyle/>
-          <a:p>
-            <a:pPr>
-              <a:defRPr sz="2800">
-                <a:effectLst>
-                  <a:outerShdw blurRad="38100" dist="12700" dir="5400000" rotWithShape="0">
-                    <a:srgbClr val="000000">
-                      <a:alpha val="50000"/>
-                    </a:srgbClr>
-                  </a:outerShdw>
-                </a:effectLst>
-              </a:defRPr>
-            </a:pPr>
-            <a:endParaRPr sz="1969"/>
-          </a:p>
-        </p:txBody>
-      </p:sp>
-      <p:pic>
-        <p:nvPicPr>
-          <p:cNvPr id="274" name="thames-water-logo-cmk.jpg" descr="thames-water-logo-cmk.jpg"/>
-          <p:cNvPicPr>
-            <a:picLocks noChangeAspect="1"/>
-          </p:cNvPicPr>
-          <p:nvPr/>
-        </p:nvPicPr>
-        <p:blipFill>
-          <a:blip r:embed="rId8"/>
-          <a:stretch>
-            <a:fillRect/>
-          </a:stretch>
-        </p:blipFill>
-        <p:spPr>
-          <a:xfrm>
-            <a:off x="7813476" y="4732734"/>
-            <a:ext cx="1205508" cy="1205508"/>
-          </a:xfrm>
-          <a:prstGeom prst="rect">
-            <a:avLst/>
-          </a:prstGeom>
-          <a:ln w="12700">
-            <a:miter lim="400000"/>
-          </a:ln>
-        </p:spPr>
-      </p:pic>
+            <a:pPr eaLnBrk="1" hangingPunct="1"/>
+            <a:r>
+              <a:rPr lang="de-DE" dirty="0">
+                <a:latin typeface="Candara" panose="020E0502030303020204" pitchFamily="34" charset="0"/>
+              </a:rPr>
+              <a:t>Cost-benefit analysis</a:t>
+            </a:r>
+          </a:p>
+          <a:p>
+            <a:pPr lvl="1" eaLnBrk="1" hangingPunct="1"/>
+            <a:r>
+              <a:rPr lang="de-DE" dirty="0">
+                <a:latin typeface="Candara" panose="020E0502030303020204" pitchFamily="34" charset="0"/>
+              </a:rPr>
+              <a:t>Efficient flow pollution</a:t>
+            </a:r>
+          </a:p>
+          <a:p>
+            <a:pPr lvl="1" eaLnBrk="1" hangingPunct="1"/>
+            <a:r>
+              <a:rPr lang="de-DE" dirty="0">
+                <a:latin typeface="Candara" panose="020E0502030303020204" pitchFamily="34" charset="0"/>
+              </a:rPr>
+              <a:t>Efficient stock pollution</a:t>
+            </a:r>
+          </a:p>
+          <a:p>
+            <a:pPr eaLnBrk="1" hangingPunct="1"/>
+            <a:r>
+              <a:rPr lang="de-DE" b="1" dirty="0">
+                <a:latin typeface="Candara" panose="020E0502030303020204" pitchFamily="34" charset="0"/>
+              </a:rPr>
+              <a:t>Alternatives</a:t>
+            </a:r>
+          </a:p>
+          <a:p>
+            <a:pPr eaLnBrk="1" hangingPunct="1"/>
+            <a:r>
+              <a:rPr lang="de-DE" dirty="0">
+                <a:latin typeface="Candara" panose="020E0502030303020204" pitchFamily="34" charset="0"/>
+              </a:rPr>
+              <a:t>Applications</a:t>
+            </a:r>
+          </a:p>
+          <a:p>
+            <a:pPr lvl="1" eaLnBrk="1" hangingPunct="1"/>
+            <a:r>
+              <a:rPr lang="de-DE" dirty="0">
+                <a:latin typeface="Candara" panose="020E0502030303020204" pitchFamily="34" charset="0"/>
+              </a:rPr>
+              <a:t>How to apply cost-benefit analysis</a:t>
+            </a:r>
+          </a:p>
+          <a:p>
+            <a:pPr lvl="1" eaLnBrk="1" hangingPunct="1"/>
+            <a:r>
+              <a:rPr lang="de-DE" dirty="0">
+                <a:latin typeface="Candara" panose="020E0502030303020204" pitchFamily="34" charset="0"/>
+              </a:rPr>
+              <a:t>The London Super Sewer</a:t>
+            </a:r>
+          </a:p>
+          <a:p>
+            <a:pPr lvl="1" eaLnBrk="1" hangingPunct="1"/>
+            <a:endParaRPr lang="en-GB" dirty="0">
+              <a:latin typeface="Candara" panose="020E0502030303020204" pitchFamily="34" charset="0"/>
+            </a:endParaRPr>
+          </a:p>
+        </p:txBody>
+      </p:sp>
     </p:spTree>
     <p:extLst>
       <p:ext uri="{BB962C8B-B14F-4D97-AF65-F5344CB8AC3E}">
-        <p14:creationId xmlns:p14="http://schemas.microsoft.com/office/powerpoint/2010/main" val="2207227144"/>
+        <p14:creationId xmlns:p14="http://schemas.microsoft.com/office/powerpoint/2010/main" val="2338800787"/>
       </p:ext>
     </p:extLst>
   </p:cSld>
   <p:clrMapOvr>
     <a:masterClrMapping/>
   </p:clrMapOvr>
-  <p:transition spd="med"/>
 </p:sld>
 </file>
 
@@ -11218,9 +10904,9 @@
       </p:grpSpPr>
       <p:sp>
         <p:nvSpPr>
-          <p:cNvPr id="296" name="In practice …"/>
-          <p:cNvSpPr txBox="1">
-            <a:spLocks noGrp="1"/>
+          <p:cNvPr id="16386" name="Rectangle 2"/>
+          <p:cNvSpPr>
+            <a:spLocks noGrp="1" noChangeArrowheads="1"/>
           </p:cNvSpPr>
           <p:nvPr>
             <p:ph type="title"/>
@@ -11228,127 +10914,112 @@
         </p:nvSpPr>
         <p:spPr>
           <a:xfrm>
-            <a:off x="675701" y="14689"/>
+            <a:off x="685800" y="0"/>
             <a:ext cx="7772400" cy="1143000"/>
+          </a:xfrm>
+        </p:spPr>
+        <p:txBody>
+          <a:bodyPr/>
+          <a:lstStyle/>
+          <a:p>
+            <a:r>
+              <a:rPr lang="de-DE" sz="3600" dirty="0">
+                <a:latin typeface="Candara" panose="020E0502030303020204" pitchFamily="34" charset="0"/>
+              </a:rPr>
+              <a:t>Alternative Standards</a:t>
+            </a:r>
+            <a:endParaRPr lang="en-GB" sz="3600" dirty="0">
+              <a:latin typeface="Candara" panose="020E0502030303020204" pitchFamily="34" charset="0"/>
+            </a:endParaRPr>
+          </a:p>
+        </p:txBody>
+      </p:sp>
+      <p:sp>
+        <p:nvSpPr>
+          <p:cNvPr id="16387" name="Rectangle 3"/>
+          <p:cNvSpPr>
+            <a:spLocks noGrp="1" noChangeArrowheads="1"/>
+          </p:cNvSpPr>
+          <p:nvPr>
+            <p:ph type="body" idx="1"/>
+          </p:nvPr>
+        </p:nvSpPr>
+        <p:spPr>
+          <a:xfrm>
+            <a:off x="685800" y="1143000"/>
+            <a:ext cx="7772400" cy="4343400"/>
+          </a:xfrm>
+        </p:spPr>
+        <p:txBody>
+          <a:bodyPr/>
+          <a:lstStyle/>
+          <a:p>
+            <a:pPr>
+              <a:lnSpc>
+                <a:spcPct val="90000"/>
+              </a:lnSpc>
+            </a:pPr>
+            <a:r>
+              <a:rPr lang="de-DE" sz="2800" dirty="0">
+                <a:latin typeface="Candara" panose="020E0502030303020204" pitchFamily="34" charset="0"/>
+              </a:rPr>
+              <a:t>Optimal pollution is but one way of setting standards and not the most popular</a:t>
+            </a:r>
+          </a:p>
+          <a:p>
+            <a:pPr>
+              <a:lnSpc>
+                <a:spcPct val="90000"/>
+              </a:lnSpc>
+            </a:pPr>
+            <a:r>
+              <a:rPr lang="de-DE" sz="2800" dirty="0">
+                <a:latin typeface="Candara" panose="020E0502030303020204" pitchFamily="34" charset="0"/>
+              </a:rPr>
+              <a:t>The main difficulty lies in estimating the disutility of pollution</a:t>
+            </a:r>
+          </a:p>
+        </p:txBody>
+      </p:sp>
+      <p:pic>
+        <p:nvPicPr>
+          <p:cNvPr id="4" name="Picture 4">
+            <a:extLst>
+              <a:ext uri="{FF2B5EF4-FFF2-40B4-BE49-F238E27FC236}">
+                <a16:creationId xmlns:a16="http://schemas.microsoft.com/office/drawing/2014/main" id="{52D677F4-7F16-46C8-AE9B-19B29A42B2FE}"/>
+              </a:ext>
+            </a:extLst>
+          </p:cNvPr>
+          <p:cNvPicPr>
+            <a:picLocks noChangeAspect="1" noChangeArrowheads="1"/>
+          </p:cNvPicPr>
+          <p:nvPr/>
+        </p:nvPicPr>
+        <p:blipFill>
+          <a:blip r:embed="rId2" cstate="print"/>
+          <a:srcRect/>
+          <a:stretch>
+            <a:fillRect/>
+          </a:stretch>
+        </p:blipFill>
+        <p:spPr bwMode="auto">
+          <a:xfrm>
+            <a:off x="4419600" y="2514600"/>
+            <a:ext cx="4648200" cy="3371850"/>
           </a:xfrm>
           <a:prstGeom prst="rect">
             <a:avLst/>
           </a:prstGeom>
-        </p:spPr>
-        <p:txBody>
-          <a:bodyPr/>
-          <a:lstStyle/>
-          <a:p>
-            <a:r>
-              <a:rPr lang="en-GB" sz="3600" dirty="0">
-                <a:latin typeface="Candara" panose="020E0502030303020204" pitchFamily="34" charset="0"/>
-              </a:rPr>
-              <a:t>Ex post</a:t>
-            </a:r>
-            <a:endParaRPr sz="3600" dirty="0">
-              <a:latin typeface="Candara" panose="020E0502030303020204" pitchFamily="34" charset="0"/>
-            </a:endParaRPr>
-          </a:p>
-        </p:txBody>
-      </p:sp>
-      <p:sp>
-        <p:nvSpPr>
-          <p:cNvPr id="297" name="Of US environmental regulations from 1990 – 1995,  ~50% fail cost-benefit test? (Hahn 1996)…"/>
-          <p:cNvSpPr txBox="1">
-            <a:spLocks noGrp="1"/>
-          </p:cNvSpPr>
-          <p:nvPr>
-            <p:ph idx="1"/>
-          </p:nvPr>
-        </p:nvSpPr>
-        <p:spPr>
-          <a:xfrm>
-            <a:off x="675701" y="990600"/>
-            <a:ext cx="7772400" cy="4114800"/>
-          </a:xfrm>
-          <a:prstGeom prst="rect">
-            <a:avLst/>
-          </a:prstGeom>
-        </p:spPr>
-        <p:txBody>
-          <a:bodyPr/>
-          <a:lstStyle/>
-          <a:p>
-            <a:pPr marL="428610" indent="-428610" defTabSz="394320">
-              <a:spcBef>
-                <a:spcPts val="1055"/>
-              </a:spcBef>
-              <a:defRPr sz="5760"/>
-            </a:pPr>
-            <a:r>
-              <a:rPr sz="2800" dirty="0">
-                <a:latin typeface="Candara" panose="020E0502030303020204" pitchFamily="34" charset="0"/>
-              </a:rPr>
-              <a:t>Of US environmental regulations from 1990 – 1995, ~50% fail cost-benefit test</a:t>
-            </a:r>
-            <a:r>
-              <a:rPr lang="en-GB" sz="2800" dirty="0">
-                <a:latin typeface="Candara" panose="020E0502030303020204" pitchFamily="34" charset="0"/>
-              </a:rPr>
-              <a:t> </a:t>
-            </a:r>
-            <a:r>
-              <a:rPr sz="2800" dirty="0">
-                <a:latin typeface="Candara" panose="020E0502030303020204" pitchFamily="34" charset="0"/>
-              </a:rPr>
-              <a:t>(Hahn 1996)</a:t>
-            </a:r>
-          </a:p>
-          <a:p>
-            <a:pPr marL="428610" indent="-428610" defTabSz="394320">
-              <a:spcBef>
-                <a:spcPts val="1055"/>
-              </a:spcBef>
-              <a:defRPr sz="5760"/>
-            </a:pPr>
-            <a:r>
-              <a:rPr sz="2800" dirty="0">
-                <a:latin typeface="Candara" panose="020E0502030303020204" pitchFamily="34" charset="0"/>
-              </a:rPr>
-              <a:t>Few EU Directives pass cost-benefit test either</a:t>
-            </a:r>
-            <a:br>
-              <a:rPr sz="2800" dirty="0">
-                <a:latin typeface="Candara" panose="020E0502030303020204" pitchFamily="34" charset="0"/>
-              </a:rPr>
-            </a:br>
-            <a:r>
-              <a:rPr sz="2800" dirty="0">
-                <a:latin typeface="Candara" panose="020E0502030303020204" pitchFamily="34" charset="0"/>
-              </a:rPr>
-              <a:t>(Pearce 2004)</a:t>
-            </a:r>
-            <a:endParaRPr lang="en-GB" sz="2800" dirty="0">
-              <a:latin typeface="Candara" panose="020E0502030303020204" pitchFamily="34" charset="0"/>
-            </a:endParaRPr>
-          </a:p>
-          <a:p>
-            <a:pPr marL="428610" indent="-428610" defTabSz="394320">
-              <a:spcBef>
-                <a:spcPts val="1055"/>
-              </a:spcBef>
-              <a:defRPr sz="5760"/>
-            </a:pPr>
-            <a:r>
-              <a:rPr sz="2800" dirty="0">
-                <a:latin typeface="Candara" panose="020E0502030303020204" pitchFamily="34" charset="0"/>
-              </a:rPr>
-              <a:t>However, there are (1) a variety of ways in which CBA may be systematically biased against pro-environmental policies and regulations (Graves 2012) and (2) other goals we might pursue beyond efficiency</a:t>
-            </a:r>
-          </a:p>
-        </p:txBody>
-      </p:sp>
+          <a:noFill/>
+          <a:ln w="9525">
+            <a:noFill/>
+            <a:miter lim="800000"/>
+            <a:headEnd/>
+            <a:tailEnd/>
+          </a:ln>
+        </p:spPr>
+      </p:pic>
     </p:spTree>
-    <p:extLst>
-      <p:ext uri="{BB962C8B-B14F-4D97-AF65-F5344CB8AC3E}">
-        <p14:creationId xmlns:p14="http://schemas.microsoft.com/office/powerpoint/2010/main" val="233666694"/>
-      </p:ext>
-    </p:extLst>
   </p:cSld>
   <p:clrMapOvr>
     <a:masterClrMapping/>
@@ -11375,9 +11046,9 @@
       </p:grpSpPr>
       <p:sp>
         <p:nvSpPr>
-          <p:cNvPr id="332" name="What about equity?"/>
-          <p:cNvSpPr txBox="1">
-            <a:spLocks noGrp="1"/>
+          <p:cNvPr id="16386" name="Rectangle 2"/>
+          <p:cNvSpPr>
+            <a:spLocks noGrp="1" noChangeArrowheads="1"/>
           </p:cNvSpPr>
           <p:nvPr>
             <p:ph type="title"/>
@@ -11388,28 +11059,28 @@
             <a:off x="685800" y="0"/>
             <a:ext cx="7772400" cy="1143000"/>
           </a:xfrm>
-          <a:prstGeom prst="rect">
-            <a:avLst/>
-          </a:prstGeom>
         </p:spPr>
         <p:txBody>
           <a:bodyPr/>
           <a:lstStyle/>
           <a:p>
             <a:r>
-              <a:rPr sz="3600" dirty="0">
-                <a:latin typeface="Candara" panose="020E0502030303020204" pitchFamily="34" charset="0"/>
-              </a:rPr>
-              <a:t>What about equity?</a:t>
-            </a:r>
-          </a:p>
-        </p:txBody>
-      </p:sp>
-      <p:sp>
-        <p:nvSpPr>
-          <p:cNvPr id="333" name="Policymakers could address equity separately…"/>
-          <p:cNvSpPr txBox="1">
-            <a:spLocks noGrp="1"/>
+              <a:rPr lang="de-DE" sz="3600" dirty="0">
+                <a:latin typeface="Candara" panose="020E0502030303020204" pitchFamily="34" charset="0"/>
+              </a:rPr>
+              <a:t>Alternative Standards</a:t>
+            </a:r>
+            <a:endParaRPr lang="en-GB" sz="3600" dirty="0">
+              <a:latin typeface="Candara" panose="020E0502030303020204" pitchFamily="34" charset="0"/>
+            </a:endParaRPr>
+          </a:p>
+        </p:txBody>
+      </p:sp>
+      <p:sp>
+        <p:nvSpPr>
+          <p:cNvPr id="16387" name="Rectangle 3"/>
+          <p:cNvSpPr>
+            <a:spLocks noGrp="1" noChangeArrowheads="1"/>
           </p:cNvSpPr>
           <p:nvPr>
             <p:ph type="body" idx="1"/>
@@ -11417,146 +11088,128 @@
         </p:nvSpPr>
         <p:spPr>
           <a:xfrm>
-            <a:off x="571500" y="1143000"/>
-            <a:ext cx="7886700" cy="5143500"/>
+            <a:off x="685800" y="1143000"/>
+            <a:ext cx="7772400" cy="4343400"/>
           </a:xfrm>
-          <a:prstGeom prst="rect">
-            <a:avLst/>
-          </a:prstGeom>
         </p:spPr>
         <p:txBody>
           <a:bodyPr/>
           <a:lstStyle/>
           <a:p>
-            <a:pPr marL="406286" indent="-406286" defTabSz="373783">
-              <a:spcBef>
-                <a:spcPts val="984"/>
-              </a:spcBef>
-              <a:defRPr sz="5460"/>
-            </a:pPr>
-            <a:r>
-              <a:rPr sz="2800" dirty="0">
-                <a:latin typeface="Candara" panose="020E0502030303020204" pitchFamily="34" charset="0"/>
-              </a:rPr>
-              <a:t>Policymakers </a:t>
-            </a:r>
-            <a:r>
-              <a:rPr sz="2800" i="1" dirty="0">
-                <a:latin typeface="Candara" panose="020E0502030303020204" pitchFamily="34" charset="0"/>
-              </a:rPr>
-              <a:t>could</a:t>
-            </a:r>
-            <a:r>
-              <a:rPr sz="2800" dirty="0">
-                <a:latin typeface="Candara" panose="020E0502030303020204" pitchFamily="34" charset="0"/>
-              </a:rPr>
-              <a:t> address equity separately</a:t>
-            </a:r>
-          </a:p>
-          <a:p>
-            <a:pPr marL="739441" lvl="1" indent="-219395" defTabSz="373783">
-              <a:spcBef>
-                <a:spcPts val="984"/>
-              </a:spcBef>
-              <a:buSzPct val="100000"/>
-              <a:buChar char="•"/>
-              <a:defRPr sz="3276"/>
-            </a:pPr>
-            <a:r>
-              <a:rPr sz="2400" dirty="0">
-                <a:latin typeface="Candara" panose="020E0502030303020204" pitchFamily="34" charset="0"/>
-              </a:rPr>
-              <a:t>e.g. compensation through tax system</a:t>
-            </a:r>
-            <a:endParaRPr lang="en-GB" sz="2400" dirty="0">
-              <a:latin typeface="Candara" panose="020E0502030303020204" pitchFamily="34" charset="0"/>
-            </a:endParaRPr>
-          </a:p>
-          <a:p>
-            <a:pPr marL="739441" lvl="1" indent="-219395" defTabSz="373783">
-              <a:spcBef>
-                <a:spcPts val="984"/>
-              </a:spcBef>
-              <a:buSzPct val="100000"/>
-              <a:buChar char="•"/>
-              <a:defRPr sz="3276"/>
-            </a:pPr>
-            <a:r>
-              <a:rPr lang="en-GB" sz="2400" dirty="0">
-                <a:latin typeface="Candara" panose="020E0502030303020204" pitchFamily="34" charset="0"/>
-              </a:rPr>
-              <a:t>Potential v actual Pareto improvements</a:t>
-            </a:r>
-            <a:endParaRPr sz="2400" dirty="0">
-              <a:latin typeface="Candara" panose="020E0502030303020204" pitchFamily="34" charset="0"/>
-            </a:endParaRPr>
-          </a:p>
-          <a:p>
-            <a:pPr marL="406286" indent="-406286" defTabSz="373783">
-              <a:spcBef>
-                <a:spcPts val="984"/>
-              </a:spcBef>
-              <a:defRPr sz="5460"/>
-            </a:pPr>
-            <a:r>
-              <a:rPr sz="2800" dirty="0">
-                <a:latin typeface="Candara" panose="020E0502030303020204" pitchFamily="34" charset="0"/>
-              </a:rPr>
-              <a:t>Given enough projects, differences </a:t>
-            </a:r>
-            <a:r>
-              <a:rPr sz="2800" i="1" dirty="0">
-                <a:latin typeface="Candara" panose="020E0502030303020204" pitchFamily="34" charset="0"/>
-              </a:rPr>
-              <a:t>might </a:t>
-            </a:r>
-            <a:r>
-              <a:rPr sz="2800" dirty="0">
-                <a:latin typeface="Candara" panose="020E0502030303020204" pitchFamily="34" charset="0"/>
-              </a:rPr>
-              <a:t> </a:t>
-            </a:r>
-            <a:br>
-              <a:rPr sz="2800" dirty="0">
-                <a:latin typeface="Candara" panose="020E0502030303020204" pitchFamily="34" charset="0"/>
-              </a:rPr>
-            </a:br>
-            <a:r>
-              <a:rPr sz="2800" dirty="0">
-                <a:latin typeface="Candara" panose="020E0502030303020204" pitchFamily="34" charset="0"/>
-              </a:rPr>
-              <a:t>‘come out in the wash’</a:t>
-            </a:r>
-          </a:p>
-          <a:p>
-            <a:pPr marL="406286" indent="-406286" defTabSz="373783">
-              <a:spcBef>
-                <a:spcPts val="984"/>
-              </a:spcBef>
-              <a:defRPr sz="5460"/>
-            </a:pPr>
-            <a:r>
-              <a:rPr sz="2800" dirty="0">
-                <a:latin typeface="Candara" panose="020E0502030303020204" pitchFamily="34" charset="0"/>
-              </a:rPr>
-              <a:t>Or they might not</a:t>
-            </a:r>
-            <a:endParaRPr lang="en-GB" sz="2800" dirty="0">
-              <a:latin typeface="Candara" panose="020E0502030303020204" pitchFamily="34" charset="0"/>
-            </a:endParaRPr>
-          </a:p>
-          <a:p>
-            <a:pPr marL="406286" indent="-406286" defTabSz="373783">
-              <a:spcBef>
-                <a:spcPts val="984"/>
-              </a:spcBef>
-              <a:defRPr sz="5460"/>
-            </a:pPr>
-            <a:r>
-              <a:rPr sz="2800" dirty="0">
-                <a:latin typeface="Candara" panose="020E0502030303020204" pitchFamily="34" charset="0"/>
-              </a:rPr>
-              <a:t>Use CBA as one input to a policy decision — not to provide the decision by itself</a:t>
+            <a:pPr>
+              <a:lnSpc>
+                <a:spcPct val="90000"/>
+              </a:lnSpc>
+            </a:pPr>
+            <a:r>
+              <a:rPr lang="de-DE" sz="2800" dirty="0">
+                <a:latin typeface="Candara" panose="020E0502030303020204" pitchFamily="34" charset="0"/>
+              </a:rPr>
+              <a:t>Optimal pollution is but one way of setting standards and not the most popular</a:t>
+            </a:r>
+          </a:p>
+          <a:p>
+            <a:pPr>
+              <a:lnSpc>
+                <a:spcPct val="90000"/>
+              </a:lnSpc>
+            </a:pPr>
+            <a:r>
+              <a:rPr lang="de-DE" sz="2800" dirty="0">
+                <a:latin typeface="Candara" panose="020E0502030303020204" pitchFamily="34" charset="0"/>
+              </a:rPr>
+              <a:t>Multicriteria analysis</a:t>
+            </a:r>
+          </a:p>
+          <a:p>
+            <a:pPr>
+              <a:lnSpc>
+                <a:spcPct val="90000"/>
+              </a:lnSpc>
+            </a:pPr>
+            <a:r>
+              <a:rPr lang="de-DE" sz="2800" dirty="0">
+                <a:latin typeface="Candara" panose="020E0502030303020204" pitchFamily="34" charset="0"/>
+              </a:rPr>
+              <a:t>Alternatives</a:t>
+            </a:r>
+          </a:p>
+          <a:p>
+            <a:pPr lvl="1">
+              <a:lnSpc>
+                <a:spcPct val="90000"/>
+              </a:lnSpc>
+            </a:pPr>
+            <a:r>
+              <a:rPr lang="de-DE" sz="2400" dirty="0">
+                <a:latin typeface="Candara" panose="020E0502030303020204" pitchFamily="34" charset="0"/>
+              </a:rPr>
+              <a:t>Safe minimum standards</a:t>
+            </a:r>
+          </a:p>
+          <a:p>
+            <a:pPr lvl="1">
+              <a:lnSpc>
+                <a:spcPct val="90000"/>
+              </a:lnSpc>
+            </a:pPr>
+            <a:r>
+              <a:rPr lang="de-DE" sz="2400" dirty="0">
+                <a:latin typeface="Candara" panose="020E0502030303020204" pitchFamily="34" charset="0"/>
+              </a:rPr>
+              <a:t>Citizen juries, referendums</a:t>
+            </a:r>
+          </a:p>
+          <a:p>
+            <a:pPr lvl="1">
+              <a:lnSpc>
+                <a:spcPct val="90000"/>
+              </a:lnSpc>
+            </a:pPr>
+            <a:r>
+              <a:rPr lang="de-DE" sz="2400" dirty="0">
+                <a:latin typeface="Candara" panose="020E0502030303020204" pitchFamily="34" charset="0"/>
+              </a:rPr>
+              <a:t>Best available technology</a:t>
+            </a:r>
+          </a:p>
+          <a:p>
+            <a:pPr lvl="1">
+              <a:lnSpc>
+                <a:spcPct val="90000"/>
+              </a:lnSpc>
+            </a:pPr>
+            <a:r>
+              <a:rPr lang="de-DE" sz="2400" dirty="0">
+                <a:latin typeface="Candara" panose="020E0502030303020204" pitchFamily="34" charset="0"/>
+              </a:rPr>
+              <a:t>Precautionary principle</a:t>
+            </a:r>
+          </a:p>
+          <a:p>
+            <a:pPr lvl="1">
+              <a:lnSpc>
+                <a:spcPct val="90000"/>
+              </a:lnSpc>
+            </a:pPr>
+            <a:r>
+              <a:rPr lang="de-DE" sz="2400" dirty="0">
+                <a:latin typeface="Candara" panose="020E0502030303020204" pitchFamily="34" charset="0"/>
+              </a:rPr>
+              <a:t>Arbitrary standards</a:t>
+            </a:r>
+          </a:p>
+          <a:p>
+            <a:pPr>
+              <a:lnSpc>
+                <a:spcPct val="90000"/>
+              </a:lnSpc>
+            </a:pPr>
+            <a:r>
+              <a:rPr lang="de-DE" sz="2800" dirty="0">
+                <a:latin typeface="Candara" panose="020E0502030303020204" pitchFamily="34" charset="0"/>
+              </a:rPr>
+              <a:t>Cost-effectiveness analysis</a:t>
             </a:r>
           </a:p>
         </p:txBody>
@@ -11564,14 +11217,13 @@
     </p:spTree>
     <p:extLst>
       <p:ext uri="{BB962C8B-B14F-4D97-AF65-F5344CB8AC3E}">
-        <p14:creationId xmlns:p14="http://schemas.microsoft.com/office/powerpoint/2010/main" val="694287538"/>
+        <p14:creationId xmlns:p14="http://schemas.microsoft.com/office/powerpoint/2010/main" val="1050221090"/>
       </p:ext>
     </p:extLst>
   </p:cSld>
   <p:clrMapOvr>
     <a:masterClrMapping/>
   </p:clrMapOvr>
-  <p:transition spd="med"/>
 </p:sld>
 </file>
 
@@ -11594,9 +11246,9 @@
       </p:grpSpPr>
       <p:sp>
         <p:nvSpPr>
-          <p:cNvPr id="342" name="Ten stages of CBA"/>
-          <p:cNvSpPr txBox="1">
-            <a:spLocks noGrp="1"/>
+          <p:cNvPr id="6146" name="Rectangle 2"/>
+          <p:cNvSpPr>
+            <a:spLocks noGrp="1" noChangeArrowheads="1"/>
           </p:cNvSpPr>
           <p:nvPr>
             <p:ph type="title"/>
@@ -11604,274 +11256,127 @@
         </p:nvSpPr>
         <p:spPr>
           <a:xfrm>
-            <a:off x="685800" y="0"/>
+            <a:off x="685800" y="190500"/>
             <a:ext cx="7772400" cy="1143000"/>
           </a:xfrm>
-          <a:prstGeom prst="rect">
-            <a:avLst/>
-          </a:prstGeom>
         </p:spPr>
         <p:txBody>
           <a:bodyPr/>
           <a:lstStyle/>
           <a:p>
-            <a:r>
-              <a:rPr sz="3600" dirty="0">
-                <a:latin typeface="Candara" panose="020E0502030303020204" pitchFamily="34" charset="0"/>
-              </a:rPr>
-              <a:t>Ten stages of CBA</a:t>
-            </a:r>
-          </a:p>
-        </p:txBody>
-      </p:sp>
-      <p:sp>
-        <p:nvSpPr>
-          <p:cNvPr id="343" name="Rationale for intervention…"/>
-          <p:cNvSpPr txBox="1">
-            <a:spLocks noGrp="1"/>
-          </p:cNvSpPr>
-          <p:nvPr>
-            <p:ph type="body" idx="1"/>
-          </p:nvPr>
-        </p:nvSpPr>
-        <p:spPr>
-          <a:xfrm>
-            <a:off x="0" y="1143000"/>
-            <a:ext cx="9144000" cy="5486400"/>
-          </a:xfrm>
-          <a:prstGeom prst="rect">
-            <a:avLst/>
-          </a:prstGeom>
-        </p:spPr>
-        <p:txBody>
-          <a:bodyPr numCol="2" spcCol="698500"/>
-          <a:lstStyle/>
-          <a:p>
-            <a:pPr marL="490953" indent="-490953" defTabSz="230021">
-              <a:spcBef>
-                <a:spcPts val="562"/>
-              </a:spcBef>
-              <a:buAutoNum type="arabicPeriod"/>
-              <a:defRPr sz="3359"/>
-            </a:pPr>
-            <a:r>
-              <a:rPr sz="2400" dirty="0">
-                <a:latin typeface="Candara" panose="020E0502030303020204" pitchFamily="34" charset="0"/>
-              </a:rPr>
-              <a:t>Rationale for intervention</a:t>
-            </a:r>
-          </a:p>
-          <a:p>
-            <a:pPr marL="490953" indent="-490953" defTabSz="230021">
-              <a:spcBef>
-                <a:spcPts val="562"/>
-              </a:spcBef>
-              <a:buAutoNum type="arabicPeriod"/>
-              <a:defRPr sz="3359"/>
-            </a:pPr>
-            <a:r>
-              <a:rPr sz="2400" dirty="0">
-                <a:latin typeface="Candara" panose="020E0502030303020204" pitchFamily="34" charset="0"/>
-              </a:rPr>
-              <a:t>Identify the portfolio of candidate projects </a:t>
-            </a:r>
-            <a:r>
-              <a:rPr lang="en-GB" sz="2400" dirty="0">
-                <a:latin typeface="Candara" panose="020E0502030303020204" pitchFamily="34" charset="0"/>
-              </a:rPr>
-              <a:t>and</a:t>
-            </a:r>
-            <a:r>
-              <a:rPr sz="2400" dirty="0">
-                <a:latin typeface="Candara" panose="020E0502030303020204" pitchFamily="34" charset="0"/>
-              </a:rPr>
-              <a:t> define a baseline or counterfactual: what will happen if none of these things do?</a:t>
-            </a:r>
-          </a:p>
-          <a:p>
-            <a:pPr marL="490953" indent="-490953" defTabSz="230021">
-              <a:spcBef>
-                <a:spcPts val="562"/>
-              </a:spcBef>
-              <a:buAutoNum type="arabicPeriod"/>
-              <a:defRPr sz="3359"/>
-            </a:pPr>
-            <a:r>
-              <a:rPr sz="2400" dirty="0">
-                <a:latin typeface="Candara" panose="020E0502030303020204" pitchFamily="34" charset="0"/>
-              </a:rPr>
-              <a:t>Decide whose benefits and costs count (</a:t>
-            </a:r>
-            <a:r>
-              <a:rPr sz="2400" i="1" dirty="0">
-                <a:latin typeface="Candara" panose="020E0502030303020204" pitchFamily="34" charset="0"/>
-              </a:rPr>
-              <a:t>standing</a:t>
-            </a:r>
-            <a:r>
-              <a:rPr sz="2400" dirty="0">
-                <a:latin typeface="Candara" panose="020E0502030303020204" pitchFamily="34" charset="0"/>
-              </a:rPr>
-              <a:t>, or </a:t>
-            </a:r>
-            <a:r>
-              <a:rPr sz="2400" i="1" dirty="0">
-                <a:latin typeface="Candara" panose="020E0502030303020204" pitchFamily="34" charset="0"/>
-              </a:rPr>
-              <a:t>accounting stance</a:t>
-            </a:r>
-            <a:r>
-              <a:rPr sz="2400" dirty="0">
-                <a:latin typeface="Candara" panose="020E0502030303020204" pitchFamily="34" charset="0"/>
-              </a:rPr>
-              <a:t>) </a:t>
-            </a:r>
-          </a:p>
-          <a:p>
-            <a:pPr marL="490953" indent="-490953" defTabSz="230021">
-              <a:spcBef>
-                <a:spcPts val="562"/>
-              </a:spcBef>
-              <a:buAutoNum type="arabicPeriod"/>
-              <a:defRPr sz="3359"/>
-            </a:pPr>
-            <a:r>
-              <a:rPr sz="2400" dirty="0">
-                <a:latin typeface="Candara" panose="020E0502030303020204" pitchFamily="34" charset="0"/>
-              </a:rPr>
-              <a:t>Identify all potential impacts, physical and  biological</a:t>
-            </a:r>
-            <a:endParaRPr lang="en-GB" sz="2400" dirty="0">
+            <a:pPr eaLnBrk="1" hangingPunct="1"/>
+            <a:r>
+              <a:rPr lang="de-DE" dirty="0">
+                <a:latin typeface="Candara" panose="020E0502030303020204" pitchFamily="34" charset="0"/>
+              </a:rPr>
+              <a:t>Decision analysis</a:t>
+            </a:r>
+            <a:endParaRPr lang="en-GB" dirty="0">
               <a:latin typeface="Candara" panose="020E0502030303020204" pitchFamily="34" charset="0"/>
             </a:endParaRPr>
           </a:p>
-          <a:p>
-            <a:pPr marL="490953" indent="-490953" defTabSz="230021">
-              <a:spcBef>
-                <a:spcPts val="562"/>
-              </a:spcBef>
-              <a:buAutoNum type="arabicPeriod"/>
-              <a:defRPr sz="3359"/>
-            </a:pPr>
-            <a:endParaRPr sz="2400" dirty="0">
+        </p:txBody>
+      </p:sp>
+      <p:sp>
+        <p:nvSpPr>
+          <p:cNvPr id="6147" name="Rectangle 3"/>
+          <p:cNvSpPr>
+            <a:spLocks noGrp="1" noChangeArrowheads="1"/>
+          </p:cNvSpPr>
+          <p:nvPr>
+            <p:ph type="body" idx="1"/>
+          </p:nvPr>
+        </p:nvSpPr>
+        <p:spPr>
+          <a:xfrm>
+            <a:off x="685800" y="1371600"/>
+            <a:ext cx="7772400" cy="4114800"/>
+          </a:xfrm>
+        </p:spPr>
+        <p:txBody>
+          <a:bodyPr/>
+          <a:lstStyle/>
+          <a:p>
+            <a:pPr eaLnBrk="1" hangingPunct="1"/>
+            <a:r>
+              <a:rPr lang="de-DE" dirty="0">
+                <a:latin typeface="Candara" panose="020E0502030303020204" pitchFamily="34" charset="0"/>
+              </a:rPr>
+              <a:t>Cost-benefit analysis</a:t>
+            </a:r>
+          </a:p>
+          <a:p>
+            <a:pPr lvl="1" eaLnBrk="1" hangingPunct="1"/>
+            <a:r>
+              <a:rPr lang="de-DE" dirty="0">
+                <a:latin typeface="Candara" panose="020E0502030303020204" pitchFamily="34" charset="0"/>
+              </a:rPr>
+              <a:t>Efficient flow pollution</a:t>
+            </a:r>
+          </a:p>
+          <a:p>
+            <a:pPr lvl="1" eaLnBrk="1" hangingPunct="1"/>
+            <a:r>
+              <a:rPr lang="de-DE" dirty="0">
+                <a:latin typeface="Candara" panose="020E0502030303020204" pitchFamily="34" charset="0"/>
+              </a:rPr>
+              <a:t>Efficient stock pollution</a:t>
+            </a:r>
+          </a:p>
+          <a:p>
+            <a:pPr eaLnBrk="1" hangingPunct="1"/>
+            <a:r>
+              <a:rPr lang="de-DE" dirty="0">
+                <a:latin typeface="Candara" panose="020E0502030303020204" pitchFamily="34" charset="0"/>
+              </a:rPr>
+              <a:t>Alternatives</a:t>
+            </a:r>
+          </a:p>
+          <a:p>
+            <a:pPr eaLnBrk="1" hangingPunct="1"/>
+            <a:r>
+              <a:rPr lang="de-DE" dirty="0">
+                <a:latin typeface="Candara" panose="020E0502030303020204" pitchFamily="34" charset="0"/>
+              </a:rPr>
+              <a:t>Applications</a:t>
+            </a:r>
+          </a:p>
+          <a:p>
+            <a:pPr lvl="1" eaLnBrk="1" hangingPunct="1"/>
+            <a:r>
+              <a:rPr lang="de-DE" b="1" dirty="0">
+                <a:latin typeface="Candara" panose="020E0502030303020204" pitchFamily="34" charset="0"/>
+              </a:rPr>
+              <a:t>How to apply cost-benefit analysis</a:t>
+            </a:r>
+          </a:p>
+          <a:p>
+            <a:pPr lvl="1" eaLnBrk="1" hangingPunct="1"/>
+            <a:r>
+              <a:rPr lang="de-DE" dirty="0">
+                <a:latin typeface="Candara" panose="020E0502030303020204" pitchFamily="34" charset="0"/>
+              </a:rPr>
+              <a:t>The London Super Sewer</a:t>
+            </a:r>
+          </a:p>
+          <a:p>
+            <a:pPr lvl="1" eaLnBrk="1" hangingPunct="1"/>
+            <a:endParaRPr lang="en-GB" dirty="0">
               <a:latin typeface="Candara" panose="020E0502030303020204" pitchFamily="34" charset="0"/>
             </a:endParaRPr>
-          </a:p>
-          <a:p>
-            <a:pPr marL="490953" indent="-490953" defTabSz="230021">
-              <a:spcBef>
-                <a:spcPts val="562"/>
-              </a:spcBef>
-              <a:buAutoNum type="arabicPeriod"/>
-              <a:defRPr sz="3359"/>
-            </a:pPr>
-            <a:r>
-              <a:rPr lang="en-GB" sz="2400" dirty="0">
-                <a:latin typeface="Candara" panose="020E0502030303020204" pitchFamily="34" charset="0"/>
-              </a:rPr>
-              <a:t>Predict scale of impacts </a:t>
-            </a:r>
-            <a:r>
-              <a:rPr sz="2400" dirty="0">
-                <a:latin typeface="Candara" panose="020E0502030303020204" pitchFamily="34" charset="0"/>
-              </a:rPr>
-              <a:t>over the life of the project </a:t>
-            </a:r>
-          </a:p>
-          <a:p>
-            <a:pPr marL="490953" indent="-490953" defTabSz="230021">
-              <a:spcBef>
-                <a:spcPts val="562"/>
-              </a:spcBef>
-              <a:buAutoNum type="arabicPeriod"/>
-              <a:defRPr sz="3359"/>
-            </a:pPr>
-            <a:r>
-              <a:rPr sz="2400" dirty="0" err="1">
-                <a:latin typeface="Candara" panose="020E0502030303020204" pitchFamily="34" charset="0"/>
-              </a:rPr>
-              <a:t>Monetise</a:t>
-            </a:r>
-            <a:r>
-              <a:rPr sz="2400" dirty="0">
-                <a:latin typeface="Candara" panose="020E0502030303020204" pitchFamily="34" charset="0"/>
-              </a:rPr>
-              <a:t> (attach money values to) all impacts</a:t>
-            </a:r>
-          </a:p>
-          <a:p>
-            <a:pPr marL="490953" indent="-490953" defTabSz="230021">
-              <a:spcBef>
-                <a:spcPts val="562"/>
-              </a:spcBef>
-              <a:buAutoNum type="arabicPeriod"/>
-              <a:defRPr sz="3359"/>
-            </a:pPr>
-            <a:r>
-              <a:rPr sz="2400" dirty="0">
-                <a:latin typeface="Candara" panose="020E0502030303020204" pitchFamily="34" charset="0"/>
-              </a:rPr>
-              <a:t>Discount to find present values</a:t>
-            </a:r>
-          </a:p>
-          <a:p>
-            <a:pPr marL="490953" indent="-490953" defTabSz="230021">
-              <a:spcBef>
-                <a:spcPts val="562"/>
-              </a:spcBef>
-              <a:buAutoNum type="arabicPeriod"/>
-              <a:defRPr sz="3359"/>
-            </a:pPr>
-            <a:r>
-              <a:rPr sz="2400" dirty="0">
-                <a:latin typeface="Candara" panose="020E0502030303020204" pitchFamily="34" charset="0"/>
-              </a:rPr>
-              <a:t>Aggregate: add up all the benefits and costs, calculate net benefits</a:t>
-            </a:r>
-          </a:p>
-          <a:p>
-            <a:pPr marL="490953" indent="-490953" defTabSz="230021">
-              <a:spcBef>
-                <a:spcPts val="562"/>
-              </a:spcBef>
-              <a:buAutoNum type="arabicPeriod"/>
-              <a:defRPr sz="3359"/>
-            </a:pPr>
-            <a:r>
-              <a:rPr sz="2400" dirty="0">
-                <a:latin typeface="Candara" panose="020E0502030303020204" pitchFamily="34" charset="0"/>
-              </a:rPr>
-              <a:t>Perform sensitivity analysis</a:t>
-            </a:r>
-          </a:p>
-          <a:p>
-            <a:pPr marL="490953" indent="-490953" defTabSz="230021">
-              <a:spcBef>
-                <a:spcPts val="562"/>
-              </a:spcBef>
-              <a:buAutoNum type="arabicPeriod"/>
-              <a:defRPr sz="3359"/>
-            </a:pPr>
-            <a:r>
-              <a:rPr sz="2400" dirty="0">
-                <a:latin typeface="Candara" panose="020E0502030303020204" pitchFamily="34" charset="0"/>
-              </a:rPr>
-              <a:t>Recommend the alternative with the largest net benefits</a:t>
-            </a:r>
           </a:p>
         </p:txBody>
       </p:sp>
     </p:spTree>
     <p:extLst>
       <p:ext uri="{BB962C8B-B14F-4D97-AF65-F5344CB8AC3E}">
-        <p14:creationId xmlns:p14="http://schemas.microsoft.com/office/powerpoint/2010/main" val="1375152349"/>
+        <p14:creationId xmlns:p14="http://schemas.microsoft.com/office/powerpoint/2010/main" val="2544148115"/>
       </p:ext>
     </p:extLst>
   </p:cSld>
   <p:clrMapOvr>
     <a:masterClrMapping/>
   </p:clrMapOvr>
-  <p:transition spd="med"/>
 </p:sld>
 </file>
 
@@ -11894,7 +11399,7 @@
       </p:grpSpPr>
       <p:sp>
         <p:nvSpPr>
-          <p:cNvPr id="350" name="Case study: London’s super sewer"/>
+          <p:cNvPr id="260" name="Social Cost-Benefit Analysis"/>
           <p:cNvSpPr txBox="1">
             <a:spLocks noGrp="1"/>
           </p:cNvSpPr>
@@ -11904,57 +11409,108 @@
         </p:nvSpPr>
         <p:spPr>
           <a:xfrm>
-            <a:off x="838200" y="0"/>
+            <a:off x="670192" y="-11935"/>
             <a:ext cx="7772400" cy="1143000"/>
           </a:xfrm>
-          <a:prstGeom prst="rect">
-            <a:avLst/>
-          </a:prstGeom>
         </p:spPr>
         <p:txBody>
           <a:bodyPr/>
           <a:lstStyle/>
           <a:p>
             <a:r>
-              <a:rPr sz="3600" dirty="0">
-                <a:latin typeface="Candara" panose="020E0502030303020204" pitchFamily="34" charset="0"/>
-              </a:rPr>
-              <a:t>Case study: London’s super sewer</a:t>
-            </a:r>
-          </a:p>
-        </p:txBody>
-      </p:sp>
-      <p:pic>
-        <p:nvPicPr>
-          <p:cNvPr id="351" name="Screen Shot 2013-11-11 at 17.44.48.png" descr="Screen Shot 2013-11-11 at 17.44.48.png"/>
-          <p:cNvPicPr>
-            <a:picLocks noChangeAspect="1"/>
-          </p:cNvPicPr>
-          <p:nvPr/>
-        </p:nvPicPr>
-        <p:blipFill>
-          <a:blip r:embed="rId3"/>
-          <a:stretch>
-            <a:fillRect/>
-          </a:stretch>
-        </p:blipFill>
+              <a:rPr lang="en-GB" sz="3600" dirty="0">
+                <a:latin typeface="Candara" panose="020E0502030303020204" pitchFamily="34" charset="0"/>
+              </a:rPr>
+              <a:t>Applied Cost-Benefit Analysis</a:t>
+            </a:r>
+          </a:p>
+        </p:txBody>
+      </p:sp>
+      <p:sp>
+        <p:nvSpPr>
+          <p:cNvPr id="261" name="Social CBA is an analytical tool to inform decisions about interventions involving public expenditure over time…"/>
+          <p:cNvSpPr txBox="1">
+            <a:spLocks noGrp="1"/>
+          </p:cNvSpPr>
+          <p:nvPr>
+            <p:ph type="body" idx="1"/>
+          </p:nvPr>
+        </p:nvSpPr>
         <p:spPr>
           <a:xfrm>
-            <a:off x="-12853" y="571500"/>
-            <a:ext cx="9144000" cy="8456414"/>
+            <a:off x="304800" y="1219200"/>
+            <a:ext cx="8610600" cy="4114800"/>
           </a:xfrm>
-          <a:prstGeom prst="rect">
-            <a:avLst/>
-          </a:prstGeom>
-          <a:ln w="12700">
-            <a:miter lim="400000"/>
-          </a:ln>
-        </p:spPr>
-      </p:pic>
+        </p:spPr>
+        <p:txBody>
+          <a:bodyPr/>
+          <a:lstStyle/>
+          <a:p>
+            <a:r>
+              <a:rPr lang="en-GB" sz="2800" dirty="0">
+                <a:latin typeface="Candara" panose="020E0502030303020204" pitchFamily="34" charset="0"/>
+              </a:rPr>
+              <a:t>Social CBA is an analytical tool to inform decisions about interventions involving public expenditure over time</a:t>
+            </a:r>
+          </a:p>
+          <a:p>
+            <a:r>
+              <a:rPr lang="en-GB" sz="2800" dirty="0">
+                <a:latin typeface="Candara" panose="020E0502030303020204" pitchFamily="34" charset="0"/>
+              </a:rPr>
+              <a:t>It requires systematic counting and valuation of all relevant costs and benefits to society as a whole</a:t>
+            </a:r>
+          </a:p>
+          <a:p>
+            <a:pPr lvl="1"/>
+            <a:r>
+              <a:rPr lang="en-GB" sz="2400" dirty="0">
+                <a:latin typeface="Candara" panose="020E0502030303020204" pitchFamily="34" charset="0"/>
+              </a:rPr>
+              <a:t>Benefits = anything that increases human welfare</a:t>
+            </a:r>
+          </a:p>
+          <a:p>
+            <a:pPr lvl="1"/>
+            <a:r>
+              <a:rPr lang="en-GB" sz="2400" dirty="0">
+                <a:latin typeface="Candara" panose="020E0502030303020204" pitchFamily="34" charset="0"/>
+              </a:rPr>
+              <a:t>Costs = anything that decreasing human welfare</a:t>
+            </a:r>
+          </a:p>
+          <a:p>
+            <a:r>
+              <a:rPr lang="en-GB" sz="2800" dirty="0">
+                <a:latin typeface="Candara" panose="020E0502030303020204" pitchFamily="34" charset="0"/>
+              </a:rPr>
+              <a:t>It recommends policies where</a:t>
+            </a:r>
+          </a:p>
+          <a:p>
+            <a:pPr lvl="1"/>
+            <a:r>
+              <a:rPr lang="en-GB" sz="2400" dirty="0">
+                <a:latin typeface="Candara" panose="020E0502030303020204" pitchFamily="34" charset="0"/>
+              </a:rPr>
+              <a:t>Benefits outweigh costs — B &gt; C, B / C &gt; 1 (single project)</a:t>
+            </a:r>
+          </a:p>
+          <a:p>
+            <a:pPr lvl="1"/>
+            <a:r>
+              <a:rPr lang="en-GB" sz="2400" dirty="0">
+                <a:latin typeface="Candara" panose="020E0502030303020204" pitchFamily="34" charset="0"/>
+              </a:rPr>
+              <a:t>Net benefits (benefits – costs) are maximised</a:t>
+            </a:r>
+          </a:p>
+        </p:txBody>
+      </p:sp>
     </p:spTree>
     <p:extLst>
       <p:ext uri="{BB962C8B-B14F-4D97-AF65-F5344CB8AC3E}">
-        <p14:creationId xmlns:p14="http://schemas.microsoft.com/office/powerpoint/2010/main" val="4225558154"/>
+        <p14:creationId xmlns:p14="http://schemas.microsoft.com/office/powerpoint/2010/main" val="1632517793"/>
       </p:ext>
     </p:extLst>
   </p:cSld>
@@ -11984,6 +11540,1464 @@
       </p:grpSpPr>
       <p:sp>
         <p:nvSpPr>
+          <p:cNvPr id="265" name="Rectangle"/>
+          <p:cNvSpPr/>
+          <p:nvPr/>
+        </p:nvSpPr>
+        <p:spPr>
+          <a:xfrm>
+            <a:off x="7188398" y="2920008"/>
+            <a:ext cx="2437805" cy="1348383"/>
+          </a:xfrm>
+          <a:prstGeom prst="rect">
+            <a:avLst/>
+          </a:prstGeom>
+          <a:solidFill>
+            <a:srgbClr val="FFFFFF"/>
+          </a:solidFill>
+          <a:ln w="25400">
+            <a:miter lim="400000"/>
+          </a:ln>
+        </p:spPr>
+        <p:txBody>
+          <a:bodyPr lIns="35719" tIns="35719" rIns="35719" bIns="35719" anchor="ctr"/>
+          <a:lstStyle/>
+          <a:p>
+            <a:pPr>
+              <a:defRPr sz="2800">
+                <a:effectLst>
+                  <a:outerShdw blurRad="38100" dist="12700" dir="5400000" rotWithShape="0">
+                    <a:srgbClr val="000000">
+                      <a:alpha val="50000"/>
+                    </a:srgbClr>
+                  </a:outerShdw>
+                </a:effectLst>
+              </a:defRPr>
+            </a:pPr>
+            <a:endParaRPr sz="1969"/>
+          </a:p>
+        </p:txBody>
+      </p:sp>
+      <p:sp>
+        <p:nvSpPr>
+          <p:cNvPr id="266" name="Uses of CBA"/>
+          <p:cNvSpPr txBox="1">
+            <a:spLocks noGrp="1"/>
+          </p:cNvSpPr>
+          <p:nvPr>
+            <p:ph type="title"/>
+          </p:nvPr>
+        </p:nvSpPr>
+        <p:spPr>
+          <a:xfrm>
+            <a:off x="838200" y="0"/>
+            <a:ext cx="7772400" cy="1143000"/>
+          </a:xfrm>
+          <a:prstGeom prst="rect">
+            <a:avLst/>
+          </a:prstGeom>
+        </p:spPr>
+        <p:txBody>
+          <a:bodyPr/>
+          <a:lstStyle/>
+          <a:p>
+            <a:r>
+              <a:rPr sz="3600" dirty="0">
+                <a:latin typeface="Candara" panose="020E0502030303020204" pitchFamily="34" charset="0"/>
+              </a:rPr>
+              <a:t>Uses of CBA</a:t>
+            </a:r>
+          </a:p>
+        </p:txBody>
+      </p:sp>
+      <p:sp>
+        <p:nvSpPr>
+          <p:cNvPr id="267" name="Overall environmental policy…"/>
+          <p:cNvSpPr txBox="1">
+            <a:spLocks noGrp="1"/>
+          </p:cNvSpPr>
+          <p:nvPr>
+            <p:ph type="body" sz="half" idx="1"/>
+          </p:nvPr>
+        </p:nvSpPr>
+        <p:spPr>
+          <a:xfrm>
+            <a:off x="571500" y="1143000"/>
+            <a:ext cx="4881563" cy="5143500"/>
+          </a:xfrm>
+          <a:prstGeom prst="rect">
+            <a:avLst/>
+          </a:prstGeom>
+        </p:spPr>
+        <p:txBody>
+          <a:bodyPr/>
+          <a:lstStyle/>
+          <a:p>
+            <a:pPr marL="257165" indent="-257165" defTabSz="394320">
+              <a:spcBef>
+                <a:spcPts val="1055"/>
+              </a:spcBef>
+              <a:defRPr sz="5760"/>
+            </a:pPr>
+            <a:r>
+              <a:rPr sz="2800" dirty="0">
+                <a:latin typeface="Candara" panose="020E0502030303020204" pitchFamily="34" charset="0"/>
+              </a:rPr>
+              <a:t>Overall environmental policy</a:t>
+            </a:r>
+          </a:p>
+          <a:p>
+            <a:pPr marL="257165" indent="-257165" defTabSz="394320">
+              <a:spcBef>
+                <a:spcPts val="1055"/>
+              </a:spcBef>
+              <a:defRPr sz="5760"/>
+            </a:pPr>
+            <a:r>
+              <a:rPr sz="2800" dirty="0">
+                <a:latin typeface="Candara" panose="020E0502030303020204" pitchFamily="34" charset="0"/>
+              </a:rPr>
+              <a:t>Appraisal of specific projects</a:t>
+            </a:r>
+          </a:p>
+          <a:p>
+            <a:pPr marL="257165" indent="-257165" defTabSz="394320">
+              <a:spcBef>
+                <a:spcPts val="1055"/>
+              </a:spcBef>
+              <a:defRPr sz="5760"/>
+            </a:pPr>
+            <a:r>
+              <a:rPr sz="2800" dirty="0">
+                <a:latin typeface="Candara" panose="020E0502030303020204" pitchFamily="34" charset="0"/>
+              </a:rPr>
+              <a:t>Environmental management</a:t>
+            </a:r>
+          </a:p>
+          <a:p>
+            <a:pPr marL="257165" indent="-257165" defTabSz="394320">
+              <a:spcBef>
+                <a:spcPts val="1055"/>
+              </a:spcBef>
+              <a:defRPr sz="5760"/>
+            </a:pPr>
+            <a:r>
+              <a:rPr sz="2800" dirty="0">
+                <a:latin typeface="Candara" panose="020E0502030303020204" pitchFamily="34" charset="0"/>
+              </a:rPr>
+              <a:t>Ex-ante or ex-post</a:t>
+            </a:r>
+          </a:p>
+        </p:txBody>
+      </p:sp>
+      <p:pic>
+        <p:nvPicPr>
+          <p:cNvPr id="268" name="Glen_Canyon_Dam.jpg" descr="Glen_Canyon_Dam.jpg"/>
+          <p:cNvPicPr>
+            <a:picLocks noChangeAspect="1"/>
+          </p:cNvPicPr>
+          <p:nvPr/>
+        </p:nvPicPr>
+        <p:blipFill>
+          <a:blip r:embed="rId3"/>
+          <a:stretch>
+            <a:fillRect/>
+          </a:stretch>
+        </p:blipFill>
+        <p:spPr>
+          <a:xfrm>
+            <a:off x="5589985" y="4578697"/>
+            <a:ext cx="1952625" cy="1464469"/>
+          </a:xfrm>
+          <a:prstGeom prst="rect">
+            <a:avLst/>
+          </a:prstGeom>
+          <a:ln w="12700">
+            <a:miter lim="400000"/>
+          </a:ln>
+        </p:spPr>
+      </p:pic>
+      <p:pic>
+        <p:nvPicPr>
+          <p:cNvPr id="269" name="DSCN6624-bee-close_1200x1200.jpg" descr="DSCN6624-bee-close_1200x1200.jpg"/>
+          <p:cNvPicPr>
+            <a:picLocks noChangeAspect="1"/>
+          </p:cNvPicPr>
+          <p:nvPr/>
+        </p:nvPicPr>
+        <p:blipFill>
+          <a:blip r:embed="rId4"/>
+          <a:stretch>
+            <a:fillRect/>
+          </a:stretch>
+        </p:blipFill>
+        <p:spPr>
+          <a:xfrm>
+            <a:off x="5589984" y="1143000"/>
+            <a:ext cx="1464469" cy="1464469"/>
+          </a:xfrm>
+          <a:prstGeom prst="rect">
+            <a:avLst/>
+          </a:prstGeom>
+          <a:ln w="12700">
+            <a:miter lim="400000"/>
+          </a:ln>
+        </p:spPr>
+      </p:pic>
+      <p:pic>
+        <p:nvPicPr>
+          <p:cNvPr id="270" name="300px-West_Texas_Pumpjack.jpg" descr="300px-West_Texas_Pumpjack.jpg"/>
+          <p:cNvPicPr>
+            <a:picLocks noChangeAspect="1"/>
+          </p:cNvPicPr>
+          <p:nvPr/>
+        </p:nvPicPr>
+        <p:blipFill>
+          <a:blip r:embed="rId5"/>
+          <a:stretch>
+            <a:fillRect/>
+          </a:stretch>
+        </p:blipFill>
+        <p:spPr>
+          <a:xfrm>
+            <a:off x="7188398" y="1143000"/>
+            <a:ext cx="1955602" cy="1466701"/>
+          </a:xfrm>
+          <a:prstGeom prst="rect">
+            <a:avLst/>
+          </a:prstGeom>
+          <a:ln w="12700">
+            <a:miter lim="400000"/>
+          </a:ln>
+        </p:spPr>
+      </p:pic>
+      <p:pic>
+        <p:nvPicPr>
+          <p:cNvPr id="271" name="iStock_000016330086Medium.jpg" descr="iStock_000016330086Medium.jpg"/>
+          <p:cNvPicPr>
+            <a:picLocks noChangeAspect="1"/>
+          </p:cNvPicPr>
+          <p:nvPr/>
+        </p:nvPicPr>
+        <p:blipFill>
+          <a:blip r:embed="rId6"/>
+          <a:srcRect l="21908" t="24837" r="39790" b="22246"/>
+          <a:stretch>
+            <a:fillRect/>
+          </a:stretch>
+        </p:blipFill>
+        <p:spPr>
+          <a:xfrm>
+            <a:off x="5592066" y="2915543"/>
+            <a:ext cx="1464469" cy="1348853"/>
+          </a:xfrm>
+          <a:prstGeom prst="rect">
+            <a:avLst/>
+          </a:prstGeom>
+          <a:ln w="12700">
+            <a:miter lim="400000"/>
+          </a:ln>
+        </p:spPr>
+      </p:pic>
+      <p:pic>
+        <p:nvPicPr>
+          <p:cNvPr id="272" name="london-2012.png" descr="london-2012.png"/>
+          <p:cNvPicPr>
+            <a:picLocks noChangeAspect="1"/>
+          </p:cNvPicPr>
+          <p:nvPr/>
+        </p:nvPicPr>
+        <p:blipFill>
+          <a:blip r:embed="rId7"/>
+          <a:stretch>
+            <a:fillRect/>
+          </a:stretch>
+        </p:blipFill>
+        <p:spPr>
+          <a:xfrm>
+            <a:off x="7331274" y="3143250"/>
+            <a:ext cx="1678781" cy="893952"/>
+          </a:xfrm>
+          <a:prstGeom prst="rect">
+            <a:avLst/>
+          </a:prstGeom>
+          <a:ln w="12700">
+            <a:miter lim="400000"/>
+          </a:ln>
+        </p:spPr>
+      </p:pic>
+      <p:sp>
+        <p:nvSpPr>
+          <p:cNvPr id="273" name="Rectangle"/>
+          <p:cNvSpPr/>
+          <p:nvPr/>
+        </p:nvSpPr>
+        <p:spPr>
+          <a:xfrm>
+            <a:off x="7679531" y="4572000"/>
+            <a:ext cx="2437805" cy="1473398"/>
+          </a:xfrm>
+          <a:prstGeom prst="rect">
+            <a:avLst/>
+          </a:prstGeom>
+          <a:solidFill>
+            <a:srgbClr val="FFFFFF"/>
+          </a:solidFill>
+          <a:ln w="25400">
+            <a:miter lim="400000"/>
+          </a:ln>
+        </p:spPr>
+        <p:txBody>
+          <a:bodyPr lIns="35719" tIns="35719" rIns="35719" bIns="35719" anchor="ctr"/>
+          <a:lstStyle/>
+          <a:p>
+            <a:pPr>
+              <a:defRPr sz="2800">
+                <a:effectLst>
+                  <a:outerShdw blurRad="38100" dist="12700" dir="5400000" rotWithShape="0">
+                    <a:srgbClr val="000000">
+                      <a:alpha val="50000"/>
+                    </a:srgbClr>
+                  </a:outerShdw>
+                </a:effectLst>
+              </a:defRPr>
+            </a:pPr>
+            <a:endParaRPr sz="1969"/>
+          </a:p>
+        </p:txBody>
+      </p:sp>
+      <p:pic>
+        <p:nvPicPr>
+          <p:cNvPr id="274" name="thames-water-logo-cmk.jpg" descr="thames-water-logo-cmk.jpg"/>
+          <p:cNvPicPr>
+            <a:picLocks noChangeAspect="1"/>
+          </p:cNvPicPr>
+          <p:nvPr/>
+        </p:nvPicPr>
+        <p:blipFill>
+          <a:blip r:embed="rId8"/>
+          <a:stretch>
+            <a:fillRect/>
+          </a:stretch>
+        </p:blipFill>
+        <p:spPr>
+          <a:xfrm>
+            <a:off x="7813476" y="4732734"/>
+            <a:ext cx="1205508" cy="1205508"/>
+          </a:xfrm>
+          <a:prstGeom prst="rect">
+            <a:avLst/>
+          </a:prstGeom>
+          <a:ln w="12700">
+            <a:miter lim="400000"/>
+          </a:ln>
+        </p:spPr>
+      </p:pic>
+    </p:spTree>
+    <p:extLst>
+      <p:ext uri="{BB962C8B-B14F-4D97-AF65-F5344CB8AC3E}">
+        <p14:creationId xmlns:p14="http://schemas.microsoft.com/office/powerpoint/2010/main" val="2207227144"/>
+      </p:ext>
+    </p:extLst>
+  </p:cSld>
+  <p:clrMapOvr>
+    <a:masterClrMapping/>
+  </p:clrMapOvr>
+  <p:transition spd="med"/>
+</p:sld>
+</file>
+
+<file path=ppt/slides/slide29.xml><?xml version="1.0" encoding="utf-8"?>
+<p:sld xmlns:a="http://schemas.openxmlformats.org/drawingml/2006/main" xmlns:r="http://schemas.openxmlformats.org/officeDocument/2006/relationships" xmlns:p="http://schemas.openxmlformats.org/presentationml/2006/main">
+  <p:cSld>
+    <p:spTree>
+      <p:nvGrpSpPr>
+        <p:cNvPr id="1" name=""/>
+        <p:cNvGrpSpPr/>
+        <p:nvPr/>
+      </p:nvGrpSpPr>
+      <p:grpSpPr>
+        <a:xfrm>
+          <a:off x="0" y="0"/>
+          <a:ext cx="0" cy="0"/>
+          <a:chOff x="0" y="0"/>
+          <a:chExt cx="0" cy="0"/>
+        </a:xfrm>
+      </p:grpSpPr>
+      <p:sp>
+        <p:nvSpPr>
+          <p:cNvPr id="296" name="In practice …"/>
+          <p:cNvSpPr txBox="1">
+            <a:spLocks noGrp="1"/>
+          </p:cNvSpPr>
+          <p:nvPr>
+            <p:ph type="title"/>
+          </p:nvPr>
+        </p:nvSpPr>
+        <p:spPr>
+          <a:xfrm>
+            <a:off x="675701" y="14689"/>
+            <a:ext cx="7772400" cy="1143000"/>
+          </a:xfrm>
+          <a:prstGeom prst="rect">
+            <a:avLst/>
+          </a:prstGeom>
+        </p:spPr>
+        <p:txBody>
+          <a:bodyPr/>
+          <a:lstStyle/>
+          <a:p>
+            <a:r>
+              <a:rPr lang="en-GB" sz="3600" dirty="0">
+                <a:latin typeface="Candara" panose="020E0502030303020204" pitchFamily="34" charset="0"/>
+              </a:rPr>
+              <a:t>Ex post</a:t>
+            </a:r>
+            <a:endParaRPr sz="3600" dirty="0">
+              <a:latin typeface="Candara" panose="020E0502030303020204" pitchFamily="34" charset="0"/>
+            </a:endParaRPr>
+          </a:p>
+        </p:txBody>
+      </p:sp>
+      <p:sp>
+        <p:nvSpPr>
+          <p:cNvPr id="297" name="Of US environmental regulations from 1990 – 1995,  ~50% fail cost-benefit test? (Hahn 1996)…"/>
+          <p:cNvSpPr txBox="1">
+            <a:spLocks noGrp="1"/>
+          </p:cNvSpPr>
+          <p:nvPr>
+            <p:ph idx="1"/>
+          </p:nvPr>
+        </p:nvSpPr>
+        <p:spPr>
+          <a:xfrm>
+            <a:off x="675701" y="990600"/>
+            <a:ext cx="7772400" cy="4114800"/>
+          </a:xfrm>
+          <a:prstGeom prst="rect">
+            <a:avLst/>
+          </a:prstGeom>
+        </p:spPr>
+        <p:txBody>
+          <a:bodyPr/>
+          <a:lstStyle/>
+          <a:p>
+            <a:pPr marL="428610" indent="-428610" defTabSz="394320">
+              <a:spcBef>
+                <a:spcPts val="1055"/>
+              </a:spcBef>
+              <a:defRPr sz="5760"/>
+            </a:pPr>
+            <a:r>
+              <a:rPr sz="2800" dirty="0">
+                <a:latin typeface="Candara" panose="020E0502030303020204" pitchFamily="34" charset="0"/>
+              </a:rPr>
+              <a:t>Of US environmental regulations from 1990 – 1995, ~50% fail cost-benefit test</a:t>
+            </a:r>
+            <a:r>
+              <a:rPr lang="en-GB" sz="2800" dirty="0">
+                <a:latin typeface="Candara" panose="020E0502030303020204" pitchFamily="34" charset="0"/>
+              </a:rPr>
+              <a:t> </a:t>
+            </a:r>
+            <a:r>
+              <a:rPr sz="2800" dirty="0">
+                <a:latin typeface="Candara" panose="020E0502030303020204" pitchFamily="34" charset="0"/>
+              </a:rPr>
+              <a:t>(Hahn 1996)</a:t>
+            </a:r>
+          </a:p>
+          <a:p>
+            <a:pPr marL="428610" indent="-428610" defTabSz="394320">
+              <a:spcBef>
+                <a:spcPts val="1055"/>
+              </a:spcBef>
+              <a:defRPr sz="5760"/>
+            </a:pPr>
+            <a:r>
+              <a:rPr sz="2800" dirty="0">
+                <a:latin typeface="Candara" panose="020E0502030303020204" pitchFamily="34" charset="0"/>
+              </a:rPr>
+              <a:t>Few EU Directives pass cost-benefit test either</a:t>
+            </a:r>
+            <a:br>
+              <a:rPr sz="2800" dirty="0">
+                <a:latin typeface="Candara" panose="020E0502030303020204" pitchFamily="34" charset="0"/>
+              </a:rPr>
+            </a:br>
+            <a:r>
+              <a:rPr sz="2800" dirty="0">
+                <a:latin typeface="Candara" panose="020E0502030303020204" pitchFamily="34" charset="0"/>
+              </a:rPr>
+              <a:t>(Pearce 2004)</a:t>
+            </a:r>
+            <a:endParaRPr lang="en-GB" sz="2800" dirty="0">
+              <a:latin typeface="Candara" panose="020E0502030303020204" pitchFamily="34" charset="0"/>
+            </a:endParaRPr>
+          </a:p>
+          <a:p>
+            <a:pPr marL="428610" indent="-428610" defTabSz="394320">
+              <a:spcBef>
+                <a:spcPts val="1055"/>
+              </a:spcBef>
+              <a:defRPr sz="5760"/>
+            </a:pPr>
+            <a:r>
+              <a:rPr sz="2800" dirty="0">
+                <a:latin typeface="Candara" panose="020E0502030303020204" pitchFamily="34" charset="0"/>
+              </a:rPr>
+              <a:t>However, there are (1) a variety of ways in which CBA may be systematically biased against pro-environmental policies and regulations (Graves 2012) and (2) other goals we might pursue beyond efficiency</a:t>
+            </a:r>
+          </a:p>
+        </p:txBody>
+      </p:sp>
+    </p:spTree>
+    <p:extLst>
+      <p:ext uri="{BB962C8B-B14F-4D97-AF65-F5344CB8AC3E}">
+        <p14:creationId xmlns:p14="http://schemas.microsoft.com/office/powerpoint/2010/main" val="233666694"/>
+      </p:ext>
+    </p:extLst>
+  </p:cSld>
+  <p:clrMapOvr>
+    <a:masterClrMapping/>
+  </p:clrMapOvr>
+</p:sld>
+</file>
+
+<file path=ppt/slides/slide3.xml><?xml version="1.0" encoding="utf-8"?>
+<p:sld xmlns:a="http://schemas.openxmlformats.org/drawingml/2006/main" xmlns:r="http://schemas.openxmlformats.org/officeDocument/2006/relationships" xmlns:p="http://schemas.openxmlformats.org/presentationml/2006/main">
+  <p:cSld>
+    <p:spTree>
+      <p:nvGrpSpPr>
+        <p:cNvPr id="1" name=""/>
+        <p:cNvGrpSpPr/>
+        <p:nvPr/>
+      </p:nvGrpSpPr>
+      <p:grpSpPr>
+        <a:xfrm>
+          <a:off x="0" y="0"/>
+          <a:ext cx="0" cy="0"/>
+          <a:chOff x="0" y="0"/>
+          <a:chExt cx="0" cy="0"/>
+        </a:xfrm>
+      </p:grpSpPr>
+      <p:sp>
+        <p:nvSpPr>
+          <p:cNvPr id="6146" name="Rectangle 2"/>
+          <p:cNvSpPr>
+            <a:spLocks noGrp="1" noChangeArrowheads="1"/>
+          </p:cNvSpPr>
+          <p:nvPr>
+            <p:ph type="title"/>
+          </p:nvPr>
+        </p:nvSpPr>
+        <p:spPr>
+          <a:xfrm>
+            <a:off x="685800" y="190500"/>
+            <a:ext cx="7772400" cy="1143000"/>
+          </a:xfrm>
+        </p:spPr>
+        <p:txBody>
+          <a:bodyPr/>
+          <a:lstStyle/>
+          <a:p>
+            <a:pPr eaLnBrk="1" hangingPunct="1"/>
+            <a:r>
+              <a:rPr lang="de-DE" dirty="0">
+                <a:latin typeface="Candara" panose="020E0502030303020204" pitchFamily="34" charset="0"/>
+              </a:rPr>
+              <a:t>Decision analysis</a:t>
+            </a:r>
+            <a:endParaRPr lang="en-GB" dirty="0">
+              <a:latin typeface="Candara" panose="020E0502030303020204" pitchFamily="34" charset="0"/>
+            </a:endParaRPr>
+          </a:p>
+        </p:txBody>
+      </p:sp>
+      <p:sp>
+        <p:nvSpPr>
+          <p:cNvPr id="6147" name="Rectangle 3"/>
+          <p:cNvSpPr>
+            <a:spLocks noGrp="1" noChangeArrowheads="1"/>
+          </p:cNvSpPr>
+          <p:nvPr>
+            <p:ph type="body" idx="1"/>
+          </p:nvPr>
+        </p:nvSpPr>
+        <p:spPr>
+          <a:xfrm>
+            <a:off x="685800" y="1371600"/>
+            <a:ext cx="7772400" cy="4114800"/>
+          </a:xfrm>
+        </p:spPr>
+        <p:txBody>
+          <a:bodyPr/>
+          <a:lstStyle/>
+          <a:p>
+            <a:pPr eaLnBrk="1" hangingPunct="1"/>
+            <a:r>
+              <a:rPr lang="de-DE" dirty="0">
+                <a:latin typeface="Candara" panose="020E0502030303020204" pitchFamily="34" charset="0"/>
+              </a:rPr>
+              <a:t>Cost-benefit analysis</a:t>
+            </a:r>
+          </a:p>
+          <a:p>
+            <a:pPr lvl="1" eaLnBrk="1" hangingPunct="1"/>
+            <a:r>
+              <a:rPr lang="de-DE" b="1" dirty="0">
+                <a:latin typeface="Candara" panose="020E0502030303020204" pitchFamily="34" charset="0"/>
+              </a:rPr>
+              <a:t>Efficient flow pollution</a:t>
+            </a:r>
+          </a:p>
+          <a:p>
+            <a:pPr lvl="1" eaLnBrk="1" hangingPunct="1"/>
+            <a:r>
+              <a:rPr lang="de-DE" dirty="0">
+                <a:latin typeface="Candara" panose="020E0502030303020204" pitchFamily="34" charset="0"/>
+              </a:rPr>
+              <a:t>Efficient stock pollution</a:t>
+            </a:r>
+          </a:p>
+          <a:p>
+            <a:pPr eaLnBrk="1" hangingPunct="1"/>
+            <a:r>
+              <a:rPr lang="de-DE" dirty="0">
+                <a:latin typeface="Candara" panose="020E0502030303020204" pitchFamily="34" charset="0"/>
+              </a:rPr>
+              <a:t>Alternatives</a:t>
+            </a:r>
+          </a:p>
+          <a:p>
+            <a:pPr eaLnBrk="1" hangingPunct="1"/>
+            <a:r>
+              <a:rPr lang="de-DE" dirty="0">
+                <a:latin typeface="Candara" panose="020E0502030303020204" pitchFamily="34" charset="0"/>
+              </a:rPr>
+              <a:t>Applications</a:t>
+            </a:r>
+          </a:p>
+          <a:p>
+            <a:pPr lvl="1" eaLnBrk="1" hangingPunct="1"/>
+            <a:r>
+              <a:rPr lang="de-DE" dirty="0">
+                <a:latin typeface="Candara" panose="020E0502030303020204" pitchFamily="34" charset="0"/>
+              </a:rPr>
+              <a:t>How to apply cost-benefit analysis</a:t>
+            </a:r>
+          </a:p>
+          <a:p>
+            <a:pPr lvl="1" eaLnBrk="1" hangingPunct="1"/>
+            <a:r>
+              <a:rPr lang="de-DE" dirty="0">
+                <a:latin typeface="Candara" panose="020E0502030303020204" pitchFamily="34" charset="0"/>
+              </a:rPr>
+              <a:t>The London Super Sewer</a:t>
+            </a:r>
+          </a:p>
+          <a:p>
+            <a:pPr lvl="1" eaLnBrk="1" hangingPunct="1"/>
+            <a:endParaRPr lang="en-GB" dirty="0">
+              <a:latin typeface="Candara" panose="020E0502030303020204" pitchFamily="34" charset="0"/>
+            </a:endParaRPr>
+          </a:p>
+        </p:txBody>
+      </p:sp>
+    </p:spTree>
+    <p:extLst>
+      <p:ext uri="{BB962C8B-B14F-4D97-AF65-F5344CB8AC3E}">
+        <p14:creationId xmlns:p14="http://schemas.microsoft.com/office/powerpoint/2010/main" val="886734778"/>
+      </p:ext>
+    </p:extLst>
+  </p:cSld>
+  <p:clrMapOvr>
+    <a:masterClrMapping/>
+  </p:clrMapOvr>
+</p:sld>
+</file>
+
+<file path=ppt/slides/slide30.xml><?xml version="1.0" encoding="utf-8"?>
+<p:sld xmlns:a="http://schemas.openxmlformats.org/drawingml/2006/main" xmlns:r="http://schemas.openxmlformats.org/officeDocument/2006/relationships" xmlns:p="http://schemas.openxmlformats.org/presentationml/2006/main">
+  <p:cSld>
+    <p:spTree>
+      <p:nvGrpSpPr>
+        <p:cNvPr id="1" name=""/>
+        <p:cNvGrpSpPr/>
+        <p:nvPr/>
+      </p:nvGrpSpPr>
+      <p:grpSpPr>
+        <a:xfrm>
+          <a:off x="0" y="0"/>
+          <a:ext cx="0" cy="0"/>
+          <a:chOff x="0" y="0"/>
+          <a:chExt cx="0" cy="0"/>
+        </a:xfrm>
+      </p:grpSpPr>
+      <p:sp>
+        <p:nvSpPr>
+          <p:cNvPr id="332" name="What about equity?"/>
+          <p:cNvSpPr txBox="1">
+            <a:spLocks noGrp="1"/>
+          </p:cNvSpPr>
+          <p:nvPr>
+            <p:ph type="title"/>
+          </p:nvPr>
+        </p:nvSpPr>
+        <p:spPr>
+          <a:xfrm>
+            <a:off x="685800" y="0"/>
+            <a:ext cx="7772400" cy="1143000"/>
+          </a:xfrm>
+          <a:prstGeom prst="rect">
+            <a:avLst/>
+          </a:prstGeom>
+        </p:spPr>
+        <p:txBody>
+          <a:bodyPr/>
+          <a:lstStyle/>
+          <a:p>
+            <a:r>
+              <a:rPr sz="3600" dirty="0">
+                <a:latin typeface="Candara" panose="020E0502030303020204" pitchFamily="34" charset="0"/>
+              </a:rPr>
+              <a:t>What about equity?</a:t>
+            </a:r>
+          </a:p>
+        </p:txBody>
+      </p:sp>
+      <p:sp>
+        <p:nvSpPr>
+          <p:cNvPr id="333" name="Policymakers could address equity separately…"/>
+          <p:cNvSpPr txBox="1">
+            <a:spLocks noGrp="1"/>
+          </p:cNvSpPr>
+          <p:nvPr>
+            <p:ph type="body" idx="1"/>
+          </p:nvPr>
+        </p:nvSpPr>
+        <p:spPr>
+          <a:xfrm>
+            <a:off x="571500" y="1143000"/>
+            <a:ext cx="7886700" cy="5143500"/>
+          </a:xfrm>
+          <a:prstGeom prst="rect">
+            <a:avLst/>
+          </a:prstGeom>
+        </p:spPr>
+        <p:txBody>
+          <a:bodyPr/>
+          <a:lstStyle/>
+          <a:p>
+            <a:pPr marL="406286" indent="-406286" defTabSz="373783">
+              <a:spcBef>
+                <a:spcPts val="984"/>
+              </a:spcBef>
+              <a:defRPr sz="5460"/>
+            </a:pPr>
+            <a:r>
+              <a:rPr sz="2800" dirty="0">
+                <a:latin typeface="Candara" panose="020E0502030303020204" pitchFamily="34" charset="0"/>
+              </a:rPr>
+              <a:t>Policymakers </a:t>
+            </a:r>
+            <a:r>
+              <a:rPr sz="2800" i="1" dirty="0">
+                <a:latin typeface="Candara" panose="020E0502030303020204" pitchFamily="34" charset="0"/>
+              </a:rPr>
+              <a:t>could</a:t>
+            </a:r>
+            <a:r>
+              <a:rPr sz="2800" dirty="0">
+                <a:latin typeface="Candara" panose="020E0502030303020204" pitchFamily="34" charset="0"/>
+              </a:rPr>
+              <a:t> address equity separately</a:t>
+            </a:r>
+          </a:p>
+          <a:p>
+            <a:pPr marL="739441" lvl="1" indent="-219395" defTabSz="373783">
+              <a:spcBef>
+                <a:spcPts val="984"/>
+              </a:spcBef>
+              <a:buSzPct val="100000"/>
+              <a:buChar char="•"/>
+              <a:defRPr sz="3276"/>
+            </a:pPr>
+            <a:r>
+              <a:rPr sz="2400" dirty="0">
+                <a:latin typeface="Candara" panose="020E0502030303020204" pitchFamily="34" charset="0"/>
+              </a:rPr>
+              <a:t>e.g. compensation through tax system</a:t>
+            </a:r>
+            <a:endParaRPr lang="en-GB" sz="2400" dirty="0">
+              <a:latin typeface="Candara" panose="020E0502030303020204" pitchFamily="34" charset="0"/>
+            </a:endParaRPr>
+          </a:p>
+          <a:p>
+            <a:pPr marL="739441" lvl="1" indent="-219395" defTabSz="373783">
+              <a:spcBef>
+                <a:spcPts val="984"/>
+              </a:spcBef>
+              <a:buSzPct val="100000"/>
+              <a:buChar char="•"/>
+              <a:defRPr sz="3276"/>
+            </a:pPr>
+            <a:r>
+              <a:rPr lang="en-GB" sz="2400" dirty="0">
+                <a:latin typeface="Candara" panose="020E0502030303020204" pitchFamily="34" charset="0"/>
+              </a:rPr>
+              <a:t>Potential v actual Pareto improvements</a:t>
+            </a:r>
+            <a:endParaRPr sz="2400" dirty="0">
+              <a:latin typeface="Candara" panose="020E0502030303020204" pitchFamily="34" charset="0"/>
+            </a:endParaRPr>
+          </a:p>
+          <a:p>
+            <a:pPr marL="406286" indent="-406286" defTabSz="373783">
+              <a:spcBef>
+                <a:spcPts val="984"/>
+              </a:spcBef>
+              <a:defRPr sz="5460"/>
+            </a:pPr>
+            <a:r>
+              <a:rPr sz="2800" dirty="0">
+                <a:latin typeface="Candara" panose="020E0502030303020204" pitchFamily="34" charset="0"/>
+              </a:rPr>
+              <a:t>Given enough projects, differences </a:t>
+            </a:r>
+            <a:r>
+              <a:rPr sz="2800" i="1" dirty="0">
+                <a:latin typeface="Candara" panose="020E0502030303020204" pitchFamily="34" charset="0"/>
+              </a:rPr>
+              <a:t>might </a:t>
+            </a:r>
+            <a:r>
+              <a:rPr sz="2800" dirty="0">
+                <a:latin typeface="Candara" panose="020E0502030303020204" pitchFamily="34" charset="0"/>
+              </a:rPr>
+              <a:t> </a:t>
+            </a:r>
+            <a:br>
+              <a:rPr sz="2800" dirty="0">
+                <a:latin typeface="Candara" panose="020E0502030303020204" pitchFamily="34" charset="0"/>
+              </a:rPr>
+            </a:br>
+            <a:r>
+              <a:rPr sz="2800" dirty="0">
+                <a:latin typeface="Candara" panose="020E0502030303020204" pitchFamily="34" charset="0"/>
+              </a:rPr>
+              <a:t>‘come out in the wash’</a:t>
+            </a:r>
+          </a:p>
+          <a:p>
+            <a:pPr marL="406286" indent="-406286" defTabSz="373783">
+              <a:spcBef>
+                <a:spcPts val="984"/>
+              </a:spcBef>
+              <a:defRPr sz="5460"/>
+            </a:pPr>
+            <a:r>
+              <a:rPr sz="2800" dirty="0">
+                <a:latin typeface="Candara" panose="020E0502030303020204" pitchFamily="34" charset="0"/>
+              </a:rPr>
+              <a:t>Or they might not</a:t>
+            </a:r>
+            <a:endParaRPr lang="en-GB" sz="2800" dirty="0">
+              <a:latin typeface="Candara" panose="020E0502030303020204" pitchFamily="34" charset="0"/>
+            </a:endParaRPr>
+          </a:p>
+          <a:p>
+            <a:pPr marL="406286" indent="-406286" defTabSz="373783">
+              <a:spcBef>
+                <a:spcPts val="984"/>
+              </a:spcBef>
+              <a:defRPr sz="5460"/>
+            </a:pPr>
+            <a:r>
+              <a:rPr sz="2800" dirty="0">
+                <a:latin typeface="Candara" panose="020E0502030303020204" pitchFamily="34" charset="0"/>
+              </a:rPr>
+              <a:t>Use CBA as one input to a policy decision — not to provide the decision by itself</a:t>
+            </a:r>
+          </a:p>
+        </p:txBody>
+      </p:sp>
+    </p:spTree>
+    <p:extLst>
+      <p:ext uri="{BB962C8B-B14F-4D97-AF65-F5344CB8AC3E}">
+        <p14:creationId xmlns:p14="http://schemas.microsoft.com/office/powerpoint/2010/main" val="694287538"/>
+      </p:ext>
+    </p:extLst>
+  </p:cSld>
+  <p:clrMapOvr>
+    <a:masterClrMapping/>
+  </p:clrMapOvr>
+  <p:transition spd="med"/>
+</p:sld>
+</file>
+
+<file path=ppt/slides/slide31.xml><?xml version="1.0" encoding="utf-8"?>
+<p:sld xmlns:a="http://schemas.openxmlformats.org/drawingml/2006/main" xmlns:r="http://schemas.openxmlformats.org/officeDocument/2006/relationships" xmlns:p="http://schemas.openxmlformats.org/presentationml/2006/main">
+  <p:cSld>
+    <p:spTree>
+      <p:nvGrpSpPr>
+        <p:cNvPr id="1" name=""/>
+        <p:cNvGrpSpPr/>
+        <p:nvPr/>
+      </p:nvGrpSpPr>
+      <p:grpSpPr>
+        <a:xfrm>
+          <a:off x="0" y="0"/>
+          <a:ext cx="0" cy="0"/>
+          <a:chOff x="0" y="0"/>
+          <a:chExt cx="0" cy="0"/>
+        </a:xfrm>
+      </p:grpSpPr>
+      <p:sp>
+        <p:nvSpPr>
+          <p:cNvPr id="342" name="Ten stages of CBA"/>
+          <p:cNvSpPr txBox="1">
+            <a:spLocks noGrp="1"/>
+          </p:cNvSpPr>
+          <p:nvPr>
+            <p:ph type="title"/>
+          </p:nvPr>
+        </p:nvSpPr>
+        <p:spPr>
+          <a:xfrm>
+            <a:off x="685800" y="0"/>
+            <a:ext cx="7772400" cy="1143000"/>
+          </a:xfrm>
+          <a:prstGeom prst="rect">
+            <a:avLst/>
+          </a:prstGeom>
+        </p:spPr>
+        <p:txBody>
+          <a:bodyPr/>
+          <a:lstStyle/>
+          <a:p>
+            <a:r>
+              <a:rPr sz="3600" dirty="0">
+                <a:latin typeface="Candara" panose="020E0502030303020204" pitchFamily="34" charset="0"/>
+              </a:rPr>
+              <a:t>Ten stages of CBA</a:t>
+            </a:r>
+          </a:p>
+        </p:txBody>
+      </p:sp>
+      <p:sp>
+        <p:nvSpPr>
+          <p:cNvPr id="343" name="Rationale for intervention…"/>
+          <p:cNvSpPr txBox="1">
+            <a:spLocks noGrp="1"/>
+          </p:cNvSpPr>
+          <p:nvPr>
+            <p:ph type="body" idx="1"/>
+          </p:nvPr>
+        </p:nvSpPr>
+        <p:spPr>
+          <a:xfrm>
+            <a:off x="0" y="1143000"/>
+            <a:ext cx="9144000" cy="5486400"/>
+          </a:xfrm>
+          <a:prstGeom prst="rect">
+            <a:avLst/>
+          </a:prstGeom>
+        </p:spPr>
+        <p:txBody>
+          <a:bodyPr numCol="2" spcCol="698500"/>
+          <a:lstStyle/>
+          <a:p>
+            <a:pPr marL="490953" indent="-490953" defTabSz="230021">
+              <a:spcBef>
+                <a:spcPts val="562"/>
+              </a:spcBef>
+              <a:buAutoNum type="arabicPeriod"/>
+              <a:defRPr sz="3359"/>
+            </a:pPr>
+            <a:r>
+              <a:rPr sz="2400" dirty="0">
+                <a:latin typeface="Candara" panose="020E0502030303020204" pitchFamily="34" charset="0"/>
+              </a:rPr>
+              <a:t>Rationale for intervention</a:t>
+            </a:r>
+          </a:p>
+          <a:p>
+            <a:pPr marL="490953" indent="-490953" defTabSz="230021">
+              <a:spcBef>
+                <a:spcPts val="562"/>
+              </a:spcBef>
+              <a:buAutoNum type="arabicPeriod"/>
+              <a:defRPr sz="3359"/>
+            </a:pPr>
+            <a:r>
+              <a:rPr sz="2400" dirty="0">
+                <a:latin typeface="Candara" panose="020E0502030303020204" pitchFamily="34" charset="0"/>
+              </a:rPr>
+              <a:t>Identify the portfolio of candidate projects </a:t>
+            </a:r>
+            <a:r>
+              <a:rPr lang="en-GB" sz="2400" dirty="0">
+                <a:latin typeface="Candara" panose="020E0502030303020204" pitchFamily="34" charset="0"/>
+              </a:rPr>
+              <a:t>and</a:t>
+            </a:r>
+            <a:r>
+              <a:rPr sz="2400" dirty="0">
+                <a:latin typeface="Candara" panose="020E0502030303020204" pitchFamily="34" charset="0"/>
+              </a:rPr>
+              <a:t> define a baseline or counterfactual: what will happen if none of these things do?</a:t>
+            </a:r>
+          </a:p>
+          <a:p>
+            <a:pPr marL="490953" indent="-490953" defTabSz="230021">
+              <a:spcBef>
+                <a:spcPts val="562"/>
+              </a:spcBef>
+              <a:buAutoNum type="arabicPeriod"/>
+              <a:defRPr sz="3359"/>
+            </a:pPr>
+            <a:r>
+              <a:rPr sz="2400" dirty="0">
+                <a:latin typeface="Candara" panose="020E0502030303020204" pitchFamily="34" charset="0"/>
+              </a:rPr>
+              <a:t>Decide whose benefits and costs count (</a:t>
+            </a:r>
+            <a:r>
+              <a:rPr sz="2400" i="1" dirty="0">
+                <a:latin typeface="Candara" panose="020E0502030303020204" pitchFamily="34" charset="0"/>
+              </a:rPr>
+              <a:t>standing</a:t>
+            </a:r>
+            <a:r>
+              <a:rPr sz="2400" dirty="0">
+                <a:latin typeface="Candara" panose="020E0502030303020204" pitchFamily="34" charset="0"/>
+              </a:rPr>
+              <a:t>, or </a:t>
+            </a:r>
+            <a:r>
+              <a:rPr sz="2400" i="1" dirty="0">
+                <a:latin typeface="Candara" panose="020E0502030303020204" pitchFamily="34" charset="0"/>
+              </a:rPr>
+              <a:t>accounting stance</a:t>
+            </a:r>
+            <a:r>
+              <a:rPr sz="2400" dirty="0">
+                <a:latin typeface="Candara" panose="020E0502030303020204" pitchFamily="34" charset="0"/>
+              </a:rPr>
+              <a:t>) </a:t>
+            </a:r>
+          </a:p>
+          <a:p>
+            <a:pPr marL="490953" indent="-490953" defTabSz="230021">
+              <a:spcBef>
+                <a:spcPts val="562"/>
+              </a:spcBef>
+              <a:buAutoNum type="arabicPeriod"/>
+              <a:defRPr sz="3359"/>
+            </a:pPr>
+            <a:r>
+              <a:rPr sz="2400" dirty="0">
+                <a:latin typeface="Candara" panose="020E0502030303020204" pitchFamily="34" charset="0"/>
+              </a:rPr>
+              <a:t>Identify all potential impacts, physical and  biological</a:t>
+            </a:r>
+            <a:endParaRPr lang="en-GB" sz="2400" dirty="0">
+              <a:latin typeface="Candara" panose="020E0502030303020204" pitchFamily="34" charset="0"/>
+            </a:endParaRPr>
+          </a:p>
+          <a:p>
+            <a:pPr marL="490953" indent="-490953" defTabSz="230021">
+              <a:spcBef>
+                <a:spcPts val="562"/>
+              </a:spcBef>
+              <a:buAutoNum type="arabicPeriod"/>
+              <a:defRPr sz="3359"/>
+            </a:pPr>
+            <a:endParaRPr sz="2400" dirty="0">
+              <a:latin typeface="Candara" panose="020E0502030303020204" pitchFamily="34" charset="0"/>
+            </a:endParaRPr>
+          </a:p>
+          <a:p>
+            <a:pPr marL="490953" indent="-490953" defTabSz="230021">
+              <a:spcBef>
+                <a:spcPts val="562"/>
+              </a:spcBef>
+              <a:buAutoNum type="arabicPeriod"/>
+              <a:defRPr sz="3359"/>
+            </a:pPr>
+            <a:r>
+              <a:rPr lang="en-GB" sz="2400" dirty="0">
+                <a:latin typeface="Candara" panose="020E0502030303020204" pitchFamily="34" charset="0"/>
+              </a:rPr>
+              <a:t>Predict scale of impacts </a:t>
+            </a:r>
+            <a:r>
+              <a:rPr sz="2400" dirty="0">
+                <a:latin typeface="Candara" panose="020E0502030303020204" pitchFamily="34" charset="0"/>
+              </a:rPr>
+              <a:t>over the life of the project </a:t>
+            </a:r>
+          </a:p>
+          <a:p>
+            <a:pPr marL="490953" indent="-490953" defTabSz="230021">
+              <a:spcBef>
+                <a:spcPts val="562"/>
+              </a:spcBef>
+              <a:buAutoNum type="arabicPeriod"/>
+              <a:defRPr sz="3359"/>
+            </a:pPr>
+            <a:r>
+              <a:rPr sz="2400" dirty="0" err="1">
+                <a:latin typeface="Candara" panose="020E0502030303020204" pitchFamily="34" charset="0"/>
+              </a:rPr>
+              <a:t>Monetise</a:t>
+            </a:r>
+            <a:r>
+              <a:rPr sz="2400" dirty="0">
+                <a:latin typeface="Candara" panose="020E0502030303020204" pitchFamily="34" charset="0"/>
+              </a:rPr>
+              <a:t> (attach money values to) all impacts</a:t>
+            </a:r>
+          </a:p>
+          <a:p>
+            <a:pPr marL="490953" indent="-490953" defTabSz="230021">
+              <a:spcBef>
+                <a:spcPts val="562"/>
+              </a:spcBef>
+              <a:buAutoNum type="arabicPeriod"/>
+              <a:defRPr sz="3359"/>
+            </a:pPr>
+            <a:r>
+              <a:rPr sz="2400" dirty="0">
+                <a:latin typeface="Candara" panose="020E0502030303020204" pitchFamily="34" charset="0"/>
+              </a:rPr>
+              <a:t>Discount to find present values</a:t>
+            </a:r>
+          </a:p>
+          <a:p>
+            <a:pPr marL="490953" indent="-490953" defTabSz="230021">
+              <a:spcBef>
+                <a:spcPts val="562"/>
+              </a:spcBef>
+              <a:buAutoNum type="arabicPeriod"/>
+              <a:defRPr sz="3359"/>
+            </a:pPr>
+            <a:r>
+              <a:rPr sz="2400" dirty="0">
+                <a:latin typeface="Candara" panose="020E0502030303020204" pitchFamily="34" charset="0"/>
+              </a:rPr>
+              <a:t>Aggregate: add up all the benefits and costs, calculate net benefits</a:t>
+            </a:r>
+          </a:p>
+          <a:p>
+            <a:pPr marL="490953" indent="-490953" defTabSz="230021">
+              <a:spcBef>
+                <a:spcPts val="562"/>
+              </a:spcBef>
+              <a:buAutoNum type="arabicPeriod"/>
+              <a:defRPr sz="3359"/>
+            </a:pPr>
+            <a:r>
+              <a:rPr sz="2400" dirty="0">
+                <a:latin typeface="Candara" panose="020E0502030303020204" pitchFamily="34" charset="0"/>
+              </a:rPr>
+              <a:t>Perform sensitivity analysis</a:t>
+            </a:r>
+          </a:p>
+          <a:p>
+            <a:pPr marL="490953" indent="-490953" defTabSz="230021">
+              <a:spcBef>
+                <a:spcPts val="562"/>
+              </a:spcBef>
+              <a:buAutoNum type="arabicPeriod"/>
+              <a:defRPr sz="3359"/>
+            </a:pPr>
+            <a:r>
+              <a:rPr sz="2400" dirty="0">
+                <a:latin typeface="Candara" panose="020E0502030303020204" pitchFamily="34" charset="0"/>
+              </a:rPr>
+              <a:t>Recommend the alternative with the largest net benefits</a:t>
+            </a:r>
+          </a:p>
+        </p:txBody>
+      </p:sp>
+    </p:spTree>
+    <p:extLst>
+      <p:ext uri="{BB962C8B-B14F-4D97-AF65-F5344CB8AC3E}">
+        <p14:creationId xmlns:p14="http://schemas.microsoft.com/office/powerpoint/2010/main" val="1375152349"/>
+      </p:ext>
+    </p:extLst>
+  </p:cSld>
+  <p:clrMapOvr>
+    <a:masterClrMapping/>
+  </p:clrMapOvr>
+  <p:transition spd="med"/>
+</p:sld>
+</file>
+
+<file path=ppt/slides/slide32.xml><?xml version="1.0" encoding="utf-8"?>
+<p:sld xmlns:a="http://schemas.openxmlformats.org/drawingml/2006/main" xmlns:r="http://schemas.openxmlformats.org/officeDocument/2006/relationships" xmlns:p="http://schemas.openxmlformats.org/presentationml/2006/main">
+  <p:cSld>
+    <p:spTree>
+      <p:nvGrpSpPr>
+        <p:cNvPr id="1" name=""/>
+        <p:cNvGrpSpPr/>
+        <p:nvPr/>
+      </p:nvGrpSpPr>
+      <p:grpSpPr>
+        <a:xfrm>
+          <a:off x="0" y="0"/>
+          <a:ext cx="0" cy="0"/>
+          <a:chOff x="0" y="0"/>
+          <a:chExt cx="0" cy="0"/>
+        </a:xfrm>
+      </p:grpSpPr>
+      <p:sp>
+        <p:nvSpPr>
+          <p:cNvPr id="6146" name="Rectangle 2"/>
+          <p:cNvSpPr>
+            <a:spLocks noGrp="1" noChangeArrowheads="1"/>
+          </p:cNvSpPr>
+          <p:nvPr>
+            <p:ph type="title"/>
+          </p:nvPr>
+        </p:nvSpPr>
+        <p:spPr>
+          <a:xfrm>
+            <a:off x="685800" y="190500"/>
+            <a:ext cx="7772400" cy="1143000"/>
+          </a:xfrm>
+        </p:spPr>
+        <p:txBody>
+          <a:bodyPr/>
+          <a:lstStyle/>
+          <a:p>
+            <a:pPr eaLnBrk="1" hangingPunct="1"/>
+            <a:r>
+              <a:rPr lang="de-DE" dirty="0">
+                <a:latin typeface="Candara" panose="020E0502030303020204" pitchFamily="34" charset="0"/>
+              </a:rPr>
+              <a:t>Decision analysis</a:t>
+            </a:r>
+            <a:endParaRPr lang="en-GB" dirty="0">
+              <a:latin typeface="Candara" panose="020E0502030303020204" pitchFamily="34" charset="0"/>
+            </a:endParaRPr>
+          </a:p>
+        </p:txBody>
+      </p:sp>
+      <p:sp>
+        <p:nvSpPr>
+          <p:cNvPr id="6147" name="Rectangle 3"/>
+          <p:cNvSpPr>
+            <a:spLocks noGrp="1" noChangeArrowheads="1"/>
+          </p:cNvSpPr>
+          <p:nvPr>
+            <p:ph type="body" idx="1"/>
+          </p:nvPr>
+        </p:nvSpPr>
+        <p:spPr>
+          <a:xfrm>
+            <a:off x="685800" y="1371600"/>
+            <a:ext cx="7772400" cy="4114800"/>
+          </a:xfrm>
+        </p:spPr>
+        <p:txBody>
+          <a:bodyPr/>
+          <a:lstStyle/>
+          <a:p>
+            <a:pPr eaLnBrk="1" hangingPunct="1"/>
+            <a:r>
+              <a:rPr lang="de-DE" dirty="0">
+                <a:latin typeface="Candara" panose="020E0502030303020204" pitchFamily="34" charset="0"/>
+              </a:rPr>
+              <a:t>Cost-benefit analysis</a:t>
+            </a:r>
+          </a:p>
+          <a:p>
+            <a:pPr lvl="1" eaLnBrk="1" hangingPunct="1"/>
+            <a:r>
+              <a:rPr lang="de-DE" dirty="0">
+                <a:latin typeface="Candara" panose="020E0502030303020204" pitchFamily="34" charset="0"/>
+              </a:rPr>
+              <a:t>Efficient flow pollution</a:t>
+            </a:r>
+          </a:p>
+          <a:p>
+            <a:pPr lvl="1" eaLnBrk="1" hangingPunct="1"/>
+            <a:r>
+              <a:rPr lang="de-DE" dirty="0">
+                <a:latin typeface="Candara" panose="020E0502030303020204" pitchFamily="34" charset="0"/>
+              </a:rPr>
+              <a:t>Efficient stock pollution</a:t>
+            </a:r>
+          </a:p>
+          <a:p>
+            <a:pPr eaLnBrk="1" hangingPunct="1"/>
+            <a:r>
+              <a:rPr lang="de-DE" dirty="0">
+                <a:latin typeface="Candara" panose="020E0502030303020204" pitchFamily="34" charset="0"/>
+              </a:rPr>
+              <a:t>Alternatives</a:t>
+            </a:r>
+          </a:p>
+          <a:p>
+            <a:pPr eaLnBrk="1" hangingPunct="1"/>
+            <a:r>
+              <a:rPr lang="de-DE" dirty="0">
+                <a:latin typeface="Candara" panose="020E0502030303020204" pitchFamily="34" charset="0"/>
+              </a:rPr>
+              <a:t>Applications</a:t>
+            </a:r>
+          </a:p>
+          <a:p>
+            <a:pPr lvl="1" eaLnBrk="1" hangingPunct="1"/>
+            <a:r>
+              <a:rPr lang="de-DE" dirty="0">
+                <a:latin typeface="Candara" panose="020E0502030303020204" pitchFamily="34" charset="0"/>
+              </a:rPr>
+              <a:t>How to apply cost-benefit analysis</a:t>
+            </a:r>
+          </a:p>
+          <a:p>
+            <a:pPr lvl="1" eaLnBrk="1" hangingPunct="1"/>
+            <a:r>
+              <a:rPr lang="de-DE" b="1" dirty="0">
+                <a:latin typeface="Candara" panose="020E0502030303020204" pitchFamily="34" charset="0"/>
+              </a:rPr>
+              <a:t>The London Super Sewer</a:t>
+            </a:r>
+          </a:p>
+          <a:p>
+            <a:pPr lvl="1" eaLnBrk="1" hangingPunct="1"/>
+            <a:endParaRPr lang="en-GB" dirty="0">
+              <a:latin typeface="Candara" panose="020E0502030303020204" pitchFamily="34" charset="0"/>
+            </a:endParaRPr>
+          </a:p>
+        </p:txBody>
+      </p:sp>
+    </p:spTree>
+    <p:extLst>
+      <p:ext uri="{BB962C8B-B14F-4D97-AF65-F5344CB8AC3E}">
+        <p14:creationId xmlns:p14="http://schemas.microsoft.com/office/powerpoint/2010/main" val="3984954391"/>
+      </p:ext>
+    </p:extLst>
+  </p:cSld>
+  <p:clrMapOvr>
+    <a:masterClrMapping/>
+  </p:clrMapOvr>
+</p:sld>
+</file>
+
+<file path=ppt/slides/slide33.xml><?xml version="1.0" encoding="utf-8"?>
+<p:sld xmlns:a="http://schemas.openxmlformats.org/drawingml/2006/main" xmlns:r="http://schemas.openxmlformats.org/officeDocument/2006/relationships" xmlns:p="http://schemas.openxmlformats.org/presentationml/2006/main">
+  <p:cSld>
+    <p:spTree>
+      <p:nvGrpSpPr>
+        <p:cNvPr id="1" name=""/>
+        <p:cNvGrpSpPr/>
+        <p:nvPr/>
+      </p:nvGrpSpPr>
+      <p:grpSpPr>
+        <a:xfrm>
+          <a:off x="0" y="0"/>
+          <a:ext cx="0" cy="0"/>
+          <a:chOff x="0" y="0"/>
+          <a:chExt cx="0" cy="0"/>
+        </a:xfrm>
+      </p:grpSpPr>
+      <p:sp>
+        <p:nvSpPr>
+          <p:cNvPr id="350" name="Case study: London’s super sewer"/>
+          <p:cNvSpPr txBox="1">
+            <a:spLocks noGrp="1"/>
+          </p:cNvSpPr>
+          <p:nvPr>
+            <p:ph type="title"/>
+          </p:nvPr>
+        </p:nvSpPr>
+        <p:spPr>
+          <a:xfrm>
+            <a:off x="838200" y="0"/>
+            <a:ext cx="7772400" cy="1143000"/>
+          </a:xfrm>
+          <a:prstGeom prst="rect">
+            <a:avLst/>
+          </a:prstGeom>
+        </p:spPr>
+        <p:txBody>
+          <a:bodyPr/>
+          <a:lstStyle/>
+          <a:p>
+            <a:r>
+              <a:rPr sz="3600" dirty="0">
+                <a:latin typeface="Candara" panose="020E0502030303020204" pitchFamily="34" charset="0"/>
+              </a:rPr>
+              <a:t>Case study: London’s super sewer</a:t>
+            </a:r>
+          </a:p>
+        </p:txBody>
+      </p:sp>
+      <p:pic>
+        <p:nvPicPr>
+          <p:cNvPr id="351" name="Screen Shot 2013-11-11 at 17.44.48.png" descr="Screen Shot 2013-11-11 at 17.44.48.png"/>
+          <p:cNvPicPr>
+            <a:picLocks noChangeAspect="1"/>
+          </p:cNvPicPr>
+          <p:nvPr/>
+        </p:nvPicPr>
+        <p:blipFill>
+          <a:blip r:embed="rId3"/>
+          <a:stretch>
+            <a:fillRect/>
+          </a:stretch>
+        </p:blipFill>
+        <p:spPr>
+          <a:xfrm>
+            <a:off x="-12853" y="571500"/>
+            <a:ext cx="9144000" cy="8456414"/>
+          </a:xfrm>
+          <a:prstGeom prst="rect">
+            <a:avLst/>
+          </a:prstGeom>
+          <a:ln w="12700">
+            <a:miter lim="400000"/>
+          </a:ln>
+        </p:spPr>
+      </p:pic>
+    </p:spTree>
+    <p:extLst>
+      <p:ext uri="{BB962C8B-B14F-4D97-AF65-F5344CB8AC3E}">
+        <p14:creationId xmlns:p14="http://schemas.microsoft.com/office/powerpoint/2010/main" val="4225558154"/>
+      </p:ext>
+    </p:extLst>
+  </p:cSld>
+  <p:clrMapOvr>
+    <a:masterClrMapping/>
+  </p:clrMapOvr>
+  <p:transition spd="med"/>
+</p:sld>
+</file>
+
+<file path=ppt/slides/slide34.xml><?xml version="1.0" encoding="utf-8"?>
+<p:sld xmlns:a="http://schemas.openxmlformats.org/drawingml/2006/main" xmlns:r="http://schemas.openxmlformats.org/officeDocument/2006/relationships" xmlns:p="http://schemas.openxmlformats.org/presentationml/2006/main">
+  <p:cSld>
+    <p:spTree>
+      <p:nvGrpSpPr>
+        <p:cNvPr id="1" name=""/>
+        <p:cNvGrpSpPr/>
+        <p:nvPr/>
+      </p:nvGrpSpPr>
+      <p:grpSpPr>
+        <a:xfrm>
+          <a:off x="0" y="0"/>
+          <a:ext cx="0" cy="0"/>
+          <a:chOff x="0" y="0"/>
+          <a:chExt cx="0" cy="0"/>
+        </a:xfrm>
+      </p:grpSpPr>
+      <p:sp>
+        <p:nvSpPr>
           <p:cNvPr id="355" name="Sewage in the Thames"/>
           <p:cNvSpPr txBox="1">
             <a:spLocks noGrp="1"/>
@@ -12208,7 +13222,7 @@
 </p:sld>
 </file>
 
-<file path=ppt/slides/slide29.xml><?xml version="1.0" encoding="utf-8"?>
+<file path=ppt/slides/slide35.xml><?xml version="1.0" encoding="utf-8"?>
 <p:sld xmlns:a="http://schemas.openxmlformats.org/drawingml/2006/main" xmlns:r="http://schemas.openxmlformats.org/officeDocument/2006/relationships" xmlns:p="http://schemas.openxmlformats.org/presentationml/2006/main">
   <p:cSld>
     <p:spTree>
@@ -12293,7 +13307,7 @@
 </p:sld>
 </file>
 
-<file path=ppt/slides/slide3.xml><?xml version="1.0" encoding="utf-8"?>
+<file path=ppt/slides/slide36.xml><?xml version="1.0" encoding="utf-8"?>
 <p:sld xmlns:a="http://schemas.openxmlformats.org/drawingml/2006/main" xmlns:r="http://schemas.openxmlformats.org/officeDocument/2006/relationships" xmlns:p="http://schemas.openxmlformats.org/presentationml/2006/main">
   <p:cSld>
     <p:spTree>
@@ -12312,346 +13326,184 @@
       </p:grpSpPr>
       <p:sp>
         <p:nvSpPr>
-          <p:cNvPr id="2051" name="Rectangle 3"/>
-          <p:cNvSpPr>
-            <a:spLocks noGrp="1" noChangeArrowheads="1"/>
+          <p:cNvPr id="367" name="Step 2: identify candidate projects"/>
+          <p:cNvSpPr txBox="1">
+            <a:spLocks noGrp="1"/>
           </p:cNvSpPr>
           <p:nvPr>
-            <p:ph type="body" idx="1"/>
+            <p:ph type="title"/>
           </p:nvPr>
         </p:nvSpPr>
         <p:spPr>
           <a:xfrm>
-            <a:off x="228600" y="457200"/>
-            <a:ext cx="8534400" cy="4114800"/>
-          </a:xfrm>
-        </p:spPr>
-        <p:txBody>
-          <a:bodyPr/>
-          <a:lstStyle/>
-          <a:p>
-            <a:pPr>
-              <a:lnSpc>
-                <a:spcPct val="90000"/>
-              </a:lnSpc>
-              <a:spcBef>
-                <a:spcPts val="0"/>
-              </a:spcBef>
-              <a:buFontTx/>
-              <a:buNone/>
-            </a:pPr>
-            <a:r>
-              <a:rPr lang="de-DE" sz="2800" dirty="0">
-                <a:latin typeface="Candara" panose="020E0502030303020204" pitchFamily="34" charset="0"/>
-              </a:rPr>
-              <a:t>[E]conomists have the reputation of being</a:t>
-            </a:r>
-          </a:p>
-          <a:p>
-            <a:pPr>
-              <a:lnSpc>
-                <a:spcPct val="90000"/>
-              </a:lnSpc>
-              <a:spcBef>
-                <a:spcPts val="0"/>
-              </a:spcBef>
-              <a:buFontTx/>
-              <a:buNone/>
-            </a:pPr>
-            <a:r>
-              <a:rPr lang="de-DE" sz="2800" dirty="0">
-                <a:latin typeface="Candara" panose="020E0502030303020204" pitchFamily="34" charset="0"/>
-              </a:rPr>
-              <a:t>unimaginative bean-counters, doggedly</a:t>
-            </a:r>
-          </a:p>
-          <a:p>
-            <a:pPr>
-              <a:lnSpc>
-                <a:spcPct val="90000"/>
-              </a:lnSpc>
-              <a:spcBef>
-                <a:spcPts val="0"/>
-              </a:spcBef>
-              <a:buFontTx/>
-              <a:buNone/>
-            </a:pPr>
-            <a:r>
-              <a:rPr lang="de-DE" sz="2800" dirty="0">
-                <a:latin typeface="Candara" panose="020E0502030303020204" pitchFamily="34" charset="0"/>
-              </a:rPr>
-              <a:t>claiming to quantify the unquantifiable [...]</a:t>
-            </a:r>
-          </a:p>
-          <a:p>
-            <a:pPr>
-              <a:lnSpc>
-                <a:spcPct val="90000"/>
-              </a:lnSpc>
-              <a:spcBef>
-                <a:spcPts val="0"/>
-              </a:spcBef>
-              <a:buFontTx/>
-              <a:buNone/>
-            </a:pPr>
-            <a:r>
-              <a:rPr lang="de-DE" sz="2800" dirty="0">
-                <a:latin typeface="Candara" panose="020E0502030303020204" pitchFamily="34" charset="0"/>
-              </a:rPr>
-              <a:t>and personifying Oscar Wilde‘s definition</a:t>
-            </a:r>
-          </a:p>
-          <a:p>
-            <a:pPr>
-              <a:lnSpc>
-                <a:spcPct val="90000"/>
-              </a:lnSpc>
-              <a:spcBef>
-                <a:spcPts val="0"/>
-              </a:spcBef>
-              <a:buFontTx/>
-              <a:buNone/>
-            </a:pPr>
-            <a:r>
-              <a:rPr lang="de-DE" sz="2800" dirty="0">
-                <a:latin typeface="Candara" panose="020E0502030303020204" pitchFamily="34" charset="0"/>
-              </a:rPr>
-              <a:t>of a cynic as someone who knows the price</a:t>
-            </a:r>
-          </a:p>
-          <a:p>
-            <a:pPr>
-              <a:lnSpc>
-                <a:spcPct val="90000"/>
-              </a:lnSpc>
-              <a:spcBef>
-                <a:spcPts val="0"/>
-              </a:spcBef>
-              <a:buFontTx/>
-              <a:buNone/>
-            </a:pPr>
-            <a:r>
-              <a:rPr lang="de-DE" sz="2800" dirty="0">
-                <a:latin typeface="Candara" panose="020E0502030303020204" pitchFamily="34" charset="0"/>
-              </a:rPr>
-              <a:t>of everything and the value of nothing. [...] It is</a:t>
-            </a:r>
-          </a:p>
-          <a:p>
-            <a:pPr>
-              <a:lnSpc>
-                <a:spcPct val="90000"/>
-              </a:lnSpc>
-              <a:spcBef>
-                <a:spcPts val="0"/>
-              </a:spcBef>
-              <a:buFontTx/>
-              <a:buNone/>
-            </a:pPr>
-            <a:r>
-              <a:rPr lang="de-DE" sz="2800" dirty="0">
-                <a:latin typeface="Candara" panose="020E0502030303020204" pitchFamily="34" charset="0"/>
-              </a:rPr>
-              <a:t>true that they would give a lot for a rough</a:t>
-            </a:r>
-          </a:p>
-          <a:p>
-            <a:pPr>
-              <a:lnSpc>
-                <a:spcPct val="90000"/>
-              </a:lnSpc>
-              <a:spcBef>
-                <a:spcPts val="0"/>
-              </a:spcBef>
-              <a:buFontTx/>
-              <a:buNone/>
-            </a:pPr>
-            <a:r>
-              <a:rPr lang="de-DE" sz="2800" dirty="0">
-                <a:latin typeface="Candara" panose="020E0502030303020204" pitchFamily="34" charset="0"/>
-              </a:rPr>
-              <a:t>quantitative answer; but that only reflects the</a:t>
-            </a:r>
-          </a:p>
-          <a:p>
-            <a:pPr>
-              <a:lnSpc>
-                <a:spcPct val="90000"/>
-              </a:lnSpc>
-              <a:spcBef>
-                <a:spcPts val="0"/>
-              </a:spcBef>
-              <a:buFontTx/>
-              <a:buNone/>
-            </a:pPr>
-            <a:r>
-              <a:rPr lang="de-DE" sz="2800" dirty="0">
-                <a:latin typeface="Candara" panose="020E0502030303020204" pitchFamily="34" charset="0"/>
-              </a:rPr>
-              <a:t>fact that any policy can be pushed harder or less</a:t>
-            </a:r>
-          </a:p>
-          <a:p>
-            <a:pPr>
-              <a:lnSpc>
-                <a:spcPct val="90000"/>
-              </a:lnSpc>
-              <a:spcBef>
-                <a:spcPts val="0"/>
-              </a:spcBef>
-              <a:buFontTx/>
-              <a:buNone/>
-            </a:pPr>
-            <a:r>
-              <a:rPr lang="de-DE" sz="2800" dirty="0">
-                <a:latin typeface="Candara" panose="020E0502030303020204" pitchFamily="34" charset="0"/>
-              </a:rPr>
-              <a:t>hard, further or less far, and that a useful</a:t>
-            </a:r>
-          </a:p>
-          <a:p>
-            <a:pPr>
-              <a:lnSpc>
-                <a:spcPct val="90000"/>
-              </a:lnSpc>
-              <a:spcBef>
-                <a:spcPts val="0"/>
-              </a:spcBef>
-              <a:buFontTx/>
-              <a:buNone/>
-            </a:pPr>
-            <a:r>
-              <a:rPr lang="de-DE" sz="2800" dirty="0">
-                <a:latin typeface="Candara" panose="020E0502030303020204" pitchFamily="34" charset="0"/>
-              </a:rPr>
-              <a:t>evaluation has to suggest how hard and how far.</a:t>
-            </a:r>
-          </a:p>
-          <a:p>
-            <a:pPr>
-              <a:lnSpc>
-                <a:spcPct val="90000"/>
-              </a:lnSpc>
-              <a:spcBef>
-                <a:spcPts val="0"/>
-              </a:spcBef>
-              <a:buFontTx/>
-              <a:buNone/>
-            </a:pPr>
-            <a:r>
-              <a:rPr lang="de-DE" sz="2800" dirty="0">
-                <a:latin typeface="Candara" panose="020E0502030303020204" pitchFamily="34" charset="0"/>
-              </a:rPr>
-              <a:t>The beans have to be counted, if only</a:t>
-            </a:r>
-          </a:p>
-          <a:p>
-            <a:pPr>
-              <a:lnSpc>
-                <a:spcPct val="90000"/>
-              </a:lnSpc>
-              <a:spcBef>
-                <a:spcPts val="0"/>
-              </a:spcBef>
-              <a:buFontTx/>
-              <a:buNone/>
-            </a:pPr>
-            <a:r>
-              <a:rPr lang="de-DE" sz="2800" dirty="0">
-                <a:latin typeface="Candara" panose="020E0502030303020204" pitchFamily="34" charset="0"/>
-              </a:rPr>
-              <a:t>approximately: those gentle souls who merely ooh</a:t>
-            </a:r>
-          </a:p>
-          <a:p>
-            <a:pPr>
-              <a:lnSpc>
-                <a:spcPct val="90000"/>
-              </a:lnSpc>
-              <a:spcBef>
-                <a:spcPts val="0"/>
-              </a:spcBef>
-              <a:buFontTx/>
-              <a:buNone/>
-            </a:pPr>
-            <a:r>
-              <a:rPr lang="de-DE" sz="2800" dirty="0">
-                <a:latin typeface="Candara" panose="020E0502030303020204" pitchFamily="34" charset="0"/>
-              </a:rPr>
-              <a:t>and ah over them are arguably part of the</a:t>
-            </a:r>
-          </a:p>
-          <a:p>
-            <a:pPr>
-              <a:lnSpc>
-                <a:spcPct val="90000"/>
-              </a:lnSpc>
-              <a:spcBef>
-                <a:spcPts val="0"/>
-              </a:spcBef>
-              <a:buFontTx/>
-              <a:buNone/>
-            </a:pPr>
-            <a:r>
-              <a:rPr lang="de-DE" sz="2800" dirty="0">
-                <a:latin typeface="Candara" panose="020E0502030303020204" pitchFamily="34" charset="0"/>
-              </a:rPr>
-              <a:t>problem, not part of the solution.</a:t>
-            </a:r>
-          </a:p>
-          <a:p>
-            <a:pPr algn="r">
-              <a:lnSpc>
-                <a:spcPct val="90000"/>
-              </a:lnSpc>
-              <a:buFontTx/>
-              <a:buNone/>
-            </a:pPr>
-            <a:r>
-              <a:rPr lang="de-DE" sz="2800" dirty="0">
-                <a:latin typeface="Candara" panose="020E0502030303020204" pitchFamily="34" charset="0"/>
-              </a:rPr>
-              <a:t>Robert M. Solow</a:t>
-            </a:r>
-            <a:endParaRPr lang="en-GB" sz="2800" dirty="0">
-              <a:latin typeface="Candara" panose="020E0502030303020204" pitchFamily="34" charset="0"/>
-            </a:endParaRPr>
-          </a:p>
-        </p:txBody>
-      </p:sp>
-      <p:pic>
-        <p:nvPicPr>
-          <p:cNvPr id="3" name="Picture 2" descr="solow.jpg"/>
-          <p:cNvPicPr>
-            <a:picLocks noChangeAspect="1"/>
-          </p:cNvPicPr>
-          <p:nvPr/>
-        </p:nvPicPr>
-        <p:blipFill>
-          <a:blip r:embed="rId3" cstate="print"/>
-          <a:stretch>
-            <a:fillRect/>
-          </a:stretch>
-        </p:blipFill>
-        <p:spPr>
-          <a:xfrm>
-            <a:off x="7391400" y="152400"/>
-            <a:ext cx="1543050" cy="2162175"/>
+            <a:off x="574254" y="0"/>
+            <a:ext cx="7772400" cy="1143000"/>
           </a:xfrm>
           <a:prstGeom prst="rect">
             <a:avLst/>
           </a:prstGeom>
         </p:spPr>
-      </p:pic>
+        <p:txBody>
+          <a:bodyPr/>
+          <a:lstStyle/>
+          <a:p>
+            <a:r>
+              <a:rPr sz="3600" dirty="0">
+                <a:solidFill>
+                  <a:schemeClr val="tx1"/>
+                </a:solidFill>
+                <a:latin typeface="Candara" panose="020E0502030303020204" pitchFamily="34" charset="0"/>
+              </a:rPr>
+              <a:t>Step 2: identify candidate projects</a:t>
+            </a:r>
+          </a:p>
+        </p:txBody>
+      </p:sp>
+      <p:sp>
+        <p:nvSpPr>
+          <p:cNvPr id="368" name="Various engineering solutions (×24)…"/>
+          <p:cNvSpPr txBox="1">
+            <a:spLocks noGrp="1"/>
+          </p:cNvSpPr>
+          <p:nvPr>
+            <p:ph type="body" idx="1"/>
+          </p:nvPr>
+        </p:nvSpPr>
+        <p:spPr>
+          <a:xfrm>
+            <a:off x="571500" y="1143000"/>
+            <a:ext cx="8343900" cy="5143500"/>
+          </a:xfrm>
+          <a:prstGeom prst="rect">
+            <a:avLst/>
+          </a:prstGeom>
+        </p:spPr>
+        <p:txBody>
+          <a:bodyPr/>
+          <a:lstStyle/>
+          <a:p>
+            <a:pPr marL="357175" indent="-357175" defTabSz="328600">
+              <a:spcBef>
+                <a:spcPts val="844"/>
+              </a:spcBef>
+              <a:defRPr sz="4800"/>
+            </a:pPr>
+            <a:r>
+              <a:rPr sz="2800" dirty="0">
+                <a:latin typeface="Candara" panose="020E0502030303020204" pitchFamily="34" charset="0"/>
+              </a:rPr>
+              <a:t>Various engineering solutions (×24)</a:t>
+            </a:r>
+          </a:p>
+          <a:p>
+            <a:pPr marL="650058" lvl="1" indent="-192874" defTabSz="328600">
+              <a:spcBef>
+                <a:spcPts val="844"/>
+              </a:spcBef>
+              <a:buSzPct val="100000"/>
+              <a:buChar char="•"/>
+              <a:defRPr sz="2880"/>
+            </a:pPr>
+            <a:r>
+              <a:rPr dirty="0">
+                <a:latin typeface="Candara" panose="020E0502030303020204" pitchFamily="34" charset="0"/>
+              </a:rPr>
+              <a:t>New treatment plants</a:t>
+            </a:r>
+          </a:p>
+          <a:p>
+            <a:pPr marL="650058" lvl="1" indent="-192874" defTabSz="328600">
+              <a:spcBef>
+                <a:spcPts val="844"/>
+              </a:spcBef>
+              <a:buSzPct val="100000"/>
+              <a:buChar char="•"/>
+              <a:defRPr sz="2880"/>
+            </a:pPr>
+            <a:r>
+              <a:rPr dirty="0">
+                <a:latin typeface="Candara" panose="020E0502030303020204" pitchFamily="34" charset="0"/>
+              </a:rPr>
+              <a:t>Upgrades to existing plants</a:t>
+            </a:r>
+          </a:p>
+          <a:p>
+            <a:pPr marL="650058" lvl="1" indent="-192874" defTabSz="328600">
+              <a:spcBef>
+                <a:spcPts val="844"/>
+              </a:spcBef>
+              <a:buSzPct val="100000"/>
+              <a:buChar char="•"/>
+              <a:defRPr sz="2880"/>
+            </a:pPr>
+            <a:r>
+              <a:rPr dirty="0">
+                <a:latin typeface="Candara" panose="020E0502030303020204" pitchFamily="34" charset="0"/>
+              </a:rPr>
+              <a:t>Storage and transfer tunnels (the super sewer)</a:t>
+            </a:r>
+          </a:p>
+          <a:p>
+            <a:pPr marL="357175" indent="-357175" defTabSz="328600">
+              <a:spcBef>
+                <a:spcPts val="844"/>
+              </a:spcBef>
+              <a:defRPr sz="4800"/>
+            </a:pPr>
+            <a:r>
+              <a:rPr sz="2800" dirty="0">
+                <a:latin typeface="Candara" panose="020E0502030303020204" pitchFamily="34" charset="0"/>
+              </a:rPr>
+              <a:t>Define a baseline: what would happen otherwise?</a:t>
+            </a:r>
+          </a:p>
+          <a:p>
+            <a:pPr marL="357175" indent="-357175" defTabSz="328600">
+              <a:spcBef>
+                <a:spcPts val="844"/>
+              </a:spcBef>
+              <a:defRPr sz="4800"/>
+            </a:pPr>
+            <a:r>
+              <a:rPr sz="2800" dirty="0">
+                <a:latin typeface="Candara" panose="020E0502030303020204" pitchFamily="34" charset="0"/>
+              </a:rPr>
+              <a:t>In this case: the status quo</a:t>
+            </a:r>
+          </a:p>
+          <a:p>
+            <a:pPr marL="650058" lvl="1" indent="-192874" defTabSz="328600">
+              <a:spcBef>
+                <a:spcPts val="844"/>
+              </a:spcBef>
+              <a:buSzPct val="100000"/>
+              <a:buChar char="•"/>
+              <a:defRPr sz="2880"/>
+            </a:pPr>
+            <a:r>
+              <a:rPr dirty="0">
+                <a:latin typeface="Candara" panose="020E0502030303020204" pitchFamily="34" charset="0"/>
+              </a:rPr>
+              <a:t>Do nothing new, keep operating bubbler and skimmer boats</a:t>
+            </a:r>
+          </a:p>
+        </p:txBody>
+      </p:sp>
     </p:spTree>
+    <p:extLst>
+      <p:ext uri="{BB962C8B-B14F-4D97-AF65-F5344CB8AC3E}">
+        <p14:creationId xmlns:p14="http://schemas.microsoft.com/office/powerpoint/2010/main" val="4040589004"/>
+      </p:ext>
+    </p:extLst>
   </p:cSld>
   <p:clrMapOvr>
     <a:masterClrMapping/>
   </p:clrMapOvr>
+  <p:transition spd="med"/>
 </p:sld>
 </file>
 
-<file path=ppt/slides/slide30.xml><?xml version="1.0" encoding="utf-8"?>
+<file path=ppt/slides/slide37.xml><?xml version="1.0" encoding="utf-8"?>
 <p:sld xmlns:a="http://schemas.openxmlformats.org/drawingml/2006/main" xmlns:r="http://schemas.openxmlformats.org/officeDocument/2006/relationships" xmlns:p="http://schemas.openxmlformats.org/presentationml/2006/main">
   <p:cSld>
     <p:spTree>
@@ -12670,7 +13522,7 @@
       </p:grpSpPr>
       <p:sp>
         <p:nvSpPr>
-          <p:cNvPr id="367" name="Step 2: identify candidate projects"/>
+          <p:cNvPr id="370" name="Step 3: who has standing?"/>
           <p:cNvSpPr txBox="1">
             <a:spLocks noGrp="1"/>
           </p:cNvSpPr>
@@ -12680,7 +13532,7 @@
         </p:nvSpPr>
         <p:spPr>
           <a:xfrm>
-            <a:off x="574254" y="0"/>
+            <a:off x="685800" y="0"/>
             <a:ext cx="7772400" cy="1143000"/>
           </a:xfrm>
           <a:prstGeom prst="rect">
@@ -12698,14 +13550,14 @@
                 </a:solidFill>
                 <a:latin typeface="Candara" panose="020E0502030303020204" pitchFamily="34" charset="0"/>
               </a:rPr>
-              <a:t>Step 2: identify candidate projects</a:t>
-            </a:r>
-          </a:p>
-        </p:txBody>
-      </p:sp>
-      <p:sp>
-        <p:nvSpPr>
-          <p:cNvPr id="368" name="Various engineering solutions (×24)…"/>
+              <a:t>Step 3: who has standing?</a:t>
+            </a:r>
+          </a:p>
+        </p:txBody>
+      </p:sp>
+      <p:sp>
+        <p:nvSpPr>
+          <p:cNvPr id="371" name="Whose benefits and costs should count?…"/>
           <p:cNvSpPr txBox="1">
             <a:spLocks noGrp="1"/>
           </p:cNvSpPr>
@@ -12716,7 +13568,7 @@
         <p:spPr>
           <a:xfrm>
             <a:off x="571500" y="1143000"/>
-            <a:ext cx="8343900" cy="5143500"/>
+            <a:ext cx="7886700" cy="5143500"/>
           </a:xfrm>
           <a:prstGeom prst="rect">
             <a:avLst/>
@@ -12726,109 +13578,96 @@
           <a:bodyPr/>
           <a:lstStyle/>
           <a:p>
-            <a:pPr marL="357175" indent="-357175" defTabSz="328600">
-              <a:spcBef>
-                <a:spcPts val="844"/>
-              </a:spcBef>
-              <a:defRPr sz="4800"/>
-            </a:pPr>
+            <a:pPr marL="446469" indent="-446469"/>
             <a:r>
               <a:rPr sz="2800" dirty="0">
                 <a:latin typeface="Candara" panose="020E0502030303020204" pitchFamily="34" charset="0"/>
               </a:rPr>
-              <a:t>Various engineering solutions (×24)</a:t>
-            </a:r>
-          </a:p>
-          <a:p>
-            <a:pPr marL="650058" lvl="1" indent="-192874" defTabSz="328600">
-              <a:spcBef>
-                <a:spcPts val="844"/>
-              </a:spcBef>
+              <a:t>Whose benefits and costs should count?</a:t>
+            </a:r>
+          </a:p>
+          <a:p>
+            <a:pPr marL="812573" lvl="1" indent="-241093">
               <a:buSzPct val="100000"/>
               <a:buChar char="•"/>
-              <a:defRPr sz="2880"/>
             </a:pPr>
             <a:r>
               <a:rPr dirty="0">
                 <a:latin typeface="Candara" panose="020E0502030303020204" pitchFamily="34" charset="0"/>
               </a:rPr>
-              <a:t>New treatment plants</a:t>
-            </a:r>
-          </a:p>
-          <a:p>
-            <a:pPr marL="650058" lvl="1" indent="-192874" defTabSz="328600">
-              <a:spcBef>
-                <a:spcPts val="844"/>
-              </a:spcBef>
+              <a:t>Question of judgment</a:t>
+            </a:r>
+          </a:p>
+          <a:p>
+            <a:pPr marL="812573" lvl="1" indent="-241093">
               <a:buSzPct val="100000"/>
               <a:buChar char="•"/>
-              <a:defRPr sz="2880"/>
             </a:pPr>
             <a:r>
               <a:rPr dirty="0">
                 <a:latin typeface="Candara" panose="020E0502030303020204" pitchFamily="34" charset="0"/>
               </a:rPr>
-              <a:t>Upgrades to existing plants</a:t>
-            </a:r>
-          </a:p>
-          <a:p>
-            <a:pPr marL="650058" lvl="1" indent="-192874" defTabSz="328600">
-              <a:spcBef>
-                <a:spcPts val="844"/>
-              </a:spcBef>
+              <a:t>In a nation, commonly count only </a:t>
+            </a:r>
+            <a:r>
+              <a:rPr lang="en-GB" dirty="0">
+                <a:latin typeface="Candara" panose="020E0502030303020204" pitchFamily="34" charset="0"/>
+              </a:rPr>
+              <a:t>residents </a:t>
+            </a:r>
+            <a:r>
+              <a:rPr lang="en-GB" sz="2000" dirty="0">
+                <a:latin typeface="Candara" panose="020E0502030303020204" pitchFamily="34" charset="0"/>
+              </a:rPr>
+              <a:t>(unless you’re Theresa May)</a:t>
+            </a:r>
+            <a:endParaRPr sz="2000" dirty="0">
+              <a:latin typeface="Candara" panose="020E0502030303020204" pitchFamily="34" charset="0"/>
+            </a:endParaRPr>
+          </a:p>
+          <a:p>
+            <a:pPr marL="446469" indent="-446469"/>
+            <a:r>
+              <a:rPr sz="2800" dirty="0">
+                <a:latin typeface="Candara" panose="020E0502030303020204" pitchFamily="34" charset="0"/>
+              </a:rPr>
+              <a:t>Super sewer</a:t>
+            </a:r>
+          </a:p>
+          <a:p>
+            <a:pPr marL="812573" lvl="1" indent="-241093">
               <a:buSzPct val="100000"/>
               <a:buChar char="•"/>
-              <a:defRPr sz="2880"/>
             </a:pPr>
             <a:r>
               <a:rPr dirty="0">
                 <a:latin typeface="Candara" panose="020E0502030303020204" pitchFamily="34" charset="0"/>
               </a:rPr>
-              <a:t>Storage and transfer tunnels (the super sewer)</a:t>
-            </a:r>
-          </a:p>
-          <a:p>
-            <a:pPr marL="357175" indent="-357175" defTabSz="328600">
-              <a:spcBef>
-                <a:spcPts val="844"/>
-              </a:spcBef>
-              <a:defRPr sz="4800"/>
-            </a:pPr>
-            <a:r>
-              <a:rPr sz="2800" dirty="0">
-                <a:latin typeface="Candara" panose="020E0502030303020204" pitchFamily="34" charset="0"/>
-              </a:rPr>
-              <a:t>Define a baseline: what would happen otherwise?</a:t>
-            </a:r>
-          </a:p>
-          <a:p>
-            <a:pPr marL="357175" indent="-357175" defTabSz="328600">
-              <a:spcBef>
-                <a:spcPts val="844"/>
-              </a:spcBef>
-              <a:defRPr sz="4800"/>
-            </a:pPr>
-            <a:r>
-              <a:rPr sz="2800" dirty="0">
-                <a:latin typeface="Candara" panose="020E0502030303020204" pitchFamily="34" charset="0"/>
-              </a:rPr>
-              <a:t>In this case: the status quo</a:t>
-            </a:r>
-          </a:p>
-          <a:p>
-            <a:pPr marL="650058" lvl="1" indent="-192874" defTabSz="328600">
-              <a:spcBef>
-                <a:spcPts val="844"/>
-              </a:spcBef>
+              <a:t>Thames Water customers</a:t>
+            </a:r>
+          </a:p>
+          <a:p>
+            <a:pPr marL="812573" lvl="1" indent="-241093">
               <a:buSzPct val="100000"/>
               <a:buChar char="•"/>
-              <a:defRPr sz="2880"/>
             </a:pPr>
             <a:r>
               <a:rPr dirty="0">
                 <a:latin typeface="Candara" panose="020E0502030303020204" pitchFamily="34" charset="0"/>
               </a:rPr>
-              <a:t>Do nothing new, keep operating bubbler and skimmer boats</a:t>
+              <a:t>5 million households in London + SE</a:t>
+            </a:r>
+          </a:p>
+          <a:p>
+            <a:pPr marL="812573" lvl="1" indent="-241093">
+              <a:buSzPct val="100000"/>
+              <a:buChar char="•"/>
+            </a:pPr>
+            <a:r>
+              <a:rPr dirty="0">
+                <a:latin typeface="Candara" panose="020E0502030303020204" pitchFamily="34" charset="0"/>
+              </a:rPr>
+              <a:t>They’ll be paying through water bills</a:t>
             </a:r>
           </a:p>
         </p:txBody>
@@ -12836,7 +13675,7 @@
     </p:spTree>
     <p:extLst>
       <p:ext uri="{BB962C8B-B14F-4D97-AF65-F5344CB8AC3E}">
-        <p14:creationId xmlns:p14="http://schemas.microsoft.com/office/powerpoint/2010/main" val="4040589004"/>
+        <p14:creationId xmlns:p14="http://schemas.microsoft.com/office/powerpoint/2010/main" val="4164332627"/>
       </p:ext>
     </p:extLst>
   </p:cSld>
@@ -12847,7 +13686,7 @@
 </p:sld>
 </file>
 
-<file path=ppt/slides/slide31.xml><?xml version="1.0" encoding="utf-8"?>
+<file path=ppt/slides/slide38.xml><?xml version="1.0" encoding="utf-8"?>
 <p:sld xmlns:a="http://schemas.openxmlformats.org/drawingml/2006/main" xmlns:r="http://schemas.openxmlformats.org/officeDocument/2006/relationships" xmlns:p="http://schemas.openxmlformats.org/presentationml/2006/main">
   <p:cSld>
     <p:spTree>
@@ -12866,189 +13705,6 @@
       </p:grpSpPr>
       <p:sp>
         <p:nvSpPr>
-          <p:cNvPr id="370" name="Step 3: who has standing?"/>
-          <p:cNvSpPr txBox="1">
-            <a:spLocks noGrp="1"/>
-          </p:cNvSpPr>
-          <p:nvPr>
-            <p:ph type="title"/>
-          </p:nvPr>
-        </p:nvSpPr>
-        <p:spPr>
-          <a:xfrm>
-            <a:off x="685800" y="0"/>
-            <a:ext cx="7772400" cy="1143000"/>
-          </a:xfrm>
-          <a:prstGeom prst="rect">
-            <a:avLst/>
-          </a:prstGeom>
-        </p:spPr>
-        <p:txBody>
-          <a:bodyPr/>
-          <a:lstStyle/>
-          <a:p>
-            <a:r>
-              <a:rPr sz="3600" dirty="0">
-                <a:solidFill>
-                  <a:schemeClr val="tx1"/>
-                </a:solidFill>
-                <a:latin typeface="Candara" panose="020E0502030303020204" pitchFamily="34" charset="0"/>
-              </a:rPr>
-              <a:t>Step 3: who has standing?</a:t>
-            </a:r>
-          </a:p>
-        </p:txBody>
-      </p:sp>
-      <p:sp>
-        <p:nvSpPr>
-          <p:cNvPr id="371" name="Whose benefits and costs should count?…"/>
-          <p:cNvSpPr txBox="1">
-            <a:spLocks noGrp="1"/>
-          </p:cNvSpPr>
-          <p:nvPr>
-            <p:ph type="body" idx="1"/>
-          </p:nvPr>
-        </p:nvSpPr>
-        <p:spPr>
-          <a:xfrm>
-            <a:off x="571500" y="1143000"/>
-            <a:ext cx="7886700" cy="5143500"/>
-          </a:xfrm>
-          <a:prstGeom prst="rect">
-            <a:avLst/>
-          </a:prstGeom>
-        </p:spPr>
-        <p:txBody>
-          <a:bodyPr/>
-          <a:lstStyle/>
-          <a:p>
-            <a:pPr marL="446469" indent="-446469"/>
-            <a:r>
-              <a:rPr sz="2800" dirty="0">
-                <a:latin typeface="Candara" panose="020E0502030303020204" pitchFamily="34" charset="0"/>
-              </a:rPr>
-              <a:t>Whose benefits and costs should count?</a:t>
-            </a:r>
-          </a:p>
-          <a:p>
-            <a:pPr marL="812573" lvl="1" indent="-241093">
-              <a:buSzPct val="100000"/>
-              <a:buChar char="•"/>
-            </a:pPr>
-            <a:r>
-              <a:rPr dirty="0">
-                <a:latin typeface="Candara" panose="020E0502030303020204" pitchFamily="34" charset="0"/>
-              </a:rPr>
-              <a:t>Question of judgment</a:t>
-            </a:r>
-          </a:p>
-          <a:p>
-            <a:pPr marL="812573" lvl="1" indent="-241093">
-              <a:buSzPct val="100000"/>
-              <a:buChar char="•"/>
-            </a:pPr>
-            <a:r>
-              <a:rPr dirty="0">
-                <a:latin typeface="Candara" panose="020E0502030303020204" pitchFamily="34" charset="0"/>
-              </a:rPr>
-              <a:t>In a nation, commonly count only </a:t>
-            </a:r>
-            <a:r>
-              <a:rPr lang="en-GB" dirty="0">
-                <a:latin typeface="Candara" panose="020E0502030303020204" pitchFamily="34" charset="0"/>
-              </a:rPr>
-              <a:t>residents </a:t>
-            </a:r>
-            <a:r>
-              <a:rPr lang="en-GB" sz="2000" dirty="0">
-                <a:latin typeface="Candara" panose="020E0502030303020204" pitchFamily="34" charset="0"/>
-              </a:rPr>
-              <a:t>(unless you’re Theresa May)</a:t>
-            </a:r>
-            <a:endParaRPr sz="2000" dirty="0">
-              <a:latin typeface="Candara" panose="020E0502030303020204" pitchFamily="34" charset="0"/>
-            </a:endParaRPr>
-          </a:p>
-          <a:p>
-            <a:pPr marL="446469" indent="-446469"/>
-            <a:r>
-              <a:rPr sz="2800" dirty="0">
-                <a:latin typeface="Candara" panose="020E0502030303020204" pitchFamily="34" charset="0"/>
-              </a:rPr>
-              <a:t>Super sewer</a:t>
-            </a:r>
-          </a:p>
-          <a:p>
-            <a:pPr marL="812573" lvl="1" indent="-241093">
-              <a:buSzPct val="100000"/>
-              <a:buChar char="•"/>
-            </a:pPr>
-            <a:r>
-              <a:rPr dirty="0">
-                <a:latin typeface="Candara" panose="020E0502030303020204" pitchFamily="34" charset="0"/>
-              </a:rPr>
-              <a:t>Thames Water customers</a:t>
-            </a:r>
-          </a:p>
-          <a:p>
-            <a:pPr marL="812573" lvl="1" indent="-241093">
-              <a:buSzPct val="100000"/>
-              <a:buChar char="•"/>
-            </a:pPr>
-            <a:r>
-              <a:rPr dirty="0">
-                <a:latin typeface="Candara" panose="020E0502030303020204" pitchFamily="34" charset="0"/>
-              </a:rPr>
-              <a:t>5 million households in London + SE</a:t>
-            </a:r>
-          </a:p>
-          <a:p>
-            <a:pPr marL="812573" lvl="1" indent="-241093">
-              <a:buSzPct val="100000"/>
-              <a:buChar char="•"/>
-            </a:pPr>
-            <a:r>
-              <a:rPr dirty="0">
-                <a:latin typeface="Candara" panose="020E0502030303020204" pitchFamily="34" charset="0"/>
-              </a:rPr>
-              <a:t>They’ll be paying through water bills</a:t>
-            </a:r>
-          </a:p>
-        </p:txBody>
-      </p:sp>
-    </p:spTree>
-    <p:extLst>
-      <p:ext uri="{BB962C8B-B14F-4D97-AF65-F5344CB8AC3E}">
-        <p14:creationId xmlns:p14="http://schemas.microsoft.com/office/powerpoint/2010/main" val="4164332627"/>
-      </p:ext>
-    </p:extLst>
-  </p:cSld>
-  <p:clrMapOvr>
-    <a:masterClrMapping/>
-  </p:clrMapOvr>
-  <p:transition spd="med"/>
-</p:sld>
-</file>
-
-<file path=ppt/slides/slide32.xml><?xml version="1.0" encoding="utf-8"?>
-<p:sld xmlns:a="http://schemas.openxmlformats.org/drawingml/2006/main" xmlns:r="http://schemas.openxmlformats.org/officeDocument/2006/relationships" xmlns:p="http://schemas.openxmlformats.org/presentationml/2006/main">
-  <p:cSld>
-    <p:spTree>
-      <p:nvGrpSpPr>
-        <p:cNvPr id="1" name=""/>
-        <p:cNvGrpSpPr/>
-        <p:nvPr/>
-      </p:nvGrpSpPr>
-      <p:grpSpPr>
-        <a:xfrm>
-          <a:off x="0" y="0"/>
-          <a:ext cx="0" cy="0"/>
-          <a:chOff x="0" y="0"/>
-          <a:chExt cx="0" cy="0"/>
-        </a:xfrm>
-      </p:grpSpPr>
-      <p:sp>
-        <p:nvSpPr>
           <p:cNvPr id="373" name="Step 4: identify all potential impacts"/>
           <p:cNvSpPr txBox="1">
             <a:spLocks noGrp="1"/>
@@ -13106,21 +13762,21 @@
                 <a:gridCol w="2086978">
                   <a:extLst>
                     <a:ext uri="{9D8B030D-6E8A-4147-A177-3AD203B41FA5}">
-                      <a16:colId xmlns:a16="http://schemas.microsoft.com/office/drawing/2014/main" xmlns="" val="20000"/>
+                      <a16:colId xmlns:a16="http://schemas.microsoft.com/office/drawing/2014/main" val="20000"/>
                     </a:ext>
                   </a:extLst>
                 </a:gridCol>
                 <a:gridCol w="2815420">
                   <a:extLst>
                     <a:ext uri="{9D8B030D-6E8A-4147-A177-3AD203B41FA5}">
-                      <a16:colId xmlns:a16="http://schemas.microsoft.com/office/drawing/2014/main" xmlns="" val="20001"/>
+                      <a16:colId xmlns:a16="http://schemas.microsoft.com/office/drawing/2014/main" val="20001"/>
                     </a:ext>
                   </a:extLst>
                 </a:gridCol>
                 <a:gridCol w="3080742">
                   <a:extLst>
                     <a:ext uri="{9D8B030D-6E8A-4147-A177-3AD203B41FA5}">
-                      <a16:colId xmlns:a16="http://schemas.microsoft.com/office/drawing/2014/main" xmlns="" val="20002"/>
+                      <a16:colId xmlns:a16="http://schemas.microsoft.com/office/drawing/2014/main" val="20002"/>
                     </a:ext>
                   </a:extLst>
                 </a:gridCol>
@@ -13225,7 +13881,7 @@
                 </a:tc>
                 <a:extLst>
                   <a:ext uri="{0D108BD9-81ED-4DB2-BD59-A6C34878D82A}">
-                    <a16:rowId xmlns:a16="http://schemas.microsoft.com/office/drawing/2014/main" xmlns="" val="10000"/>
+                    <a16:rowId xmlns:a16="http://schemas.microsoft.com/office/drawing/2014/main" val="10000"/>
                   </a:ext>
                 </a:extLst>
               </a:tr>
@@ -13390,7 +14046,7 @@
                 </a:tc>
                 <a:extLst>
                   <a:ext uri="{0D108BD9-81ED-4DB2-BD59-A6C34878D82A}">
-                    <a16:rowId xmlns:a16="http://schemas.microsoft.com/office/drawing/2014/main" xmlns="" val="10001"/>
+                    <a16:rowId xmlns:a16="http://schemas.microsoft.com/office/drawing/2014/main" val="10001"/>
                   </a:ext>
                 </a:extLst>
               </a:tr>
@@ -13615,7 +14271,7 @@
                 </a:tc>
                 <a:extLst>
                   <a:ext uri="{0D108BD9-81ED-4DB2-BD59-A6C34878D82A}">
-                    <a16:rowId xmlns:a16="http://schemas.microsoft.com/office/drawing/2014/main" xmlns="" val="10002"/>
+                    <a16:rowId xmlns:a16="http://schemas.microsoft.com/office/drawing/2014/main" val="10002"/>
                   </a:ext>
                 </a:extLst>
               </a:tr>
@@ -13637,7 +14293,7 @@
 </p:sld>
 </file>
 
-<file path=ppt/slides/slide33.xml><?xml version="1.0" encoding="utf-8"?>
+<file path=ppt/slides/slide39.xml><?xml version="1.0" encoding="utf-8"?>
 <p:sld xmlns:a="http://schemas.openxmlformats.org/drawingml/2006/main" xmlns:r="http://schemas.openxmlformats.org/officeDocument/2006/relationships" xmlns:p="http://schemas.openxmlformats.org/presentationml/2006/main">
   <p:cSld>
     <p:spTree>
@@ -13797,7 +14453,7 @@
 </p:sld>
 </file>
 
-<file path=ppt/slides/slide34.xml><?xml version="1.0" encoding="utf-8"?>
+<file path=ppt/slides/slide4.xml><?xml version="1.0" encoding="utf-8"?>
 <p:sld xmlns:a="http://schemas.openxmlformats.org/drawingml/2006/main" xmlns:r="http://schemas.openxmlformats.org/officeDocument/2006/relationships" xmlns:p="http://schemas.openxmlformats.org/presentationml/2006/main">
   <p:cSld>
     <p:spTree>
@@ -13816,6 +14472,376 @@
       </p:grpSpPr>
       <p:sp>
         <p:nvSpPr>
+          <p:cNvPr id="2051" name="Rectangle 3"/>
+          <p:cNvSpPr>
+            <a:spLocks noGrp="1" noChangeArrowheads="1"/>
+          </p:cNvSpPr>
+          <p:nvPr>
+            <p:ph type="body" idx="1"/>
+          </p:nvPr>
+        </p:nvSpPr>
+        <p:spPr>
+          <a:xfrm>
+            <a:off x="228600" y="457200"/>
+            <a:ext cx="8534400" cy="4114800"/>
+          </a:xfrm>
+        </p:spPr>
+        <p:txBody>
+          <a:bodyPr/>
+          <a:lstStyle/>
+          <a:p>
+            <a:pPr>
+              <a:lnSpc>
+                <a:spcPct val="90000"/>
+              </a:lnSpc>
+              <a:spcBef>
+                <a:spcPts val="0"/>
+              </a:spcBef>
+              <a:buFontTx/>
+              <a:buNone/>
+            </a:pPr>
+            <a:r>
+              <a:rPr lang="en-GB" sz="2800" dirty="0">
+                <a:latin typeface="Candara" panose="020E0502030303020204" pitchFamily="34" charset="0"/>
+              </a:rPr>
+              <a:t>[E]</a:t>
+            </a:r>
+            <a:r>
+              <a:rPr lang="en-GB" sz="2800" dirty="0" err="1">
+                <a:latin typeface="Candara" panose="020E0502030303020204" pitchFamily="34" charset="0"/>
+              </a:rPr>
+              <a:t>conomists</a:t>
+            </a:r>
+            <a:r>
+              <a:rPr lang="en-GB" sz="2800" dirty="0">
+                <a:latin typeface="Candara" panose="020E0502030303020204" pitchFamily="34" charset="0"/>
+              </a:rPr>
+              <a:t> have the reputation of being</a:t>
+            </a:r>
+          </a:p>
+          <a:p>
+            <a:pPr>
+              <a:lnSpc>
+                <a:spcPct val="90000"/>
+              </a:lnSpc>
+              <a:spcBef>
+                <a:spcPts val="0"/>
+              </a:spcBef>
+              <a:buFontTx/>
+              <a:buNone/>
+            </a:pPr>
+            <a:r>
+              <a:rPr lang="en-GB" sz="2800" dirty="0">
+                <a:latin typeface="Candara" panose="020E0502030303020204" pitchFamily="34" charset="0"/>
+              </a:rPr>
+              <a:t>unimaginative bean-counters, doggedly</a:t>
+            </a:r>
+          </a:p>
+          <a:p>
+            <a:pPr>
+              <a:lnSpc>
+                <a:spcPct val="90000"/>
+              </a:lnSpc>
+              <a:spcBef>
+                <a:spcPts val="0"/>
+              </a:spcBef>
+              <a:buFontTx/>
+              <a:buNone/>
+            </a:pPr>
+            <a:r>
+              <a:rPr lang="en-GB" sz="2800" dirty="0">
+                <a:latin typeface="Candara" panose="020E0502030303020204" pitchFamily="34" charset="0"/>
+              </a:rPr>
+              <a:t>claiming to quantify the unquantifiable [...]</a:t>
+            </a:r>
+          </a:p>
+          <a:p>
+            <a:pPr>
+              <a:lnSpc>
+                <a:spcPct val="90000"/>
+              </a:lnSpc>
+              <a:spcBef>
+                <a:spcPts val="0"/>
+              </a:spcBef>
+              <a:buFontTx/>
+              <a:buNone/>
+            </a:pPr>
+            <a:r>
+              <a:rPr lang="en-GB" sz="2800" dirty="0">
+                <a:latin typeface="Candara" panose="020E0502030303020204" pitchFamily="34" charset="0"/>
+              </a:rPr>
+              <a:t>and personifying Oscar Wilde’s definition</a:t>
+            </a:r>
+          </a:p>
+          <a:p>
+            <a:pPr>
+              <a:lnSpc>
+                <a:spcPct val="90000"/>
+              </a:lnSpc>
+              <a:spcBef>
+                <a:spcPts val="0"/>
+              </a:spcBef>
+              <a:buFontTx/>
+              <a:buNone/>
+            </a:pPr>
+            <a:r>
+              <a:rPr lang="en-GB" sz="2800" dirty="0">
+                <a:latin typeface="Candara" panose="020E0502030303020204" pitchFamily="34" charset="0"/>
+              </a:rPr>
+              <a:t>of a cynic as someone who knows the price</a:t>
+            </a:r>
+          </a:p>
+          <a:p>
+            <a:pPr>
+              <a:lnSpc>
+                <a:spcPct val="90000"/>
+              </a:lnSpc>
+              <a:spcBef>
+                <a:spcPts val="0"/>
+              </a:spcBef>
+              <a:buFontTx/>
+              <a:buNone/>
+            </a:pPr>
+            <a:r>
+              <a:rPr lang="en-GB" sz="2800" dirty="0">
+                <a:latin typeface="Candara" panose="020E0502030303020204" pitchFamily="34" charset="0"/>
+              </a:rPr>
+              <a:t>of everything and the value of nothing. [...] It is</a:t>
+            </a:r>
+          </a:p>
+          <a:p>
+            <a:pPr>
+              <a:lnSpc>
+                <a:spcPct val="90000"/>
+              </a:lnSpc>
+              <a:spcBef>
+                <a:spcPts val="0"/>
+              </a:spcBef>
+              <a:buFontTx/>
+              <a:buNone/>
+            </a:pPr>
+            <a:r>
+              <a:rPr lang="en-GB" sz="2800" dirty="0">
+                <a:latin typeface="Candara" panose="020E0502030303020204" pitchFamily="34" charset="0"/>
+              </a:rPr>
+              <a:t>true that they would give a lot for a rough</a:t>
+            </a:r>
+          </a:p>
+          <a:p>
+            <a:pPr>
+              <a:lnSpc>
+                <a:spcPct val="90000"/>
+              </a:lnSpc>
+              <a:spcBef>
+                <a:spcPts val="0"/>
+              </a:spcBef>
+              <a:buFontTx/>
+              <a:buNone/>
+            </a:pPr>
+            <a:r>
+              <a:rPr lang="en-GB" sz="2800" dirty="0">
+                <a:latin typeface="Candara" panose="020E0502030303020204" pitchFamily="34" charset="0"/>
+              </a:rPr>
+              <a:t>quantitative answer; but that only reflects the</a:t>
+            </a:r>
+          </a:p>
+          <a:p>
+            <a:pPr>
+              <a:lnSpc>
+                <a:spcPct val="90000"/>
+              </a:lnSpc>
+              <a:spcBef>
+                <a:spcPts val="0"/>
+              </a:spcBef>
+              <a:buFontTx/>
+              <a:buNone/>
+            </a:pPr>
+            <a:r>
+              <a:rPr lang="en-GB" sz="2800" dirty="0">
+                <a:latin typeface="Candara" panose="020E0502030303020204" pitchFamily="34" charset="0"/>
+              </a:rPr>
+              <a:t>fact that any policy can be pushed harder or less</a:t>
+            </a:r>
+          </a:p>
+          <a:p>
+            <a:pPr>
+              <a:lnSpc>
+                <a:spcPct val="90000"/>
+              </a:lnSpc>
+              <a:spcBef>
+                <a:spcPts val="0"/>
+              </a:spcBef>
+              <a:buFontTx/>
+              <a:buNone/>
+            </a:pPr>
+            <a:r>
+              <a:rPr lang="en-GB" sz="2800" dirty="0">
+                <a:latin typeface="Candara" panose="020E0502030303020204" pitchFamily="34" charset="0"/>
+              </a:rPr>
+              <a:t>hard, further or less far, and that a useful</a:t>
+            </a:r>
+          </a:p>
+          <a:p>
+            <a:pPr>
+              <a:lnSpc>
+                <a:spcPct val="90000"/>
+              </a:lnSpc>
+              <a:spcBef>
+                <a:spcPts val="0"/>
+              </a:spcBef>
+              <a:buFontTx/>
+              <a:buNone/>
+            </a:pPr>
+            <a:r>
+              <a:rPr lang="en-GB" sz="2800" dirty="0">
+                <a:latin typeface="Candara" panose="020E0502030303020204" pitchFamily="34" charset="0"/>
+              </a:rPr>
+              <a:t>evaluation has to suggest how hard and how far.</a:t>
+            </a:r>
+          </a:p>
+          <a:p>
+            <a:pPr>
+              <a:lnSpc>
+                <a:spcPct val="90000"/>
+              </a:lnSpc>
+              <a:spcBef>
+                <a:spcPts val="0"/>
+              </a:spcBef>
+              <a:buFontTx/>
+              <a:buNone/>
+            </a:pPr>
+            <a:r>
+              <a:rPr lang="en-GB" sz="2800" dirty="0">
+                <a:latin typeface="Candara" panose="020E0502030303020204" pitchFamily="34" charset="0"/>
+              </a:rPr>
+              <a:t>The beans have to be counted, if only</a:t>
+            </a:r>
+          </a:p>
+          <a:p>
+            <a:pPr>
+              <a:lnSpc>
+                <a:spcPct val="90000"/>
+              </a:lnSpc>
+              <a:spcBef>
+                <a:spcPts val="0"/>
+              </a:spcBef>
+              <a:buFontTx/>
+              <a:buNone/>
+            </a:pPr>
+            <a:r>
+              <a:rPr lang="en-GB" sz="2800" dirty="0">
+                <a:latin typeface="Candara" panose="020E0502030303020204" pitchFamily="34" charset="0"/>
+              </a:rPr>
+              <a:t>approximately: those gentle souls who merely ooh</a:t>
+            </a:r>
+          </a:p>
+          <a:p>
+            <a:pPr>
+              <a:lnSpc>
+                <a:spcPct val="90000"/>
+              </a:lnSpc>
+              <a:spcBef>
+                <a:spcPts val="0"/>
+              </a:spcBef>
+              <a:buFontTx/>
+              <a:buNone/>
+            </a:pPr>
+            <a:r>
+              <a:rPr lang="en-GB" sz="2800" dirty="0">
+                <a:latin typeface="Candara" panose="020E0502030303020204" pitchFamily="34" charset="0"/>
+              </a:rPr>
+              <a:t>and ah over them are arguably part of the</a:t>
+            </a:r>
+          </a:p>
+          <a:p>
+            <a:pPr>
+              <a:lnSpc>
+                <a:spcPct val="90000"/>
+              </a:lnSpc>
+              <a:spcBef>
+                <a:spcPts val="0"/>
+              </a:spcBef>
+              <a:buFontTx/>
+              <a:buNone/>
+            </a:pPr>
+            <a:r>
+              <a:rPr lang="en-GB" sz="2800" dirty="0">
+                <a:latin typeface="Candara" panose="020E0502030303020204" pitchFamily="34" charset="0"/>
+              </a:rPr>
+              <a:t>problem, not part of the solution.</a:t>
+            </a:r>
+          </a:p>
+          <a:p>
+            <a:pPr algn="r">
+              <a:lnSpc>
+                <a:spcPct val="90000"/>
+              </a:lnSpc>
+              <a:buFontTx/>
+              <a:buNone/>
+            </a:pPr>
+            <a:r>
+              <a:rPr lang="de-DE" sz="2800" dirty="0">
+                <a:latin typeface="Candara" panose="020E0502030303020204" pitchFamily="34" charset="0"/>
+              </a:rPr>
+              <a:t>Robert M. Solow</a:t>
+            </a:r>
+            <a:endParaRPr lang="en-GB" sz="2800" dirty="0">
+              <a:latin typeface="Candara" panose="020E0502030303020204" pitchFamily="34" charset="0"/>
+            </a:endParaRPr>
+          </a:p>
+        </p:txBody>
+      </p:sp>
+      <p:pic>
+        <p:nvPicPr>
+          <p:cNvPr id="3" name="Picture 2" descr="solow.jpg"/>
+          <p:cNvPicPr>
+            <a:picLocks noChangeAspect="1"/>
+          </p:cNvPicPr>
+          <p:nvPr/>
+        </p:nvPicPr>
+        <p:blipFill>
+          <a:blip r:embed="rId3" cstate="print"/>
+          <a:stretch>
+            <a:fillRect/>
+          </a:stretch>
+        </p:blipFill>
+        <p:spPr>
+          <a:xfrm>
+            <a:off x="7391400" y="152400"/>
+            <a:ext cx="1543050" cy="2162175"/>
+          </a:xfrm>
+          <a:prstGeom prst="rect">
+            <a:avLst/>
+          </a:prstGeom>
+        </p:spPr>
+      </p:pic>
+    </p:spTree>
+  </p:cSld>
+  <p:clrMapOvr>
+    <a:masterClrMapping/>
+  </p:clrMapOvr>
+</p:sld>
+</file>
+
+<file path=ppt/slides/slide40.xml><?xml version="1.0" encoding="utf-8"?>
+<p:sld xmlns:a="http://schemas.openxmlformats.org/drawingml/2006/main" xmlns:r="http://schemas.openxmlformats.org/officeDocument/2006/relationships" xmlns:p="http://schemas.openxmlformats.org/presentationml/2006/main">
+  <p:cSld>
+    <p:spTree>
+      <p:nvGrpSpPr>
+        <p:cNvPr id="1" name=""/>
+        <p:cNvGrpSpPr/>
+        <p:nvPr/>
+      </p:nvGrpSpPr>
+      <p:grpSpPr>
+        <a:xfrm>
+          <a:off x="0" y="0"/>
+          <a:ext cx="0" cy="0"/>
+          <a:chOff x="0" y="0"/>
+          <a:chExt cx="0" cy="0"/>
+        </a:xfrm>
+      </p:grpSpPr>
+      <p:sp>
+        <p:nvSpPr>
           <p:cNvPr id="381" name="Step 5: predict scale of impacts"/>
           <p:cNvSpPr txBox="1">
             <a:spLocks noGrp="1"/>
@@ -14026,7 +15052,7 @@
 </p:sld>
 </file>
 
-<file path=ppt/slides/slide35.xml><?xml version="1.0" encoding="utf-8"?>
+<file path=ppt/slides/slide41.xml><?xml version="1.0" encoding="utf-8"?>
 <p:sld xmlns:a="http://schemas.openxmlformats.org/drawingml/2006/main" xmlns:r="http://schemas.openxmlformats.org/officeDocument/2006/relationships" xmlns:p="http://schemas.openxmlformats.org/presentationml/2006/main">
   <p:cSld>
     <p:spTree>
@@ -14124,7 +15150,7 @@
 </p:sld>
 </file>
 
-<file path=ppt/slides/slide36.xml><?xml version="1.0" encoding="utf-8"?>
+<file path=ppt/slides/slide42.xml><?xml version="1.0" encoding="utf-8"?>
 <p:sld xmlns:a="http://schemas.openxmlformats.org/drawingml/2006/main" xmlns:r="http://schemas.openxmlformats.org/officeDocument/2006/relationships" xmlns:p="http://schemas.openxmlformats.org/presentationml/2006/main">
   <p:cSld>
     <p:spTree>
@@ -14222,7 +15248,7 @@
 </p:sld>
 </file>
 
-<file path=ppt/slides/slide37.xml><?xml version="1.0" encoding="utf-8"?>
+<file path=ppt/slides/slide43.xml><?xml version="1.0" encoding="utf-8"?>
 <p:sld xmlns:a="http://schemas.openxmlformats.org/drawingml/2006/main" xmlns:r="http://schemas.openxmlformats.org/officeDocument/2006/relationships" xmlns:p="http://schemas.openxmlformats.org/presentationml/2006/main">
   <p:cSld>
     <p:spTree>
@@ -14405,7 +15431,7 @@
 </p:sld>
 </file>
 
-<file path=ppt/slides/slide38.xml><?xml version="1.0" encoding="utf-8"?>
+<file path=ppt/slides/slide44.xml><?xml version="1.0" encoding="utf-8"?>
 <p:sld xmlns:a="http://schemas.openxmlformats.org/drawingml/2006/main" xmlns:r="http://schemas.openxmlformats.org/officeDocument/2006/relationships" xmlns:p="http://schemas.openxmlformats.org/presentationml/2006/main">
   <p:cSld>
     <p:spTree>
@@ -14738,7 +15764,7 @@
 </p:sld>
 </file>
 
-<file path=ppt/slides/slide39.xml><?xml version="1.0" encoding="utf-8"?>
+<file path=ppt/slides/slide45.xml><?xml version="1.0" encoding="utf-8"?>
 <p:sld xmlns:a="http://schemas.openxmlformats.org/drawingml/2006/main" xmlns:r="http://schemas.openxmlformats.org/officeDocument/2006/relationships" xmlns:p="http://schemas.openxmlformats.org/presentationml/2006/main">
   <p:cSld>
     <p:spTree>
@@ -14889,14 +15915,14 @@
                 <a:gridCol w="1578089">
                   <a:extLst>
                     <a:ext uri="{9D8B030D-6E8A-4147-A177-3AD203B41FA5}">
-                      <a16:colId xmlns:a16="http://schemas.microsoft.com/office/drawing/2014/main" xmlns="" val="20000"/>
+                      <a16:colId xmlns:a16="http://schemas.microsoft.com/office/drawing/2014/main" val="20000"/>
                     </a:ext>
                   </a:extLst>
                 </a:gridCol>
                 <a:gridCol w="2056293">
                   <a:extLst>
                     <a:ext uri="{9D8B030D-6E8A-4147-A177-3AD203B41FA5}">
-                      <a16:colId xmlns:a16="http://schemas.microsoft.com/office/drawing/2014/main" xmlns="" val="20001"/>
+                      <a16:colId xmlns:a16="http://schemas.microsoft.com/office/drawing/2014/main" val="20001"/>
                     </a:ext>
                   </a:extLst>
                 </a:gridCol>
@@ -14973,7 +15999,7 @@
                 </a:tc>
                 <a:extLst>
                   <a:ext uri="{0D108BD9-81ED-4DB2-BD59-A6C34878D82A}">
-                    <a16:rowId xmlns:a16="http://schemas.microsoft.com/office/drawing/2014/main" xmlns="" val="10000"/>
+                    <a16:rowId xmlns:a16="http://schemas.microsoft.com/office/drawing/2014/main" val="10000"/>
                   </a:ext>
                 </a:extLst>
               </a:tr>
@@ -15049,7 +16075,7 @@
                 </a:tc>
                 <a:extLst>
                   <a:ext uri="{0D108BD9-81ED-4DB2-BD59-A6C34878D82A}">
-                    <a16:rowId xmlns:a16="http://schemas.microsoft.com/office/drawing/2014/main" xmlns="" val="10001"/>
+                    <a16:rowId xmlns:a16="http://schemas.microsoft.com/office/drawing/2014/main" val="10001"/>
                   </a:ext>
                 </a:extLst>
               </a:tr>
@@ -15125,7 +16151,7 @@
                 </a:tc>
                 <a:extLst>
                   <a:ext uri="{0D108BD9-81ED-4DB2-BD59-A6C34878D82A}">
-                    <a16:rowId xmlns:a16="http://schemas.microsoft.com/office/drawing/2014/main" xmlns="" val="10002"/>
+                    <a16:rowId xmlns:a16="http://schemas.microsoft.com/office/drawing/2014/main" val="10002"/>
                   </a:ext>
                 </a:extLst>
               </a:tr>
@@ -15201,7 +16227,7 @@
                 </a:tc>
                 <a:extLst>
                   <a:ext uri="{0D108BD9-81ED-4DB2-BD59-A6C34878D82A}">
-                    <a16:rowId xmlns:a16="http://schemas.microsoft.com/office/drawing/2014/main" xmlns="" val="10003"/>
+                    <a16:rowId xmlns:a16="http://schemas.microsoft.com/office/drawing/2014/main" val="10003"/>
                   </a:ext>
                 </a:extLst>
               </a:tr>
@@ -15223,7 +16249,7 @@
 </p:sld>
 </file>
 
-<file path=ppt/slides/slide4.xml><?xml version="1.0" encoding="utf-8"?>
+<file path=ppt/slides/slide46.xml><?xml version="1.0" encoding="utf-8"?>
 <p:sld xmlns:a="http://schemas.openxmlformats.org/drawingml/2006/main" xmlns:r="http://schemas.openxmlformats.org/officeDocument/2006/relationships" xmlns:p="http://schemas.openxmlformats.org/presentationml/2006/main">
   <p:cSld>
     <p:spTree>
@@ -15242,18 +16268,18 @@
       </p:grpSpPr>
       <p:sp>
         <p:nvSpPr>
-          <p:cNvPr id="255" name="“The true rule in determining to embrace or reject anything is not whether it have any evil in it; but whether it have more of evil than of good.”  — Abraham Lincoln"/>
+          <p:cNvPr id="410" name="Step 8: aggregate values"/>
           <p:cNvSpPr txBox="1">
             <a:spLocks noGrp="1"/>
           </p:cNvSpPr>
           <p:nvPr>
-            <p:ph type="body" sz="half" idx="1"/>
+            <p:ph type="title"/>
           </p:nvPr>
         </p:nvSpPr>
         <p:spPr>
           <a:xfrm>
-            <a:off x="457200" y="1101727"/>
-            <a:ext cx="6172200" cy="5143500"/>
+            <a:off x="685800" y="0"/>
+            <a:ext cx="7772400" cy="1143000"/>
           </a:xfrm>
           <a:prstGeom prst="rect">
             <a:avLst/>
@@ -15263,81 +16289,88 @@
           <a:bodyPr/>
           <a:lstStyle/>
           <a:p>
-            <a:pPr marL="0" indent="0" defTabSz="373783">
-              <a:spcBef>
-                <a:spcPts val="984"/>
-              </a:spcBef>
-              <a:buNone/>
-              <a:defRPr sz="5460"/>
-            </a:pPr>
-            <a:r>
-              <a:rPr sz="2800" dirty="0">
-                <a:latin typeface="Candara" panose="020E0502030303020204" pitchFamily="34" charset="0"/>
-              </a:rPr>
-              <a:t>The true rule in determining to embrace or reject anything is not whether it have any evil in it; but whether it have more of evil than of good.</a:t>
-            </a:r>
-            <a:br>
-              <a:rPr sz="2800" dirty="0">
-                <a:latin typeface="Candara" panose="020E0502030303020204" pitchFamily="34" charset="0"/>
-              </a:rPr>
-            </a:br>
-            <a:r>
-              <a:rPr sz="2800" dirty="0">
-                <a:latin typeface="Candara" panose="020E0502030303020204" pitchFamily="34" charset="0"/>
-              </a:rPr>
-              <a:t/>
-            </a:r>
-            <a:br>
-              <a:rPr sz="2800" dirty="0">
-                <a:latin typeface="Candara" panose="020E0502030303020204" pitchFamily="34" charset="0"/>
-              </a:rPr>
-            </a:br>
-            <a:r>
-              <a:rPr lang="en-GB" sz="2800" dirty="0">
-                <a:latin typeface="Candara" panose="020E0502030303020204" pitchFamily="34" charset="0"/>
-              </a:rPr>
-              <a:t>					  				</a:t>
-            </a:r>
-            <a:r>
-              <a:rPr sz="2800" dirty="0">
-                <a:latin typeface="Candara" panose="020E0502030303020204" pitchFamily="34" charset="0"/>
-              </a:rPr>
-              <a:t>Abraham Lincoln</a:t>
-            </a:r>
-          </a:p>
-        </p:txBody>
-      </p:sp>
-      <p:pic>
-        <p:nvPicPr>
-          <p:cNvPr id="256" name="abraham-lincoln.jpg" descr="abraham-lincoln.jpg"/>
-          <p:cNvPicPr>
-            <a:picLocks noChangeAspect="1"/>
-          </p:cNvPicPr>
-          <p:nvPr/>
-        </p:nvPicPr>
-        <p:blipFill>
-          <a:blip r:embed="rId3"/>
-          <a:stretch>
-            <a:fillRect/>
-          </a:stretch>
-        </p:blipFill>
+            <a:r>
+              <a:rPr sz="3600" dirty="0">
+                <a:latin typeface="Candara" panose="020E0502030303020204" pitchFamily="34" charset="0"/>
+              </a:rPr>
+              <a:t>Step 8: </a:t>
+            </a:r>
+            <a:r>
+              <a:rPr sz="3600" dirty="0">
+                <a:solidFill>
+                  <a:schemeClr val="tx1"/>
+                </a:solidFill>
+                <a:latin typeface="Candara" panose="020E0502030303020204" pitchFamily="34" charset="0"/>
+              </a:rPr>
+              <a:t>aggregate </a:t>
+            </a:r>
+            <a:r>
+              <a:rPr sz="3600" dirty="0">
+                <a:latin typeface="Candara" panose="020E0502030303020204" pitchFamily="34" charset="0"/>
+              </a:rPr>
+              <a:t>values</a:t>
+            </a:r>
+          </a:p>
+        </p:txBody>
+      </p:sp>
+      <p:sp>
+        <p:nvSpPr>
+          <p:cNvPr id="411" name="Super sewer — best projects’  NPV = £3–5 billion…"/>
+          <p:cNvSpPr txBox="1">
+            <a:spLocks noGrp="1"/>
+          </p:cNvSpPr>
+          <p:nvPr>
+            <p:ph type="body" idx="1"/>
+          </p:nvPr>
+        </p:nvSpPr>
         <p:spPr>
           <a:xfrm>
-            <a:off x="6858000" y="76200"/>
-            <a:ext cx="2181821" cy="3597277"/>
+            <a:off x="701407" y="1143000"/>
+            <a:ext cx="7772400" cy="4114800"/>
           </a:xfrm>
           <a:prstGeom prst="rect">
             <a:avLst/>
           </a:prstGeom>
-          <a:ln w="12700">
-            <a:miter lim="400000"/>
-          </a:ln>
-        </p:spPr>
-      </p:pic>
+        </p:spPr>
+        <p:txBody>
+          <a:bodyPr/>
+          <a:lstStyle/>
+          <a:p>
+            <a:pPr marL="446469" indent="-446469"/>
+            <a:r>
+              <a:rPr sz="2800" dirty="0">
+                <a:latin typeface="Candara" panose="020E0502030303020204" pitchFamily="34" charset="0"/>
+              </a:rPr>
+              <a:t>Super sewer — best projects’ NPV = £3–5 billion</a:t>
+            </a:r>
+          </a:p>
+          <a:p>
+            <a:pPr marL="446469" indent="-446469"/>
+            <a:r>
+              <a:rPr sz="2800" dirty="0">
+                <a:latin typeface="Candara" panose="020E0502030303020204" pitchFamily="34" charset="0"/>
+              </a:rPr>
+              <a:t>Intervention appears economically justified</a:t>
+            </a:r>
+          </a:p>
+          <a:p>
+            <a:pPr marL="812573" lvl="1" indent="-241093">
+              <a:buSzPct val="100000"/>
+              <a:buChar char="•"/>
+            </a:pPr>
+            <a:r>
+              <a:rPr dirty="0">
+                <a:latin typeface="Candara" panose="020E0502030303020204" pitchFamily="34" charset="0"/>
+              </a:rPr>
+              <a:t>Passes a cost-benefit test (NPV &gt; 0)</a:t>
+            </a:r>
+          </a:p>
+        </p:txBody>
+      </p:sp>
     </p:spTree>
     <p:extLst>
       <p:ext uri="{BB962C8B-B14F-4D97-AF65-F5344CB8AC3E}">
-        <p14:creationId xmlns:p14="http://schemas.microsoft.com/office/powerpoint/2010/main" val="2872554945"/>
+        <p14:creationId xmlns:p14="http://schemas.microsoft.com/office/powerpoint/2010/main" val="291481632"/>
       </p:ext>
     </p:extLst>
   </p:cSld>
@@ -15348,7 +16381,7 @@
 </p:sld>
 </file>
 
-<file path=ppt/slides/slide40.xml><?xml version="1.0" encoding="utf-8"?>
+<file path=ppt/slides/slide47.xml><?xml version="1.0" encoding="utf-8"?>
 <p:sld xmlns:a="http://schemas.openxmlformats.org/drawingml/2006/main" xmlns:r="http://schemas.openxmlformats.org/officeDocument/2006/relationships" xmlns:p="http://schemas.openxmlformats.org/presentationml/2006/main">
   <p:cSld>
     <p:spTree>
@@ -15367,7 +16400,7 @@
       </p:grpSpPr>
       <p:sp>
         <p:nvSpPr>
-          <p:cNvPr id="410" name="Step 8: aggregate values"/>
+          <p:cNvPr id="415" name="Step 9: risk, and sensitivity analysis"/>
           <p:cNvSpPr txBox="1">
             <a:spLocks noGrp="1"/>
           </p:cNvSpPr>
@@ -15390,31 +16423,19 @@
           <a:p>
             <a:r>
               <a:rPr sz="3600" dirty="0">
-                <a:latin typeface="Candara" panose="020E0502030303020204" pitchFamily="34" charset="0"/>
-              </a:rPr>
-              <a:t>Step 8: </a:t>
-            </a:r>
-            <a:r>
-              <a:rPr sz="3600" dirty="0">
                 <a:solidFill>
                   <a:schemeClr val="tx1"/>
                 </a:solidFill>
                 <a:latin typeface="Candara" panose="020E0502030303020204" pitchFamily="34" charset="0"/>
               </a:rPr>
-              <a:t>aggregate </a:t>
-            </a:r>
-            <a:r>
-              <a:rPr sz="3600" dirty="0">
-                <a:latin typeface="Candara" panose="020E0502030303020204" pitchFamily="34" charset="0"/>
-              </a:rPr>
-              <a:t>values</a:t>
-            </a:r>
-          </a:p>
-        </p:txBody>
-      </p:sp>
-      <p:sp>
-        <p:nvSpPr>
-          <p:cNvPr id="411" name="Super sewer — best projects’  NPV = £3–5 billion…"/>
+              <a:t>Step 9: risk, and sensitivity analysis</a:t>
+            </a:r>
+          </a:p>
+        </p:txBody>
+      </p:sp>
+      <p:sp>
+        <p:nvSpPr>
+          <p:cNvPr id="416" name="Risk and uncertainty…"/>
           <p:cNvSpPr txBox="1">
             <a:spLocks noGrp="1"/>
           </p:cNvSpPr>
@@ -15424,8 +16445,8 @@
         </p:nvSpPr>
         <p:spPr>
           <a:xfrm>
-            <a:off x="701407" y="1143000"/>
-            <a:ext cx="7772400" cy="4114800"/>
+            <a:off x="571500" y="1143000"/>
+            <a:ext cx="7962900" cy="5143500"/>
           </a:xfrm>
           <a:prstGeom prst="rect">
             <a:avLst/>
@@ -15440,16 +16461,7 @@
               <a:rPr sz="2800" dirty="0">
                 <a:latin typeface="Candara" panose="020E0502030303020204" pitchFamily="34" charset="0"/>
               </a:rPr>
-              <a:t>Super sewer — best projects’ NPV = £3–5 billion</a:t>
-            </a:r>
-          </a:p>
-          <a:p>
-            <a:pPr marL="446469" indent="-446469"/>
-            <a:r>
-              <a:rPr sz="2800" dirty="0">
-                <a:latin typeface="Candara" panose="020E0502030303020204" pitchFamily="34" charset="0"/>
-              </a:rPr>
-              <a:t>Intervention appears economically justified</a:t>
+              <a:t>Risk and uncertainty</a:t>
             </a:r>
           </a:p>
           <a:p>
@@ -15461,7 +16473,52 @@
               <a:rPr dirty="0">
                 <a:latin typeface="Candara" panose="020E0502030303020204" pitchFamily="34" charset="0"/>
               </a:rPr>
-              <a:t>Passes a cost-benefit test (NPV &gt; 0)</a:t>
+              <a:t>Predicting the future</a:t>
+            </a:r>
+          </a:p>
+          <a:p>
+            <a:pPr marL="812573" lvl="1" indent="-241093">
+              <a:buSzPct val="100000"/>
+              <a:buChar char="•"/>
+            </a:pPr>
+            <a:r>
+              <a:rPr dirty="0">
+                <a:latin typeface="Candara" panose="020E0502030303020204" pitchFamily="34" charset="0"/>
+              </a:rPr>
+              <a:t>Assessing risk appetite</a:t>
+            </a:r>
+          </a:p>
+          <a:p>
+            <a:pPr marL="446469" indent="-446469"/>
+            <a:r>
+              <a:rPr sz="2800" dirty="0">
+                <a:latin typeface="Candara" panose="020E0502030303020204" pitchFamily="34" charset="0"/>
+              </a:rPr>
+              <a:t>Perform sensitivity analysis</a:t>
+            </a:r>
+          </a:p>
+          <a:p>
+            <a:pPr marL="812573" lvl="1" indent="-241093">
+              <a:buSzPct val="100000"/>
+              <a:buChar char="•"/>
+            </a:pPr>
+            <a:r>
+              <a:rPr dirty="0">
+                <a:latin typeface="Candara" panose="020E0502030303020204" pitchFamily="34" charset="0"/>
+              </a:rPr>
+              <a:t>Alternative assumptions/forecasts</a:t>
+            </a:r>
+          </a:p>
+          <a:p>
+            <a:pPr marL="812573" lvl="1" indent="-241093">
+              <a:buSzPct val="100000"/>
+              <a:buChar char="•"/>
+            </a:pPr>
+            <a:r>
+              <a:rPr dirty="0">
+                <a:latin typeface="Candara" panose="020E0502030303020204" pitchFamily="34" charset="0"/>
+              </a:rPr>
+              <a:t>Alternative discount rates</a:t>
             </a:r>
           </a:p>
         </p:txBody>
@@ -15469,7 +16526,7 @@
     </p:spTree>
     <p:extLst>
       <p:ext uri="{BB962C8B-B14F-4D97-AF65-F5344CB8AC3E}">
-        <p14:creationId xmlns:p14="http://schemas.microsoft.com/office/powerpoint/2010/main" val="291481632"/>
+        <p14:creationId xmlns:p14="http://schemas.microsoft.com/office/powerpoint/2010/main" val="1006941788"/>
       </p:ext>
     </p:extLst>
   </p:cSld>
@@ -15480,7 +16537,7 @@
 </p:sld>
 </file>
 
-<file path=ppt/slides/slide41.xml><?xml version="1.0" encoding="utf-8"?>
+<file path=ppt/slides/slide48.xml><?xml version="1.0" encoding="utf-8"?>
 <p:sld xmlns:a="http://schemas.openxmlformats.org/drawingml/2006/main" xmlns:r="http://schemas.openxmlformats.org/officeDocument/2006/relationships" xmlns:p="http://schemas.openxmlformats.org/presentationml/2006/main">
   <p:cSld>
     <p:spTree>
@@ -15499,7 +16556,7 @@
       </p:grpSpPr>
       <p:sp>
         <p:nvSpPr>
-          <p:cNvPr id="415" name="Step 9: risk, and sensitivity analysis"/>
+          <p:cNvPr id="418" name="Sources of error in CBA"/>
           <p:cNvSpPr txBox="1">
             <a:spLocks noGrp="1"/>
           </p:cNvSpPr>
@@ -15509,7 +16566,7 @@
         </p:nvSpPr>
         <p:spPr>
           <a:xfrm>
-            <a:off x="685800" y="0"/>
+            <a:off x="689472" y="-7345"/>
             <a:ext cx="7772400" cy="1143000"/>
           </a:xfrm>
           <a:prstGeom prst="rect">
@@ -15527,14 +16584,14 @@
                 </a:solidFill>
                 <a:latin typeface="Candara" panose="020E0502030303020204" pitchFamily="34" charset="0"/>
               </a:rPr>
-              <a:t>Step 9: risk, and sensitivity analysis</a:t>
-            </a:r>
-          </a:p>
-        </p:txBody>
-      </p:sp>
-      <p:sp>
-        <p:nvSpPr>
-          <p:cNvPr id="416" name="Risk and uncertainty…"/>
+              <a:t>Sources of error in CBA</a:t>
+            </a:r>
+          </a:p>
+        </p:txBody>
+      </p:sp>
+      <p:sp>
+        <p:nvSpPr>
+          <p:cNvPr id="419" name="Omission errors…"/>
           <p:cNvSpPr txBox="1">
             <a:spLocks noGrp="1"/>
           </p:cNvSpPr>
@@ -15544,88 +16601,212 @@
         </p:nvSpPr>
         <p:spPr>
           <a:xfrm>
-            <a:off x="571500" y="1143000"/>
-            <a:ext cx="7962900" cy="5143500"/>
+            <a:off x="0" y="990600"/>
+            <a:ext cx="9144000" cy="4114800"/>
           </a:xfrm>
           <a:prstGeom prst="rect">
             <a:avLst/>
           </a:prstGeom>
         </p:spPr>
         <p:txBody>
-          <a:bodyPr/>
+          <a:bodyPr numCol="2" spcCol="568959"/>
           <a:lstStyle/>
           <a:p>
-            <a:pPr marL="446469" indent="-446469"/>
-            <a:r>
-              <a:rPr sz="2800" dirty="0">
-                <a:latin typeface="Candara" panose="020E0502030303020204" pitchFamily="34" charset="0"/>
-              </a:rPr>
-              <a:t>Risk and uncertainty</a:t>
-            </a:r>
-          </a:p>
-          <a:p>
-            <a:pPr marL="812573" lvl="1" indent="-241093">
-              <a:buSzPct val="100000"/>
-              <a:buChar char="•"/>
+            <a:pPr marL="222341" indent="-222341" defTabSz="340923">
+              <a:spcBef>
+                <a:spcPts val="914"/>
+              </a:spcBef>
+              <a:defRPr sz="4980"/>
+            </a:pPr>
+            <a:r>
+              <a:rPr sz="2400" dirty="0">
+                <a:latin typeface="Candara" panose="020E0502030303020204" pitchFamily="34" charset="0"/>
+              </a:rPr>
+              <a:t>Omission errors</a:t>
+            </a:r>
+          </a:p>
+          <a:p>
+            <a:pPr marL="459505" lvl="1" indent="-222341" defTabSz="340923">
+              <a:spcBef>
+                <a:spcPts val="914"/>
+              </a:spcBef>
+              <a:defRPr sz="2988"/>
+            </a:pPr>
+            <a:r>
+              <a:rPr sz="2400" dirty="0">
+                <a:latin typeface="Candara" panose="020E0502030303020204" pitchFamily="34" charset="0"/>
+              </a:rPr>
+              <a:t>Excluding important impacts</a:t>
+            </a:r>
+          </a:p>
+          <a:p>
+            <a:pPr marL="222341" indent="-222341" defTabSz="340923">
+              <a:spcBef>
+                <a:spcPts val="914"/>
+              </a:spcBef>
+              <a:defRPr sz="4980"/>
+            </a:pPr>
+            <a:r>
+              <a:rPr sz="2400" dirty="0">
+                <a:latin typeface="Candara" panose="020E0502030303020204" pitchFamily="34" charset="0"/>
+              </a:rPr>
+              <a:t>Measurement errors</a:t>
+            </a:r>
+          </a:p>
+          <a:p>
+            <a:pPr marL="459505" lvl="1" indent="-222341" defTabSz="340923">
+              <a:spcBef>
+                <a:spcPts val="914"/>
+              </a:spcBef>
+              <a:defRPr sz="2988"/>
+            </a:pPr>
+            <a:r>
+              <a:rPr sz="2400" dirty="0">
+                <a:latin typeface="Candara" panose="020E0502030303020204" pitchFamily="34" charset="0"/>
+              </a:rPr>
+              <a:t>Impacts observed, recorded or interpreted inaccurately</a:t>
+            </a:r>
+          </a:p>
+          <a:p>
+            <a:pPr marL="222341" indent="-222341" defTabSz="340923">
+              <a:spcBef>
+                <a:spcPts val="914"/>
+              </a:spcBef>
+              <a:defRPr sz="4980"/>
+            </a:pPr>
+            <a:r>
+              <a:rPr sz="2400" dirty="0">
+                <a:latin typeface="Candara" panose="020E0502030303020204" pitchFamily="34" charset="0"/>
+              </a:rPr>
+              <a:t>Forecasting errors</a:t>
+            </a:r>
+          </a:p>
+          <a:p>
+            <a:pPr marL="459505" lvl="1" indent="-222341" defTabSz="340923">
+              <a:spcBef>
+                <a:spcPts val="914"/>
+              </a:spcBef>
+              <a:defRPr sz="2988"/>
+            </a:pPr>
+            <a:r>
+              <a:rPr sz="2400" dirty="0">
+                <a:latin typeface="Candara" panose="020E0502030303020204" pitchFamily="34" charset="0"/>
+              </a:rPr>
+              <a:t>Forecasts are always inexact, but cost-benefit studies can provide a false sense of precision to decision-makers</a:t>
+            </a:r>
+            <a:endParaRPr lang="en-GB" sz="2400" dirty="0">
+              <a:latin typeface="Candara" panose="020E0502030303020204" pitchFamily="34" charset="0"/>
+            </a:endParaRPr>
+          </a:p>
+          <a:p>
+            <a:pPr marL="59455" indent="-222341" defTabSz="340923">
+              <a:spcBef>
+                <a:spcPts val="914"/>
+              </a:spcBef>
+              <a:defRPr sz="2988"/>
             </a:pPr>
             <a:r>
               <a:rPr dirty="0">
                 <a:latin typeface="Candara" panose="020E0502030303020204" pitchFamily="34" charset="0"/>
               </a:rPr>
-              <a:t>Predicting the future</a:t>
-            </a:r>
-          </a:p>
-          <a:p>
-            <a:pPr marL="812573" lvl="1" indent="-241093">
-              <a:buSzPct val="100000"/>
-              <a:buChar char="•"/>
+              <a:t>Valuation errors</a:t>
+            </a:r>
+          </a:p>
+          <a:p>
+            <a:pPr marL="459505" lvl="1" indent="-222341" defTabSz="340923">
+              <a:spcBef>
+                <a:spcPts val="914"/>
+              </a:spcBef>
+              <a:defRPr sz="2988"/>
+            </a:pPr>
+            <a:r>
+              <a:rPr sz="2400" dirty="0">
+                <a:latin typeface="Candara" panose="020E0502030303020204" pitchFamily="34" charset="0"/>
+              </a:rPr>
+              <a:t>Some impacts are difficult or expensive to value</a:t>
+            </a:r>
+          </a:p>
+          <a:p>
+            <a:pPr marL="222341" indent="-222341" defTabSz="340923">
+              <a:spcBef>
+                <a:spcPts val="914"/>
+              </a:spcBef>
+              <a:defRPr sz="4980"/>
+            </a:pPr>
+            <a:r>
+              <a:rPr sz="2400" dirty="0">
+                <a:latin typeface="Candara" panose="020E0502030303020204" pitchFamily="34" charset="0"/>
+              </a:rPr>
+              <a:t>Strategic errors</a:t>
+            </a:r>
+          </a:p>
+          <a:p>
+            <a:pPr marL="459505" lvl="1" indent="-222341" defTabSz="340923">
+              <a:spcBef>
+                <a:spcPts val="914"/>
+              </a:spcBef>
+              <a:defRPr sz="2988"/>
+            </a:pPr>
+            <a:r>
+              <a:rPr sz="2400" dirty="0">
+                <a:latin typeface="Candara" panose="020E0502030303020204" pitchFamily="34" charset="0"/>
+              </a:rPr>
+              <a:t>Bad studies by </a:t>
+            </a:r>
+            <a:br>
+              <a:rPr sz="2400" dirty="0">
+                <a:latin typeface="Candara" panose="020E0502030303020204" pitchFamily="34" charset="0"/>
+              </a:rPr>
+            </a:br>
+            <a:r>
+              <a:rPr sz="2400" dirty="0">
+                <a:latin typeface="Candara" panose="020E0502030303020204" pitchFamily="34" charset="0"/>
+              </a:rPr>
+              <a:t>‘economists for hire’</a:t>
+            </a:r>
+          </a:p>
+          <a:p>
+            <a:pPr marL="652201" lvl="2" indent="-177873" defTabSz="340923">
+              <a:spcBef>
+                <a:spcPts val="914"/>
+              </a:spcBef>
+              <a:defRPr sz="2656"/>
             </a:pPr>
             <a:r>
               <a:rPr dirty="0">
                 <a:latin typeface="Candara" panose="020E0502030303020204" pitchFamily="34" charset="0"/>
               </a:rPr>
-              <a:t>Assessing risk appetite</a:t>
-            </a:r>
-          </a:p>
-          <a:p>
-            <a:pPr marL="446469" indent="-446469"/>
-            <a:r>
-              <a:rPr sz="2800" dirty="0">
-                <a:latin typeface="Candara" panose="020E0502030303020204" pitchFamily="34" charset="0"/>
-              </a:rPr>
-              <a:t>Perform sensitivity analysis</a:t>
-            </a:r>
-          </a:p>
-          <a:p>
-            <a:pPr marL="812573" lvl="1" indent="-241093">
-              <a:buSzPct val="100000"/>
-              <a:buChar char="•"/>
+              <a:t>Pressure to generate numbers to support preferred options — inflate benefits and downplay costs</a:t>
+            </a:r>
+          </a:p>
+          <a:p>
+            <a:pPr marL="652201" lvl="2" indent="-177873" defTabSz="340923">
+              <a:spcBef>
+                <a:spcPts val="914"/>
+              </a:spcBef>
+              <a:defRPr sz="2656"/>
             </a:pPr>
             <a:r>
               <a:rPr dirty="0">
                 <a:latin typeface="Candara" panose="020E0502030303020204" pitchFamily="34" charset="0"/>
               </a:rPr>
-              <a:t>Alternative assumptions/forecasts</a:t>
-            </a:r>
-          </a:p>
-          <a:p>
-            <a:pPr marL="812573" lvl="1" indent="-241093">
-              <a:buSzPct val="100000"/>
-              <a:buChar char="•"/>
-            </a:pPr>
-            <a:r>
+              <a:t>Decision may have been made already!</a:t>
+            </a:r>
+            <a:br>
               <a:rPr dirty="0">
                 <a:latin typeface="Candara" panose="020E0502030303020204" pitchFamily="34" charset="0"/>
               </a:rPr>
-              <a:t>Alternative discount rates</a:t>
-            </a:r>
+            </a:br>
+            <a:endParaRPr dirty="0">
+              <a:latin typeface="Candara" panose="020E0502030303020204" pitchFamily="34" charset="0"/>
+            </a:endParaRPr>
           </a:p>
         </p:txBody>
       </p:sp>
     </p:spTree>
     <p:extLst>
       <p:ext uri="{BB962C8B-B14F-4D97-AF65-F5344CB8AC3E}">
-        <p14:creationId xmlns:p14="http://schemas.microsoft.com/office/powerpoint/2010/main" val="1006941788"/>
+        <p14:creationId xmlns:p14="http://schemas.microsoft.com/office/powerpoint/2010/main" val="167386229"/>
       </p:ext>
     </p:extLst>
   </p:cSld>
@@ -15636,7 +16817,7 @@
 </p:sld>
 </file>
 
-<file path=ppt/slides/slide42.xml><?xml version="1.0" encoding="utf-8"?>
+<file path=ppt/slides/slide49.xml><?xml version="1.0" encoding="utf-8"?>
 <p:sld xmlns:a="http://schemas.openxmlformats.org/drawingml/2006/main" xmlns:r="http://schemas.openxmlformats.org/officeDocument/2006/relationships" xmlns:p="http://schemas.openxmlformats.org/presentationml/2006/main">
   <p:cSld>
     <p:spTree>
@@ -15655,286 +16836,6 @@
       </p:grpSpPr>
       <p:sp>
         <p:nvSpPr>
-          <p:cNvPr id="418" name="Sources of error in CBA"/>
-          <p:cNvSpPr txBox="1">
-            <a:spLocks noGrp="1"/>
-          </p:cNvSpPr>
-          <p:nvPr>
-            <p:ph type="title"/>
-          </p:nvPr>
-        </p:nvSpPr>
-        <p:spPr>
-          <a:xfrm>
-            <a:off x="689472" y="-7345"/>
-            <a:ext cx="7772400" cy="1143000"/>
-          </a:xfrm>
-          <a:prstGeom prst="rect">
-            <a:avLst/>
-          </a:prstGeom>
-        </p:spPr>
-        <p:txBody>
-          <a:bodyPr/>
-          <a:lstStyle/>
-          <a:p>
-            <a:r>
-              <a:rPr sz="3600" dirty="0">
-                <a:solidFill>
-                  <a:schemeClr val="tx1"/>
-                </a:solidFill>
-                <a:latin typeface="Candara" panose="020E0502030303020204" pitchFamily="34" charset="0"/>
-              </a:rPr>
-              <a:t>Sources of error in CBA</a:t>
-            </a:r>
-          </a:p>
-        </p:txBody>
-      </p:sp>
-      <p:sp>
-        <p:nvSpPr>
-          <p:cNvPr id="419" name="Omission errors…"/>
-          <p:cNvSpPr txBox="1">
-            <a:spLocks noGrp="1"/>
-          </p:cNvSpPr>
-          <p:nvPr>
-            <p:ph type="body" idx="1"/>
-          </p:nvPr>
-        </p:nvSpPr>
-        <p:spPr>
-          <a:xfrm>
-            <a:off x="0" y="990600"/>
-            <a:ext cx="9144000" cy="4114800"/>
-          </a:xfrm>
-          <a:prstGeom prst="rect">
-            <a:avLst/>
-          </a:prstGeom>
-        </p:spPr>
-        <p:txBody>
-          <a:bodyPr numCol="2" spcCol="568959"/>
-          <a:lstStyle/>
-          <a:p>
-            <a:pPr marL="222341" indent="-222341" defTabSz="340923">
-              <a:spcBef>
-                <a:spcPts val="914"/>
-              </a:spcBef>
-              <a:defRPr sz="4980"/>
-            </a:pPr>
-            <a:r>
-              <a:rPr sz="2400" dirty="0">
-                <a:latin typeface="Candara" panose="020E0502030303020204" pitchFamily="34" charset="0"/>
-              </a:rPr>
-              <a:t>Omission errors</a:t>
-            </a:r>
-          </a:p>
-          <a:p>
-            <a:pPr marL="459505" lvl="1" indent="-222341" defTabSz="340923">
-              <a:spcBef>
-                <a:spcPts val="914"/>
-              </a:spcBef>
-              <a:defRPr sz="2988"/>
-            </a:pPr>
-            <a:r>
-              <a:rPr sz="2400" dirty="0">
-                <a:latin typeface="Candara" panose="020E0502030303020204" pitchFamily="34" charset="0"/>
-              </a:rPr>
-              <a:t>Excluding important impacts</a:t>
-            </a:r>
-          </a:p>
-          <a:p>
-            <a:pPr marL="222341" indent="-222341" defTabSz="340923">
-              <a:spcBef>
-                <a:spcPts val="914"/>
-              </a:spcBef>
-              <a:defRPr sz="4980"/>
-            </a:pPr>
-            <a:r>
-              <a:rPr sz="2400" dirty="0">
-                <a:latin typeface="Candara" panose="020E0502030303020204" pitchFamily="34" charset="0"/>
-              </a:rPr>
-              <a:t>Measurement errors</a:t>
-            </a:r>
-          </a:p>
-          <a:p>
-            <a:pPr marL="459505" lvl="1" indent="-222341" defTabSz="340923">
-              <a:spcBef>
-                <a:spcPts val="914"/>
-              </a:spcBef>
-              <a:defRPr sz="2988"/>
-            </a:pPr>
-            <a:r>
-              <a:rPr sz="2400" dirty="0">
-                <a:latin typeface="Candara" panose="020E0502030303020204" pitchFamily="34" charset="0"/>
-              </a:rPr>
-              <a:t>Impacts observed, recorded or interpreted inaccurately</a:t>
-            </a:r>
-          </a:p>
-          <a:p>
-            <a:pPr marL="222341" indent="-222341" defTabSz="340923">
-              <a:spcBef>
-                <a:spcPts val="914"/>
-              </a:spcBef>
-              <a:defRPr sz="4980"/>
-            </a:pPr>
-            <a:r>
-              <a:rPr sz="2400" dirty="0">
-                <a:latin typeface="Candara" panose="020E0502030303020204" pitchFamily="34" charset="0"/>
-              </a:rPr>
-              <a:t>Forecasting errors</a:t>
-            </a:r>
-          </a:p>
-          <a:p>
-            <a:pPr marL="459505" lvl="1" indent="-222341" defTabSz="340923">
-              <a:spcBef>
-                <a:spcPts val="914"/>
-              </a:spcBef>
-              <a:defRPr sz="2988"/>
-            </a:pPr>
-            <a:r>
-              <a:rPr sz="2400" dirty="0">
-                <a:latin typeface="Candara" panose="020E0502030303020204" pitchFamily="34" charset="0"/>
-              </a:rPr>
-              <a:t>Forecasts are always inexact, but cost-benefit studies can provide a false sense of precision to decision-makers</a:t>
-            </a:r>
-            <a:endParaRPr lang="en-GB" sz="2400" dirty="0">
-              <a:latin typeface="Candara" panose="020E0502030303020204" pitchFamily="34" charset="0"/>
-            </a:endParaRPr>
-          </a:p>
-          <a:p>
-            <a:pPr marL="59455" indent="-222341" defTabSz="340923">
-              <a:spcBef>
-                <a:spcPts val="914"/>
-              </a:spcBef>
-              <a:defRPr sz="2988"/>
-            </a:pPr>
-            <a:r>
-              <a:rPr dirty="0">
-                <a:latin typeface="Candara" panose="020E0502030303020204" pitchFamily="34" charset="0"/>
-              </a:rPr>
-              <a:t>Valuation errors</a:t>
-            </a:r>
-          </a:p>
-          <a:p>
-            <a:pPr marL="459505" lvl="1" indent="-222341" defTabSz="340923">
-              <a:spcBef>
-                <a:spcPts val="914"/>
-              </a:spcBef>
-              <a:defRPr sz="2988"/>
-            </a:pPr>
-            <a:r>
-              <a:rPr sz="2400" dirty="0">
-                <a:latin typeface="Candara" panose="020E0502030303020204" pitchFamily="34" charset="0"/>
-              </a:rPr>
-              <a:t>Some impacts are difficult or expensive to value</a:t>
-            </a:r>
-          </a:p>
-          <a:p>
-            <a:pPr marL="222341" indent="-222341" defTabSz="340923">
-              <a:spcBef>
-                <a:spcPts val="914"/>
-              </a:spcBef>
-              <a:defRPr sz="4980"/>
-            </a:pPr>
-            <a:r>
-              <a:rPr sz="2400" dirty="0">
-                <a:latin typeface="Candara" panose="020E0502030303020204" pitchFamily="34" charset="0"/>
-              </a:rPr>
-              <a:t>Strategic errors</a:t>
-            </a:r>
-          </a:p>
-          <a:p>
-            <a:pPr marL="459505" lvl="1" indent="-222341" defTabSz="340923">
-              <a:spcBef>
-                <a:spcPts val="914"/>
-              </a:spcBef>
-              <a:defRPr sz="2988"/>
-            </a:pPr>
-            <a:r>
-              <a:rPr sz="2400" dirty="0">
-                <a:latin typeface="Candara" panose="020E0502030303020204" pitchFamily="34" charset="0"/>
-              </a:rPr>
-              <a:t>Bad studies by </a:t>
-            </a:r>
-            <a:br>
-              <a:rPr sz="2400" dirty="0">
-                <a:latin typeface="Candara" panose="020E0502030303020204" pitchFamily="34" charset="0"/>
-              </a:rPr>
-            </a:br>
-            <a:r>
-              <a:rPr sz="2400" dirty="0">
-                <a:latin typeface="Candara" panose="020E0502030303020204" pitchFamily="34" charset="0"/>
-              </a:rPr>
-              <a:t>‘economists for hire’</a:t>
-            </a:r>
-          </a:p>
-          <a:p>
-            <a:pPr marL="652201" lvl="2" indent="-177873" defTabSz="340923">
-              <a:spcBef>
-                <a:spcPts val="914"/>
-              </a:spcBef>
-              <a:defRPr sz="2656"/>
-            </a:pPr>
-            <a:r>
-              <a:rPr dirty="0">
-                <a:latin typeface="Candara" panose="020E0502030303020204" pitchFamily="34" charset="0"/>
-              </a:rPr>
-              <a:t>Pressure to generate numbers to support preferred options — inflate benefits and downplay costs</a:t>
-            </a:r>
-          </a:p>
-          <a:p>
-            <a:pPr marL="652201" lvl="2" indent="-177873" defTabSz="340923">
-              <a:spcBef>
-                <a:spcPts val="914"/>
-              </a:spcBef>
-              <a:defRPr sz="2656"/>
-            </a:pPr>
-            <a:r>
-              <a:rPr dirty="0">
-                <a:latin typeface="Candara" panose="020E0502030303020204" pitchFamily="34" charset="0"/>
-              </a:rPr>
-              <a:t>Decision may have been made already!</a:t>
-            </a:r>
-            <a:br>
-              <a:rPr dirty="0">
-                <a:latin typeface="Candara" panose="020E0502030303020204" pitchFamily="34" charset="0"/>
-              </a:rPr>
-            </a:br>
-            <a:endParaRPr dirty="0">
-              <a:latin typeface="Candara" panose="020E0502030303020204" pitchFamily="34" charset="0"/>
-            </a:endParaRPr>
-          </a:p>
-        </p:txBody>
-      </p:sp>
-    </p:spTree>
-    <p:extLst>
-      <p:ext uri="{BB962C8B-B14F-4D97-AF65-F5344CB8AC3E}">
-        <p14:creationId xmlns:p14="http://schemas.microsoft.com/office/powerpoint/2010/main" val="167386229"/>
-      </p:ext>
-    </p:extLst>
-  </p:cSld>
-  <p:clrMapOvr>
-    <a:masterClrMapping/>
-  </p:clrMapOvr>
-  <p:transition spd="med"/>
-</p:sld>
-</file>
-
-<file path=ppt/slides/slide43.xml><?xml version="1.0" encoding="utf-8"?>
-<p:sld xmlns:a="http://schemas.openxmlformats.org/drawingml/2006/main" xmlns:r="http://schemas.openxmlformats.org/officeDocument/2006/relationships" xmlns:p="http://schemas.openxmlformats.org/presentationml/2006/main">
-  <p:cSld>
-    <p:spTree>
-      <p:nvGrpSpPr>
-        <p:cNvPr id="1" name=""/>
-        <p:cNvGrpSpPr/>
-        <p:nvPr/>
-      </p:nvGrpSpPr>
-      <p:grpSpPr>
-        <a:xfrm>
-          <a:off x="0" y="0"/>
-          <a:ext cx="0" cy="0"/>
-          <a:chOff x="0" y="0"/>
-          <a:chExt cx="0" cy="0"/>
-        </a:xfrm>
-      </p:grpSpPr>
-      <p:sp>
-        <p:nvSpPr>
           <p:cNvPr id="423" name="Step 10: make a recommendation"/>
           <p:cNvSpPr txBox="1">
             <a:spLocks noGrp="1"/>
@@ -16133,428 +17034,6 @@
     <a:masterClrMapping/>
   </p:clrMapOvr>
   <p:transition spd="med"/>
-</p:sld>
-</file>
-
-<file path=ppt/slides/slide44.xml><?xml version="1.0" encoding="utf-8"?>
-<p:sld xmlns:a="http://schemas.openxmlformats.org/drawingml/2006/main" xmlns:r="http://schemas.openxmlformats.org/officeDocument/2006/relationships" xmlns:p="http://schemas.openxmlformats.org/presentationml/2006/main">
-  <p:cSld>
-    <p:spTree>
-      <p:nvGrpSpPr>
-        <p:cNvPr id="1" name=""/>
-        <p:cNvGrpSpPr/>
-        <p:nvPr/>
-      </p:nvGrpSpPr>
-      <p:grpSpPr>
-        <a:xfrm>
-          <a:off x="0" y="0"/>
-          <a:ext cx="0" cy="0"/>
-          <a:chOff x="0" y="0"/>
-          <a:chExt cx="0" cy="0"/>
-        </a:xfrm>
-      </p:grpSpPr>
-      <p:sp>
-        <p:nvSpPr>
-          <p:cNvPr id="428" name="And the super sewer?"/>
-          <p:cNvSpPr txBox="1">
-            <a:spLocks noGrp="1"/>
-          </p:cNvSpPr>
-          <p:nvPr>
-            <p:ph type="title"/>
-          </p:nvPr>
-        </p:nvSpPr>
-        <p:spPr>
-          <a:xfrm>
-            <a:off x="762000" y="0"/>
-            <a:ext cx="7772400" cy="1143000"/>
-          </a:xfrm>
-          <a:prstGeom prst="rect">
-            <a:avLst/>
-          </a:prstGeom>
-        </p:spPr>
-        <p:txBody>
-          <a:bodyPr/>
-          <a:lstStyle/>
-          <a:p>
-            <a:r>
-              <a:rPr sz="3600" dirty="0">
-                <a:latin typeface="Candara" panose="020E0502030303020204" pitchFamily="34" charset="0"/>
-              </a:rPr>
-              <a:t>And the super sewer?</a:t>
-            </a:r>
-          </a:p>
-        </p:txBody>
-      </p:sp>
-      <p:sp>
-        <p:nvSpPr>
-          <p:cNvPr id="429" name="OFWAT rejected Thames Water’s original proposal to increase average bills by £85/year…"/>
-          <p:cNvSpPr txBox="1">
-            <a:spLocks noGrp="1"/>
-          </p:cNvSpPr>
-          <p:nvPr>
-            <p:ph type="body" idx="1"/>
-          </p:nvPr>
-        </p:nvSpPr>
-        <p:spPr>
-          <a:xfrm>
-            <a:off x="571501" y="1143000"/>
-            <a:ext cx="8267700" cy="5143500"/>
-          </a:xfrm>
-          <a:prstGeom prst="rect">
-            <a:avLst/>
-          </a:prstGeom>
-        </p:spPr>
-        <p:txBody>
-          <a:bodyPr/>
-          <a:lstStyle/>
-          <a:p>
-            <a:pPr marL="401822" indent="-401822" defTabSz="369675">
-              <a:spcBef>
-                <a:spcPts val="984"/>
-              </a:spcBef>
-              <a:defRPr sz="5400"/>
-            </a:pPr>
-            <a:r>
-              <a:rPr sz="2800" dirty="0">
-                <a:latin typeface="Candara" panose="020E0502030303020204" pitchFamily="34" charset="0"/>
-              </a:rPr>
-              <a:t>OFWAT rejected Thames Water’s original proposal to increase average bills by £85/year</a:t>
-            </a:r>
-          </a:p>
-          <a:p>
-            <a:pPr marL="401822" indent="-401822" defTabSz="369675">
-              <a:spcBef>
-                <a:spcPts val="984"/>
-              </a:spcBef>
-              <a:defRPr sz="5400"/>
-            </a:pPr>
-            <a:r>
-              <a:rPr sz="2800" dirty="0">
-                <a:latin typeface="Candara" panose="020E0502030303020204" pitchFamily="34" charset="0"/>
-              </a:rPr>
-              <a:t>CBA repeated 4 years later</a:t>
-            </a:r>
-            <a:endParaRPr lang="en-GB" sz="2800" dirty="0">
-              <a:latin typeface="Candara" panose="020E0502030303020204" pitchFamily="34" charset="0"/>
-            </a:endParaRPr>
-          </a:p>
-          <a:p>
-            <a:pPr marL="801872" lvl="1" indent="-401822" defTabSz="369675">
-              <a:spcBef>
-                <a:spcPts val="984"/>
-              </a:spcBef>
-              <a:defRPr sz="5400"/>
-            </a:pPr>
-            <a:r>
-              <a:rPr sz="2400" dirty="0">
-                <a:latin typeface="Candara" panose="020E0502030303020204" pitchFamily="34" charset="0"/>
-              </a:rPr>
-              <a:t>NPV remains positive </a:t>
-            </a:r>
-            <a:r>
-              <a:rPr sz="2400" i="1" dirty="0">
-                <a:latin typeface="Candara" panose="020E0502030303020204" pitchFamily="34" charset="0"/>
-              </a:rPr>
-              <a:t>if</a:t>
-            </a:r>
-            <a:r>
-              <a:rPr sz="2400" dirty="0">
-                <a:latin typeface="Candara" panose="020E0502030303020204" pitchFamily="34" charset="0"/>
-              </a:rPr>
-              <a:t> benefits outside Thames area included</a:t>
-            </a:r>
-          </a:p>
-          <a:p>
-            <a:pPr marL="401822" indent="-401822" defTabSz="369675">
-              <a:spcBef>
-                <a:spcPts val="984"/>
-              </a:spcBef>
-              <a:defRPr sz="5400"/>
-            </a:pPr>
-            <a:r>
-              <a:rPr sz="2800" dirty="0">
-                <a:latin typeface="Candara" panose="020E0502030303020204" pitchFamily="34" charset="0"/>
-              </a:rPr>
-              <a:t>Construction has started, due for completion by 2023</a:t>
-            </a:r>
-          </a:p>
-          <a:p>
-            <a:pPr marL="731315" lvl="1" indent="-216983" defTabSz="369675">
-              <a:spcBef>
-                <a:spcPts val="984"/>
-              </a:spcBef>
-              <a:defRPr sz="3239"/>
-            </a:pPr>
-            <a:r>
-              <a:rPr dirty="0">
-                <a:latin typeface="Candara" panose="020E0502030303020204" pitchFamily="34" charset="0"/>
-              </a:rPr>
-              <a:t>www.tideway.london</a:t>
-            </a:r>
-          </a:p>
-        </p:txBody>
-      </p:sp>
-    </p:spTree>
-    <p:extLst>
-      <p:ext uri="{BB962C8B-B14F-4D97-AF65-F5344CB8AC3E}">
-        <p14:creationId xmlns:p14="http://schemas.microsoft.com/office/powerpoint/2010/main" val="1731415837"/>
-      </p:ext>
-    </p:extLst>
-  </p:cSld>
-  <p:clrMapOvr>
-    <a:masterClrMapping/>
-  </p:clrMapOvr>
-  <p:transition spd="med"/>
-</p:sld>
-</file>
-
-<file path=ppt/slides/slide45.xml><?xml version="1.0" encoding="utf-8"?>
-<p:sld xmlns:a="http://schemas.openxmlformats.org/drawingml/2006/main" xmlns:r="http://schemas.openxmlformats.org/officeDocument/2006/relationships" xmlns:p="http://schemas.openxmlformats.org/presentationml/2006/main">
-  <p:cSld>
-    <p:spTree>
-      <p:nvGrpSpPr>
-        <p:cNvPr id="1" name=""/>
-        <p:cNvGrpSpPr/>
-        <p:nvPr/>
-      </p:nvGrpSpPr>
-      <p:grpSpPr>
-        <a:xfrm>
-          <a:off x="0" y="0"/>
-          <a:ext cx="0" cy="0"/>
-          <a:chOff x="0" y="0"/>
-          <a:chExt cx="0" cy="0"/>
-        </a:xfrm>
-      </p:grpSpPr>
-      <p:sp>
-        <p:nvSpPr>
-          <p:cNvPr id="2" name="Title 1"/>
-          <p:cNvSpPr>
-            <a:spLocks noGrp="1"/>
-          </p:cNvSpPr>
-          <p:nvPr>
-            <p:ph type="title"/>
-          </p:nvPr>
-        </p:nvSpPr>
-        <p:spPr>
-          <a:xfrm>
-            <a:off x="488414" y="128833"/>
-            <a:ext cx="8229600" cy="1143000"/>
-          </a:xfrm>
-        </p:spPr>
-        <p:txBody>
-          <a:bodyPr/>
-          <a:lstStyle/>
-          <a:p>
-            <a:r>
-              <a:rPr lang="en-GB" sz="3600" dirty="0">
-                <a:latin typeface="Candara" panose="020E0502030303020204" pitchFamily="34" charset="0"/>
-              </a:rPr>
-              <a:t>CBA: concluding remarks</a:t>
-            </a:r>
-          </a:p>
-        </p:txBody>
-      </p:sp>
-      <p:sp>
-        <p:nvSpPr>
-          <p:cNvPr id="3" name="Text Placeholder 2"/>
-          <p:cNvSpPr>
-            <a:spLocks noGrp="1"/>
-          </p:cNvSpPr>
-          <p:nvPr>
-            <p:ph type="body" idx="1"/>
-          </p:nvPr>
-        </p:nvSpPr>
-        <p:spPr>
-          <a:xfrm>
-            <a:off x="482906" y="1011928"/>
-            <a:ext cx="4040188" cy="639762"/>
-          </a:xfrm>
-        </p:spPr>
-        <p:txBody>
-          <a:bodyPr/>
-          <a:lstStyle/>
-          <a:p>
-            <a:r>
-              <a:rPr lang="en-GB" sz="2800" dirty="0">
-                <a:latin typeface="Candara" panose="020E0502030303020204" pitchFamily="34" charset="0"/>
-              </a:rPr>
-              <a:t>Disadvantages</a:t>
-            </a:r>
-          </a:p>
-        </p:txBody>
-      </p:sp>
-      <p:sp>
-        <p:nvSpPr>
-          <p:cNvPr id="11" name="Content Placeholder 10"/>
-          <p:cNvSpPr>
-            <a:spLocks noGrp="1"/>
-          </p:cNvSpPr>
-          <p:nvPr>
-            <p:ph sz="half" idx="2"/>
-          </p:nvPr>
-        </p:nvSpPr>
-        <p:spPr>
-          <a:xfrm>
-            <a:off x="304800" y="1828800"/>
-            <a:ext cx="4218294" cy="3951288"/>
-          </a:xfrm>
-        </p:spPr>
-        <p:txBody>
-          <a:bodyPr/>
-          <a:lstStyle/>
-          <a:p>
-            <a:r>
-              <a:rPr lang="en-GB" dirty="0">
-                <a:latin typeface="Candara" panose="020E0502030303020204" pitchFamily="34" charset="0"/>
-              </a:rPr>
-              <a:t>Nature is special, democracy trumps technocracy, etc. </a:t>
-            </a:r>
-          </a:p>
-          <a:p>
-            <a:r>
-              <a:rPr lang="en-GB" dirty="0">
-                <a:latin typeface="Candara" panose="020E0502030303020204" pitchFamily="34" charset="0"/>
-              </a:rPr>
-              <a:t>Complex decisions can’t be reduced to a single number</a:t>
-            </a:r>
-          </a:p>
-          <a:p>
-            <a:r>
-              <a:rPr lang="en-GB" dirty="0">
-                <a:latin typeface="Candara" panose="020E0502030303020204" pitchFamily="34" charset="0"/>
-              </a:rPr>
-              <a:t>Distribution more important than efficiency</a:t>
-            </a:r>
-          </a:p>
-          <a:p>
-            <a:r>
-              <a:rPr lang="en-GB" dirty="0">
-                <a:latin typeface="Candara" panose="020E0502030303020204" pitchFamily="34" charset="0"/>
-              </a:rPr>
-              <a:t>Estimates are too imprecise to be useful</a:t>
-            </a:r>
-          </a:p>
-          <a:p>
-            <a:r>
-              <a:rPr lang="en-GB" dirty="0">
-                <a:latin typeface="Candara" panose="020E0502030303020204" pitchFamily="34" charset="0"/>
-              </a:rPr>
-              <a:t>Complex procedures are subject to error and manipulation</a:t>
-            </a:r>
-          </a:p>
-        </p:txBody>
-      </p:sp>
-      <p:sp>
-        <p:nvSpPr>
-          <p:cNvPr id="5" name="Text Placeholder 4"/>
-          <p:cNvSpPr>
-            <a:spLocks noGrp="1"/>
-          </p:cNvSpPr>
-          <p:nvPr>
-            <p:ph type="body" sz="quarter" idx="3"/>
-          </p:nvPr>
-        </p:nvSpPr>
-        <p:spPr>
-          <a:xfrm>
-            <a:off x="4645025" y="1011928"/>
-            <a:ext cx="4041775" cy="639762"/>
-          </a:xfrm>
-        </p:spPr>
-        <p:txBody>
-          <a:bodyPr/>
-          <a:lstStyle/>
-          <a:p>
-            <a:r>
-              <a:rPr lang="en-GB" sz="2800" dirty="0">
-                <a:latin typeface="Candara" panose="020E0502030303020204" pitchFamily="34" charset="0"/>
-              </a:rPr>
-              <a:t>Advantages</a:t>
-            </a:r>
-          </a:p>
-        </p:txBody>
-      </p:sp>
-      <p:sp>
-        <p:nvSpPr>
-          <p:cNvPr id="6" name="Content Placeholder 5"/>
-          <p:cNvSpPr>
-            <a:spLocks noGrp="1"/>
-          </p:cNvSpPr>
-          <p:nvPr>
-            <p:ph sz="quarter" idx="4"/>
-          </p:nvPr>
-        </p:nvSpPr>
-        <p:spPr>
-          <a:xfrm>
-            <a:off x="4645024" y="1828800"/>
-            <a:ext cx="4194176" cy="3951288"/>
-          </a:xfrm>
-        </p:spPr>
-        <p:txBody>
-          <a:bodyPr/>
-          <a:lstStyle/>
-          <a:p>
-            <a:r>
-              <a:rPr lang="en-GB" dirty="0">
-                <a:latin typeface="Candara" panose="020E0502030303020204" pitchFamily="34" charset="0"/>
-              </a:rPr>
-              <a:t>Transparent, accountable, consistent framework for evaluating policy</a:t>
-            </a:r>
-          </a:p>
-          <a:p>
-            <a:pPr lvl="1"/>
-            <a:r>
-              <a:rPr lang="en-GB" sz="2400" dirty="0">
-                <a:latin typeface="Candara" panose="020E0502030303020204" pitchFamily="34" charset="0"/>
-              </a:rPr>
-              <a:t>Transparent if you’re an economist, anyway</a:t>
-            </a:r>
-          </a:p>
-          <a:p>
-            <a:r>
-              <a:rPr lang="en-GB" dirty="0">
-                <a:latin typeface="Candara" panose="020E0502030303020204" pitchFamily="34" charset="0"/>
-              </a:rPr>
-              <a:t>Promotes rationality and efficiency</a:t>
-            </a:r>
-          </a:p>
-          <a:p>
-            <a:pPr lvl="1"/>
-            <a:r>
-              <a:rPr lang="en-GB" sz="2400" dirty="0">
-                <a:latin typeface="Candara" panose="020E0502030303020204" pitchFamily="34" charset="0"/>
-              </a:rPr>
-              <a:t>A larger pie</a:t>
-            </a:r>
-          </a:p>
-          <a:p>
-            <a:r>
-              <a:rPr lang="en-GB" dirty="0">
-                <a:latin typeface="Candara" panose="020E0502030303020204" pitchFamily="34" charset="0"/>
-              </a:rPr>
-              <a:t>Can provide powerful arguments for conservation</a:t>
-            </a:r>
-          </a:p>
-          <a:p>
-            <a:pPr lvl="1"/>
-            <a:r>
-              <a:rPr lang="en-GB" sz="2400" dirty="0">
-                <a:latin typeface="Candara" panose="020E0502030303020204" pitchFamily="34" charset="0"/>
-              </a:rPr>
-              <a:t>Or not …</a:t>
-            </a:r>
-          </a:p>
-        </p:txBody>
-      </p:sp>
-    </p:spTree>
-    <p:extLst>
-      <p:ext uri="{BB962C8B-B14F-4D97-AF65-F5344CB8AC3E}">
-        <p14:creationId xmlns:p14="http://schemas.microsoft.com/office/powerpoint/2010/main" val="3186742076"/>
-      </p:ext>
-    </p:extLst>
-  </p:cSld>
-  <p:clrMapOvr>
-    <a:masterClrMapping/>
-  </p:clrMapOvr>
 </p:sld>
 </file>
 
@@ -16577,179 +17056,521 @@
       </p:grpSpPr>
       <p:sp>
         <p:nvSpPr>
-          <p:cNvPr id="2051" name="Rectangle 3"/>
-          <p:cNvSpPr>
-            <a:spLocks noGrp="1" noChangeArrowheads="1"/>
+          <p:cNvPr id="255" name="“The true rule in determining to embrace or reject anything is not whether it have any evil in it; but whether it have more of evil than of good.”  — Abraham Lincoln"/>
+          <p:cNvSpPr txBox="1">
+            <a:spLocks noGrp="1"/>
           </p:cNvSpPr>
           <p:nvPr>
-            <p:ph type="body" idx="1"/>
+            <p:ph type="body" sz="half" idx="1"/>
           </p:nvPr>
         </p:nvSpPr>
         <p:spPr>
           <a:xfrm>
-            <a:off x="228600" y="457200"/>
-            <a:ext cx="8534400" cy="4114800"/>
+            <a:off x="457200" y="1101727"/>
+            <a:ext cx="6172200" cy="5143500"/>
           </a:xfrm>
+          <a:prstGeom prst="rect">
+            <a:avLst/>
+          </a:prstGeom>
         </p:spPr>
         <p:txBody>
           <a:bodyPr/>
           <a:lstStyle/>
           <a:p>
-            <a:pPr>
-              <a:lnSpc>
-                <a:spcPct val="90000"/>
-              </a:lnSpc>
+            <a:pPr marL="0" indent="0" defTabSz="373783">
               <a:spcBef>
-                <a:spcPts val="0"/>
+                <a:spcPts val="984"/>
               </a:spcBef>
-              <a:buFontTx/>
               <a:buNone/>
-            </a:pPr>
-            <a:endParaRPr lang="de-DE" sz="2800" dirty="0">
-              <a:latin typeface="Comic Sans MS" pitchFamily="66" charset="0"/>
-            </a:endParaRPr>
-          </a:p>
-          <a:p>
-            <a:pPr>
-              <a:lnSpc>
-                <a:spcPct val="90000"/>
-              </a:lnSpc>
-              <a:spcBef>
-                <a:spcPts val="0"/>
-              </a:spcBef>
-              <a:buFontTx/>
-              <a:buNone/>
-            </a:pPr>
-            <a:endParaRPr lang="de-DE" sz="2800" dirty="0">
-              <a:latin typeface="Comic Sans MS" pitchFamily="66" charset="0"/>
-            </a:endParaRPr>
-          </a:p>
-          <a:p>
-            <a:pPr>
-              <a:lnSpc>
-                <a:spcPct val="90000"/>
-              </a:lnSpc>
-              <a:spcBef>
-                <a:spcPts val="0"/>
-              </a:spcBef>
-              <a:buFontTx/>
-              <a:buNone/>
-            </a:pPr>
-            <a:endParaRPr lang="de-DE" sz="2800" dirty="0">
-              <a:latin typeface="Comic Sans MS" pitchFamily="66" charset="0"/>
-            </a:endParaRPr>
-          </a:p>
-          <a:p>
-            <a:pPr>
-              <a:lnSpc>
-                <a:spcPct val="90000"/>
-              </a:lnSpc>
-              <a:spcBef>
-                <a:spcPts val="0"/>
-              </a:spcBef>
-              <a:buFontTx/>
-              <a:buNone/>
-            </a:pPr>
-            <a:endParaRPr lang="de-DE" sz="2800" dirty="0">
-              <a:latin typeface="Comic Sans MS" pitchFamily="66" charset="0"/>
-            </a:endParaRPr>
-          </a:p>
-          <a:p>
-            <a:pPr>
-              <a:lnSpc>
-                <a:spcPct val="90000"/>
-              </a:lnSpc>
-              <a:spcBef>
-                <a:spcPts val="0"/>
-              </a:spcBef>
-              <a:buFontTx/>
-              <a:buNone/>
-            </a:pPr>
-            <a:r>
-              <a:rPr lang="de-DE" sz="2800" dirty="0">
-                <a:latin typeface="Candara" panose="020E0502030303020204" pitchFamily="34" charset="0"/>
-              </a:rPr>
-              <a:t>Every upside has its downside</a:t>
-            </a:r>
-          </a:p>
-          <a:p>
-            <a:pPr>
-              <a:lnSpc>
-                <a:spcPct val="90000"/>
-              </a:lnSpc>
-              <a:spcBef>
-                <a:spcPts val="0"/>
-              </a:spcBef>
-              <a:buFontTx/>
-              <a:buNone/>
-            </a:pPr>
-            <a:endParaRPr lang="de-DE" sz="2800" dirty="0">
-              <a:latin typeface="Candara" panose="020E0502030303020204" pitchFamily="34" charset="0"/>
-            </a:endParaRPr>
-          </a:p>
-          <a:p>
-            <a:pPr>
-              <a:lnSpc>
-                <a:spcPct val="90000"/>
-              </a:lnSpc>
-              <a:spcBef>
-                <a:spcPts val="0"/>
-              </a:spcBef>
-              <a:buFontTx/>
-              <a:buNone/>
-            </a:pPr>
-            <a:endParaRPr lang="de-DE" sz="2800" dirty="0">
-              <a:latin typeface="Candara" panose="020E0502030303020204" pitchFamily="34" charset="0"/>
-            </a:endParaRPr>
-          </a:p>
-          <a:p>
-            <a:pPr>
-              <a:lnSpc>
-                <a:spcPct val="90000"/>
-              </a:lnSpc>
-              <a:spcBef>
-                <a:spcPts val="0"/>
-              </a:spcBef>
-              <a:buFontTx/>
-              <a:buNone/>
-            </a:pPr>
-            <a:r>
-              <a:rPr lang="de-DE" sz="2800" dirty="0">
-                <a:latin typeface="Candara" panose="020E0502030303020204" pitchFamily="34" charset="0"/>
-              </a:rPr>
-              <a:t>				Johan Cruyff</a:t>
-            </a:r>
-            <a:endParaRPr lang="en-GB" sz="2800" dirty="0">
-              <a:latin typeface="Candara" panose="020E0502030303020204" pitchFamily="34" charset="0"/>
-            </a:endParaRPr>
+              <a:defRPr sz="5460"/>
+            </a:pPr>
+            <a:r>
+              <a:rPr sz="2800" dirty="0">
+                <a:latin typeface="Candara" panose="020E0502030303020204" pitchFamily="34" charset="0"/>
+              </a:rPr>
+              <a:t>The true rule in determining to embrace or reject anything is not whether it have any evil in it; but whether it have more of evil than of good.</a:t>
+            </a:r>
+            <a:br>
+              <a:rPr sz="2800" dirty="0">
+                <a:latin typeface="Candara" panose="020E0502030303020204" pitchFamily="34" charset="0"/>
+              </a:rPr>
+            </a:br>
+            <a:br>
+              <a:rPr sz="2800" dirty="0">
+                <a:latin typeface="Candara" panose="020E0502030303020204" pitchFamily="34" charset="0"/>
+              </a:rPr>
+            </a:br>
+            <a:r>
+              <a:rPr lang="en-GB" sz="2800" dirty="0">
+                <a:latin typeface="Candara" panose="020E0502030303020204" pitchFamily="34" charset="0"/>
+              </a:rPr>
+              <a:t>					  				</a:t>
+            </a:r>
+            <a:r>
+              <a:rPr sz="2800" dirty="0">
+                <a:latin typeface="Candara" panose="020E0502030303020204" pitchFamily="34" charset="0"/>
+              </a:rPr>
+              <a:t>Abraham Lincoln</a:t>
+            </a:r>
           </a:p>
         </p:txBody>
       </p:sp>
       <p:pic>
         <p:nvPicPr>
-          <p:cNvPr id="4" name="Picture 3" descr="cruyffajaz.jpg"/>
+          <p:cNvPr id="256" name="abraham-lincoln.jpg" descr="abraham-lincoln.jpg"/>
           <p:cNvPicPr>
             <a:picLocks noChangeAspect="1"/>
           </p:cNvPicPr>
           <p:nvPr/>
         </p:nvPicPr>
         <p:blipFill>
-          <a:blip r:embed="rId3" cstate="print"/>
+          <a:blip r:embed="rId3"/>
           <a:stretch>
             <a:fillRect/>
           </a:stretch>
         </p:blipFill>
         <p:spPr>
           <a:xfrm>
-            <a:off x="5334000" y="152400"/>
-            <a:ext cx="3657600" cy="3425952"/>
+            <a:off x="6858000" y="76200"/>
+            <a:ext cx="2181821" cy="3597277"/>
           </a:xfrm>
           <a:prstGeom prst="rect">
             <a:avLst/>
           </a:prstGeom>
+          <a:ln w="12700">
+            <a:miter lim="400000"/>
+          </a:ln>
         </p:spPr>
       </p:pic>
     </p:spTree>
+    <p:extLst>
+      <p:ext uri="{BB962C8B-B14F-4D97-AF65-F5344CB8AC3E}">
+        <p14:creationId xmlns:p14="http://schemas.microsoft.com/office/powerpoint/2010/main" val="2872554945"/>
+      </p:ext>
+    </p:extLst>
+  </p:cSld>
+  <p:clrMapOvr>
+    <a:masterClrMapping/>
+  </p:clrMapOvr>
+  <p:transition spd="med"/>
+</p:sld>
+</file>
+
+<file path=ppt/slides/slide50.xml><?xml version="1.0" encoding="utf-8"?>
+<p:sld xmlns:a="http://schemas.openxmlformats.org/drawingml/2006/main" xmlns:r="http://schemas.openxmlformats.org/officeDocument/2006/relationships" xmlns:p="http://schemas.openxmlformats.org/presentationml/2006/main">
+  <p:cSld>
+    <p:spTree>
+      <p:nvGrpSpPr>
+        <p:cNvPr id="1" name=""/>
+        <p:cNvGrpSpPr/>
+        <p:nvPr/>
+      </p:nvGrpSpPr>
+      <p:grpSpPr>
+        <a:xfrm>
+          <a:off x="0" y="0"/>
+          <a:ext cx="0" cy="0"/>
+          <a:chOff x="0" y="0"/>
+          <a:chExt cx="0" cy="0"/>
+        </a:xfrm>
+      </p:grpSpPr>
+      <p:sp>
+        <p:nvSpPr>
+          <p:cNvPr id="428" name="And the super sewer?"/>
+          <p:cNvSpPr txBox="1">
+            <a:spLocks noGrp="1"/>
+          </p:cNvSpPr>
+          <p:nvPr>
+            <p:ph type="title"/>
+          </p:nvPr>
+        </p:nvSpPr>
+        <p:spPr>
+          <a:xfrm>
+            <a:off x="762000" y="0"/>
+            <a:ext cx="7772400" cy="1143000"/>
+          </a:xfrm>
+          <a:prstGeom prst="rect">
+            <a:avLst/>
+          </a:prstGeom>
+        </p:spPr>
+        <p:txBody>
+          <a:bodyPr/>
+          <a:lstStyle/>
+          <a:p>
+            <a:r>
+              <a:rPr sz="3600" dirty="0">
+                <a:latin typeface="Candara" panose="020E0502030303020204" pitchFamily="34" charset="0"/>
+              </a:rPr>
+              <a:t>And the super sewer?</a:t>
+            </a:r>
+          </a:p>
+        </p:txBody>
+      </p:sp>
+      <p:sp>
+        <p:nvSpPr>
+          <p:cNvPr id="429" name="OFWAT rejected Thames Water’s original proposal to increase average bills by £85/year…"/>
+          <p:cNvSpPr txBox="1">
+            <a:spLocks noGrp="1"/>
+          </p:cNvSpPr>
+          <p:nvPr>
+            <p:ph type="body" idx="1"/>
+          </p:nvPr>
+        </p:nvSpPr>
+        <p:spPr>
+          <a:xfrm>
+            <a:off x="571501" y="1143000"/>
+            <a:ext cx="8267700" cy="5143500"/>
+          </a:xfrm>
+          <a:prstGeom prst="rect">
+            <a:avLst/>
+          </a:prstGeom>
+        </p:spPr>
+        <p:txBody>
+          <a:bodyPr/>
+          <a:lstStyle/>
+          <a:p>
+            <a:pPr marL="401822" indent="-401822" defTabSz="369675">
+              <a:spcBef>
+                <a:spcPts val="984"/>
+              </a:spcBef>
+              <a:defRPr sz="5400"/>
+            </a:pPr>
+            <a:r>
+              <a:rPr sz="2800" dirty="0">
+                <a:latin typeface="Candara" panose="020E0502030303020204" pitchFamily="34" charset="0"/>
+              </a:rPr>
+              <a:t>OFWAT rejected Thames Water’s original proposal to increase average bills by £85/year</a:t>
+            </a:r>
+          </a:p>
+          <a:p>
+            <a:pPr marL="401822" indent="-401822" defTabSz="369675">
+              <a:spcBef>
+                <a:spcPts val="984"/>
+              </a:spcBef>
+              <a:defRPr sz="5400"/>
+            </a:pPr>
+            <a:r>
+              <a:rPr sz="2800" dirty="0">
+                <a:latin typeface="Candara" panose="020E0502030303020204" pitchFamily="34" charset="0"/>
+              </a:rPr>
+              <a:t>CBA repeated 4 years later</a:t>
+            </a:r>
+            <a:endParaRPr lang="en-GB" sz="2800" dirty="0">
+              <a:latin typeface="Candara" panose="020E0502030303020204" pitchFamily="34" charset="0"/>
+            </a:endParaRPr>
+          </a:p>
+          <a:p>
+            <a:pPr marL="801872" lvl="1" indent="-401822" defTabSz="369675">
+              <a:spcBef>
+                <a:spcPts val="984"/>
+              </a:spcBef>
+              <a:defRPr sz="5400"/>
+            </a:pPr>
+            <a:r>
+              <a:rPr sz="2400" dirty="0">
+                <a:latin typeface="Candara" panose="020E0502030303020204" pitchFamily="34" charset="0"/>
+              </a:rPr>
+              <a:t>NPV remains positive </a:t>
+            </a:r>
+            <a:r>
+              <a:rPr sz="2400" i="1" dirty="0">
+                <a:latin typeface="Candara" panose="020E0502030303020204" pitchFamily="34" charset="0"/>
+              </a:rPr>
+              <a:t>if</a:t>
+            </a:r>
+            <a:r>
+              <a:rPr sz="2400" dirty="0">
+                <a:latin typeface="Candara" panose="020E0502030303020204" pitchFamily="34" charset="0"/>
+              </a:rPr>
+              <a:t> benefits outside Thames area included</a:t>
+            </a:r>
+          </a:p>
+          <a:p>
+            <a:pPr marL="401822" indent="-401822" defTabSz="369675">
+              <a:spcBef>
+                <a:spcPts val="984"/>
+              </a:spcBef>
+              <a:defRPr sz="5400"/>
+            </a:pPr>
+            <a:r>
+              <a:rPr sz="2800" dirty="0">
+                <a:latin typeface="Candara" panose="020E0502030303020204" pitchFamily="34" charset="0"/>
+              </a:rPr>
+              <a:t>Construction has started, due for completion by 2023</a:t>
+            </a:r>
+          </a:p>
+          <a:p>
+            <a:pPr marL="731315" lvl="1" indent="-216983" defTabSz="369675">
+              <a:spcBef>
+                <a:spcPts val="984"/>
+              </a:spcBef>
+              <a:defRPr sz="3239"/>
+            </a:pPr>
+            <a:r>
+              <a:rPr dirty="0">
+                <a:latin typeface="Candara" panose="020E0502030303020204" pitchFamily="34" charset="0"/>
+              </a:rPr>
+              <a:t>www.tideway.london</a:t>
+            </a:r>
+          </a:p>
+        </p:txBody>
+      </p:sp>
+    </p:spTree>
+    <p:extLst>
+      <p:ext uri="{BB962C8B-B14F-4D97-AF65-F5344CB8AC3E}">
+        <p14:creationId xmlns:p14="http://schemas.microsoft.com/office/powerpoint/2010/main" val="1731415837"/>
+      </p:ext>
+    </p:extLst>
+  </p:cSld>
+  <p:clrMapOvr>
+    <a:masterClrMapping/>
+  </p:clrMapOvr>
+  <p:transition spd="med"/>
+</p:sld>
+</file>
+
+<file path=ppt/slides/slide51.xml><?xml version="1.0" encoding="utf-8"?>
+<p:sld xmlns:a="http://schemas.openxmlformats.org/drawingml/2006/main" xmlns:r="http://schemas.openxmlformats.org/officeDocument/2006/relationships" xmlns:p="http://schemas.openxmlformats.org/presentationml/2006/main">
+  <p:cSld>
+    <p:spTree>
+      <p:nvGrpSpPr>
+        <p:cNvPr id="1" name=""/>
+        <p:cNvGrpSpPr/>
+        <p:nvPr/>
+      </p:nvGrpSpPr>
+      <p:grpSpPr>
+        <a:xfrm>
+          <a:off x="0" y="0"/>
+          <a:ext cx="0" cy="0"/>
+          <a:chOff x="0" y="0"/>
+          <a:chExt cx="0" cy="0"/>
+        </a:xfrm>
+      </p:grpSpPr>
+      <p:sp>
+        <p:nvSpPr>
+          <p:cNvPr id="2" name="Title 1"/>
+          <p:cNvSpPr>
+            <a:spLocks noGrp="1"/>
+          </p:cNvSpPr>
+          <p:nvPr>
+            <p:ph type="title"/>
+          </p:nvPr>
+        </p:nvSpPr>
+        <p:spPr>
+          <a:xfrm>
+            <a:off x="488414" y="128833"/>
+            <a:ext cx="8229600" cy="1143000"/>
+          </a:xfrm>
+        </p:spPr>
+        <p:txBody>
+          <a:bodyPr/>
+          <a:lstStyle/>
+          <a:p>
+            <a:r>
+              <a:rPr lang="en-GB" sz="3600" dirty="0">
+                <a:latin typeface="Candara" panose="020E0502030303020204" pitchFamily="34" charset="0"/>
+              </a:rPr>
+              <a:t>CBA: concluding remarks</a:t>
+            </a:r>
+          </a:p>
+        </p:txBody>
+      </p:sp>
+      <p:sp>
+        <p:nvSpPr>
+          <p:cNvPr id="3" name="Text Placeholder 2"/>
+          <p:cNvSpPr>
+            <a:spLocks noGrp="1"/>
+          </p:cNvSpPr>
+          <p:nvPr>
+            <p:ph type="body" idx="1"/>
+          </p:nvPr>
+        </p:nvSpPr>
+        <p:spPr>
+          <a:xfrm>
+            <a:off x="482906" y="1011928"/>
+            <a:ext cx="4040188" cy="639762"/>
+          </a:xfrm>
+        </p:spPr>
+        <p:txBody>
+          <a:bodyPr/>
+          <a:lstStyle/>
+          <a:p>
+            <a:r>
+              <a:rPr lang="en-GB" sz="2800" dirty="0">
+                <a:latin typeface="Candara" panose="020E0502030303020204" pitchFamily="34" charset="0"/>
+              </a:rPr>
+              <a:t>Disadvantages</a:t>
+            </a:r>
+          </a:p>
+        </p:txBody>
+      </p:sp>
+      <p:sp>
+        <p:nvSpPr>
+          <p:cNvPr id="11" name="Content Placeholder 10"/>
+          <p:cNvSpPr>
+            <a:spLocks noGrp="1"/>
+          </p:cNvSpPr>
+          <p:nvPr>
+            <p:ph sz="half" idx="2"/>
+          </p:nvPr>
+        </p:nvSpPr>
+        <p:spPr>
+          <a:xfrm>
+            <a:off x="304800" y="1828800"/>
+            <a:ext cx="4218294" cy="3951288"/>
+          </a:xfrm>
+        </p:spPr>
+        <p:txBody>
+          <a:bodyPr/>
+          <a:lstStyle/>
+          <a:p>
+            <a:r>
+              <a:rPr lang="en-GB" dirty="0">
+                <a:latin typeface="Candara" panose="020E0502030303020204" pitchFamily="34" charset="0"/>
+              </a:rPr>
+              <a:t>Nature is special, democracy trumps technocracy, etc. </a:t>
+            </a:r>
+          </a:p>
+          <a:p>
+            <a:r>
+              <a:rPr lang="en-GB" dirty="0">
+                <a:latin typeface="Candara" panose="020E0502030303020204" pitchFamily="34" charset="0"/>
+              </a:rPr>
+              <a:t>Complex decisions can’t be reduced to a single number</a:t>
+            </a:r>
+          </a:p>
+          <a:p>
+            <a:r>
+              <a:rPr lang="en-GB" dirty="0">
+                <a:latin typeface="Candara" panose="020E0502030303020204" pitchFamily="34" charset="0"/>
+              </a:rPr>
+              <a:t>Distribution more important than efficiency</a:t>
+            </a:r>
+          </a:p>
+          <a:p>
+            <a:r>
+              <a:rPr lang="en-GB" dirty="0">
+                <a:latin typeface="Candara" panose="020E0502030303020204" pitchFamily="34" charset="0"/>
+              </a:rPr>
+              <a:t>Estimates are too imprecise to be useful</a:t>
+            </a:r>
+          </a:p>
+          <a:p>
+            <a:r>
+              <a:rPr lang="en-GB" dirty="0">
+                <a:latin typeface="Candara" panose="020E0502030303020204" pitchFamily="34" charset="0"/>
+              </a:rPr>
+              <a:t>Complex procedures are subject to error and manipulation</a:t>
+            </a:r>
+          </a:p>
+        </p:txBody>
+      </p:sp>
+      <p:sp>
+        <p:nvSpPr>
+          <p:cNvPr id="5" name="Text Placeholder 4"/>
+          <p:cNvSpPr>
+            <a:spLocks noGrp="1"/>
+          </p:cNvSpPr>
+          <p:nvPr>
+            <p:ph type="body" sz="quarter" idx="3"/>
+          </p:nvPr>
+        </p:nvSpPr>
+        <p:spPr>
+          <a:xfrm>
+            <a:off x="4645025" y="1011928"/>
+            <a:ext cx="4041775" cy="639762"/>
+          </a:xfrm>
+        </p:spPr>
+        <p:txBody>
+          <a:bodyPr/>
+          <a:lstStyle/>
+          <a:p>
+            <a:r>
+              <a:rPr lang="en-GB" sz="2800" dirty="0">
+                <a:latin typeface="Candara" panose="020E0502030303020204" pitchFamily="34" charset="0"/>
+              </a:rPr>
+              <a:t>Advantages</a:t>
+            </a:r>
+          </a:p>
+        </p:txBody>
+      </p:sp>
+      <p:sp>
+        <p:nvSpPr>
+          <p:cNvPr id="6" name="Content Placeholder 5"/>
+          <p:cNvSpPr>
+            <a:spLocks noGrp="1"/>
+          </p:cNvSpPr>
+          <p:nvPr>
+            <p:ph sz="quarter" idx="4"/>
+          </p:nvPr>
+        </p:nvSpPr>
+        <p:spPr>
+          <a:xfrm>
+            <a:off x="4645024" y="1828800"/>
+            <a:ext cx="4194176" cy="3951288"/>
+          </a:xfrm>
+        </p:spPr>
+        <p:txBody>
+          <a:bodyPr/>
+          <a:lstStyle/>
+          <a:p>
+            <a:r>
+              <a:rPr lang="en-GB" dirty="0">
+                <a:latin typeface="Candara" panose="020E0502030303020204" pitchFamily="34" charset="0"/>
+              </a:rPr>
+              <a:t>Transparent, accountable, consistent framework for evaluating policy</a:t>
+            </a:r>
+          </a:p>
+          <a:p>
+            <a:pPr lvl="1"/>
+            <a:r>
+              <a:rPr lang="en-GB" sz="2400" dirty="0">
+                <a:latin typeface="Candara" panose="020E0502030303020204" pitchFamily="34" charset="0"/>
+              </a:rPr>
+              <a:t>Transparent if you’re an economist, anyway</a:t>
+            </a:r>
+          </a:p>
+          <a:p>
+            <a:r>
+              <a:rPr lang="en-GB" dirty="0">
+                <a:latin typeface="Candara" panose="020E0502030303020204" pitchFamily="34" charset="0"/>
+              </a:rPr>
+              <a:t>Promotes rationality and efficiency</a:t>
+            </a:r>
+          </a:p>
+          <a:p>
+            <a:pPr lvl="1"/>
+            <a:r>
+              <a:rPr lang="en-GB" sz="2400" dirty="0">
+                <a:latin typeface="Candara" panose="020E0502030303020204" pitchFamily="34" charset="0"/>
+              </a:rPr>
+              <a:t>A larger pie</a:t>
+            </a:r>
+          </a:p>
+          <a:p>
+            <a:r>
+              <a:rPr lang="en-GB" dirty="0">
+                <a:latin typeface="Candara" panose="020E0502030303020204" pitchFamily="34" charset="0"/>
+              </a:rPr>
+              <a:t>Can provide powerful arguments for conservation</a:t>
+            </a:r>
+          </a:p>
+          <a:p>
+            <a:pPr lvl="1"/>
+            <a:r>
+              <a:rPr lang="en-GB" sz="2400" dirty="0">
+                <a:latin typeface="Candara" panose="020E0502030303020204" pitchFamily="34" charset="0"/>
+              </a:rPr>
+              <a:t>Or not …</a:t>
+            </a:r>
+          </a:p>
+        </p:txBody>
+      </p:sp>
+    </p:spTree>
+    <p:extLst>
+      <p:ext uri="{BB962C8B-B14F-4D97-AF65-F5344CB8AC3E}">
+        <p14:creationId xmlns:p14="http://schemas.microsoft.com/office/powerpoint/2010/main" val="3186742076"/>
+      </p:ext>
+    </p:extLst>
   </p:cSld>
   <p:clrMapOvr>
     <a:masterClrMapping/>
@@ -16776,126 +17597,178 @@
       </p:grpSpPr>
       <p:sp>
         <p:nvSpPr>
-          <p:cNvPr id="7170" name="Rectangle 2"/>
+          <p:cNvPr id="2051" name="Rectangle 3"/>
           <p:cNvSpPr>
             <a:spLocks noGrp="1" noChangeArrowheads="1"/>
           </p:cNvSpPr>
           <p:nvPr>
-            <p:ph type="title"/>
+            <p:ph type="body" idx="1"/>
           </p:nvPr>
         </p:nvSpPr>
         <p:spPr>
           <a:xfrm>
-            <a:off x="685800" y="0"/>
-            <a:ext cx="7772400" cy="1143000"/>
+            <a:off x="228600" y="457200"/>
+            <a:ext cx="8534400" cy="4114800"/>
           </a:xfrm>
         </p:spPr>
         <p:txBody>
           <a:bodyPr/>
           <a:lstStyle/>
           <a:p>
-            <a:r>
-              <a:rPr lang="de-DE" sz="4000" dirty="0">
-                <a:latin typeface="Candara" panose="020E0502030303020204" pitchFamily="34" charset="0"/>
-              </a:rPr>
-              <a:t>Pollution</a:t>
-            </a:r>
-            <a:endParaRPr lang="en-GB" sz="4000" dirty="0">
+            <a:pPr>
+              <a:lnSpc>
+                <a:spcPct val="90000"/>
+              </a:lnSpc>
+              <a:spcBef>
+                <a:spcPts val="0"/>
+              </a:spcBef>
+              <a:buFontTx/>
+              <a:buNone/>
+            </a:pPr>
+            <a:endParaRPr lang="de-DE" sz="2800" dirty="0">
+              <a:latin typeface="Comic Sans MS" pitchFamily="66" charset="0"/>
+            </a:endParaRPr>
+          </a:p>
+          <a:p>
+            <a:pPr>
+              <a:lnSpc>
+                <a:spcPct val="90000"/>
+              </a:lnSpc>
+              <a:spcBef>
+                <a:spcPts val="0"/>
+              </a:spcBef>
+              <a:buFontTx/>
+              <a:buNone/>
+            </a:pPr>
+            <a:endParaRPr lang="de-DE" sz="2800" dirty="0">
+              <a:latin typeface="Comic Sans MS" pitchFamily="66" charset="0"/>
+            </a:endParaRPr>
+          </a:p>
+          <a:p>
+            <a:pPr>
+              <a:lnSpc>
+                <a:spcPct val="90000"/>
+              </a:lnSpc>
+              <a:spcBef>
+                <a:spcPts val="0"/>
+              </a:spcBef>
+              <a:buFontTx/>
+              <a:buNone/>
+            </a:pPr>
+            <a:endParaRPr lang="de-DE" sz="2800" dirty="0">
+              <a:latin typeface="Comic Sans MS" pitchFamily="66" charset="0"/>
+            </a:endParaRPr>
+          </a:p>
+          <a:p>
+            <a:pPr>
+              <a:lnSpc>
+                <a:spcPct val="90000"/>
+              </a:lnSpc>
+              <a:spcBef>
+                <a:spcPts val="0"/>
+              </a:spcBef>
+              <a:buFontTx/>
+              <a:buNone/>
+            </a:pPr>
+            <a:endParaRPr lang="de-DE" sz="2800" dirty="0">
+              <a:latin typeface="Comic Sans MS" pitchFamily="66" charset="0"/>
+            </a:endParaRPr>
+          </a:p>
+          <a:p>
+            <a:pPr>
+              <a:lnSpc>
+                <a:spcPct val="90000"/>
+              </a:lnSpc>
+              <a:spcBef>
+                <a:spcPts val="0"/>
+              </a:spcBef>
+              <a:buFontTx/>
+              <a:buNone/>
+            </a:pPr>
+            <a:r>
+              <a:rPr lang="de-DE" sz="2800" dirty="0">
+                <a:latin typeface="Candara" panose="020E0502030303020204" pitchFamily="34" charset="0"/>
+              </a:rPr>
+              <a:t>Every upside has its downside</a:t>
+            </a:r>
+          </a:p>
+          <a:p>
+            <a:pPr>
+              <a:lnSpc>
+                <a:spcPct val="90000"/>
+              </a:lnSpc>
+              <a:spcBef>
+                <a:spcPts val="0"/>
+              </a:spcBef>
+              <a:buFontTx/>
+              <a:buNone/>
+            </a:pPr>
+            <a:endParaRPr lang="de-DE" sz="2800" dirty="0">
               <a:latin typeface="Candara" panose="020E0502030303020204" pitchFamily="34" charset="0"/>
             </a:endParaRPr>
           </a:p>
-        </p:txBody>
-      </p:sp>
-      <p:sp>
-        <p:nvSpPr>
-          <p:cNvPr id="7171" name="Rectangle 3"/>
-          <p:cNvSpPr>
-            <a:spLocks noGrp="1" noChangeArrowheads="1"/>
-          </p:cNvSpPr>
-          <p:nvPr>
-            <p:ph type="body" idx="1"/>
-          </p:nvPr>
-        </p:nvSpPr>
+          <a:p>
+            <a:pPr>
+              <a:lnSpc>
+                <a:spcPct val="90000"/>
+              </a:lnSpc>
+              <a:spcBef>
+                <a:spcPts val="0"/>
+              </a:spcBef>
+              <a:buFontTx/>
+              <a:buNone/>
+            </a:pPr>
+            <a:endParaRPr lang="de-DE" sz="2800" dirty="0">
+              <a:latin typeface="Candara" panose="020E0502030303020204" pitchFamily="34" charset="0"/>
+            </a:endParaRPr>
+          </a:p>
+          <a:p>
+            <a:pPr>
+              <a:lnSpc>
+                <a:spcPct val="90000"/>
+              </a:lnSpc>
+              <a:spcBef>
+                <a:spcPts val="0"/>
+              </a:spcBef>
+              <a:buFontTx/>
+              <a:buNone/>
+            </a:pPr>
+            <a:r>
+              <a:rPr lang="de-DE" sz="2800" dirty="0">
+                <a:latin typeface="Candara" panose="020E0502030303020204" pitchFamily="34" charset="0"/>
+              </a:rPr>
+              <a:t>				Johan Cruyff</a:t>
+            </a:r>
+            <a:endParaRPr lang="en-GB" sz="2800" dirty="0">
+              <a:latin typeface="Candara" panose="020E0502030303020204" pitchFamily="34" charset="0"/>
+            </a:endParaRPr>
+          </a:p>
+        </p:txBody>
+      </p:sp>
+      <p:pic>
+        <p:nvPicPr>
+          <p:cNvPr id="4" name="Picture 3" descr="cruyffajaz.jpg"/>
+          <p:cNvPicPr>
+            <a:picLocks noChangeAspect="1"/>
+          </p:cNvPicPr>
+          <p:nvPr/>
+        </p:nvPicPr>
+        <p:blipFill>
+          <a:blip r:embed="rId3" cstate="print"/>
+          <a:stretch>
+            <a:fillRect/>
+          </a:stretch>
+        </p:blipFill>
         <p:spPr>
           <a:xfrm>
-            <a:off x="762000" y="1066800"/>
-            <a:ext cx="7772400" cy="4114800"/>
+            <a:off x="5334000" y="152400"/>
+            <a:ext cx="3657600" cy="3425952"/>
           </a:xfrm>
-        </p:spPr>
-        <p:txBody>
-          <a:bodyPr/>
-          <a:lstStyle/>
-          <a:p>
-            <a:r>
-              <a:rPr lang="en-GB" sz="2800" dirty="0">
-                <a:latin typeface="Candara" panose="020E0502030303020204" pitchFamily="34" charset="0"/>
-              </a:rPr>
-              <a:t>Pollution is an externality, that is, the unintended consequence of one’s production or consumption on somebody else’s production or consumption</a:t>
-            </a:r>
-          </a:p>
-          <a:p>
-            <a:r>
-              <a:rPr lang="en-GB" sz="2800" dirty="0">
-                <a:latin typeface="Candara" panose="020E0502030303020204" pitchFamily="34" charset="0"/>
-              </a:rPr>
-              <a:t>Pollution depends on</a:t>
-            </a:r>
-          </a:p>
-          <a:p>
-            <a:pPr lvl="1"/>
-            <a:r>
-              <a:rPr lang="en-GB" sz="2400" dirty="0">
-                <a:latin typeface="Candara" panose="020E0502030303020204" pitchFamily="34" charset="0"/>
-              </a:rPr>
-              <a:t>Environmental transport and assimilation</a:t>
-            </a:r>
-          </a:p>
-          <a:p>
-            <a:pPr lvl="1"/>
-            <a:r>
-              <a:rPr lang="en-GB" sz="2400" dirty="0">
-                <a:latin typeface="Candara" panose="020E0502030303020204" pitchFamily="34" charset="0"/>
-              </a:rPr>
-              <a:t>Existing loads</a:t>
-            </a:r>
-          </a:p>
-          <a:p>
-            <a:r>
-              <a:rPr lang="en-GB" sz="2800" dirty="0">
-                <a:latin typeface="Candara" panose="020E0502030303020204" pitchFamily="34" charset="0"/>
-              </a:rPr>
-              <a:t>Pollution can be</a:t>
-            </a:r>
-          </a:p>
-          <a:p>
-            <a:pPr lvl="1"/>
-            <a:r>
-              <a:rPr lang="en-GB" sz="2400" dirty="0">
-                <a:latin typeface="Candara" panose="020E0502030303020204" pitchFamily="34" charset="0"/>
-              </a:rPr>
-              <a:t>Flow pollution</a:t>
-            </a:r>
-          </a:p>
-          <a:p>
-            <a:pPr lvl="1"/>
-            <a:r>
-              <a:rPr lang="en-GB" sz="2400" dirty="0">
-                <a:latin typeface="Candara" panose="020E0502030303020204" pitchFamily="34" charset="0"/>
-              </a:rPr>
-              <a:t>Stock pollution</a:t>
-            </a:r>
-          </a:p>
-          <a:p>
-            <a:pPr lvl="1"/>
-            <a:r>
-              <a:rPr lang="en-GB" sz="2400" dirty="0">
-                <a:latin typeface="Candara" panose="020E0502030303020204" pitchFamily="34" charset="0"/>
-              </a:rPr>
-              <a:t>Mixed</a:t>
-            </a:r>
-          </a:p>
-        </p:txBody>
-      </p:sp>
+          <a:prstGeom prst="rect">
+            <a:avLst/>
+          </a:prstGeom>
+        </p:spPr>
+      </p:pic>
     </p:spTree>
   </p:cSld>
   <p:clrMapOvr>
@@ -16905,6 +17778,153 @@
 </file>
 
 <file path=ppt/slides/slide7.xml><?xml version="1.0" encoding="utf-8"?>
+<p:sld xmlns:a="http://schemas.openxmlformats.org/drawingml/2006/main" xmlns:r="http://schemas.openxmlformats.org/officeDocument/2006/relationships" xmlns:p="http://schemas.openxmlformats.org/presentationml/2006/main">
+  <p:cSld>
+    <p:spTree>
+      <p:nvGrpSpPr>
+        <p:cNvPr id="1" name=""/>
+        <p:cNvGrpSpPr/>
+        <p:nvPr/>
+      </p:nvGrpSpPr>
+      <p:grpSpPr>
+        <a:xfrm>
+          <a:off x="0" y="0"/>
+          <a:ext cx="0" cy="0"/>
+          <a:chOff x="0" y="0"/>
+          <a:chExt cx="0" cy="0"/>
+        </a:xfrm>
+      </p:grpSpPr>
+      <p:sp>
+        <p:nvSpPr>
+          <p:cNvPr id="7170" name="Rectangle 2"/>
+          <p:cNvSpPr>
+            <a:spLocks noGrp="1" noChangeArrowheads="1"/>
+          </p:cNvSpPr>
+          <p:nvPr>
+            <p:ph type="title"/>
+          </p:nvPr>
+        </p:nvSpPr>
+        <p:spPr>
+          <a:xfrm>
+            <a:off x="685800" y="0"/>
+            <a:ext cx="7772400" cy="1143000"/>
+          </a:xfrm>
+        </p:spPr>
+        <p:txBody>
+          <a:bodyPr/>
+          <a:lstStyle/>
+          <a:p>
+            <a:r>
+              <a:rPr lang="de-DE" sz="4000" dirty="0">
+                <a:latin typeface="Candara" panose="020E0502030303020204" pitchFamily="34" charset="0"/>
+              </a:rPr>
+              <a:t>Pollution</a:t>
+            </a:r>
+            <a:endParaRPr lang="en-GB" sz="4000" dirty="0">
+              <a:latin typeface="Candara" panose="020E0502030303020204" pitchFamily="34" charset="0"/>
+            </a:endParaRPr>
+          </a:p>
+        </p:txBody>
+      </p:sp>
+      <p:sp>
+        <p:nvSpPr>
+          <p:cNvPr id="7171" name="Rectangle 3"/>
+          <p:cNvSpPr>
+            <a:spLocks noGrp="1" noChangeArrowheads="1"/>
+          </p:cNvSpPr>
+          <p:nvPr>
+            <p:ph type="body" idx="1"/>
+          </p:nvPr>
+        </p:nvSpPr>
+        <p:spPr>
+          <a:xfrm>
+            <a:off x="762000" y="1066800"/>
+            <a:ext cx="7772400" cy="4114800"/>
+          </a:xfrm>
+        </p:spPr>
+        <p:txBody>
+          <a:bodyPr/>
+          <a:lstStyle/>
+          <a:p>
+            <a:r>
+              <a:rPr lang="en-GB" sz="2800" dirty="0">
+                <a:latin typeface="Candara" panose="020E0502030303020204" pitchFamily="34" charset="0"/>
+              </a:rPr>
+              <a:t>Pollution is an externality, that is, the unintended consequence of one’s production or consumption on somebody else’s production or consumption</a:t>
+            </a:r>
+          </a:p>
+          <a:p>
+            <a:r>
+              <a:rPr lang="en-GB" sz="2800" dirty="0">
+                <a:latin typeface="Candara" panose="020E0502030303020204" pitchFamily="34" charset="0"/>
+              </a:rPr>
+              <a:t>Pollution depends on</a:t>
+            </a:r>
+          </a:p>
+          <a:p>
+            <a:pPr lvl="1"/>
+            <a:r>
+              <a:rPr lang="en-GB" sz="2400" dirty="0">
+                <a:latin typeface="Candara" panose="020E0502030303020204" pitchFamily="34" charset="0"/>
+              </a:rPr>
+              <a:t>Environmental transport and assimilation</a:t>
+            </a:r>
+          </a:p>
+          <a:p>
+            <a:pPr lvl="1"/>
+            <a:r>
+              <a:rPr lang="en-GB" sz="2400" dirty="0">
+                <a:latin typeface="Candara" panose="020E0502030303020204" pitchFamily="34" charset="0"/>
+              </a:rPr>
+              <a:t>Existing loads</a:t>
+            </a:r>
+          </a:p>
+          <a:p>
+            <a:r>
+              <a:rPr lang="en-GB" sz="2800" dirty="0">
+                <a:latin typeface="Candara" panose="020E0502030303020204" pitchFamily="34" charset="0"/>
+              </a:rPr>
+              <a:t>Pollution can be</a:t>
+            </a:r>
+          </a:p>
+          <a:p>
+            <a:pPr lvl="1"/>
+            <a:r>
+              <a:rPr lang="en-GB" sz="2400" dirty="0">
+                <a:latin typeface="Candara" panose="020E0502030303020204" pitchFamily="34" charset="0"/>
+              </a:rPr>
+              <a:t>Flow pollution</a:t>
+            </a:r>
+          </a:p>
+          <a:p>
+            <a:pPr lvl="1"/>
+            <a:r>
+              <a:rPr lang="en-GB" sz="2400" dirty="0">
+                <a:latin typeface="Candara" panose="020E0502030303020204" pitchFamily="34" charset="0"/>
+              </a:rPr>
+              <a:t>Stock pollution</a:t>
+            </a:r>
+          </a:p>
+          <a:p>
+            <a:pPr lvl="1"/>
+            <a:r>
+              <a:rPr lang="en-GB" sz="2400" dirty="0">
+                <a:latin typeface="Candara" panose="020E0502030303020204" pitchFamily="34" charset="0"/>
+              </a:rPr>
+              <a:t>Mixed</a:t>
+            </a:r>
+          </a:p>
+        </p:txBody>
+      </p:sp>
+    </p:spTree>
+  </p:cSld>
+  <p:clrMapOvr>
+    <a:masterClrMapping/>
+  </p:clrMapOvr>
+</p:sld>
+</file>
+
+<file path=ppt/slides/slide8.xml><?xml version="1.0" encoding="utf-8"?>
 <p:sld xmlns:a="http://schemas.openxmlformats.org/drawingml/2006/main" xmlns:r="http://schemas.openxmlformats.org/officeDocument/2006/relationships" xmlns:p="http://schemas.openxmlformats.org/presentationml/2006/main">
   <p:cSld>
     <p:spTree>
@@ -17421,7 +18441,7 @@
 </p:sld>
 </file>
 
-<file path=ppt/slides/slide8.xml><?xml version="1.0" encoding="utf-8"?>
+<file path=ppt/slides/slide9.xml><?xml version="1.0" encoding="utf-8"?>
 <p:sld xmlns:a="http://schemas.openxmlformats.org/drawingml/2006/main" xmlns:r="http://schemas.openxmlformats.org/officeDocument/2006/relationships" xmlns:p="http://schemas.openxmlformats.org/presentationml/2006/main">
   <p:cSld>
     <p:spTree>
@@ -17441,63 +18461,6 @@
       <p:pic>
         <p:nvPicPr>
           <p:cNvPr id="8194" name="Picture 2"/>
-          <p:cNvPicPr>
-            <a:picLocks noChangeAspect="1" noChangeArrowheads="1"/>
-          </p:cNvPicPr>
-          <p:nvPr/>
-        </p:nvPicPr>
-        <p:blipFill>
-          <a:blip r:embed="rId2" cstate="print"/>
-          <a:srcRect/>
-          <a:stretch>
-            <a:fillRect/>
-          </a:stretch>
-        </p:blipFill>
-        <p:spPr bwMode="auto">
-          <a:xfrm>
-            <a:off x="0" y="0"/>
-            <a:ext cx="9144000" cy="6634163"/>
-          </a:xfrm>
-          <a:prstGeom prst="rect">
-            <a:avLst/>
-          </a:prstGeom>
-          <a:noFill/>
-          <a:ln w="9525">
-            <a:noFill/>
-            <a:miter lim="800000"/>
-            <a:headEnd/>
-            <a:tailEnd/>
-          </a:ln>
-        </p:spPr>
-      </p:pic>
-    </p:spTree>
-  </p:cSld>
-  <p:clrMapOvr>
-    <a:masterClrMapping/>
-  </p:clrMapOvr>
-</p:sld>
-</file>
-
-<file path=ppt/slides/slide9.xml><?xml version="1.0" encoding="utf-8"?>
-<p:sld xmlns:a="http://schemas.openxmlformats.org/drawingml/2006/main" xmlns:r="http://schemas.openxmlformats.org/officeDocument/2006/relationships" xmlns:p="http://schemas.openxmlformats.org/presentationml/2006/main">
-  <p:cSld>
-    <p:spTree>
-      <p:nvGrpSpPr>
-        <p:cNvPr id="1" name=""/>
-        <p:cNvGrpSpPr/>
-        <p:nvPr/>
-      </p:nvGrpSpPr>
-      <p:grpSpPr>
-        <a:xfrm>
-          <a:off x="0" y="0"/>
-          <a:ext cx="0" cy="0"/>
-          <a:chOff x="0" y="0"/>
-          <a:chExt cx="0" cy="0"/>
-        </a:xfrm>
-      </p:grpSpPr>
-      <p:pic>
-        <p:nvPicPr>
-          <p:cNvPr id="9218" name="Picture 2"/>
           <p:cNvPicPr>
             <a:picLocks noChangeAspect="1" noChangeArrowheads="1"/>
           </p:cNvPicPr>

--- a/EE3 Targets.pptx
+++ b/EE3 Targets.pptx
@@ -5,7 +5,7 @@
     <p:sldMasterId id="2147483648" r:id="rId1"/>
   </p:sldMasterIdLst>
   <p:notesMasterIdLst>
-    <p:notesMasterId r:id="rId53"/>
+    <p:notesMasterId r:id="rId59"/>
   </p:notesMasterIdLst>
   <p:sldIdLst>
     <p:sldId id="257" r:id="rId2"/>
@@ -24,41 +24,47 @@
     <p:sldId id="320" r:id="rId15"/>
     <p:sldId id="271" r:id="rId16"/>
     <p:sldId id="272" r:id="rId17"/>
-    <p:sldId id="322" r:id="rId18"/>
-    <p:sldId id="323" r:id="rId19"/>
-    <p:sldId id="393" r:id="rId20"/>
-    <p:sldId id="273" r:id="rId21"/>
-    <p:sldId id="274" r:id="rId22"/>
-    <p:sldId id="275" r:id="rId23"/>
-    <p:sldId id="391" r:id="rId24"/>
-    <p:sldId id="285" r:id="rId25"/>
-    <p:sldId id="394" r:id="rId26"/>
-    <p:sldId id="390" r:id="rId27"/>
-    <p:sldId id="351" r:id="rId28"/>
-    <p:sldId id="352" r:id="rId29"/>
-    <p:sldId id="355" r:id="rId30"/>
-    <p:sldId id="358" r:id="rId31"/>
-    <p:sldId id="360" r:id="rId32"/>
-    <p:sldId id="392" r:id="rId33"/>
-    <p:sldId id="361" r:id="rId34"/>
-    <p:sldId id="362" r:id="rId35"/>
-    <p:sldId id="363" r:id="rId36"/>
-    <p:sldId id="364" r:id="rId37"/>
-    <p:sldId id="365" r:id="rId38"/>
-    <p:sldId id="366" r:id="rId39"/>
-    <p:sldId id="367" r:id="rId40"/>
-    <p:sldId id="368" r:id="rId41"/>
-    <p:sldId id="369" r:id="rId42"/>
-    <p:sldId id="370" r:id="rId43"/>
-    <p:sldId id="371" r:id="rId44"/>
-    <p:sldId id="372" r:id="rId45"/>
-    <p:sldId id="373" r:id="rId46"/>
-    <p:sldId id="374" r:id="rId47"/>
-    <p:sldId id="375" r:id="rId48"/>
-    <p:sldId id="376" r:id="rId49"/>
-    <p:sldId id="377" r:id="rId50"/>
-    <p:sldId id="378" r:id="rId51"/>
-    <p:sldId id="388" r:id="rId52"/>
+    <p:sldId id="399" r:id="rId18"/>
+    <p:sldId id="322" r:id="rId19"/>
+    <p:sldId id="323" r:id="rId20"/>
+    <p:sldId id="393" r:id="rId21"/>
+    <p:sldId id="273" r:id="rId22"/>
+    <p:sldId id="274" r:id="rId23"/>
+    <p:sldId id="275" r:id="rId24"/>
+    <p:sldId id="391" r:id="rId25"/>
+    <p:sldId id="285" r:id="rId26"/>
+    <p:sldId id="394" r:id="rId27"/>
+    <p:sldId id="397" r:id="rId28"/>
+    <p:sldId id="401" r:id="rId29"/>
+    <p:sldId id="398" r:id="rId30"/>
+    <p:sldId id="395" r:id="rId31"/>
+    <p:sldId id="390" r:id="rId32"/>
+    <p:sldId id="351" r:id="rId33"/>
+    <p:sldId id="352" r:id="rId34"/>
+    <p:sldId id="355" r:id="rId35"/>
+    <p:sldId id="358" r:id="rId36"/>
+    <p:sldId id="360" r:id="rId37"/>
+    <p:sldId id="392" r:id="rId38"/>
+    <p:sldId id="361" r:id="rId39"/>
+    <p:sldId id="362" r:id="rId40"/>
+    <p:sldId id="400" r:id="rId41"/>
+    <p:sldId id="363" r:id="rId42"/>
+    <p:sldId id="364" r:id="rId43"/>
+    <p:sldId id="365" r:id="rId44"/>
+    <p:sldId id="366" r:id="rId45"/>
+    <p:sldId id="367" r:id="rId46"/>
+    <p:sldId id="368" r:id="rId47"/>
+    <p:sldId id="369" r:id="rId48"/>
+    <p:sldId id="370" r:id="rId49"/>
+    <p:sldId id="371" r:id="rId50"/>
+    <p:sldId id="372" r:id="rId51"/>
+    <p:sldId id="373" r:id="rId52"/>
+    <p:sldId id="374" r:id="rId53"/>
+    <p:sldId id="375" r:id="rId54"/>
+    <p:sldId id="376" r:id="rId55"/>
+    <p:sldId id="377" r:id="rId56"/>
+    <p:sldId id="378" r:id="rId57"/>
+    <p:sldId id="388" r:id="rId58"/>
   </p:sldIdLst>
   <p:sldSz cx="9144000" cy="6858000" type="screen4x3"/>
   <p:notesSz cx="6858000" cy="9144000"/>
@@ -297,7 +303,7 @@
               <a:pPr>
                 <a:defRPr/>
               </a:pPr>
-              <a:t>7/28/2020</a:t>
+              <a:t>2/13/2024</a:t>
             </a:fld>
             <a:endParaRPr lang="en-US"/>
           </a:p>
@@ -6393,10 +6399,10 @@
               <a:buNone/>
             </a:pPr>
             <a:r>
-              <a:rPr lang="de-DE" sz="2800" dirty="0">
-                <a:latin typeface="Candara" panose="020E0502030303020204" pitchFamily="34" charset="0"/>
-              </a:rPr>
-              <a:t>Types of externalities</a:t>
+              <a:rPr lang="en-GB" sz="2800" dirty="0">
+                <a:latin typeface="Candara" panose="020E0502030303020204" pitchFamily="34" charset="0"/>
+              </a:rPr>
+              <a:t>Welfare analysis</a:t>
             </a:r>
           </a:p>
           <a:p>
@@ -6409,8 +6415,17 @@
               <a:rPr lang="en-GB" sz="2800" dirty="0">
                 <a:latin typeface="Candara" panose="020E0502030303020204" pitchFamily="34" charset="0"/>
               </a:rPr>
-              <a:t>Area B Optimal level of externality</a:t>
-            </a:r>
+              <a:t>Area B Optimal level of </a:t>
+            </a:r>
+            <a:r>
+              <a:rPr lang="en-GB" sz="2800">
+                <a:latin typeface="Candara" panose="020E0502030303020204" pitchFamily="34" charset="0"/>
+              </a:rPr>
+              <a:t>environmental damage</a:t>
+            </a:r>
+            <a:endParaRPr lang="en-GB" sz="2800" dirty="0">
+              <a:latin typeface="Candara" panose="020E0502030303020204" pitchFamily="34" charset="0"/>
+            </a:endParaRPr>
           </a:p>
           <a:p>
             <a:pPr>
@@ -6655,22 +6670,50 @@
           <a:lstStyle/>
           <a:p>
             <a:r>
-              <a:rPr lang="de-DE" sz="2800" dirty="0">
+              <a:rPr lang="en-GB" sz="2800" dirty="0">
                 <a:latin typeface="Candara" panose="020E0502030303020204" pitchFamily="34" charset="0"/>
               </a:rPr>
               <a:t>Optimal pollution is greater than zero</a:t>
-            </a:r>
-          </a:p>
-          <a:p>
-            <a:r>
-              <a:rPr lang="de-DE" sz="2800" dirty="0">
-                <a:latin typeface="Candara" panose="020E0502030303020204" pitchFamily="34" charset="0"/>
-              </a:rPr>
-              <a:t>The laws of thermodynamics imply that zero pollution implies zero activity, unless there are thresholds (e.g., assimilative capacity)</a:t>
             </a:r>
           </a:p>
         </p:txBody>
       </p:sp>
+      <p:pic>
+        <p:nvPicPr>
+          <p:cNvPr id="5" name="Picture 4" descr="Two men talking to each other&#10;&#10;Description automatically generated">
+            <a:extLst>
+              <a:ext uri="{FF2B5EF4-FFF2-40B4-BE49-F238E27FC236}">
+                <a16:creationId xmlns:a16="http://schemas.microsoft.com/office/drawing/2014/main" id="{66C3845C-839A-0E80-C12A-E38283F81239}"/>
+              </a:ext>
+            </a:extLst>
+          </p:cNvPr>
+          <p:cNvPicPr>
+            <a:picLocks noChangeAspect="1"/>
+          </p:cNvPicPr>
+          <p:nvPr/>
+        </p:nvPicPr>
+        <p:blipFill>
+          <a:blip r:embed="rId2">
+            <a:extLst>
+              <a:ext uri="{28A0092B-C50C-407E-A947-70E740481C1C}">
+                <a14:useLocalDpi xmlns:a14="http://schemas.microsoft.com/office/drawing/2010/main" val="0"/>
+              </a:ext>
+            </a:extLst>
+          </a:blip>
+          <a:stretch>
+            <a:fillRect/>
+          </a:stretch>
+        </p:blipFill>
+        <p:spPr>
+          <a:xfrm>
+            <a:off x="722243" y="1732331"/>
+            <a:ext cx="7696200" cy="5125669"/>
+          </a:xfrm>
+          <a:prstGeom prst="rect">
+            <a:avLst/>
+          </a:prstGeom>
+        </p:spPr>
+      </p:pic>
     </p:spTree>
   </p:cSld>
   <p:clrMapOvr>
@@ -6680,6 +6723,123 @@
 </file>
 
 <file path=ppt/slides/slide17.xml><?xml version="1.0" encoding="utf-8"?>
+<p:sld xmlns:a="http://schemas.openxmlformats.org/drawingml/2006/main" xmlns:r="http://schemas.openxmlformats.org/officeDocument/2006/relationships" xmlns:p="http://schemas.openxmlformats.org/presentationml/2006/main">
+  <p:cSld>
+    <p:spTree>
+      <p:nvGrpSpPr>
+        <p:cNvPr id="1" name="">
+          <a:extLst>
+            <a:ext uri="{FF2B5EF4-FFF2-40B4-BE49-F238E27FC236}">
+              <a16:creationId xmlns:a16="http://schemas.microsoft.com/office/drawing/2014/main" id="{2EBE9D22-CD90-1D4D-32BF-92AC864A3B70}"/>
+            </a:ext>
+          </a:extLst>
+        </p:cNvPr>
+        <p:cNvGrpSpPr/>
+        <p:nvPr/>
+      </p:nvGrpSpPr>
+      <p:grpSpPr>
+        <a:xfrm>
+          <a:off x="0" y="0"/>
+          <a:ext cx="0" cy="0"/>
+          <a:chOff x="0" y="0"/>
+          <a:chExt cx="0" cy="0"/>
+        </a:xfrm>
+      </p:grpSpPr>
+      <p:sp>
+        <p:nvSpPr>
+          <p:cNvPr id="15362" name="Rectangle 2">
+            <a:extLst>
+              <a:ext uri="{FF2B5EF4-FFF2-40B4-BE49-F238E27FC236}">
+                <a16:creationId xmlns:a16="http://schemas.microsoft.com/office/drawing/2014/main" id="{1148D518-4936-069D-AEB7-A03C3F2635C7}"/>
+              </a:ext>
+            </a:extLst>
+          </p:cNvPr>
+          <p:cNvSpPr>
+            <a:spLocks noGrp="1" noChangeArrowheads="1"/>
+          </p:cNvSpPr>
+          <p:nvPr>
+            <p:ph type="title"/>
+          </p:nvPr>
+        </p:nvSpPr>
+        <p:spPr>
+          <a:xfrm>
+            <a:off x="685800" y="0"/>
+            <a:ext cx="7772400" cy="1143000"/>
+          </a:xfrm>
+        </p:spPr>
+        <p:txBody>
+          <a:bodyPr/>
+          <a:lstStyle/>
+          <a:p>
+            <a:r>
+              <a:rPr lang="de-DE" sz="3600" dirty="0">
+                <a:latin typeface="Candara" panose="020E0502030303020204" pitchFamily="34" charset="0"/>
+              </a:rPr>
+              <a:t>Efficient Flow Pollution (2)</a:t>
+            </a:r>
+            <a:endParaRPr lang="en-GB" sz="3600" dirty="0">
+              <a:latin typeface="Candara" panose="020E0502030303020204" pitchFamily="34" charset="0"/>
+            </a:endParaRPr>
+          </a:p>
+        </p:txBody>
+      </p:sp>
+      <p:sp>
+        <p:nvSpPr>
+          <p:cNvPr id="15363" name="Rectangle 3">
+            <a:extLst>
+              <a:ext uri="{FF2B5EF4-FFF2-40B4-BE49-F238E27FC236}">
+                <a16:creationId xmlns:a16="http://schemas.microsoft.com/office/drawing/2014/main" id="{DC2832DE-208E-16B5-C04C-2B80D1126FC4}"/>
+              </a:ext>
+            </a:extLst>
+          </p:cNvPr>
+          <p:cNvSpPr>
+            <a:spLocks noGrp="1" noChangeArrowheads="1"/>
+          </p:cNvSpPr>
+          <p:nvPr>
+            <p:ph type="body" idx="1"/>
+          </p:nvPr>
+        </p:nvSpPr>
+        <p:spPr>
+          <a:xfrm>
+            <a:off x="685800" y="1219200"/>
+            <a:ext cx="7772400" cy="4114800"/>
+          </a:xfrm>
+        </p:spPr>
+        <p:txBody>
+          <a:bodyPr/>
+          <a:lstStyle/>
+          <a:p>
+            <a:r>
+              <a:rPr lang="de-DE" sz="2800" dirty="0">
+                <a:latin typeface="Candara" panose="020E0502030303020204" pitchFamily="34" charset="0"/>
+              </a:rPr>
+              <a:t>Optimal pollution is greater than zero</a:t>
+            </a:r>
+          </a:p>
+          <a:p>
+            <a:r>
+              <a:rPr lang="de-DE" sz="2800" dirty="0">
+                <a:latin typeface="Candara" panose="020E0502030303020204" pitchFamily="34" charset="0"/>
+              </a:rPr>
+              <a:t>The laws of thermodynamics imply that zero pollution implies zero activity, unless there are thresholds (e.g., assimilative capacity)</a:t>
+            </a:r>
+          </a:p>
+        </p:txBody>
+      </p:sp>
+    </p:spTree>
+    <p:extLst>
+      <p:ext uri="{BB962C8B-B14F-4D97-AF65-F5344CB8AC3E}">
+        <p14:creationId xmlns:p14="http://schemas.microsoft.com/office/powerpoint/2010/main" val="4039577637"/>
+      </p:ext>
+    </p:extLst>
+  </p:cSld>
+  <p:clrMapOvr>
+    <a:masterClrMapping/>
+  </p:clrMapOvr>
+</p:sld>
+</file>
+
+<file path=ppt/slides/slide18.xml><?xml version="1.0" encoding="utf-8"?>
 <p:sld xmlns:a="http://schemas.openxmlformats.org/drawingml/2006/main" xmlns:r="http://schemas.openxmlformats.org/officeDocument/2006/relationships" xmlns:p="http://schemas.openxmlformats.org/presentationml/2006/main">
   <p:cSld>
     <p:spTree>
@@ -6737,7 +6897,7 @@
 </p:sld>
 </file>
 
-<file path=ppt/slides/slide18.xml><?xml version="1.0" encoding="utf-8"?>
+<file path=ppt/slides/slide19.xml><?xml version="1.0" encoding="utf-8"?>
 <p:sld xmlns:a="http://schemas.openxmlformats.org/drawingml/2006/main" xmlns:r="http://schemas.openxmlformats.org/officeDocument/2006/relationships" xmlns:p="http://schemas.openxmlformats.org/presentationml/2006/main">
   <p:cSld>
     <p:spTree>
@@ -6843,159 +7003,6 @@
         </p:txBody>
       </p:sp>
     </p:spTree>
-  </p:cSld>
-  <p:clrMapOvr>
-    <a:masterClrMapping/>
-  </p:clrMapOvr>
-</p:sld>
-</file>
-
-<file path=ppt/slides/slide19.xml><?xml version="1.0" encoding="utf-8"?>
-<p:sld xmlns:a="http://schemas.openxmlformats.org/drawingml/2006/main" xmlns:r="http://schemas.openxmlformats.org/officeDocument/2006/relationships" xmlns:p="http://schemas.openxmlformats.org/presentationml/2006/main">
-  <p:cSld>
-    <p:spTree>
-      <p:nvGrpSpPr>
-        <p:cNvPr id="1" name=""/>
-        <p:cNvGrpSpPr/>
-        <p:nvPr/>
-      </p:nvGrpSpPr>
-      <p:grpSpPr>
-        <a:xfrm>
-          <a:off x="0" y="0"/>
-          <a:ext cx="0" cy="0"/>
-          <a:chOff x="0" y="0"/>
-          <a:chExt cx="0" cy="0"/>
-        </a:xfrm>
-      </p:grpSpPr>
-      <p:sp>
-        <p:nvSpPr>
-          <p:cNvPr id="6146" name="Rectangle 2"/>
-          <p:cNvSpPr>
-            <a:spLocks noGrp="1" noChangeArrowheads="1"/>
-          </p:cNvSpPr>
-          <p:nvPr>
-            <p:ph type="title"/>
-          </p:nvPr>
-        </p:nvSpPr>
-        <p:spPr>
-          <a:xfrm>
-            <a:off x="685800" y="190500"/>
-            <a:ext cx="7772400" cy="1143000"/>
-          </a:xfrm>
-        </p:spPr>
-        <p:txBody>
-          <a:bodyPr/>
-          <a:lstStyle/>
-          <a:p>
-            <a:pPr eaLnBrk="1" hangingPunct="1"/>
-            <a:r>
-              <a:rPr lang="de-DE" dirty="0">
-                <a:latin typeface="Candara" panose="020E0502030303020204" pitchFamily="34" charset="0"/>
-              </a:rPr>
-              <a:t>Decision analysis</a:t>
-            </a:r>
-            <a:endParaRPr lang="en-GB" dirty="0">
-              <a:latin typeface="Candara" panose="020E0502030303020204" pitchFamily="34" charset="0"/>
-            </a:endParaRPr>
-          </a:p>
-        </p:txBody>
-      </p:sp>
-      <p:sp>
-        <p:nvSpPr>
-          <p:cNvPr id="6147" name="Rectangle 3"/>
-          <p:cNvSpPr>
-            <a:spLocks noGrp="1" noChangeArrowheads="1"/>
-          </p:cNvSpPr>
-          <p:nvPr>
-            <p:ph type="body" idx="1"/>
-          </p:nvPr>
-        </p:nvSpPr>
-        <p:spPr>
-          <a:xfrm>
-            <a:off x="685800" y="1371600"/>
-            <a:ext cx="7772400" cy="4114800"/>
-          </a:xfrm>
-        </p:spPr>
-        <p:txBody>
-          <a:bodyPr/>
-          <a:lstStyle/>
-          <a:p>
-            <a:pPr eaLnBrk="1" hangingPunct="1"/>
-            <a:r>
-              <a:rPr lang="de-DE" dirty="0">
-                <a:latin typeface="Candara" panose="020E0502030303020204" pitchFamily="34" charset="0"/>
-              </a:rPr>
-              <a:t>Cost-benefit analysis</a:t>
-            </a:r>
-          </a:p>
-          <a:p>
-            <a:pPr lvl="1" eaLnBrk="1" hangingPunct="1"/>
-            <a:r>
-              <a:rPr lang="de-DE" dirty="0">
-                <a:latin typeface="Candara" panose="020E0502030303020204" pitchFamily="34" charset="0"/>
-              </a:rPr>
-              <a:t>Efficient flow pollution</a:t>
-            </a:r>
-          </a:p>
-          <a:p>
-            <a:pPr lvl="1" eaLnBrk="1" hangingPunct="1"/>
-            <a:r>
-              <a:rPr lang="de-DE" b="1" dirty="0">
-                <a:latin typeface="Candara" panose="020E0502030303020204" pitchFamily="34" charset="0"/>
-              </a:rPr>
-              <a:t>Efficient stock pollution</a:t>
-            </a:r>
-          </a:p>
-          <a:p>
-            <a:pPr eaLnBrk="1" hangingPunct="1"/>
-            <a:r>
-              <a:rPr lang="de-DE" dirty="0">
-                <a:latin typeface="Candara" panose="020E0502030303020204" pitchFamily="34" charset="0"/>
-              </a:rPr>
-              <a:t>Alternatives</a:t>
-            </a:r>
-          </a:p>
-          <a:p>
-            <a:pPr eaLnBrk="1" hangingPunct="1"/>
-            <a:r>
-              <a:rPr lang="de-DE" dirty="0">
-                <a:latin typeface="Candara" panose="020E0502030303020204" pitchFamily="34" charset="0"/>
-              </a:rPr>
-              <a:t>Applications</a:t>
-            </a:r>
-          </a:p>
-          <a:p>
-            <a:pPr lvl="1" eaLnBrk="1" hangingPunct="1"/>
-            <a:r>
-              <a:rPr lang="de-DE" dirty="0">
-                <a:latin typeface="Candara" panose="020E0502030303020204" pitchFamily="34" charset="0"/>
-              </a:rPr>
-              <a:t>How to apply cost-benefit analysis</a:t>
-            </a:r>
-          </a:p>
-          <a:p>
-            <a:pPr lvl="1" eaLnBrk="1" hangingPunct="1"/>
-            <a:r>
-              <a:rPr lang="de-DE" dirty="0">
-                <a:latin typeface="Candara" panose="020E0502030303020204" pitchFamily="34" charset="0"/>
-              </a:rPr>
-              <a:t>The London Super Sewer</a:t>
-            </a:r>
-          </a:p>
-          <a:p>
-            <a:pPr lvl="1" eaLnBrk="1" hangingPunct="1"/>
-            <a:endParaRPr lang="en-GB" dirty="0">
-              <a:latin typeface="Candara" panose="020E0502030303020204" pitchFamily="34" charset="0"/>
-            </a:endParaRPr>
-          </a:p>
-        </p:txBody>
-      </p:sp>
-    </p:spTree>
-    <p:extLst>
-      <p:ext uri="{BB962C8B-B14F-4D97-AF65-F5344CB8AC3E}">
-        <p14:creationId xmlns:p14="http://schemas.microsoft.com/office/powerpoint/2010/main" val="2671387063"/>
-      </p:ext>
-    </p:extLst>
   </p:cSld>
   <p:clrMapOvr>
     <a:masterClrMapping/>
@@ -7185,6 +7192,159 @@
 </file>
 
 <file path=ppt/slides/slide20.xml><?xml version="1.0" encoding="utf-8"?>
+<p:sld xmlns:a="http://schemas.openxmlformats.org/drawingml/2006/main" xmlns:r="http://schemas.openxmlformats.org/officeDocument/2006/relationships" xmlns:p="http://schemas.openxmlformats.org/presentationml/2006/main">
+  <p:cSld>
+    <p:spTree>
+      <p:nvGrpSpPr>
+        <p:cNvPr id="1" name=""/>
+        <p:cNvGrpSpPr/>
+        <p:nvPr/>
+      </p:nvGrpSpPr>
+      <p:grpSpPr>
+        <a:xfrm>
+          <a:off x="0" y="0"/>
+          <a:ext cx="0" cy="0"/>
+          <a:chOff x="0" y="0"/>
+          <a:chExt cx="0" cy="0"/>
+        </a:xfrm>
+      </p:grpSpPr>
+      <p:sp>
+        <p:nvSpPr>
+          <p:cNvPr id="6146" name="Rectangle 2"/>
+          <p:cNvSpPr>
+            <a:spLocks noGrp="1" noChangeArrowheads="1"/>
+          </p:cNvSpPr>
+          <p:nvPr>
+            <p:ph type="title"/>
+          </p:nvPr>
+        </p:nvSpPr>
+        <p:spPr>
+          <a:xfrm>
+            <a:off x="685800" y="190500"/>
+            <a:ext cx="7772400" cy="1143000"/>
+          </a:xfrm>
+        </p:spPr>
+        <p:txBody>
+          <a:bodyPr/>
+          <a:lstStyle/>
+          <a:p>
+            <a:pPr eaLnBrk="1" hangingPunct="1"/>
+            <a:r>
+              <a:rPr lang="de-DE" dirty="0">
+                <a:latin typeface="Candara" panose="020E0502030303020204" pitchFamily="34" charset="0"/>
+              </a:rPr>
+              <a:t>Decision analysis</a:t>
+            </a:r>
+            <a:endParaRPr lang="en-GB" dirty="0">
+              <a:latin typeface="Candara" panose="020E0502030303020204" pitchFamily="34" charset="0"/>
+            </a:endParaRPr>
+          </a:p>
+        </p:txBody>
+      </p:sp>
+      <p:sp>
+        <p:nvSpPr>
+          <p:cNvPr id="6147" name="Rectangle 3"/>
+          <p:cNvSpPr>
+            <a:spLocks noGrp="1" noChangeArrowheads="1"/>
+          </p:cNvSpPr>
+          <p:nvPr>
+            <p:ph type="body" idx="1"/>
+          </p:nvPr>
+        </p:nvSpPr>
+        <p:spPr>
+          <a:xfrm>
+            <a:off x="685800" y="1371600"/>
+            <a:ext cx="7772400" cy="4114800"/>
+          </a:xfrm>
+        </p:spPr>
+        <p:txBody>
+          <a:bodyPr/>
+          <a:lstStyle/>
+          <a:p>
+            <a:pPr eaLnBrk="1" hangingPunct="1"/>
+            <a:r>
+              <a:rPr lang="de-DE" dirty="0">
+                <a:latin typeface="Candara" panose="020E0502030303020204" pitchFamily="34" charset="0"/>
+              </a:rPr>
+              <a:t>Cost-benefit analysis</a:t>
+            </a:r>
+          </a:p>
+          <a:p>
+            <a:pPr lvl="1" eaLnBrk="1" hangingPunct="1"/>
+            <a:r>
+              <a:rPr lang="de-DE" dirty="0">
+                <a:latin typeface="Candara" panose="020E0502030303020204" pitchFamily="34" charset="0"/>
+              </a:rPr>
+              <a:t>Efficient flow pollution</a:t>
+            </a:r>
+          </a:p>
+          <a:p>
+            <a:pPr lvl="1" eaLnBrk="1" hangingPunct="1"/>
+            <a:r>
+              <a:rPr lang="de-DE" b="1" dirty="0">
+                <a:latin typeface="Candara" panose="020E0502030303020204" pitchFamily="34" charset="0"/>
+              </a:rPr>
+              <a:t>Efficient stock pollution</a:t>
+            </a:r>
+          </a:p>
+          <a:p>
+            <a:pPr eaLnBrk="1" hangingPunct="1"/>
+            <a:r>
+              <a:rPr lang="de-DE" dirty="0">
+                <a:latin typeface="Candara" panose="020E0502030303020204" pitchFamily="34" charset="0"/>
+              </a:rPr>
+              <a:t>Alternatives</a:t>
+            </a:r>
+          </a:p>
+          <a:p>
+            <a:pPr eaLnBrk="1" hangingPunct="1"/>
+            <a:r>
+              <a:rPr lang="de-DE" dirty="0">
+                <a:latin typeface="Candara" panose="020E0502030303020204" pitchFamily="34" charset="0"/>
+              </a:rPr>
+              <a:t>Applications</a:t>
+            </a:r>
+          </a:p>
+          <a:p>
+            <a:pPr lvl="1" eaLnBrk="1" hangingPunct="1"/>
+            <a:r>
+              <a:rPr lang="de-DE" dirty="0">
+                <a:latin typeface="Candara" panose="020E0502030303020204" pitchFamily="34" charset="0"/>
+              </a:rPr>
+              <a:t>How to apply cost-benefit analysis</a:t>
+            </a:r>
+          </a:p>
+          <a:p>
+            <a:pPr lvl="1" eaLnBrk="1" hangingPunct="1"/>
+            <a:r>
+              <a:rPr lang="de-DE" dirty="0">
+                <a:latin typeface="Candara" panose="020E0502030303020204" pitchFamily="34" charset="0"/>
+              </a:rPr>
+              <a:t>The London Super Sewer</a:t>
+            </a:r>
+          </a:p>
+          <a:p>
+            <a:pPr lvl="1" eaLnBrk="1" hangingPunct="1"/>
+            <a:endParaRPr lang="en-GB" dirty="0">
+              <a:latin typeface="Candara" panose="020E0502030303020204" pitchFamily="34" charset="0"/>
+            </a:endParaRPr>
+          </a:p>
+        </p:txBody>
+      </p:sp>
+    </p:spTree>
+    <p:extLst>
+      <p:ext uri="{BB962C8B-B14F-4D97-AF65-F5344CB8AC3E}">
+        <p14:creationId xmlns:p14="http://schemas.microsoft.com/office/powerpoint/2010/main" val="2671387063"/>
+      </p:ext>
+    </p:extLst>
+  </p:cSld>
+  <p:clrMapOvr>
+    <a:masterClrMapping/>
+  </p:clrMapOvr>
+</p:sld>
+</file>
+
+<file path=ppt/slides/slide21.xml><?xml version="1.0" encoding="utf-8"?>
 <p:sld xmlns:a="http://schemas.openxmlformats.org/drawingml/2006/main" xmlns:r="http://schemas.openxmlformats.org/officeDocument/2006/relationships" xmlns:p="http://schemas.openxmlformats.org/presentationml/2006/main">
   <p:cSld>
     <p:spTree>
@@ -8482,7 +8642,7 @@
 </p:sld>
 </file>
 
-<file path=ppt/slides/slide21.xml><?xml version="1.0" encoding="utf-8"?>
+<file path=ppt/slides/slide22.xml><?xml version="1.0" encoding="utf-8"?>
 <p:sld xmlns:a="http://schemas.openxmlformats.org/drawingml/2006/main" xmlns:r="http://schemas.openxmlformats.org/officeDocument/2006/relationships" xmlns:p="http://schemas.openxmlformats.org/presentationml/2006/main">
   <p:cSld>
     <p:spTree>
@@ -10142,7 +10302,7 @@
 </p:sld>
 </file>
 
-<file path=ppt/slides/slide22.xml><?xml version="1.0" encoding="utf-8"?>
+<file path=ppt/slides/slide23.xml><?xml version="1.0" encoding="utf-8"?>
 <p:sld xmlns:a="http://schemas.openxmlformats.org/drawingml/2006/main" xmlns:r="http://schemas.openxmlformats.org/officeDocument/2006/relationships" xmlns:p="http://schemas.openxmlformats.org/presentationml/2006/main">
   <p:cSld>
     <p:spTree>
@@ -10732,7 +10892,7 @@
 </p:sld>
 </file>
 
-<file path=ppt/slides/slide23.xml><?xml version="1.0" encoding="utf-8"?>
+<file path=ppt/slides/slide24.xml><?xml version="1.0" encoding="utf-8"?>
 <p:sld xmlns:a="http://schemas.openxmlformats.org/drawingml/2006/main" xmlns:r="http://schemas.openxmlformats.org/officeDocument/2006/relationships" xmlns:p="http://schemas.openxmlformats.org/presentationml/2006/main">
   <p:cSld>
     <p:spTree>
@@ -10885,7 +11045,7 @@
 </p:sld>
 </file>
 
-<file path=ppt/slides/slide24.xml><?xml version="1.0" encoding="utf-8"?>
+<file path=ppt/slides/slide25.xml><?xml version="1.0" encoding="utf-8"?>
 <p:sld xmlns:a="http://schemas.openxmlformats.org/drawingml/2006/main" xmlns:r="http://schemas.openxmlformats.org/officeDocument/2006/relationships" xmlns:p="http://schemas.openxmlformats.org/presentationml/2006/main">
   <p:cSld>
     <p:spTree>
@@ -11027,7 +11187,7 @@
 </p:sld>
 </file>
 
-<file path=ppt/slides/slide25.xml><?xml version="1.0" encoding="utf-8"?>
+<file path=ppt/slides/slide26.xml><?xml version="1.0" encoding="utf-8"?>
 <p:sld xmlns:a="http://schemas.openxmlformats.org/drawingml/2006/main" xmlns:r="http://schemas.openxmlformats.org/officeDocument/2006/relationships" xmlns:p="http://schemas.openxmlformats.org/presentationml/2006/main">
   <p:cSld>
     <p:spTree>
@@ -11115,102 +11275,26 @@
               </a:lnSpc>
             </a:pPr>
             <a:r>
+              <a:rPr lang="de-DE" sz="2800" dirty="0" err="1">
+                <a:latin typeface="Candara" panose="020E0502030303020204" pitchFamily="34" charset="0"/>
+              </a:rPr>
+              <a:t>Multicriteria</a:t>
+            </a:r>
+            <a:r>
               <a:rPr lang="de-DE" sz="2800" dirty="0">
                 <a:latin typeface="Candara" panose="020E0502030303020204" pitchFamily="34" charset="0"/>
               </a:rPr>
-              <a:t>Multicriteria analysis</a:t>
-            </a:r>
-          </a:p>
-          <a:p>
-            <a:pPr>
-              <a:lnSpc>
-                <a:spcPct val="90000"/>
-              </a:lnSpc>
-            </a:pPr>
-            <a:r>
-              <a:rPr lang="de-DE" sz="2800" dirty="0">
-                <a:latin typeface="Candara" panose="020E0502030303020204" pitchFamily="34" charset="0"/>
-              </a:rPr>
-              <a:t>Alternatives</a:t>
-            </a:r>
-          </a:p>
-          <a:p>
-            <a:pPr lvl="1">
-              <a:lnSpc>
-                <a:spcPct val="90000"/>
-              </a:lnSpc>
-            </a:pPr>
-            <a:r>
-              <a:rPr lang="de-DE" sz="2400" dirty="0">
-                <a:latin typeface="Candara" panose="020E0502030303020204" pitchFamily="34" charset="0"/>
-              </a:rPr>
-              <a:t>Safe minimum standards</a:t>
-            </a:r>
-          </a:p>
-          <a:p>
-            <a:pPr lvl="1">
-              <a:lnSpc>
-                <a:spcPct val="90000"/>
-              </a:lnSpc>
-            </a:pPr>
-            <a:r>
-              <a:rPr lang="de-DE" sz="2400" dirty="0">
-                <a:latin typeface="Candara" panose="020E0502030303020204" pitchFamily="34" charset="0"/>
-              </a:rPr>
-              <a:t>Citizen juries, referendums</a:t>
-            </a:r>
-          </a:p>
-          <a:p>
-            <a:pPr lvl="1">
-              <a:lnSpc>
-                <a:spcPct val="90000"/>
-              </a:lnSpc>
-            </a:pPr>
-            <a:r>
-              <a:rPr lang="de-DE" sz="2400" dirty="0">
-                <a:latin typeface="Candara" panose="020E0502030303020204" pitchFamily="34" charset="0"/>
-              </a:rPr>
-              <a:t>Best available technology</a:t>
-            </a:r>
-          </a:p>
-          <a:p>
-            <a:pPr lvl="1">
-              <a:lnSpc>
-                <a:spcPct val="90000"/>
-              </a:lnSpc>
-            </a:pPr>
-            <a:r>
-              <a:rPr lang="de-DE" sz="2400" dirty="0">
-                <a:latin typeface="Candara" panose="020E0502030303020204" pitchFamily="34" charset="0"/>
-              </a:rPr>
-              <a:t>Precautionary principle</a:t>
-            </a:r>
-          </a:p>
-          <a:p>
-            <a:pPr lvl="1">
-              <a:lnSpc>
-                <a:spcPct val="90000"/>
-              </a:lnSpc>
-            </a:pPr>
-            <a:r>
-              <a:rPr lang="de-DE" sz="2400" dirty="0">
-                <a:latin typeface="Candara" panose="020E0502030303020204" pitchFamily="34" charset="0"/>
-              </a:rPr>
-              <a:t>Arbitrary standards</a:t>
-            </a:r>
-          </a:p>
-          <a:p>
-            <a:pPr>
-              <a:lnSpc>
-                <a:spcPct val="90000"/>
-              </a:lnSpc>
-            </a:pPr>
-            <a:r>
-              <a:rPr lang="de-DE" sz="2800" dirty="0">
-                <a:latin typeface="Candara" panose="020E0502030303020204" pitchFamily="34" charset="0"/>
-              </a:rPr>
-              <a:t>Cost-effectiveness analysis</a:t>
-            </a:r>
+              <a:t> </a:t>
+            </a:r>
+            <a:r>
+              <a:rPr lang="de-DE" sz="2800" dirty="0" err="1">
+                <a:latin typeface="Candara" panose="020E0502030303020204" pitchFamily="34" charset="0"/>
+              </a:rPr>
+              <a:t>analysis</a:t>
+            </a:r>
+            <a:endParaRPr lang="de-DE" sz="2800" dirty="0">
+              <a:latin typeface="Candara" panose="020E0502030303020204" pitchFamily="34" charset="0"/>
+            </a:endParaRPr>
           </a:p>
         </p:txBody>
       </p:sp>
@@ -11227,12 +11311,18 @@
 </p:sld>
 </file>
 
-<file path=ppt/slides/slide26.xml><?xml version="1.0" encoding="utf-8"?>
+<file path=ppt/slides/slide27.xml><?xml version="1.0" encoding="utf-8"?>
 <p:sld xmlns:a="http://schemas.openxmlformats.org/drawingml/2006/main" xmlns:r="http://schemas.openxmlformats.org/officeDocument/2006/relationships" xmlns:p="http://schemas.openxmlformats.org/presentationml/2006/main">
   <p:cSld>
     <p:spTree>
       <p:nvGrpSpPr>
-        <p:cNvPr id="1" name=""/>
+        <p:cNvPr id="1" name="">
+          <a:extLst>
+            <a:ext uri="{FF2B5EF4-FFF2-40B4-BE49-F238E27FC236}">
+              <a16:creationId xmlns:a16="http://schemas.microsoft.com/office/drawing/2014/main" id="{A07FCD2C-258D-1E48-D15D-7DCC262BC8A5}"/>
+            </a:ext>
+          </a:extLst>
+        </p:cNvPr>
         <p:cNvGrpSpPr/>
         <p:nvPr/>
       </p:nvGrpSpPr>
@@ -11246,7 +11336,13 @@
       </p:grpSpPr>
       <p:sp>
         <p:nvSpPr>
-          <p:cNvPr id="6146" name="Rectangle 2"/>
+          <p:cNvPr id="16386" name="Rectangle 2">
+            <a:extLst>
+              <a:ext uri="{FF2B5EF4-FFF2-40B4-BE49-F238E27FC236}">
+                <a16:creationId xmlns:a16="http://schemas.microsoft.com/office/drawing/2014/main" id="{4701987B-6164-44C5-7E0F-0D7524752FAA}"/>
+              </a:ext>
+            </a:extLst>
+          </p:cNvPr>
           <p:cNvSpPr>
             <a:spLocks noGrp="1" noChangeArrowheads="1"/>
           </p:cNvSpPr>
@@ -11256,7 +11352,7 @@
         </p:nvSpPr>
         <p:spPr>
           <a:xfrm>
-            <a:off x="685800" y="190500"/>
+            <a:off x="685800" y="0"/>
             <a:ext cx="7772400" cy="1143000"/>
           </a:xfrm>
         </p:spPr>
@@ -11264,22 +11360,24 @@
           <a:bodyPr/>
           <a:lstStyle/>
           <a:p>
-            <a:pPr eaLnBrk="1" hangingPunct="1"/>
-            <a:r>
-              <a:rPr lang="de-DE" dirty="0">
-                <a:latin typeface="Candara" panose="020E0502030303020204" pitchFamily="34" charset="0"/>
-              </a:rPr>
-              <a:t>Decision analysis</a:t>
-            </a:r>
-            <a:endParaRPr lang="en-GB" dirty="0">
-              <a:latin typeface="Candara" panose="020E0502030303020204" pitchFamily="34" charset="0"/>
-            </a:endParaRPr>
+            <a:r>
+              <a:rPr lang="en-GB" sz="3600" dirty="0">
+                <a:latin typeface="Candara" panose="020E0502030303020204" pitchFamily="34" charset="0"/>
+              </a:rPr>
+              <a:t>Multicriteria Analysis</a:t>
+            </a:r>
           </a:p>
         </p:txBody>
       </p:sp>
       <p:sp>
         <p:nvSpPr>
-          <p:cNvPr id="6147" name="Rectangle 3"/>
+          <p:cNvPr id="16387" name="Rectangle 3">
+            <a:extLst>
+              <a:ext uri="{FF2B5EF4-FFF2-40B4-BE49-F238E27FC236}">
+                <a16:creationId xmlns:a16="http://schemas.microsoft.com/office/drawing/2014/main" id="{4FE0FFCD-5280-C234-68E8-30ACA6CAC491}"/>
+              </a:ext>
+            </a:extLst>
+          </p:cNvPr>
           <p:cNvSpPr>
             <a:spLocks noGrp="1" noChangeArrowheads="1"/>
           </p:cNvSpPr>
@@ -11289,88 +11387,421 @@
         </p:nvSpPr>
         <p:spPr>
           <a:xfrm>
-            <a:off x="685800" y="1371600"/>
-            <a:ext cx="7772400" cy="4114800"/>
+            <a:off x="685800" y="914400"/>
+            <a:ext cx="7772400" cy="5334000"/>
           </a:xfrm>
         </p:spPr>
         <p:txBody>
           <a:bodyPr/>
           <a:lstStyle/>
           <a:p>
-            <a:pPr eaLnBrk="1" hangingPunct="1"/>
-            <a:r>
-              <a:rPr lang="de-DE" dirty="0">
-                <a:latin typeface="Candara" panose="020E0502030303020204" pitchFamily="34" charset="0"/>
-              </a:rPr>
-              <a:t>Cost-benefit analysis</a:t>
-            </a:r>
-          </a:p>
-          <a:p>
-            <a:pPr lvl="1" eaLnBrk="1" hangingPunct="1"/>
-            <a:r>
-              <a:rPr lang="de-DE" dirty="0">
-                <a:latin typeface="Candara" panose="020E0502030303020204" pitchFamily="34" charset="0"/>
-              </a:rPr>
-              <a:t>Efficient flow pollution</a:t>
-            </a:r>
-          </a:p>
-          <a:p>
-            <a:pPr lvl="1" eaLnBrk="1" hangingPunct="1"/>
-            <a:r>
-              <a:rPr lang="de-DE" dirty="0">
-                <a:latin typeface="Candara" panose="020E0502030303020204" pitchFamily="34" charset="0"/>
-              </a:rPr>
-              <a:t>Efficient stock pollution</a:t>
-            </a:r>
-          </a:p>
-          <a:p>
-            <a:pPr eaLnBrk="1" hangingPunct="1"/>
-            <a:r>
-              <a:rPr lang="de-DE" dirty="0">
-                <a:latin typeface="Candara" panose="020E0502030303020204" pitchFamily="34" charset="0"/>
-              </a:rPr>
-              <a:t>Alternatives</a:t>
-            </a:r>
-          </a:p>
-          <a:p>
-            <a:pPr eaLnBrk="1" hangingPunct="1"/>
-            <a:r>
-              <a:rPr lang="de-DE" dirty="0">
-                <a:latin typeface="Candara" panose="020E0502030303020204" pitchFamily="34" charset="0"/>
-              </a:rPr>
-              <a:t>Applications</a:t>
-            </a:r>
-          </a:p>
-          <a:p>
-            <a:pPr lvl="1" eaLnBrk="1" hangingPunct="1"/>
-            <a:r>
-              <a:rPr lang="de-DE" b="1" dirty="0">
-                <a:latin typeface="Candara" panose="020E0502030303020204" pitchFamily="34" charset="0"/>
-              </a:rPr>
-              <a:t>How to apply cost-benefit analysis</a:t>
-            </a:r>
-          </a:p>
-          <a:p>
-            <a:pPr lvl="1" eaLnBrk="1" hangingPunct="1"/>
-            <a:r>
-              <a:rPr lang="de-DE" dirty="0">
-                <a:latin typeface="Candara" panose="020E0502030303020204" pitchFamily="34" charset="0"/>
-              </a:rPr>
-              <a:t>The London Super Sewer</a:t>
-            </a:r>
-          </a:p>
-          <a:p>
-            <a:pPr lvl="1" eaLnBrk="1" hangingPunct="1"/>
-            <a:endParaRPr lang="en-GB" dirty="0">
+            <a:pPr>
+              <a:lnSpc>
+                <a:spcPct val="90000"/>
+              </a:lnSpc>
+            </a:pPr>
+            <a:r>
+              <a:rPr lang="en-GB" sz="2800" dirty="0">
+                <a:latin typeface="Candara" panose="020E0502030303020204" pitchFamily="34" charset="0"/>
+              </a:rPr>
+              <a:t>Many variants – here is one</a:t>
+            </a:r>
+          </a:p>
+          <a:p>
+            <a:pPr>
+              <a:lnSpc>
+                <a:spcPct val="90000"/>
+              </a:lnSpc>
+            </a:pPr>
+            <a:endParaRPr lang="en-GB" sz="2800" dirty="0">
               <a:latin typeface="Candara" panose="020E0502030303020204" pitchFamily="34" charset="0"/>
             </a:endParaRPr>
           </a:p>
+          <a:p>
+            <a:pPr>
+              <a:lnSpc>
+                <a:spcPct val="90000"/>
+              </a:lnSpc>
+            </a:pPr>
+            <a:endParaRPr lang="en-GB" sz="2800" dirty="0">
+              <a:latin typeface="Candara" panose="020E0502030303020204" pitchFamily="34" charset="0"/>
+            </a:endParaRPr>
+          </a:p>
+          <a:p>
+            <a:pPr>
+              <a:lnSpc>
+                <a:spcPct val="90000"/>
+              </a:lnSpc>
+            </a:pPr>
+            <a:endParaRPr lang="en-GB" sz="2800" dirty="0">
+              <a:latin typeface="Candara" panose="020E0502030303020204" pitchFamily="34" charset="0"/>
+            </a:endParaRPr>
+          </a:p>
+          <a:p>
+            <a:pPr>
+              <a:lnSpc>
+                <a:spcPct val="90000"/>
+              </a:lnSpc>
+            </a:pPr>
+            <a:endParaRPr lang="en-GB" sz="2800" dirty="0">
+              <a:latin typeface="Candara" panose="020E0502030303020204" pitchFamily="34" charset="0"/>
+            </a:endParaRPr>
+          </a:p>
+          <a:p>
+            <a:pPr>
+              <a:lnSpc>
+                <a:spcPct val="90000"/>
+              </a:lnSpc>
+            </a:pPr>
+            <a:endParaRPr lang="en-GB" sz="2800" dirty="0">
+              <a:latin typeface="Candara" panose="020E0502030303020204" pitchFamily="34" charset="0"/>
+            </a:endParaRPr>
+          </a:p>
+          <a:p>
+            <a:pPr>
+              <a:lnSpc>
+                <a:spcPct val="90000"/>
+              </a:lnSpc>
+            </a:pPr>
+            <a:r>
+              <a:rPr lang="en-GB" sz="2800" dirty="0">
+                <a:latin typeface="Candara" panose="020E0502030303020204" pitchFamily="34" charset="0"/>
+              </a:rPr>
+              <a:t>Option A is dominated, worse on both scores</a:t>
+            </a:r>
+          </a:p>
+          <a:p>
+            <a:pPr>
+              <a:lnSpc>
+                <a:spcPct val="90000"/>
+              </a:lnSpc>
+            </a:pPr>
+            <a:r>
+              <a:rPr lang="en-GB" sz="2800" dirty="0">
+                <a:latin typeface="Candara" panose="020E0502030303020204" pitchFamily="34" charset="0"/>
+              </a:rPr>
+              <a:t>Difference between B and C is 150,000 badgers, 15 infected herds</a:t>
+            </a:r>
+          </a:p>
+          <a:p>
+            <a:pPr>
+              <a:lnSpc>
+                <a:spcPct val="90000"/>
+              </a:lnSpc>
+            </a:pPr>
+            <a:r>
+              <a:rPr lang="en-GB" sz="2800" dirty="0">
+                <a:latin typeface="Candara" panose="020E0502030303020204" pitchFamily="34" charset="0"/>
+              </a:rPr>
+              <a:t>If 1 herd is worth more than 10,000 badgers, C is preferred to B</a:t>
+            </a:r>
+          </a:p>
+          <a:p>
+            <a:pPr>
+              <a:lnSpc>
+                <a:spcPct val="90000"/>
+              </a:lnSpc>
+            </a:pPr>
+            <a:r>
+              <a:rPr lang="en-GB" sz="2800" dirty="0">
+                <a:latin typeface="Candara" panose="020E0502030303020204" pitchFamily="34" charset="0"/>
+              </a:rPr>
+              <a:t>Break-even point: 1 cow = 50 badgers</a:t>
+            </a:r>
+          </a:p>
+          <a:p>
+            <a:pPr>
+              <a:lnSpc>
+                <a:spcPct val="90000"/>
+              </a:lnSpc>
+            </a:pPr>
+            <a:endParaRPr lang="en-GB" sz="2800" dirty="0">
+              <a:latin typeface="Candara" panose="020E0502030303020204" pitchFamily="34" charset="0"/>
+            </a:endParaRPr>
+          </a:p>
         </p:txBody>
       </p:sp>
+      <p:graphicFrame>
+        <p:nvGraphicFramePr>
+          <p:cNvPr id="2" name="Table 1">
+            <a:extLst>
+              <a:ext uri="{FF2B5EF4-FFF2-40B4-BE49-F238E27FC236}">
+                <a16:creationId xmlns:a16="http://schemas.microsoft.com/office/drawing/2014/main" id="{C708007B-CCBD-CC89-1322-7FD30E2DE5C2}"/>
+              </a:ext>
+            </a:extLst>
+          </p:cNvPr>
+          <p:cNvGraphicFramePr>
+            <a:graphicFrameLocks noGrp="1"/>
+          </p:cNvGraphicFramePr>
+          <p:nvPr>
+            <p:extLst>
+              <p:ext uri="{D42A27DB-BD31-4B8C-83A1-F6EECF244321}">
+                <p14:modId xmlns:p14="http://schemas.microsoft.com/office/powerpoint/2010/main" val="169973049"/>
+              </p:ext>
+            </p:extLst>
+          </p:nvPr>
+        </p:nvGraphicFramePr>
+        <p:xfrm>
+          <a:off x="1066800" y="1508760"/>
+          <a:ext cx="6096000" cy="2072640"/>
+        </p:xfrm>
+        <a:graphic>
+          <a:graphicData uri="http://schemas.openxmlformats.org/drawingml/2006/table">
+            <a:tbl>
+              <a:tblPr firstRow="1" bandRow="1">
+                <a:tableStyleId>{5C22544A-7EE6-4342-B048-85BDC9FD1C3A}</a:tableStyleId>
+              </a:tblPr>
+              <a:tblGrid>
+                <a:gridCol w="1524000">
+                  <a:extLst>
+                    <a:ext uri="{9D8B030D-6E8A-4147-A177-3AD203B41FA5}">
+                      <a16:colId xmlns:a16="http://schemas.microsoft.com/office/drawing/2014/main" val="3337796191"/>
+                    </a:ext>
+                  </a:extLst>
+                </a:gridCol>
+                <a:gridCol w="1905000">
+                  <a:extLst>
+                    <a:ext uri="{9D8B030D-6E8A-4147-A177-3AD203B41FA5}">
+                      <a16:colId xmlns:a16="http://schemas.microsoft.com/office/drawing/2014/main" val="1856849319"/>
+                    </a:ext>
+                  </a:extLst>
+                </a:gridCol>
+                <a:gridCol w="2667000">
+                  <a:extLst>
+                    <a:ext uri="{9D8B030D-6E8A-4147-A177-3AD203B41FA5}">
+                      <a16:colId xmlns:a16="http://schemas.microsoft.com/office/drawing/2014/main" val="866823526"/>
+                    </a:ext>
+                  </a:extLst>
+                </a:gridCol>
+              </a:tblGrid>
+              <a:tr h="449580">
+                <a:tc>
+                  <a:txBody>
+                    <a:bodyPr/>
+                    <a:lstStyle/>
+                    <a:p>
+                      <a:pPr algn="ctr"/>
+                      <a:r>
+                        <a:rPr lang="en-GB" sz="2800" dirty="0">
+                          <a:latin typeface="Candara" panose="020E0502030303020204" pitchFamily="34" charset="0"/>
+                        </a:rPr>
+                        <a:t>Option</a:t>
+                      </a:r>
+                    </a:p>
+                  </a:txBody>
+                  <a:tcPr/>
+                </a:tc>
+                <a:tc>
+                  <a:txBody>
+                    <a:bodyPr/>
+                    <a:lstStyle/>
+                    <a:p>
+                      <a:pPr algn="ctr"/>
+                      <a:r>
+                        <a:rPr lang="en-GB" sz="2800" dirty="0">
+                          <a:latin typeface="Candara" panose="020E0502030303020204" pitchFamily="34" charset="0"/>
+                        </a:rPr>
+                        <a:t># badgers</a:t>
+                      </a:r>
+                    </a:p>
+                  </a:txBody>
+                  <a:tcPr/>
+                </a:tc>
+                <a:tc>
+                  <a:txBody>
+                    <a:bodyPr/>
+                    <a:lstStyle/>
+                    <a:p>
+                      <a:pPr algn="ctr"/>
+                      <a:r>
+                        <a:rPr lang="en-GB" sz="2800" dirty="0">
+                          <a:latin typeface="Candara" panose="020E0502030303020204" pitchFamily="34" charset="0"/>
+                        </a:rPr>
+                        <a:t># infected herds</a:t>
+                      </a:r>
+                    </a:p>
+                  </a:txBody>
+                  <a:tcPr/>
+                </a:tc>
+                <a:extLst>
+                  <a:ext uri="{0D108BD9-81ED-4DB2-BD59-A6C34878D82A}">
+                    <a16:rowId xmlns:a16="http://schemas.microsoft.com/office/drawing/2014/main" val="1585255119"/>
+                  </a:ext>
+                </a:extLst>
+              </a:tr>
+              <a:tr h="370840">
+                <a:tc>
+                  <a:txBody>
+                    <a:bodyPr/>
+                    <a:lstStyle/>
+                    <a:p>
+                      <a:pPr algn="ctr"/>
+                      <a:r>
+                        <a:rPr lang="en-GB" sz="2800" dirty="0">
+                          <a:latin typeface="Candara" panose="020E0502030303020204" pitchFamily="34" charset="0"/>
+                        </a:rPr>
+                        <a:t>A</a:t>
+                      </a:r>
+                    </a:p>
+                  </a:txBody>
+                  <a:tcPr/>
+                </a:tc>
+                <a:tc>
+                  <a:txBody>
+                    <a:bodyPr/>
+                    <a:lstStyle/>
+                    <a:p>
+                      <a:pPr algn="ctr"/>
+                      <a:r>
+                        <a:rPr lang="en-GB" sz="2800" dirty="0">
+                          <a:latin typeface="Candara" panose="020E0502030303020204" pitchFamily="34" charset="0"/>
+                        </a:rPr>
+                        <a:t>250,000</a:t>
+                      </a:r>
+                    </a:p>
+                  </a:txBody>
+                  <a:tcPr/>
+                </a:tc>
+                <a:tc>
+                  <a:txBody>
+                    <a:bodyPr/>
+                    <a:lstStyle/>
+                    <a:p>
+                      <a:pPr algn="ctr"/>
+                      <a:r>
+                        <a:rPr lang="en-GB" sz="2800" dirty="0">
+                          <a:latin typeface="Candara" panose="020E0502030303020204" pitchFamily="34" charset="0"/>
+                        </a:rPr>
+                        <a:t>25</a:t>
+                      </a:r>
+                    </a:p>
+                  </a:txBody>
+                  <a:tcPr/>
+                </a:tc>
+                <a:extLst>
+                  <a:ext uri="{0D108BD9-81ED-4DB2-BD59-A6C34878D82A}">
+                    <a16:rowId xmlns:a16="http://schemas.microsoft.com/office/drawing/2014/main" val="4239657072"/>
+                  </a:ext>
+                </a:extLst>
+              </a:tr>
+              <a:tr h="370840">
+                <a:tc>
+                  <a:txBody>
+                    <a:bodyPr/>
+                    <a:lstStyle/>
+                    <a:p>
+                      <a:pPr algn="ctr"/>
+                      <a:r>
+                        <a:rPr lang="en-GB" sz="2800" dirty="0">
+                          <a:latin typeface="Candara" panose="020E0502030303020204" pitchFamily="34" charset="0"/>
+                        </a:rPr>
+                        <a:t>B</a:t>
+                      </a:r>
+                    </a:p>
+                  </a:txBody>
+                  <a:tcPr/>
+                </a:tc>
+                <a:tc>
+                  <a:txBody>
+                    <a:bodyPr/>
+                    <a:lstStyle/>
+                    <a:p>
+                      <a:pPr algn="ctr"/>
+                      <a:r>
+                        <a:rPr lang="en-GB" sz="2800" dirty="0">
+                          <a:latin typeface="Candara" panose="020E0502030303020204" pitchFamily="34" charset="0"/>
+                        </a:rPr>
+                        <a:t>400,000</a:t>
+                      </a:r>
+                    </a:p>
+                  </a:txBody>
+                  <a:tcPr/>
+                </a:tc>
+                <a:tc>
+                  <a:txBody>
+                    <a:bodyPr/>
+                    <a:lstStyle/>
+                    <a:p>
+                      <a:pPr algn="ctr"/>
+                      <a:r>
+                        <a:rPr lang="en-GB" sz="2800" dirty="0">
+                          <a:latin typeface="Candara" panose="020E0502030303020204" pitchFamily="34" charset="0"/>
+                        </a:rPr>
+                        <a:t>22</a:t>
+                      </a:r>
+                    </a:p>
+                  </a:txBody>
+                  <a:tcPr/>
+                </a:tc>
+                <a:extLst>
+                  <a:ext uri="{0D108BD9-81ED-4DB2-BD59-A6C34878D82A}">
+                    <a16:rowId xmlns:a16="http://schemas.microsoft.com/office/drawing/2014/main" val="3806515465"/>
+                  </a:ext>
+                </a:extLst>
+              </a:tr>
+              <a:tr h="370840">
+                <a:tc>
+                  <a:txBody>
+                    <a:bodyPr/>
+                    <a:lstStyle/>
+                    <a:p>
+                      <a:pPr algn="ctr"/>
+                      <a:r>
+                        <a:rPr lang="en-GB" sz="2800" dirty="0">
+                          <a:latin typeface="Candara" panose="020E0502030303020204" pitchFamily="34" charset="0"/>
+                        </a:rPr>
+                        <a:t>C</a:t>
+                      </a:r>
+                    </a:p>
+                  </a:txBody>
+                  <a:tcPr/>
+                </a:tc>
+                <a:tc>
+                  <a:txBody>
+                    <a:bodyPr/>
+                    <a:lstStyle/>
+                    <a:p>
+                      <a:pPr algn="ctr"/>
+                      <a:r>
+                        <a:rPr lang="en-GB" sz="2800" dirty="0">
+                          <a:latin typeface="Candara" panose="020E0502030303020204" pitchFamily="34" charset="0"/>
+                        </a:rPr>
+                        <a:t>250,000</a:t>
+                      </a:r>
+                    </a:p>
+                  </a:txBody>
+                  <a:tcPr/>
+                </a:tc>
+                <a:tc>
+                  <a:txBody>
+                    <a:bodyPr/>
+                    <a:lstStyle/>
+                    <a:p>
+                      <a:pPr algn="ctr"/>
+                      <a:r>
+                        <a:rPr lang="en-GB" sz="2800" dirty="0">
+                          <a:latin typeface="Candara" panose="020E0502030303020204" pitchFamily="34" charset="0"/>
+                        </a:rPr>
+                        <a:t>7</a:t>
+                      </a:r>
+                    </a:p>
+                  </a:txBody>
+                  <a:tcPr/>
+                </a:tc>
+                <a:extLst>
+                  <a:ext uri="{0D108BD9-81ED-4DB2-BD59-A6C34878D82A}">
+                    <a16:rowId xmlns:a16="http://schemas.microsoft.com/office/drawing/2014/main" val="791432804"/>
+                  </a:ext>
+                </a:extLst>
+              </a:tr>
+            </a:tbl>
+          </a:graphicData>
+        </a:graphic>
+      </p:graphicFrame>
     </p:spTree>
     <p:extLst>
       <p:ext uri="{BB962C8B-B14F-4D97-AF65-F5344CB8AC3E}">
-        <p14:creationId xmlns:p14="http://schemas.microsoft.com/office/powerpoint/2010/main" val="2544148115"/>
+        <p14:creationId xmlns:p14="http://schemas.microsoft.com/office/powerpoint/2010/main" val="2568859187"/>
       </p:ext>
     </p:extLst>
   </p:cSld>
@@ -11380,12 +11811,18 @@
 </p:sld>
 </file>
 
-<file path=ppt/slides/slide27.xml><?xml version="1.0" encoding="utf-8"?>
+<file path=ppt/slides/slide28.xml><?xml version="1.0" encoding="utf-8"?>
 <p:sld xmlns:a="http://schemas.openxmlformats.org/drawingml/2006/main" xmlns:r="http://schemas.openxmlformats.org/officeDocument/2006/relationships" xmlns:p="http://schemas.openxmlformats.org/presentationml/2006/main">
   <p:cSld>
     <p:spTree>
       <p:nvGrpSpPr>
-        <p:cNvPr id="1" name=""/>
+        <p:cNvPr id="1" name="">
+          <a:extLst>
+            <a:ext uri="{FF2B5EF4-FFF2-40B4-BE49-F238E27FC236}">
+              <a16:creationId xmlns:a16="http://schemas.microsoft.com/office/drawing/2014/main" id="{BEFB8800-8493-2092-08BD-468F32F9BF37}"/>
+            </a:ext>
+          </a:extLst>
+        </p:cNvPr>
         <p:cNvGrpSpPr/>
         <p:nvPr/>
       </p:nvGrpSpPr>
@@ -11399,9 +11836,15 @@
       </p:grpSpPr>
       <p:sp>
         <p:nvSpPr>
-          <p:cNvPr id="260" name="Social Cost-Benefit Analysis"/>
-          <p:cNvSpPr txBox="1">
-            <a:spLocks noGrp="1"/>
+          <p:cNvPr id="16386" name="Rectangle 2">
+            <a:extLst>
+              <a:ext uri="{FF2B5EF4-FFF2-40B4-BE49-F238E27FC236}">
+                <a16:creationId xmlns:a16="http://schemas.microsoft.com/office/drawing/2014/main" id="{3069C39D-7AF4-3C32-C916-469551A704D9}"/>
+              </a:ext>
+            </a:extLst>
+          </p:cNvPr>
+          <p:cNvSpPr>
+            <a:spLocks noGrp="1" noChangeArrowheads="1"/>
           </p:cNvSpPr>
           <p:nvPr>
             <p:ph type="title"/>
@@ -11409,7 +11852,7 @@
         </p:nvSpPr>
         <p:spPr>
           <a:xfrm>
-            <a:off x="670192" y="-11935"/>
+            <a:off x="685800" y="0"/>
             <a:ext cx="7772400" cy="1143000"/>
           </a:xfrm>
         </p:spPr>
@@ -11421,16 +11864,22 @@
               <a:rPr lang="en-GB" sz="3600" dirty="0">
                 <a:latin typeface="Candara" panose="020E0502030303020204" pitchFamily="34" charset="0"/>
               </a:rPr>
-              <a:t>Applied Cost-Benefit Analysis</a:t>
+              <a:t>Multicriteria Analysis</a:t>
             </a:r>
           </a:p>
         </p:txBody>
       </p:sp>
       <p:sp>
         <p:nvSpPr>
-          <p:cNvPr id="261" name="Social CBA is an analytical tool to inform decisions about interventions involving public expenditure over time…"/>
-          <p:cNvSpPr txBox="1">
-            <a:spLocks noGrp="1"/>
+          <p:cNvPr id="16387" name="Rectangle 3">
+            <a:extLst>
+              <a:ext uri="{FF2B5EF4-FFF2-40B4-BE49-F238E27FC236}">
+                <a16:creationId xmlns:a16="http://schemas.microsoft.com/office/drawing/2014/main" id="{B946FD0F-CA1E-DEE5-15DF-53159C03CB29}"/>
+              </a:ext>
+            </a:extLst>
+          </p:cNvPr>
+          <p:cNvSpPr>
+            <a:spLocks noGrp="1" noChangeArrowheads="1"/>
           </p:cNvSpPr>
           <p:nvPr>
             <p:ph type="body" idx="1"/>
@@ -11438,95 +11887,416 @@
         </p:nvSpPr>
         <p:spPr>
           <a:xfrm>
-            <a:off x="304800" y="1219200"/>
-            <a:ext cx="8610600" cy="4114800"/>
+            <a:off x="685800" y="914400"/>
+            <a:ext cx="7772400" cy="5334000"/>
           </a:xfrm>
         </p:spPr>
         <p:txBody>
           <a:bodyPr/>
           <a:lstStyle/>
           <a:p>
+            <a:pPr>
+              <a:lnSpc>
+                <a:spcPct val="90000"/>
+              </a:lnSpc>
+            </a:pPr>
             <a:r>
               <a:rPr lang="en-GB" sz="2800" dirty="0">
                 <a:latin typeface="Candara" panose="020E0502030303020204" pitchFamily="34" charset="0"/>
               </a:rPr>
-              <a:t>Social CBA is an analytical tool to inform decisions about interventions involving public expenditure over time</a:t>
-            </a:r>
-          </a:p>
-          <a:p>
+              <a:t>Many variants – here is another</a:t>
+            </a:r>
+          </a:p>
+          <a:p>
+            <a:pPr>
+              <a:lnSpc>
+                <a:spcPct val="90000"/>
+              </a:lnSpc>
+            </a:pPr>
+            <a:endParaRPr lang="en-GB" sz="2800" dirty="0">
+              <a:latin typeface="Candara" panose="020E0502030303020204" pitchFamily="34" charset="0"/>
+            </a:endParaRPr>
+          </a:p>
+          <a:p>
+            <a:pPr>
+              <a:lnSpc>
+                <a:spcPct val="90000"/>
+              </a:lnSpc>
+            </a:pPr>
+            <a:endParaRPr lang="en-GB" sz="2800" dirty="0">
+              <a:latin typeface="Candara" panose="020E0502030303020204" pitchFamily="34" charset="0"/>
+            </a:endParaRPr>
+          </a:p>
+          <a:p>
+            <a:pPr>
+              <a:lnSpc>
+                <a:spcPct val="90000"/>
+              </a:lnSpc>
+            </a:pPr>
+            <a:endParaRPr lang="en-GB" sz="2800" dirty="0">
+              <a:latin typeface="Candara" panose="020E0502030303020204" pitchFamily="34" charset="0"/>
+            </a:endParaRPr>
+          </a:p>
+          <a:p>
+            <a:pPr>
+              <a:lnSpc>
+                <a:spcPct val="90000"/>
+              </a:lnSpc>
+            </a:pPr>
+            <a:endParaRPr lang="en-GB" sz="2800" dirty="0">
+              <a:latin typeface="Candara" panose="020E0502030303020204" pitchFamily="34" charset="0"/>
+            </a:endParaRPr>
+          </a:p>
+          <a:p>
+            <a:pPr>
+              <a:lnSpc>
+                <a:spcPct val="90000"/>
+              </a:lnSpc>
+            </a:pPr>
+            <a:endParaRPr lang="en-GB" sz="2800" dirty="0">
+              <a:latin typeface="Candara" panose="020E0502030303020204" pitchFamily="34" charset="0"/>
+            </a:endParaRPr>
+          </a:p>
+          <a:p>
+            <a:pPr>
+              <a:lnSpc>
+                <a:spcPct val="90000"/>
+              </a:lnSpc>
+            </a:pPr>
             <a:r>
               <a:rPr lang="en-GB" sz="2800" dirty="0">
                 <a:latin typeface="Candara" panose="020E0502030303020204" pitchFamily="34" charset="0"/>
               </a:rPr>
-              <a:t>It requires systematic counting and valuation of all relevant costs and benefits to society as a whole</a:t>
-            </a:r>
-          </a:p>
-          <a:p>
-            <a:pPr lvl="1"/>
-            <a:r>
-              <a:rPr lang="en-GB" sz="2400" dirty="0">
-                <a:latin typeface="Candara" panose="020E0502030303020204" pitchFamily="34" charset="0"/>
-              </a:rPr>
-              <a:t>Benefits = anything that increases human welfare</a:t>
-            </a:r>
-          </a:p>
-          <a:p>
-            <a:pPr lvl="1"/>
-            <a:r>
-              <a:rPr lang="en-GB" sz="2400" dirty="0">
-                <a:latin typeface="Candara" panose="020E0502030303020204" pitchFamily="34" charset="0"/>
-              </a:rPr>
-              <a:t>Costs = anything that decreasing human welfare</a:t>
-            </a:r>
-          </a:p>
-          <a:p>
+              <a:t>Option A is dominated, worse on both scores</a:t>
+            </a:r>
+          </a:p>
+          <a:p>
+            <a:pPr>
+              <a:lnSpc>
+                <a:spcPct val="90000"/>
+              </a:lnSpc>
+            </a:pPr>
             <a:r>
               <a:rPr lang="en-GB" sz="2800" dirty="0">
                 <a:latin typeface="Candara" panose="020E0502030303020204" pitchFamily="34" charset="0"/>
               </a:rPr>
-              <a:t>It recommends policies where</a:t>
-            </a:r>
-          </a:p>
-          <a:p>
-            <a:pPr lvl="1"/>
-            <a:r>
-              <a:rPr lang="en-GB" sz="2400" dirty="0">
-                <a:latin typeface="Candara" panose="020E0502030303020204" pitchFamily="34" charset="0"/>
-              </a:rPr>
-              <a:t>Benefits outweigh costs — B &gt; C, B / C &gt; 1 (single project)</a:t>
-            </a:r>
-          </a:p>
-          <a:p>
-            <a:pPr lvl="1"/>
-            <a:r>
-              <a:rPr lang="en-GB" sz="2400" dirty="0">
-                <a:latin typeface="Candara" panose="020E0502030303020204" pitchFamily="34" charset="0"/>
-              </a:rPr>
-              <a:t>Net benefits (benefits – costs) are maximised</a:t>
-            </a:r>
+              <a:t>Let a group of experts vote on B and C</a:t>
+            </a:r>
+          </a:p>
+          <a:p>
+            <a:pPr>
+              <a:lnSpc>
+                <a:spcPct val="90000"/>
+              </a:lnSpc>
+            </a:pPr>
+            <a:endParaRPr lang="en-GB" sz="2800" dirty="0">
+              <a:latin typeface="Candara" panose="020E0502030303020204" pitchFamily="34" charset="0"/>
+            </a:endParaRPr>
           </a:p>
         </p:txBody>
       </p:sp>
+      <p:graphicFrame>
+        <p:nvGraphicFramePr>
+          <p:cNvPr id="2" name="Table 1">
+            <a:extLst>
+              <a:ext uri="{FF2B5EF4-FFF2-40B4-BE49-F238E27FC236}">
+                <a16:creationId xmlns:a16="http://schemas.microsoft.com/office/drawing/2014/main" id="{BF53E3B6-64C3-6892-5875-B95D0C61EA62}"/>
+              </a:ext>
+            </a:extLst>
+          </p:cNvPr>
+          <p:cNvGraphicFramePr>
+            <a:graphicFrameLocks noGrp="1"/>
+          </p:cNvGraphicFramePr>
+          <p:nvPr>
+            <p:extLst>
+              <p:ext uri="{D42A27DB-BD31-4B8C-83A1-F6EECF244321}">
+                <p14:modId xmlns:p14="http://schemas.microsoft.com/office/powerpoint/2010/main" val="2564392177"/>
+              </p:ext>
+            </p:extLst>
+          </p:nvPr>
+        </p:nvGraphicFramePr>
+        <p:xfrm>
+          <a:off x="1066800" y="1508760"/>
+          <a:ext cx="6096000" cy="2072640"/>
+        </p:xfrm>
+        <a:graphic>
+          <a:graphicData uri="http://schemas.openxmlformats.org/drawingml/2006/table">
+            <a:tbl>
+              <a:tblPr firstRow="1" bandRow="1">
+                <a:tableStyleId>{5C22544A-7EE6-4342-B048-85BDC9FD1C3A}</a:tableStyleId>
+              </a:tblPr>
+              <a:tblGrid>
+                <a:gridCol w="1524000">
+                  <a:extLst>
+                    <a:ext uri="{9D8B030D-6E8A-4147-A177-3AD203B41FA5}">
+                      <a16:colId xmlns:a16="http://schemas.microsoft.com/office/drawing/2014/main" val="3337796191"/>
+                    </a:ext>
+                  </a:extLst>
+                </a:gridCol>
+                <a:gridCol w="1905000">
+                  <a:extLst>
+                    <a:ext uri="{9D8B030D-6E8A-4147-A177-3AD203B41FA5}">
+                      <a16:colId xmlns:a16="http://schemas.microsoft.com/office/drawing/2014/main" val="1856849319"/>
+                    </a:ext>
+                  </a:extLst>
+                </a:gridCol>
+                <a:gridCol w="2667000">
+                  <a:extLst>
+                    <a:ext uri="{9D8B030D-6E8A-4147-A177-3AD203B41FA5}">
+                      <a16:colId xmlns:a16="http://schemas.microsoft.com/office/drawing/2014/main" val="866823526"/>
+                    </a:ext>
+                  </a:extLst>
+                </a:gridCol>
+              </a:tblGrid>
+              <a:tr h="449580">
+                <a:tc>
+                  <a:txBody>
+                    <a:bodyPr/>
+                    <a:lstStyle/>
+                    <a:p>
+                      <a:pPr algn="ctr"/>
+                      <a:r>
+                        <a:rPr lang="en-GB" sz="2800" dirty="0">
+                          <a:latin typeface="Candara" panose="020E0502030303020204" pitchFamily="34" charset="0"/>
+                        </a:rPr>
+                        <a:t>Option</a:t>
+                      </a:r>
+                    </a:p>
+                  </a:txBody>
+                  <a:tcPr/>
+                </a:tc>
+                <a:tc>
+                  <a:txBody>
+                    <a:bodyPr/>
+                    <a:lstStyle/>
+                    <a:p>
+                      <a:pPr algn="ctr"/>
+                      <a:r>
+                        <a:rPr lang="en-GB" sz="2800" dirty="0">
+                          <a:latin typeface="Candara" panose="020E0502030303020204" pitchFamily="34" charset="0"/>
+                        </a:rPr>
+                        <a:t># badgers</a:t>
+                      </a:r>
+                    </a:p>
+                  </a:txBody>
+                  <a:tcPr/>
+                </a:tc>
+                <a:tc>
+                  <a:txBody>
+                    <a:bodyPr/>
+                    <a:lstStyle/>
+                    <a:p>
+                      <a:pPr algn="ctr"/>
+                      <a:r>
+                        <a:rPr lang="en-GB" sz="2800" dirty="0">
+                          <a:latin typeface="Candara" panose="020E0502030303020204" pitchFamily="34" charset="0"/>
+                        </a:rPr>
+                        <a:t># infected herds</a:t>
+                      </a:r>
+                    </a:p>
+                  </a:txBody>
+                  <a:tcPr/>
+                </a:tc>
+                <a:extLst>
+                  <a:ext uri="{0D108BD9-81ED-4DB2-BD59-A6C34878D82A}">
+                    <a16:rowId xmlns:a16="http://schemas.microsoft.com/office/drawing/2014/main" val="1585255119"/>
+                  </a:ext>
+                </a:extLst>
+              </a:tr>
+              <a:tr h="370840">
+                <a:tc>
+                  <a:txBody>
+                    <a:bodyPr/>
+                    <a:lstStyle/>
+                    <a:p>
+                      <a:pPr algn="ctr"/>
+                      <a:r>
+                        <a:rPr lang="en-GB" sz="2800" dirty="0">
+                          <a:latin typeface="Candara" panose="020E0502030303020204" pitchFamily="34" charset="0"/>
+                        </a:rPr>
+                        <a:t>A</a:t>
+                      </a:r>
+                    </a:p>
+                  </a:txBody>
+                  <a:tcPr/>
+                </a:tc>
+                <a:tc>
+                  <a:txBody>
+                    <a:bodyPr/>
+                    <a:lstStyle/>
+                    <a:p>
+                      <a:pPr algn="ctr"/>
+                      <a:r>
+                        <a:rPr lang="en-GB" sz="2800" dirty="0">
+                          <a:latin typeface="Candara" panose="020E0502030303020204" pitchFamily="34" charset="0"/>
+                        </a:rPr>
+                        <a:t>250,000</a:t>
+                      </a:r>
+                    </a:p>
+                  </a:txBody>
+                  <a:tcPr/>
+                </a:tc>
+                <a:tc>
+                  <a:txBody>
+                    <a:bodyPr/>
+                    <a:lstStyle/>
+                    <a:p>
+                      <a:pPr algn="ctr"/>
+                      <a:r>
+                        <a:rPr lang="en-GB" sz="2800" dirty="0">
+                          <a:latin typeface="Candara" panose="020E0502030303020204" pitchFamily="34" charset="0"/>
+                        </a:rPr>
+                        <a:t>25</a:t>
+                      </a:r>
+                    </a:p>
+                  </a:txBody>
+                  <a:tcPr/>
+                </a:tc>
+                <a:extLst>
+                  <a:ext uri="{0D108BD9-81ED-4DB2-BD59-A6C34878D82A}">
+                    <a16:rowId xmlns:a16="http://schemas.microsoft.com/office/drawing/2014/main" val="4239657072"/>
+                  </a:ext>
+                </a:extLst>
+              </a:tr>
+              <a:tr h="370840">
+                <a:tc>
+                  <a:txBody>
+                    <a:bodyPr/>
+                    <a:lstStyle/>
+                    <a:p>
+                      <a:pPr algn="ctr"/>
+                      <a:r>
+                        <a:rPr lang="en-GB" sz="2800" dirty="0">
+                          <a:latin typeface="Candara" panose="020E0502030303020204" pitchFamily="34" charset="0"/>
+                        </a:rPr>
+                        <a:t>B</a:t>
+                      </a:r>
+                    </a:p>
+                  </a:txBody>
+                  <a:tcPr/>
+                </a:tc>
+                <a:tc>
+                  <a:txBody>
+                    <a:bodyPr/>
+                    <a:lstStyle/>
+                    <a:p>
+                      <a:pPr algn="ctr"/>
+                      <a:r>
+                        <a:rPr lang="en-GB" sz="2800" dirty="0">
+                          <a:latin typeface="Candara" panose="020E0502030303020204" pitchFamily="34" charset="0"/>
+                        </a:rPr>
+                        <a:t>400,000</a:t>
+                      </a:r>
+                    </a:p>
+                  </a:txBody>
+                  <a:tcPr/>
+                </a:tc>
+                <a:tc>
+                  <a:txBody>
+                    <a:bodyPr/>
+                    <a:lstStyle/>
+                    <a:p>
+                      <a:pPr algn="ctr"/>
+                      <a:r>
+                        <a:rPr lang="en-GB" sz="2800" dirty="0">
+                          <a:latin typeface="Candara" panose="020E0502030303020204" pitchFamily="34" charset="0"/>
+                        </a:rPr>
+                        <a:t>22</a:t>
+                      </a:r>
+                    </a:p>
+                  </a:txBody>
+                  <a:tcPr/>
+                </a:tc>
+                <a:extLst>
+                  <a:ext uri="{0D108BD9-81ED-4DB2-BD59-A6C34878D82A}">
+                    <a16:rowId xmlns:a16="http://schemas.microsoft.com/office/drawing/2014/main" val="3806515465"/>
+                  </a:ext>
+                </a:extLst>
+              </a:tr>
+              <a:tr h="370840">
+                <a:tc>
+                  <a:txBody>
+                    <a:bodyPr/>
+                    <a:lstStyle/>
+                    <a:p>
+                      <a:pPr algn="ctr"/>
+                      <a:r>
+                        <a:rPr lang="en-GB" sz="2800" dirty="0">
+                          <a:latin typeface="Candara" panose="020E0502030303020204" pitchFamily="34" charset="0"/>
+                        </a:rPr>
+                        <a:t>C</a:t>
+                      </a:r>
+                    </a:p>
+                  </a:txBody>
+                  <a:tcPr/>
+                </a:tc>
+                <a:tc>
+                  <a:txBody>
+                    <a:bodyPr/>
+                    <a:lstStyle/>
+                    <a:p>
+                      <a:pPr algn="ctr"/>
+                      <a:r>
+                        <a:rPr lang="en-GB" sz="2800" dirty="0">
+                          <a:latin typeface="Candara" panose="020E0502030303020204" pitchFamily="34" charset="0"/>
+                        </a:rPr>
+                        <a:t>250,000</a:t>
+                      </a:r>
+                    </a:p>
+                  </a:txBody>
+                  <a:tcPr/>
+                </a:tc>
+                <a:tc>
+                  <a:txBody>
+                    <a:bodyPr/>
+                    <a:lstStyle/>
+                    <a:p>
+                      <a:pPr algn="ctr"/>
+                      <a:r>
+                        <a:rPr lang="en-GB" sz="2800" dirty="0">
+                          <a:latin typeface="Candara" panose="020E0502030303020204" pitchFamily="34" charset="0"/>
+                        </a:rPr>
+                        <a:t>7</a:t>
+                      </a:r>
+                    </a:p>
+                  </a:txBody>
+                  <a:tcPr/>
+                </a:tc>
+                <a:extLst>
+                  <a:ext uri="{0D108BD9-81ED-4DB2-BD59-A6C34878D82A}">
+                    <a16:rowId xmlns:a16="http://schemas.microsoft.com/office/drawing/2014/main" val="791432804"/>
+                  </a:ext>
+                </a:extLst>
+              </a:tr>
+            </a:tbl>
+          </a:graphicData>
+        </a:graphic>
+      </p:graphicFrame>
     </p:spTree>
     <p:extLst>
       <p:ext uri="{BB962C8B-B14F-4D97-AF65-F5344CB8AC3E}">
-        <p14:creationId xmlns:p14="http://schemas.microsoft.com/office/powerpoint/2010/main" val="1632517793"/>
+        <p14:creationId xmlns:p14="http://schemas.microsoft.com/office/powerpoint/2010/main" val="4074705573"/>
       </p:ext>
     </p:extLst>
   </p:cSld>
   <p:clrMapOvr>
     <a:masterClrMapping/>
   </p:clrMapOvr>
-  <p:transition spd="med"/>
 </p:sld>
 </file>
 
-<file path=ppt/slides/slide28.xml><?xml version="1.0" encoding="utf-8"?>
+<file path=ppt/slides/slide29.xml><?xml version="1.0" encoding="utf-8"?>
 <p:sld xmlns:a="http://schemas.openxmlformats.org/drawingml/2006/main" xmlns:r="http://schemas.openxmlformats.org/officeDocument/2006/relationships" xmlns:p="http://schemas.openxmlformats.org/presentationml/2006/main">
   <p:cSld>
     <p:spTree>
       <p:nvGrpSpPr>
-        <p:cNvPr id="1" name=""/>
+        <p:cNvPr id="1" name="">
+          <a:extLst>
+            <a:ext uri="{FF2B5EF4-FFF2-40B4-BE49-F238E27FC236}">
+              <a16:creationId xmlns:a16="http://schemas.microsoft.com/office/drawing/2014/main" id="{33A3762C-1F7F-A12C-0FE1-748787B527DC}"/>
+            </a:ext>
+          </a:extLst>
+        </p:cNvPr>
         <p:cNvGrpSpPr/>
         <p:nvPr/>
       </p:nvGrpSpPr>
@@ -11540,49 +12310,15 @@
       </p:grpSpPr>
       <p:sp>
         <p:nvSpPr>
-          <p:cNvPr id="265" name="Rectangle"/>
-          <p:cNvSpPr/>
-          <p:nvPr/>
-        </p:nvSpPr>
-        <p:spPr>
-          <a:xfrm>
-            <a:off x="7188398" y="2920008"/>
-            <a:ext cx="2437805" cy="1348383"/>
-          </a:xfrm>
-          <a:prstGeom prst="rect">
-            <a:avLst/>
-          </a:prstGeom>
-          <a:solidFill>
-            <a:srgbClr val="FFFFFF"/>
-          </a:solidFill>
-          <a:ln w="25400">
-            <a:miter lim="400000"/>
-          </a:ln>
-        </p:spPr>
-        <p:txBody>
-          <a:bodyPr lIns="35719" tIns="35719" rIns="35719" bIns="35719" anchor="ctr"/>
-          <a:lstStyle/>
-          <a:p>
-            <a:pPr>
-              <a:defRPr sz="2800">
-                <a:effectLst>
-                  <a:outerShdw blurRad="38100" dist="12700" dir="5400000" rotWithShape="0">
-                    <a:srgbClr val="000000">
-                      <a:alpha val="50000"/>
-                    </a:srgbClr>
-                  </a:outerShdw>
-                </a:effectLst>
-              </a:defRPr>
-            </a:pPr>
-            <a:endParaRPr sz="1969"/>
-          </a:p>
-        </p:txBody>
-      </p:sp>
-      <p:sp>
-        <p:nvSpPr>
-          <p:cNvPr id="266" name="Uses of CBA"/>
-          <p:cNvSpPr txBox="1">
-            <a:spLocks noGrp="1"/>
+          <p:cNvPr id="16386" name="Rectangle 2">
+            <a:extLst>
+              <a:ext uri="{FF2B5EF4-FFF2-40B4-BE49-F238E27FC236}">
+                <a16:creationId xmlns:a16="http://schemas.microsoft.com/office/drawing/2014/main" id="{4E666C44-3923-3834-A569-E00F9633F350}"/>
+              </a:ext>
+            </a:extLst>
+          </p:cNvPr>
+          <p:cNvSpPr>
+            <a:spLocks noGrp="1" noChangeArrowheads="1"/>
           </p:cNvSpPr>
           <p:nvPr>
             <p:ph type="title"/>
@@ -11590,471 +12326,213 @@
         </p:nvSpPr>
         <p:spPr>
           <a:xfrm>
-            <a:off x="838200" y="0"/>
+            <a:off x="685800" y="0"/>
             <a:ext cx="7772400" cy="1143000"/>
           </a:xfrm>
-          <a:prstGeom prst="rect">
-            <a:avLst/>
-          </a:prstGeom>
         </p:spPr>
         <p:txBody>
           <a:bodyPr/>
           <a:lstStyle/>
           <a:p>
             <a:r>
-              <a:rPr sz="3600" dirty="0">
-                <a:latin typeface="Candara" panose="020E0502030303020204" pitchFamily="34" charset="0"/>
-              </a:rPr>
-              <a:t>Uses of CBA</a:t>
+              <a:rPr lang="en-GB" sz="3600" dirty="0">
+                <a:latin typeface="Candara" panose="020E0502030303020204" pitchFamily="34" charset="0"/>
+              </a:rPr>
+              <a:t>Multicriteria Analysis</a:t>
             </a:r>
           </a:p>
         </p:txBody>
       </p:sp>
       <p:sp>
         <p:nvSpPr>
-          <p:cNvPr id="267" name="Overall environmental policy…"/>
-          <p:cNvSpPr txBox="1">
-            <a:spLocks noGrp="1"/>
+          <p:cNvPr id="16387" name="Rectangle 3">
+            <a:extLst>
+              <a:ext uri="{FF2B5EF4-FFF2-40B4-BE49-F238E27FC236}">
+                <a16:creationId xmlns:a16="http://schemas.microsoft.com/office/drawing/2014/main" id="{38EE6E38-88BC-D5C6-64F4-62C625A7CB44}"/>
+              </a:ext>
+            </a:extLst>
+          </p:cNvPr>
+          <p:cNvSpPr>
+            <a:spLocks noGrp="1" noChangeArrowheads="1"/>
           </p:cNvSpPr>
           <p:nvPr>
-            <p:ph type="body" sz="half" idx="1"/>
+            <p:ph type="body" idx="1"/>
           </p:nvPr>
         </p:nvSpPr>
         <p:spPr>
           <a:xfrm>
-            <a:off x="571500" y="1143000"/>
-            <a:ext cx="4881563" cy="5143500"/>
+            <a:off x="685800" y="914400"/>
+            <a:ext cx="7772400" cy="5334000"/>
           </a:xfrm>
-          <a:prstGeom prst="rect">
-            <a:avLst/>
-          </a:prstGeom>
         </p:spPr>
         <p:txBody>
           <a:bodyPr/>
           <a:lstStyle/>
           <a:p>
-            <a:pPr marL="257165" indent="-257165" defTabSz="394320">
-              <a:spcBef>
-                <a:spcPts val="1055"/>
-              </a:spcBef>
-              <a:defRPr sz="5760"/>
-            </a:pPr>
-            <a:r>
-              <a:rPr sz="2800" dirty="0">
-                <a:latin typeface="Candara" panose="020E0502030303020204" pitchFamily="34" charset="0"/>
-              </a:rPr>
-              <a:t>Overall environmental policy</a:t>
-            </a:r>
-          </a:p>
-          <a:p>
-            <a:pPr marL="257165" indent="-257165" defTabSz="394320">
-              <a:spcBef>
-                <a:spcPts val="1055"/>
-              </a:spcBef>
-              <a:defRPr sz="5760"/>
-            </a:pPr>
-            <a:r>
-              <a:rPr sz="2800" dirty="0">
-                <a:latin typeface="Candara" panose="020E0502030303020204" pitchFamily="34" charset="0"/>
-              </a:rPr>
-              <a:t>Appraisal of specific projects</a:t>
-            </a:r>
-          </a:p>
-          <a:p>
-            <a:pPr marL="257165" indent="-257165" defTabSz="394320">
-              <a:spcBef>
-                <a:spcPts val="1055"/>
-              </a:spcBef>
-              <a:defRPr sz="5760"/>
-            </a:pPr>
-            <a:r>
-              <a:rPr sz="2800" dirty="0">
-                <a:latin typeface="Candara" panose="020E0502030303020204" pitchFamily="34" charset="0"/>
-              </a:rPr>
-              <a:t>Environmental management</a:t>
-            </a:r>
-          </a:p>
-          <a:p>
-            <a:pPr marL="257165" indent="-257165" defTabSz="394320">
-              <a:spcBef>
-                <a:spcPts val="1055"/>
-              </a:spcBef>
-              <a:defRPr sz="5760"/>
-            </a:pPr>
-            <a:r>
-              <a:rPr sz="2800" dirty="0">
-                <a:latin typeface="Candara" panose="020E0502030303020204" pitchFamily="34" charset="0"/>
-              </a:rPr>
-              <a:t>Ex-ante or ex-post</a:t>
-            </a:r>
+            <a:pPr>
+              <a:lnSpc>
+                <a:spcPct val="90000"/>
+              </a:lnSpc>
+            </a:pPr>
+            <a:endParaRPr lang="en-GB" sz="2800" dirty="0">
+              <a:latin typeface="Candara" panose="020E0502030303020204" pitchFamily="34" charset="0"/>
+            </a:endParaRPr>
+          </a:p>
+          <a:p>
+            <a:pPr>
+              <a:lnSpc>
+                <a:spcPct val="90000"/>
+              </a:lnSpc>
+            </a:pPr>
+            <a:endParaRPr lang="en-GB" sz="2800" dirty="0">
+              <a:latin typeface="Candara" panose="020E0502030303020204" pitchFamily="34" charset="0"/>
+            </a:endParaRPr>
+          </a:p>
+          <a:p>
+            <a:pPr>
+              <a:lnSpc>
+                <a:spcPct val="90000"/>
+              </a:lnSpc>
+            </a:pPr>
+            <a:endParaRPr lang="en-GB" sz="2800" dirty="0">
+              <a:latin typeface="Candara" panose="020E0502030303020204" pitchFamily="34" charset="0"/>
+            </a:endParaRPr>
+          </a:p>
+          <a:p>
+            <a:pPr>
+              <a:lnSpc>
+                <a:spcPct val="90000"/>
+              </a:lnSpc>
+            </a:pPr>
+            <a:endParaRPr lang="en-GB" sz="2800" dirty="0">
+              <a:latin typeface="Candara" panose="020E0502030303020204" pitchFamily="34" charset="0"/>
+            </a:endParaRPr>
+          </a:p>
+          <a:p>
+            <a:pPr>
+              <a:lnSpc>
+                <a:spcPct val="90000"/>
+              </a:lnSpc>
+            </a:pPr>
+            <a:endParaRPr lang="en-GB" sz="2800" dirty="0">
+              <a:latin typeface="Candara" panose="020E0502030303020204" pitchFamily="34" charset="0"/>
+            </a:endParaRPr>
+          </a:p>
+          <a:p>
+            <a:pPr>
+              <a:lnSpc>
+                <a:spcPct val="90000"/>
+              </a:lnSpc>
+            </a:pPr>
+            <a:endParaRPr lang="en-GB" sz="2800" dirty="0">
+              <a:latin typeface="Candara" panose="020E0502030303020204" pitchFamily="34" charset="0"/>
+            </a:endParaRPr>
+          </a:p>
+          <a:p>
+            <a:pPr>
+              <a:lnSpc>
+                <a:spcPct val="90000"/>
+              </a:lnSpc>
+            </a:pPr>
+            <a:endParaRPr lang="en-GB" sz="2800" dirty="0">
+              <a:latin typeface="Candara" panose="020E0502030303020204" pitchFamily="34" charset="0"/>
+            </a:endParaRPr>
+          </a:p>
+          <a:p>
+            <a:pPr>
+              <a:lnSpc>
+                <a:spcPct val="90000"/>
+              </a:lnSpc>
+            </a:pPr>
+            <a:endParaRPr lang="en-GB" sz="2800" dirty="0">
+              <a:latin typeface="Candara" panose="020E0502030303020204" pitchFamily="34" charset="0"/>
+            </a:endParaRPr>
+          </a:p>
+          <a:p>
+            <a:pPr>
+              <a:lnSpc>
+                <a:spcPct val="90000"/>
+              </a:lnSpc>
+            </a:pPr>
+            <a:endParaRPr lang="en-GB" sz="2800" dirty="0">
+              <a:latin typeface="Candara" panose="020E0502030303020204" pitchFamily="34" charset="0"/>
+            </a:endParaRPr>
+          </a:p>
+          <a:p>
+            <a:pPr>
+              <a:lnSpc>
+                <a:spcPct val="90000"/>
+              </a:lnSpc>
+            </a:pPr>
+            <a:endParaRPr lang="en-GB" sz="2800" dirty="0">
+              <a:latin typeface="Candara" panose="020E0502030303020204" pitchFamily="34" charset="0"/>
+            </a:endParaRPr>
+          </a:p>
+          <a:p>
+            <a:pPr>
+              <a:lnSpc>
+                <a:spcPct val="90000"/>
+              </a:lnSpc>
+            </a:pPr>
+            <a:r>
+              <a:rPr lang="en-GB" sz="2800" dirty="0">
+                <a:latin typeface="Candara" panose="020E0502030303020204" pitchFamily="34" charset="0"/>
+              </a:rPr>
+              <a:t>Voting rules become complicated with many options and many criteria</a:t>
+            </a:r>
+          </a:p>
+          <a:p>
+            <a:pPr>
+              <a:lnSpc>
+                <a:spcPct val="90000"/>
+              </a:lnSpc>
+            </a:pPr>
+            <a:endParaRPr lang="en-GB" sz="2800" dirty="0">
+              <a:latin typeface="Candara" panose="020E0502030303020204" pitchFamily="34" charset="0"/>
+            </a:endParaRPr>
           </a:p>
         </p:txBody>
       </p:sp>
       <p:pic>
         <p:nvPicPr>
-          <p:cNvPr id="268" name="Glen_Canyon_Dam.jpg" descr="Glen_Canyon_Dam.jpg"/>
+          <p:cNvPr id="4" name="Picture 3" descr="A graph of different types of milk&#10;&#10;Description automatically generated">
+            <a:extLst>
+              <a:ext uri="{FF2B5EF4-FFF2-40B4-BE49-F238E27FC236}">
+                <a16:creationId xmlns:a16="http://schemas.microsoft.com/office/drawing/2014/main" id="{C488B1FE-995F-ECCD-7E43-743B633944FE}"/>
+              </a:ext>
+            </a:extLst>
+          </p:cNvPr>
           <p:cNvPicPr>
             <a:picLocks noChangeAspect="1"/>
           </p:cNvPicPr>
           <p:nvPr/>
         </p:nvPicPr>
         <p:blipFill>
-          <a:blip r:embed="rId3"/>
+          <a:blip r:embed="rId2">
+            <a:extLst>
+              <a:ext uri="{28A0092B-C50C-407E-A947-70E740481C1C}">
+                <a14:useLocalDpi xmlns:a14="http://schemas.microsoft.com/office/drawing/2010/main" val="0"/>
+              </a:ext>
+            </a:extLst>
+          </a:blip>
           <a:stretch>
             <a:fillRect/>
           </a:stretch>
         </p:blipFill>
         <p:spPr>
           <a:xfrm>
-            <a:off x="5589985" y="4578697"/>
-            <a:ext cx="1952625" cy="1464469"/>
+            <a:off x="762000" y="0"/>
+            <a:ext cx="7888432" cy="5553456"/>
           </a:xfrm>
           <a:prstGeom prst="rect">
             <a:avLst/>
           </a:prstGeom>
-          <a:ln w="12700">
-            <a:miter lim="400000"/>
-          </a:ln>
-        </p:spPr>
-      </p:pic>
-      <p:pic>
-        <p:nvPicPr>
-          <p:cNvPr id="269" name="DSCN6624-bee-close_1200x1200.jpg" descr="DSCN6624-bee-close_1200x1200.jpg"/>
-          <p:cNvPicPr>
-            <a:picLocks noChangeAspect="1"/>
-          </p:cNvPicPr>
-          <p:nvPr/>
-        </p:nvPicPr>
-        <p:blipFill>
-          <a:blip r:embed="rId4"/>
-          <a:stretch>
-            <a:fillRect/>
-          </a:stretch>
-        </p:blipFill>
-        <p:spPr>
-          <a:xfrm>
-            <a:off x="5589984" y="1143000"/>
-            <a:ext cx="1464469" cy="1464469"/>
-          </a:xfrm>
-          <a:prstGeom prst="rect">
-            <a:avLst/>
-          </a:prstGeom>
-          <a:ln w="12700">
-            <a:miter lim="400000"/>
-          </a:ln>
-        </p:spPr>
-      </p:pic>
-      <p:pic>
-        <p:nvPicPr>
-          <p:cNvPr id="270" name="300px-West_Texas_Pumpjack.jpg" descr="300px-West_Texas_Pumpjack.jpg"/>
-          <p:cNvPicPr>
-            <a:picLocks noChangeAspect="1"/>
-          </p:cNvPicPr>
-          <p:nvPr/>
-        </p:nvPicPr>
-        <p:blipFill>
-          <a:blip r:embed="rId5"/>
-          <a:stretch>
-            <a:fillRect/>
-          </a:stretch>
-        </p:blipFill>
-        <p:spPr>
-          <a:xfrm>
-            <a:off x="7188398" y="1143000"/>
-            <a:ext cx="1955602" cy="1466701"/>
-          </a:xfrm>
-          <a:prstGeom prst="rect">
-            <a:avLst/>
-          </a:prstGeom>
-          <a:ln w="12700">
-            <a:miter lim="400000"/>
-          </a:ln>
-        </p:spPr>
-      </p:pic>
-      <p:pic>
-        <p:nvPicPr>
-          <p:cNvPr id="271" name="iStock_000016330086Medium.jpg" descr="iStock_000016330086Medium.jpg"/>
-          <p:cNvPicPr>
-            <a:picLocks noChangeAspect="1"/>
-          </p:cNvPicPr>
-          <p:nvPr/>
-        </p:nvPicPr>
-        <p:blipFill>
-          <a:blip r:embed="rId6"/>
-          <a:srcRect l="21908" t="24837" r="39790" b="22246"/>
-          <a:stretch>
-            <a:fillRect/>
-          </a:stretch>
-        </p:blipFill>
-        <p:spPr>
-          <a:xfrm>
-            <a:off x="5592066" y="2915543"/>
-            <a:ext cx="1464469" cy="1348853"/>
-          </a:xfrm>
-          <a:prstGeom prst="rect">
-            <a:avLst/>
-          </a:prstGeom>
-          <a:ln w="12700">
-            <a:miter lim="400000"/>
-          </a:ln>
-        </p:spPr>
-      </p:pic>
-      <p:pic>
-        <p:nvPicPr>
-          <p:cNvPr id="272" name="london-2012.png" descr="london-2012.png"/>
-          <p:cNvPicPr>
-            <a:picLocks noChangeAspect="1"/>
-          </p:cNvPicPr>
-          <p:nvPr/>
-        </p:nvPicPr>
-        <p:blipFill>
-          <a:blip r:embed="rId7"/>
-          <a:stretch>
-            <a:fillRect/>
-          </a:stretch>
-        </p:blipFill>
-        <p:spPr>
-          <a:xfrm>
-            <a:off x="7331274" y="3143250"/>
-            <a:ext cx="1678781" cy="893952"/>
-          </a:xfrm>
-          <a:prstGeom prst="rect">
-            <a:avLst/>
-          </a:prstGeom>
-          <a:ln w="12700">
-            <a:miter lim="400000"/>
-          </a:ln>
-        </p:spPr>
-      </p:pic>
-      <p:sp>
-        <p:nvSpPr>
-          <p:cNvPr id="273" name="Rectangle"/>
-          <p:cNvSpPr/>
-          <p:nvPr/>
-        </p:nvSpPr>
-        <p:spPr>
-          <a:xfrm>
-            <a:off x="7679531" y="4572000"/>
-            <a:ext cx="2437805" cy="1473398"/>
-          </a:xfrm>
-          <a:prstGeom prst="rect">
-            <a:avLst/>
-          </a:prstGeom>
-          <a:solidFill>
-            <a:srgbClr val="FFFFFF"/>
-          </a:solidFill>
-          <a:ln w="25400">
-            <a:miter lim="400000"/>
-          </a:ln>
-        </p:spPr>
-        <p:txBody>
-          <a:bodyPr lIns="35719" tIns="35719" rIns="35719" bIns="35719" anchor="ctr"/>
-          <a:lstStyle/>
-          <a:p>
-            <a:pPr>
-              <a:defRPr sz="2800">
-                <a:effectLst>
-                  <a:outerShdw blurRad="38100" dist="12700" dir="5400000" rotWithShape="0">
-                    <a:srgbClr val="000000">
-                      <a:alpha val="50000"/>
-                    </a:srgbClr>
-                  </a:outerShdw>
-                </a:effectLst>
-              </a:defRPr>
-            </a:pPr>
-            <a:endParaRPr sz="1969"/>
-          </a:p>
-        </p:txBody>
-      </p:sp>
-      <p:pic>
-        <p:nvPicPr>
-          <p:cNvPr id="274" name="thames-water-logo-cmk.jpg" descr="thames-water-logo-cmk.jpg"/>
-          <p:cNvPicPr>
-            <a:picLocks noChangeAspect="1"/>
-          </p:cNvPicPr>
-          <p:nvPr/>
-        </p:nvPicPr>
-        <p:blipFill>
-          <a:blip r:embed="rId8"/>
-          <a:stretch>
-            <a:fillRect/>
-          </a:stretch>
-        </p:blipFill>
-        <p:spPr>
-          <a:xfrm>
-            <a:off x="7813476" y="4732734"/>
-            <a:ext cx="1205508" cy="1205508"/>
-          </a:xfrm>
-          <a:prstGeom prst="rect">
-            <a:avLst/>
-          </a:prstGeom>
-          <a:ln w="12700">
-            <a:miter lim="400000"/>
-          </a:ln>
         </p:spPr>
       </p:pic>
     </p:spTree>
     <p:extLst>
       <p:ext uri="{BB962C8B-B14F-4D97-AF65-F5344CB8AC3E}">
-        <p14:creationId xmlns:p14="http://schemas.microsoft.com/office/powerpoint/2010/main" val="2207227144"/>
-      </p:ext>
-    </p:extLst>
-  </p:cSld>
-  <p:clrMapOvr>
-    <a:masterClrMapping/>
-  </p:clrMapOvr>
-  <p:transition spd="med"/>
-</p:sld>
-</file>
-
-<file path=ppt/slides/slide29.xml><?xml version="1.0" encoding="utf-8"?>
-<p:sld xmlns:a="http://schemas.openxmlformats.org/drawingml/2006/main" xmlns:r="http://schemas.openxmlformats.org/officeDocument/2006/relationships" xmlns:p="http://schemas.openxmlformats.org/presentationml/2006/main">
-  <p:cSld>
-    <p:spTree>
-      <p:nvGrpSpPr>
-        <p:cNvPr id="1" name=""/>
-        <p:cNvGrpSpPr/>
-        <p:nvPr/>
-      </p:nvGrpSpPr>
-      <p:grpSpPr>
-        <a:xfrm>
-          <a:off x="0" y="0"/>
-          <a:ext cx="0" cy="0"/>
-          <a:chOff x="0" y="0"/>
-          <a:chExt cx="0" cy="0"/>
-        </a:xfrm>
-      </p:grpSpPr>
-      <p:sp>
-        <p:nvSpPr>
-          <p:cNvPr id="296" name="In practice …"/>
-          <p:cNvSpPr txBox="1">
-            <a:spLocks noGrp="1"/>
-          </p:cNvSpPr>
-          <p:nvPr>
-            <p:ph type="title"/>
-          </p:nvPr>
-        </p:nvSpPr>
-        <p:spPr>
-          <a:xfrm>
-            <a:off x="675701" y="14689"/>
-            <a:ext cx="7772400" cy="1143000"/>
-          </a:xfrm>
-          <a:prstGeom prst="rect">
-            <a:avLst/>
-          </a:prstGeom>
-        </p:spPr>
-        <p:txBody>
-          <a:bodyPr/>
-          <a:lstStyle/>
-          <a:p>
-            <a:r>
-              <a:rPr lang="en-GB" sz="3600" dirty="0">
-                <a:latin typeface="Candara" panose="020E0502030303020204" pitchFamily="34" charset="0"/>
-              </a:rPr>
-              <a:t>Ex post</a:t>
-            </a:r>
-            <a:endParaRPr sz="3600" dirty="0">
-              <a:latin typeface="Candara" panose="020E0502030303020204" pitchFamily="34" charset="0"/>
-            </a:endParaRPr>
-          </a:p>
-        </p:txBody>
-      </p:sp>
-      <p:sp>
-        <p:nvSpPr>
-          <p:cNvPr id="297" name="Of US environmental regulations from 1990 – 1995,  ~50% fail cost-benefit test? (Hahn 1996)…"/>
-          <p:cNvSpPr txBox="1">
-            <a:spLocks noGrp="1"/>
-          </p:cNvSpPr>
-          <p:nvPr>
-            <p:ph idx="1"/>
-          </p:nvPr>
-        </p:nvSpPr>
-        <p:spPr>
-          <a:xfrm>
-            <a:off x="675701" y="990600"/>
-            <a:ext cx="7772400" cy="4114800"/>
-          </a:xfrm>
-          <a:prstGeom prst="rect">
-            <a:avLst/>
-          </a:prstGeom>
-        </p:spPr>
-        <p:txBody>
-          <a:bodyPr/>
-          <a:lstStyle/>
-          <a:p>
-            <a:pPr marL="428610" indent="-428610" defTabSz="394320">
-              <a:spcBef>
-                <a:spcPts val="1055"/>
-              </a:spcBef>
-              <a:defRPr sz="5760"/>
-            </a:pPr>
-            <a:r>
-              <a:rPr sz="2800" dirty="0">
-                <a:latin typeface="Candara" panose="020E0502030303020204" pitchFamily="34" charset="0"/>
-              </a:rPr>
-              <a:t>Of US environmental regulations from 1990 – 1995, ~50% fail cost-benefit test</a:t>
-            </a:r>
-            <a:r>
-              <a:rPr lang="en-GB" sz="2800" dirty="0">
-                <a:latin typeface="Candara" panose="020E0502030303020204" pitchFamily="34" charset="0"/>
-              </a:rPr>
-              <a:t> </a:t>
-            </a:r>
-            <a:r>
-              <a:rPr sz="2800" dirty="0">
-                <a:latin typeface="Candara" panose="020E0502030303020204" pitchFamily="34" charset="0"/>
-              </a:rPr>
-              <a:t>(Hahn 1996)</a:t>
-            </a:r>
-          </a:p>
-          <a:p>
-            <a:pPr marL="428610" indent="-428610" defTabSz="394320">
-              <a:spcBef>
-                <a:spcPts val="1055"/>
-              </a:spcBef>
-              <a:defRPr sz="5760"/>
-            </a:pPr>
-            <a:r>
-              <a:rPr sz="2800" dirty="0">
-                <a:latin typeface="Candara" panose="020E0502030303020204" pitchFamily="34" charset="0"/>
-              </a:rPr>
-              <a:t>Few EU Directives pass cost-benefit test either</a:t>
-            </a:r>
-            <a:br>
-              <a:rPr sz="2800" dirty="0">
-                <a:latin typeface="Candara" panose="020E0502030303020204" pitchFamily="34" charset="0"/>
-              </a:rPr>
-            </a:br>
-            <a:r>
-              <a:rPr sz="2800" dirty="0">
-                <a:latin typeface="Candara" panose="020E0502030303020204" pitchFamily="34" charset="0"/>
-              </a:rPr>
-              <a:t>(Pearce 2004)</a:t>
-            </a:r>
-            <a:endParaRPr lang="en-GB" sz="2800" dirty="0">
-              <a:latin typeface="Candara" panose="020E0502030303020204" pitchFamily="34" charset="0"/>
-            </a:endParaRPr>
-          </a:p>
-          <a:p>
-            <a:pPr marL="428610" indent="-428610" defTabSz="394320">
-              <a:spcBef>
-                <a:spcPts val="1055"/>
-              </a:spcBef>
-              <a:defRPr sz="5760"/>
-            </a:pPr>
-            <a:r>
-              <a:rPr sz="2800" dirty="0">
-                <a:latin typeface="Candara" panose="020E0502030303020204" pitchFamily="34" charset="0"/>
-              </a:rPr>
-              <a:t>However, there are (1) a variety of ways in which CBA may be systematically biased against pro-environmental policies and regulations (Graves 2012) and (2) other goals we might pursue beyond efficiency</a:t>
-            </a:r>
-          </a:p>
-        </p:txBody>
-      </p:sp>
-    </p:spTree>
-    <p:extLst>
-      <p:ext uri="{BB962C8B-B14F-4D97-AF65-F5344CB8AC3E}">
-        <p14:creationId xmlns:p14="http://schemas.microsoft.com/office/powerpoint/2010/main" val="233666694"/>
+        <p14:creationId xmlns:p14="http://schemas.microsoft.com/office/powerpoint/2010/main" val="1972991716"/>
       </p:ext>
     </p:extLst>
   </p:cSld>
@@ -12222,7 +12700,13 @@
   <p:cSld>
     <p:spTree>
       <p:nvGrpSpPr>
-        <p:cNvPr id="1" name=""/>
+        <p:cNvPr id="1" name="">
+          <a:extLst>
+            <a:ext uri="{FF2B5EF4-FFF2-40B4-BE49-F238E27FC236}">
+              <a16:creationId xmlns:a16="http://schemas.microsoft.com/office/drawing/2014/main" id="{83EBD717-CC73-B98A-6E46-9632D4993090}"/>
+            </a:ext>
+          </a:extLst>
+        </p:cNvPr>
         <p:cNvGrpSpPr/>
         <p:nvPr/>
       </p:nvGrpSpPr>
@@ -12236,9 +12720,15 @@
       </p:grpSpPr>
       <p:sp>
         <p:nvSpPr>
-          <p:cNvPr id="332" name="What about equity?"/>
-          <p:cNvSpPr txBox="1">
-            <a:spLocks noGrp="1"/>
+          <p:cNvPr id="16386" name="Rectangle 2">
+            <a:extLst>
+              <a:ext uri="{FF2B5EF4-FFF2-40B4-BE49-F238E27FC236}">
+                <a16:creationId xmlns:a16="http://schemas.microsoft.com/office/drawing/2014/main" id="{346D1F84-917B-6DF5-C770-BFFBF6313AF7}"/>
+              </a:ext>
+            </a:extLst>
+          </p:cNvPr>
+          <p:cNvSpPr>
+            <a:spLocks noGrp="1" noChangeArrowheads="1"/>
           </p:cNvSpPr>
           <p:nvPr>
             <p:ph type="title"/>
@@ -12249,28 +12739,34 @@
             <a:off x="685800" y="0"/>
             <a:ext cx="7772400" cy="1143000"/>
           </a:xfrm>
-          <a:prstGeom prst="rect">
-            <a:avLst/>
-          </a:prstGeom>
         </p:spPr>
         <p:txBody>
           <a:bodyPr/>
           <a:lstStyle/>
           <a:p>
             <a:r>
-              <a:rPr sz="3600" dirty="0">
-                <a:latin typeface="Candara" panose="020E0502030303020204" pitchFamily="34" charset="0"/>
-              </a:rPr>
-              <a:t>What about equity?</a:t>
-            </a:r>
+              <a:rPr lang="de-DE" sz="3600" dirty="0">
+                <a:latin typeface="Candara" panose="020E0502030303020204" pitchFamily="34" charset="0"/>
+              </a:rPr>
+              <a:t>Alternative Standards</a:t>
+            </a:r>
+            <a:endParaRPr lang="en-GB" sz="3600" dirty="0">
+              <a:latin typeface="Candara" panose="020E0502030303020204" pitchFamily="34" charset="0"/>
+            </a:endParaRPr>
           </a:p>
         </p:txBody>
       </p:sp>
       <p:sp>
         <p:nvSpPr>
-          <p:cNvPr id="333" name="Policymakers could address equity separately…"/>
-          <p:cNvSpPr txBox="1">
-            <a:spLocks noGrp="1"/>
+          <p:cNvPr id="16387" name="Rectangle 3">
+            <a:extLst>
+              <a:ext uri="{FF2B5EF4-FFF2-40B4-BE49-F238E27FC236}">
+                <a16:creationId xmlns:a16="http://schemas.microsoft.com/office/drawing/2014/main" id="{784D8EFF-B47C-8AB9-DF0B-69260605AD9B}"/>
+              </a:ext>
+            </a:extLst>
+          </p:cNvPr>
+          <p:cNvSpPr>
+            <a:spLocks noGrp="1" noChangeArrowheads="1"/>
           </p:cNvSpPr>
           <p:nvPr>
             <p:ph type="body" idx="1"/>
@@ -12278,146 +12774,128 @@
         </p:nvSpPr>
         <p:spPr>
           <a:xfrm>
-            <a:off x="571500" y="1143000"/>
-            <a:ext cx="7886700" cy="5143500"/>
+            <a:off x="685800" y="1143000"/>
+            <a:ext cx="7772400" cy="4343400"/>
           </a:xfrm>
-          <a:prstGeom prst="rect">
-            <a:avLst/>
-          </a:prstGeom>
         </p:spPr>
         <p:txBody>
           <a:bodyPr/>
           <a:lstStyle/>
           <a:p>
-            <a:pPr marL="406286" indent="-406286" defTabSz="373783">
-              <a:spcBef>
-                <a:spcPts val="984"/>
-              </a:spcBef>
-              <a:defRPr sz="5460"/>
-            </a:pPr>
-            <a:r>
-              <a:rPr sz="2800" dirty="0">
-                <a:latin typeface="Candara" panose="020E0502030303020204" pitchFamily="34" charset="0"/>
-              </a:rPr>
-              <a:t>Policymakers </a:t>
-            </a:r>
-            <a:r>
-              <a:rPr sz="2800" i="1" dirty="0">
-                <a:latin typeface="Candara" panose="020E0502030303020204" pitchFamily="34" charset="0"/>
-              </a:rPr>
-              <a:t>could</a:t>
-            </a:r>
-            <a:r>
-              <a:rPr sz="2800" dirty="0">
-                <a:latin typeface="Candara" panose="020E0502030303020204" pitchFamily="34" charset="0"/>
-              </a:rPr>
-              <a:t> address equity separately</a:t>
-            </a:r>
-          </a:p>
-          <a:p>
-            <a:pPr marL="739441" lvl="1" indent="-219395" defTabSz="373783">
-              <a:spcBef>
-                <a:spcPts val="984"/>
-              </a:spcBef>
-              <a:buSzPct val="100000"/>
-              <a:buChar char="•"/>
-              <a:defRPr sz="3276"/>
-            </a:pPr>
-            <a:r>
-              <a:rPr sz="2400" dirty="0">
-                <a:latin typeface="Candara" panose="020E0502030303020204" pitchFamily="34" charset="0"/>
-              </a:rPr>
-              <a:t>e.g. compensation through tax system</a:t>
-            </a:r>
-            <a:endParaRPr lang="en-GB" sz="2400" dirty="0">
-              <a:latin typeface="Candara" panose="020E0502030303020204" pitchFamily="34" charset="0"/>
-            </a:endParaRPr>
-          </a:p>
-          <a:p>
-            <a:pPr marL="739441" lvl="1" indent="-219395" defTabSz="373783">
-              <a:spcBef>
-                <a:spcPts val="984"/>
-              </a:spcBef>
-              <a:buSzPct val="100000"/>
-              <a:buChar char="•"/>
-              <a:defRPr sz="3276"/>
-            </a:pPr>
-            <a:r>
-              <a:rPr lang="en-GB" sz="2400" dirty="0">
-                <a:latin typeface="Candara" panose="020E0502030303020204" pitchFamily="34" charset="0"/>
-              </a:rPr>
-              <a:t>Potential v actual Pareto improvements</a:t>
-            </a:r>
-            <a:endParaRPr sz="2400" dirty="0">
-              <a:latin typeface="Candara" panose="020E0502030303020204" pitchFamily="34" charset="0"/>
-            </a:endParaRPr>
-          </a:p>
-          <a:p>
-            <a:pPr marL="406286" indent="-406286" defTabSz="373783">
-              <a:spcBef>
-                <a:spcPts val="984"/>
-              </a:spcBef>
-              <a:defRPr sz="5460"/>
-            </a:pPr>
-            <a:r>
-              <a:rPr sz="2800" dirty="0">
-                <a:latin typeface="Candara" panose="020E0502030303020204" pitchFamily="34" charset="0"/>
-              </a:rPr>
-              <a:t>Given enough projects, differences </a:t>
-            </a:r>
-            <a:r>
-              <a:rPr sz="2800" i="1" dirty="0">
-                <a:latin typeface="Candara" panose="020E0502030303020204" pitchFamily="34" charset="0"/>
-              </a:rPr>
-              <a:t>might </a:t>
-            </a:r>
-            <a:r>
-              <a:rPr sz="2800" dirty="0">
-                <a:latin typeface="Candara" panose="020E0502030303020204" pitchFamily="34" charset="0"/>
-              </a:rPr>
-              <a:t> </a:t>
-            </a:r>
-            <a:br>
-              <a:rPr sz="2800" dirty="0">
-                <a:latin typeface="Candara" panose="020E0502030303020204" pitchFamily="34" charset="0"/>
-              </a:rPr>
-            </a:br>
-            <a:r>
-              <a:rPr sz="2800" dirty="0">
-                <a:latin typeface="Candara" panose="020E0502030303020204" pitchFamily="34" charset="0"/>
-              </a:rPr>
-              <a:t>‘come out in the wash’</a:t>
-            </a:r>
-          </a:p>
-          <a:p>
-            <a:pPr marL="406286" indent="-406286" defTabSz="373783">
-              <a:spcBef>
-                <a:spcPts val="984"/>
-              </a:spcBef>
-              <a:defRPr sz="5460"/>
-            </a:pPr>
-            <a:r>
-              <a:rPr sz="2800" dirty="0">
-                <a:latin typeface="Candara" panose="020E0502030303020204" pitchFamily="34" charset="0"/>
-              </a:rPr>
-              <a:t>Or they might not</a:t>
-            </a:r>
-            <a:endParaRPr lang="en-GB" sz="2800" dirty="0">
-              <a:latin typeface="Candara" panose="020E0502030303020204" pitchFamily="34" charset="0"/>
-            </a:endParaRPr>
-          </a:p>
-          <a:p>
-            <a:pPr marL="406286" indent="-406286" defTabSz="373783">
-              <a:spcBef>
-                <a:spcPts val="984"/>
-              </a:spcBef>
-              <a:defRPr sz="5460"/>
-            </a:pPr>
-            <a:r>
-              <a:rPr sz="2800" dirty="0">
-                <a:latin typeface="Candara" panose="020E0502030303020204" pitchFamily="34" charset="0"/>
-              </a:rPr>
-              <a:t>Use CBA as one input to a policy decision — not to provide the decision by itself</a:t>
+            <a:pPr>
+              <a:lnSpc>
+                <a:spcPct val="90000"/>
+              </a:lnSpc>
+            </a:pPr>
+            <a:r>
+              <a:rPr lang="de-DE" sz="2800" dirty="0">
+                <a:latin typeface="Candara" panose="020E0502030303020204" pitchFamily="34" charset="0"/>
+              </a:rPr>
+              <a:t>Optimal pollution is but one way of setting standards and not the most popular</a:t>
+            </a:r>
+          </a:p>
+          <a:p>
+            <a:pPr>
+              <a:lnSpc>
+                <a:spcPct val="90000"/>
+              </a:lnSpc>
+            </a:pPr>
+            <a:r>
+              <a:rPr lang="de-DE" sz="2800" dirty="0">
+                <a:latin typeface="Candara" panose="020E0502030303020204" pitchFamily="34" charset="0"/>
+              </a:rPr>
+              <a:t>Multicriteria analysis</a:t>
+            </a:r>
+          </a:p>
+          <a:p>
+            <a:pPr>
+              <a:lnSpc>
+                <a:spcPct val="90000"/>
+              </a:lnSpc>
+            </a:pPr>
+            <a:r>
+              <a:rPr lang="de-DE" sz="2800" dirty="0">
+                <a:latin typeface="Candara" panose="020E0502030303020204" pitchFamily="34" charset="0"/>
+              </a:rPr>
+              <a:t>Alternatives</a:t>
+            </a:r>
+          </a:p>
+          <a:p>
+            <a:pPr lvl="1">
+              <a:lnSpc>
+                <a:spcPct val="90000"/>
+              </a:lnSpc>
+            </a:pPr>
+            <a:r>
+              <a:rPr lang="de-DE" sz="2400" dirty="0">
+                <a:latin typeface="Candara" panose="020E0502030303020204" pitchFamily="34" charset="0"/>
+              </a:rPr>
+              <a:t>Safe minimum standards</a:t>
+            </a:r>
+          </a:p>
+          <a:p>
+            <a:pPr lvl="1">
+              <a:lnSpc>
+                <a:spcPct val="90000"/>
+              </a:lnSpc>
+            </a:pPr>
+            <a:r>
+              <a:rPr lang="de-DE" sz="2400" dirty="0">
+                <a:latin typeface="Candara" panose="020E0502030303020204" pitchFamily="34" charset="0"/>
+              </a:rPr>
+              <a:t>Citizen juries, referendums</a:t>
+            </a:r>
+          </a:p>
+          <a:p>
+            <a:pPr lvl="1">
+              <a:lnSpc>
+                <a:spcPct val="90000"/>
+              </a:lnSpc>
+            </a:pPr>
+            <a:r>
+              <a:rPr lang="de-DE" sz="2400" dirty="0">
+                <a:latin typeface="Candara" panose="020E0502030303020204" pitchFamily="34" charset="0"/>
+              </a:rPr>
+              <a:t>Best available technology</a:t>
+            </a:r>
+          </a:p>
+          <a:p>
+            <a:pPr lvl="1">
+              <a:lnSpc>
+                <a:spcPct val="90000"/>
+              </a:lnSpc>
+            </a:pPr>
+            <a:r>
+              <a:rPr lang="de-DE" sz="2400" dirty="0">
+                <a:latin typeface="Candara" panose="020E0502030303020204" pitchFamily="34" charset="0"/>
+              </a:rPr>
+              <a:t>Precautionary principle</a:t>
+            </a:r>
+          </a:p>
+          <a:p>
+            <a:pPr lvl="1">
+              <a:lnSpc>
+                <a:spcPct val="90000"/>
+              </a:lnSpc>
+            </a:pPr>
+            <a:r>
+              <a:rPr lang="de-DE" sz="2400" dirty="0">
+                <a:latin typeface="Candara" panose="020E0502030303020204" pitchFamily="34" charset="0"/>
+              </a:rPr>
+              <a:t>Arbitrary standards</a:t>
+            </a:r>
+          </a:p>
+          <a:p>
+            <a:pPr>
+              <a:lnSpc>
+                <a:spcPct val="90000"/>
+              </a:lnSpc>
+            </a:pPr>
+            <a:r>
+              <a:rPr lang="de-DE" sz="2800" dirty="0">
+                <a:latin typeface="Candara" panose="020E0502030303020204" pitchFamily="34" charset="0"/>
+              </a:rPr>
+              <a:t>Cost-effectiveness analysis</a:t>
             </a:r>
           </a:p>
         </p:txBody>
@@ -12425,318 +12903,17 @@
     </p:spTree>
     <p:extLst>
       <p:ext uri="{BB962C8B-B14F-4D97-AF65-F5344CB8AC3E}">
-        <p14:creationId xmlns:p14="http://schemas.microsoft.com/office/powerpoint/2010/main" val="694287538"/>
+        <p14:creationId xmlns:p14="http://schemas.microsoft.com/office/powerpoint/2010/main" val="3166435593"/>
       </p:ext>
     </p:extLst>
   </p:cSld>
   <p:clrMapOvr>
     <a:masterClrMapping/>
   </p:clrMapOvr>
-  <p:transition spd="med"/>
 </p:sld>
 </file>
 
 <file path=ppt/slides/slide31.xml><?xml version="1.0" encoding="utf-8"?>
-<p:sld xmlns:a="http://schemas.openxmlformats.org/drawingml/2006/main" xmlns:r="http://schemas.openxmlformats.org/officeDocument/2006/relationships" xmlns:p="http://schemas.openxmlformats.org/presentationml/2006/main">
-  <p:cSld>
-    <p:spTree>
-      <p:nvGrpSpPr>
-        <p:cNvPr id="1" name=""/>
-        <p:cNvGrpSpPr/>
-        <p:nvPr/>
-      </p:nvGrpSpPr>
-      <p:grpSpPr>
-        <a:xfrm>
-          <a:off x="0" y="0"/>
-          <a:ext cx="0" cy="0"/>
-          <a:chOff x="0" y="0"/>
-          <a:chExt cx="0" cy="0"/>
-        </a:xfrm>
-      </p:grpSpPr>
-      <p:sp>
-        <p:nvSpPr>
-          <p:cNvPr id="342" name="Ten stages of CBA"/>
-          <p:cNvSpPr txBox="1">
-            <a:spLocks noGrp="1"/>
-          </p:cNvSpPr>
-          <p:nvPr>
-            <p:ph type="title"/>
-          </p:nvPr>
-        </p:nvSpPr>
-        <p:spPr>
-          <a:xfrm>
-            <a:off x="685800" y="0"/>
-            <a:ext cx="7772400" cy="1143000"/>
-          </a:xfrm>
-          <a:prstGeom prst="rect">
-            <a:avLst/>
-          </a:prstGeom>
-        </p:spPr>
-        <p:txBody>
-          <a:bodyPr/>
-          <a:lstStyle/>
-          <a:p>
-            <a:r>
-              <a:rPr sz="3600" dirty="0">
-                <a:latin typeface="Candara" panose="020E0502030303020204" pitchFamily="34" charset="0"/>
-              </a:rPr>
-              <a:t>Ten stages of CBA</a:t>
-            </a:r>
-          </a:p>
-        </p:txBody>
-      </p:sp>
-      <p:sp>
-        <p:nvSpPr>
-          <p:cNvPr id="343" name="Rationale for intervention…"/>
-          <p:cNvSpPr txBox="1">
-            <a:spLocks noGrp="1"/>
-          </p:cNvSpPr>
-          <p:nvPr>
-            <p:ph type="body" idx="1"/>
-          </p:nvPr>
-        </p:nvSpPr>
-        <p:spPr>
-          <a:xfrm>
-            <a:off x="0" y="1143000"/>
-            <a:ext cx="9144000" cy="5486400"/>
-          </a:xfrm>
-          <a:prstGeom prst="rect">
-            <a:avLst/>
-          </a:prstGeom>
-        </p:spPr>
-        <p:txBody>
-          <a:bodyPr numCol="2" spcCol="698500"/>
-          <a:lstStyle/>
-          <a:p>
-            <a:pPr marL="490953" indent="-490953" defTabSz="230021">
-              <a:spcBef>
-                <a:spcPts val="562"/>
-              </a:spcBef>
-              <a:buAutoNum type="arabicPeriod"/>
-              <a:defRPr sz="3359"/>
-            </a:pPr>
-            <a:r>
-              <a:rPr sz="2400" dirty="0">
-                <a:latin typeface="Candara" panose="020E0502030303020204" pitchFamily="34" charset="0"/>
-              </a:rPr>
-              <a:t>Rationale for intervention</a:t>
-            </a:r>
-          </a:p>
-          <a:p>
-            <a:pPr marL="490953" indent="-490953" defTabSz="230021">
-              <a:spcBef>
-                <a:spcPts val="562"/>
-              </a:spcBef>
-              <a:buAutoNum type="arabicPeriod"/>
-              <a:defRPr sz="3359"/>
-            </a:pPr>
-            <a:r>
-              <a:rPr sz="2400" dirty="0">
-                <a:latin typeface="Candara" panose="020E0502030303020204" pitchFamily="34" charset="0"/>
-              </a:rPr>
-              <a:t>Identify the portfolio of candidate projects </a:t>
-            </a:r>
-            <a:r>
-              <a:rPr lang="en-GB" sz="2400" dirty="0">
-                <a:latin typeface="Candara" panose="020E0502030303020204" pitchFamily="34" charset="0"/>
-              </a:rPr>
-              <a:t>and</a:t>
-            </a:r>
-            <a:r>
-              <a:rPr sz="2400" dirty="0">
-                <a:latin typeface="Candara" panose="020E0502030303020204" pitchFamily="34" charset="0"/>
-              </a:rPr>
-              <a:t> define a baseline or counterfactual: what will happen if none of these things do?</a:t>
-            </a:r>
-          </a:p>
-          <a:p>
-            <a:pPr marL="490953" indent="-490953" defTabSz="230021">
-              <a:spcBef>
-                <a:spcPts val="562"/>
-              </a:spcBef>
-              <a:buAutoNum type="arabicPeriod"/>
-              <a:defRPr sz="3359"/>
-            </a:pPr>
-            <a:r>
-              <a:rPr sz="2400" dirty="0">
-                <a:latin typeface="Candara" panose="020E0502030303020204" pitchFamily="34" charset="0"/>
-              </a:rPr>
-              <a:t>Decide whose benefits and costs count (</a:t>
-            </a:r>
-            <a:r>
-              <a:rPr sz="2400" i="1" dirty="0">
-                <a:latin typeface="Candara" panose="020E0502030303020204" pitchFamily="34" charset="0"/>
-              </a:rPr>
-              <a:t>standing</a:t>
-            </a:r>
-            <a:r>
-              <a:rPr sz="2400" dirty="0">
-                <a:latin typeface="Candara" panose="020E0502030303020204" pitchFamily="34" charset="0"/>
-              </a:rPr>
-              <a:t>, or </a:t>
-            </a:r>
-            <a:r>
-              <a:rPr sz="2400" i="1" dirty="0">
-                <a:latin typeface="Candara" panose="020E0502030303020204" pitchFamily="34" charset="0"/>
-              </a:rPr>
-              <a:t>accounting stance</a:t>
-            </a:r>
-            <a:r>
-              <a:rPr sz="2400" dirty="0">
-                <a:latin typeface="Candara" panose="020E0502030303020204" pitchFamily="34" charset="0"/>
-              </a:rPr>
-              <a:t>) </a:t>
-            </a:r>
-          </a:p>
-          <a:p>
-            <a:pPr marL="490953" indent="-490953" defTabSz="230021">
-              <a:spcBef>
-                <a:spcPts val="562"/>
-              </a:spcBef>
-              <a:buAutoNum type="arabicPeriod"/>
-              <a:defRPr sz="3359"/>
-            </a:pPr>
-            <a:r>
-              <a:rPr sz="2400" dirty="0">
-                <a:latin typeface="Candara" panose="020E0502030303020204" pitchFamily="34" charset="0"/>
-              </a:rPr>
-              <a:t>Identify all potential impacts, physical and  biological</a:t>
-            </a:r>
-            <a:endParaRPr lang="en-GB" sz="2400" dirty="0">
-              <a:latin typeface="Candara" panose="020E0502030303020204" pitchFamily="34" charset="0"/>
-            </a:endParaRPr>
-          </a:p>
-          <a:p>
-            <a:pPr marL="490953" indent="-490953" defTabSz="230021">
-              <a:spcBef>
-                <a:spcPts val="562"/>
-              </a:spcBef>
-              <a:buAutoNum type="arabicPeriod"/>
-              <a:defRPr sz="3359"/>
-            </a:pPr>
-            <a:endParaRPr sz="2400" dirty="0">
-              <a:latin typeface="Candara" panose="020E0502030303020204" pitchFamily="34" charset="0"/>
-            </a:endParaRPr>
-          </a:p>
-          <a:p>
-            <a:pPr marL="490953" indent="-490953" defTabSz="230021">
-              <a:spcBef>
-                <a:spcPts val="562"/>
-              </a:spcBef>
-              <a:buAutoNum type="arabicPeriod"/>
-              <a:defRPr sz="3359"/>
-            </a:pPr>
-            <a:r>
-              <a:rPr lang="en-GB" sz="2400" dirty="0">
-                <a:latin typeface="Candara" panose="020E0502030303020204" pitchFamily="34" charset="0"/>
-              </a:rPr>
-              <a:t>Predict scale of impacts </a:t>
-            </a:r>
-            <a:r>
-              <a:rPr sz="2400" dirty="0">
-                <a:latin typeface="Candara" panose="020E0502030303020204" pitchFamily="34" charset="0"/>
-              </a:rPr>
-              <a:t>over the life of the project </a:t>
-            </a:r>
-          </a:p>
-          <a:p>
-            <a:pPr marL="490953" indent="-490953" defTabSz="230021">
-              <a:spcBef>
-                <a:spcPts val="562"/>
-              </a:spcBef>
-              <a:buAutoNum type="arabicPeriod"/>
-              <a:defRPr sz="3359"/>
-            </a:pPr>
-            <a:r>
-              <a:rPr sz="2400" dirty="0" err="1">
-                <a:latin typeface="Candara" panose="020E0502030303020204" pitchFamily="34" charset="0"/>
-              </a:rPr>
-              <a:t>Monetise</a:t>
-            </a:r>
-            <a:r>
-              <a:rPr sz="2400" dirty="0">
-                <a:latin typeface="Candara" panose="020E0502030303020204" pitchFamily="34" charset="0"/>
-              </a:rPr>
-              <a:t> (attach money values to) all impacts</a:t>
-            </a:r>
-          </a:p>
-          <a:p>
-            <a:pPr marL="490953" indent="-490953" defTabSz="230021">
-              <a:spcBef>
-                <a:spcPts val="562"/>
-              </a:spcBef>
-              <a:buAutoNum type="arabicPeriod"/>
-              <a:defRPr sz="3359"/>
-            </a:pPr>
-            <a:r>
-              <a:rPr sz="2400" dirty="0">
-                <a:latin typeface="Candara" panose="020E0502030303020204" pitchFamily="34" charset="0"/>
-              </a:rPr>
-              <a:t>Discount to find present values</a:t>
-            </a:r>
-          </a:p>
-          <a:p>
-            <a:pPr marL="490953" indent="-490953" defTabSz="230021">
-              <a:spcBef>
-                <a:spcPts val="562"/>
-              </a:spcBef>
-              <a:buAutoNum type="arabicPeriod"/>
-              <a:defRPr sz="3359"/>
-            </a:pPr>
-            <a:r>
-              <a:rPr sz="2400" dirty="0">
-                <a:latin typeface="Candara" panose="020E0502030303020204" pitchFamily="34" charset="0"/>
-              </a:rPr>
-              <a:t>Aggregate: add up all the benefits and costs, calculate net benefits</a:t>
-            </a:r>
-          </a:p>
-          <a:p>
-            <a:pPr marL="490953" indent="-490953" defTabSz="230021">
-              <a:spcBef>
-                <a:spcPts val="562"/>
-              </a:spcBef>
-              <a:buAutoNum type="arabicPeriod"/>
-              <a:defRPr sz="3359"/>
-            </a:pPr>
-            <a:r>
-              <a:rPr sz="2400" dirty="0">
-                <a:latin typeface="Candara" panose="020E0502030303020204" pitchFamily="34" charset="0"/>
-              </a:rPr>
-              <a:t>Perform sensitivity analysis</a:t>
-            </a:r>
-          </a:p>
-          <a:p>
-            <a:pPr marL="490953" indent="-490953" defTabSz="230021">
-              <a:spcBef>
-                <a:spcPts val="562"/>
-              </a:spcBef>
-              <a:buAutoNum type="arabicPeriod"/>
-              <a:defRPr sz="3359"/>
-            </a:pPr>
-            <a:r>
-              <a:rPr sz="2400" dirty="0">
-                <a:latin typeface="Candara" panose="020E0502030303020204" pitchFamily="34" charset="0"/>
-              </a:rPr>
-              <a:t>Recommend the alternative with the largest net benefits</a:t>
-            </a:r>
-          </a:p>
-        </p:txBody>
-      </p:sp>
-    </p:spTree>
-    <p:extLst>
-      <p:ext uri="{BB962C8B-B14F-4D97-AF65-F5344CB8AC3E}">
-        <p14:creationId xmlns:p14="http://schemas.microsoft.com/office/powerpoint/2010/main" val="1375152349"/>
-      </p:ext>
-    </p:extLst>
-  </p:cSld>
-  <p:clrMapOvr>
-    <a:masterClrMapping/>
-  </p:clrMapOvr>
-  <p:transition spd="med"/>
-</p:sld>
-</file>
-
-<file path=ppt/slides/slide32.xml><?xml version="1.0" encoding="utf-8"?>
 <p:sld xmlns:a="http://schemas.openxmlformats.org/drawingml/2006/main" xmlns:r="http://schemas.openxmlformats.org/officeDocument/2006/relationships" xmlns:p="http://schemas.openxmlformats.org/presentationml/2006/main">
   <p:cSld>
     <p:spTree>
@@ -12853,16 +13030,16 @@
           <a:p>
             <a:pPr lvl="1" eaLnBrk="1" hangingPunct="1"/>
             <a:r>
+              <a:rPr lang="de-DE" b="1" dirty="0">
+                <a:latin typeface="Candara" panose="020E0502030303020204" pitchFamily="34" charset="0"/>
+              </a:rPr>
+              <a:t>How to apply cost-benefit analysis</a:t>
+            </a:r>
+          </a:p>
+          <a:p>
+            <a:pPr lvl="1" eaLnBrk="1" hangingPunct="1"/>
+            <a:r>
               <a:rPr lang="de-DE" dirty="0">
-                <a:latin typeface="Candara" panose="020E0502030303020204" pitchFamily="34" charset="0"/>
-              </a:rPr>
-              <a:t>How to apply cost-benefit analysis</a:t>
-            </a:r>
-          </a:p>
-          <a:p>
-            <a:pPr lvl="1" eaLnBrk="1" hangingPunct="1"/>
-            <a:r>
-              <a:rPr lang="de-DE" b="1" dirty="0">
                 <a:latin typeface="Candara" panose="020E0502030303020204" pitchFamily="34" charset="0"/>
               </a:rPr>
               <a:t>The London Super Sewer</a:t>
@@ -12879,13 +13056,190 @@
     </p:spTree>
     <p:extLst>
       <p:ext uri="{BB962C8B-B14F-4D97-AF65-F5344CB8AC3E}">
-        <p14:creationId xmlns:p14="http://schemas.microsoft.com/office/powerpoint/2010/main" val="3984954391"/>
+        <p14:creationId xmlns:p14="http://schemas.microsoft.com/office/powerpoint/2010/main" val="2544148115"/>
       </p:ext>
     </p:extLst>
   </p:cSld>
   <p:clrMapOvr>
     <a:masterClrMapping/>
   </p:clrMapOvr>
+</p:sld>
+</file>
+
+<file path=ppt/slides/slide32.xml><?xml version="1.0" encoding="utf-8"?>
+<p:sld xmlns:a="http://schemas.openxmlformats.org/drawingml/2006/main" xmlns:r="http://schemas.openxmlformats.org/officeDocument/2006/relationships" xmlns:p="http://schemas.openxmlformats.org/presentationml/2006/main">
+  <p:cSld>
+    <p:spTree>
+      <p:nvGrpSpPr>
+        <p:cNvPr id="1" name=""/>
+        <p:cNvGrpSpPr/>
+        <p:nvPr/>
+      </p:nvGrpSpPr>
+      <p:grpSpPr>
+        <a:xfrm>
+          <a:off x="0" y="0"/>
+          <a:ext cx="0" cy="0"/>
+          <a:chOff x="0" y="0"/>
+          <a:chExt cx="0" cy="0"/>
+        </a:xfrm>
+      </p:grpSpPr>
+      <p:pic>
+        <p:nvPicPr>
+          <p:cNvPr id="3" name="Picture 2" descr="A person with a beard and glasses&#10;&#10;Description automatically generated">
+            <a:extLst>
+              <a:ext uri="{FF2B5EF4-FFF2-40B4-BE49-F238E27FC236}">
+                <a16:creationId xmlns:a16="http://schemas.microsoft.com/office/drawing/2014/main" id="{DA8D2DD0-C77A-51E2-1D95-C93BAC11C819}"/>
+              </a:ext>
+            </a:extLst>
+          </p:cNvPr>
+          <p:cNvPicPr>
+            <a:picLocks noChangeAspect="1"/>
+          </p:cNvPicPr>
+          <p:nvPr/>
+        </p:nvPicPr>
+        <p:blipFill>
+          <a:blip r:embed="rId3">
+            <a:extLst>
+              <a:ext uri="{28A0092B-C50C-407E-A947-70E740481C1C}">
+                <a14:useLocalDpi xmlns:a14="http://schemas.microsoft.com/office/drawing/2010/main" val="0"/>
+              </a:ext>
+            </a:extLst>
+          </a:blip>
+          <a:stretch>
+            <a:fillRect/>
+          </a:stretch>
+        </p:blipFill>
+        <p:spPr>
+          <a:xfrm>
+            <a:off x="7391400" y="76200"/>
+            <a:ext cx="1666875" cy="2057400"/>
+          </a:xfrm>
+          <a:prstGeom prst="rect">
+            <a:avLst/>
+          </a:prstGeom>
+        </p:spPr>
+      </p:pic>
+      <p:sp>
+        <p:nvSpPr>
+          <p:cNvPr id="260" name="Social Cost-Benefit Analysis"/>
+          <p:cNvSpPr txBox="1">
+            <a:spLocks noGrp="1"/>
+          </p:cNvSpPr>
+          <p:nvPr>
+            <p:ph type="title"/>
+          </p:nvPr>
+        </p:nvSpPr>
+        <p:spPr>
+          <a:xfrm>
+            <a:off x="670192" y="-11935"/>
+            <a:ext cx="7772400" cy="1143000"/>
+          </a:xfrm>
+        </p:spPr>
+        <p:txBody>
+          <a:bodyPr/>
+          <a:lstStyle/>
+          <a:p>
+            <a:r>
+              <a:rPr lang="en-GB" sz="3600" dirty="0">
+                <a:latin typeface="Candara" panose="020E0502030303020204" pitchFamily="34" charset="0"/>
+              </a:rPr>
+              <a:t>Applied Cost-Benefit Analysis</a:t>
+            </a:r>
+          </a:p>
+        </p:txBody>
+      </p:sp>
+      <p:sp>
+        <p:nvSpPr>
+          <p:cNvPr id="261" name="Social CBA is an analytical tool to inform decisions about interventions involving public expenditure over time…"/>
+          <p:cNvSpPr txBox="1">
+            <a:spLocks noGrp="1"/>
+          </p:cNvSpPr>
+          <p:nvPr>
+            <p:ph type="body" idx="1"/>
+          </p:nvPr>
+        </p:nvSpPr>
+        <p:spPr>
+          <a:xfrm>
+            <a:off x="304800" y="1219200"/>
+            <a:ext cx="8077200" cy="4114800"/>
+          </a:xfrm>
+        </p:spPr>
+        <p:txBody>
+          <a:bodyPr/>
+          <a:lstStyle/>
+          <a:p>
+            <a:r>
+              <a:rPr lang="en-GB" sz="2800" dirty="0">
+                <a:latin typeface="Candara" panose="020E0502030303020204" pitchFamily="34" charset="0"/>
+              </a:rPr>
+              <a:t>Social CBA: analytical tool to inform decisions about public expenditure over time</a:t>
+            </a:r>
+          </a:p>
+          <a:p>
+            <a:r>
+              <a:rPr lang="en-GB" sz="2800" dirty="0">
+                <a:latin typeface="Candara" panose="020E0502030303020204" pitchFamily="34" charset="0"/>
+              </a:rPr>
+              <a:t>It requires systematic counting and valuation of all relevant costs and benefits to society as a whole</a:t>
+            </a:r>
+          </a:p>
+          <a:p>
+            <a:pPr lvl="1"/>
+            <a:r>
+              <a:rPr lang="en-GB" sz="2400" dirty="0">
+                <a:latin typeface="Candara" panose="020E0502030303020204" pitchFamily="34" charset="0"/>
+              </a:rPr>
+              <a:t>Benefits = anything that increases human welfare</a:t>
+            </a:r>
+          </a:p>
+          <a:p>
+            <a:pPr lvl="1"/>
+            <a:r>
+              <a:rPr lang="en-GB" sz="2400" dirty="0">
+                <a:latin typeface="Candara" panose="020E0502030303020204" pitchFamily="34" charset="0"/>
+              </a:rPr>
+              <a:t>Costs = anything that decreases human welfare</a:t>
+            </a:r>
+          </a:p>
+          <a:p>
+            <a:r>
+              <a:rPr lang="en-GB" sz="2800" dirty="0">
+                <a:latin typeface="Candara" panose="020E0502030303020204" pitchFamily="34" charset="0"/>
+              </a:rPr>
+              <a:t>It recommends policies where</a:t>
+            </a:r>
+          </a:p>
+          <a:p>
+            <a:pPr lvl="1"/>
+            <a:r>
+              <a:rPr lang="en-GB" sz="2400" dirty="0">
+                <a:latin typeface="Candara" panose="020E0502030303020204" pitchFamily="34" charset="0"/>
+              </a:rPr>
+              <a:t>Benefits outweigh costs — B &gt; C, B / C &gt; 1 (single project)</a:t>
+            </a:r>
+          </a:p>
+          <a:p>
+            <a:pPr lvl="1"/>
+            <a:r>
+              <a:rPr lang="en-GB" sz="2400" dirty="0">
+                <a:latin typeface="Candara" panose="020E0502030303020204" pitchFamily="34" charset="0"/>
+              </a:rPr>
+              <a:t>Net benefits (benefits – costs) are maximised</a:t>
+            </a:r>
+          </a:p>
+        </p:txBody>
+      </p:sp>
+    </p:spTree>
+    <p:extLst>
+      <p:ext uri="{BB962C8B-B14F-4D97-AF65-F5344CB8AC3E}">
+        <p14:creationId xmlns:p14="http://schemas.microsoft.com/office/powerpoint/2010/main" val="1632517793"/>
+      </p:ext>
+    </p:extLst>
+  </p:cSld>
+  <p:clrMapOvr>
+    <a:masterClrMapping/>
+  </p:clrMapOvr>
+  <p:transition spd="med"/>
 </p:sld>
 </file>
 
@@ -12908,7 +13262,47 @@
       </p:grpSpPr>
       <p:sp>
         <p:nvSpPr>
-          <p:cNvPr id="350" name="Case study: London’s super sewer"/>
+          <p:cNvPr id="265" name="Rectangle"/>
+          <p:cNvSpPr/>
+          <p:nvPr/>
+        </p:nvSpPr>
+        <p:spPr>
+          <a:xfrm>
+            <a:off x="7188398" y="2920008"/>
+            <a:ext cx="2437805" cy="1348383"/>
+          </a:xfrm>
+          <a:prstGeom prst="rect">
+            <a:avLst/>
+          </a:prstGeom>
+          <a:solidFill>
+            <a:srgbClr val="FFFFFF"/>
+          </a:solidFill>
+          <a:ln w="25400">
+            <a:miter lim="400000"/>
+          </a:ln>
+        </p:spPr>
+        <p:txBody>
+          <a:bodyPr lIns="35719" tIns="35719" rIns="35719" bIns="35719" anchor="ctr"/>
+          <a:lstStyle/>
+          <a:p>
+            <a:pPr>
+              <a:defRPr sz="2800">
+                <a:effectLst>
+                  <a:outerShdw blurRad="38100" dist="12700" dir="5400000" rotWithShape="0">
+                    <a:srgbClr val="000000">
+                      <a:alpha val="50000"/>
+                    </a:srgbClr>
+                  </a:outerShdw>
+                </a:effectLst>
+              </a:defRPr>
+            </a:pPr>
+            <a:endParaRPr sz="1969"/>
+          </a:p>
+        </p:txBody>
+      </p:sp>
+      <p:sp>
+        <p:nvSpPr>
+          <p:cNvPr id="266" name="Uses of CBA"/>
           <p:cNvSpPr txBox="1">
             <a:spLocks noGrp="1"/>
           </p:cNvSpPr>
@@ -12933,14 +13327,94 @@
               <a:rPr sz="3600" dirty="0">
                 <a:latin typeface="Candara" panose="020E0502030303020204" pitchFamily="34" charset="0"/>
               </a:rPr>
-              <a:t>Case study: London’s super sewer</a:t>
+              <a:t>Uses of CBA</a:t>
+            </a:r>
+          </a:p>
+        </p:txBody>
+      </p:sp>
+      <p:sp>
+        <p:nvSpPr>
+          <p:cNvPr id="267" name="Overall environmental policy…"/>
+          <p:cNvSpPr txBox="1">
+            <a:spLocks noGrp="1"/>
+          </p:cNvSpPr>
+          <p:nvPr>
+            <p:ph type="body" sz="half" idx="1"/>
+          </p:nvPr>
+        </p:nvSpPr>
+        <p:spPr>
+          <a:xfrm>
+            <a:off x="571500" y="1143000"/>
+            <a:ext cx="4881563" cy="5143500"/>
+          </a:xfrm>
+          <a:prstGeom prst="rect">
+            <a:avLst/>
+          </a:prstGeom>
+        </p:spPr>
+        <p:txBody>
+          <a:bodyPr/>
+          <a:lstStyle/>
+          <a:p>
+            <a:pPr marL="257165" indent="-257165" defTabSz="394320">
+              <a:spcBef>
+                <a:spcPts val="1055"/>
+              </a:spcBef>
+              <a:defRPr sz="5760"/>
+            </a:pPr>
+            <a:r>
+              <a:rPr sz="2800" dirty="0">
+                <a:latin typeface="Candara" panose="020E0502030303020204" pitchFamily="34" charset="0"/>
+              </a:rPr>
+              <a:t>Overall environmental policy</a:t>
+            </a:r>
+          </a:p>
+          <a:p>
+            <a:pPr marL="257165" indent="-257165" defTabSz="394320">
+              <a:spcBef>
+                <a:spcPts val="1055"/>
+              </a:spcBef>
+              <a:defRPr sz="5760"/>
+            </a:pPr>
+            <a:r>
+              <a:rPr sz="2800" dirty="0">
+                <a:latin typeface="Candara" panose="020E0502030303020204" pitchFamily="34" charset="0"/>
+              </a:rPr>
+              <a:t>Appraisal of specific projects</a:t>
+            </a:r>
+          </a:p>
+          <a:p>
+            <a:pPr marL="257165" indent="-257165" defTabSz="394320">
+              <a:spcBef>
+                <a:spcPts val="1055"/>
+              </a:spcBef>
+              <a:defRPr sz="5760"/>
+            </a:pPr>
+            <a:r>
+              <a:rPr sz="2800" dirty="0">
+                <a:latin typeface="Candara" panose="020E0502030303020204" pitchFamily="34" charset="0"/>
+              </a:rPr>
+              <a:t>Environmental management</a:t>
+            </a:r>
+          </a:p>
+          <a:p>
+            <a:pPr marL="257165" indent="-257165" defTabSz="394320">
+              <a:spcBef>
+                <a:spcPts val="1055"/>
+              </a:spcBef>
+              <a:defRPr sz="5760"/>
+            </a:pPr>
+            <a:r>
+              <a:rPr sz="2800" dirty="0">
+                <a:latin typeface="Candara" panose="020E0502030303020204" pitchFamily="34" charset="0"/>
+              </a:rPr>
+              <a:t>Ex-ante or ex-post</a:t>
             </a:r>
           </a:p>
         </p:txBody>
       </p:sp>
       <p:pic>
         <p:nvPicPr>
-          <p:cNvPr id="351" name="Screen Shot 2013-11-11 at 17.44.48.png" descr="Screen Shot 2013-11-11 at 17.44.48.png"/>
+          <p:cNvPr id="268" name="Glen_Canyon_Dam.jpg" descr="Glen_Canyon_Dam.jpg"/>
           <p:cNvPicPr>
             <a:picLocks noChangeAspect="1"/>
           </p:cNvPicPr>
@@ -12954,8 +13428,8 @@
         </p:blipFill>
         <p:spPr>
           <a:xfrm>
-            <a:off x="-12853" y="571500"/>
-            <a:ext cx="9144000" cy="8456414"/>
+            <a:off x="5589985" y="4578697"/>
+            <a:ext cx="1952625" cy="1464469"/>
           </a:xfrm>
           <a:prstGeom prst="rect">
             <a:avLst/>
@@ -12965,10 +13439,186 @@
           </a:ln>
         </p:spPr>
       </p:pic>
+      <p:pic>
+        <p:nvPicPr>
+          <p:cNvPr id="269" name="DSCN6624-bee-close_1200x1200.jpg" descr="DSCN6624-bee-close_1200x1200.jpg"/>
+          <p:cNvPicPr>
+            <a:picLocks noChangeAspect="1"/>
+          </p:cNvPicPr>
+          <p:nvPr/>
+        </p:nvPicPr>
+        <p:blipFill>
+          <a:blip r:embed="rId4"/>
+          <a:stretch>
+            <a:fillRect/>
+          </a:stretch>
+        </p:blipFill>
+        <p:spPr>
+          <a:xfrm>
+            <a:off x="5589984" y="1143000"/>
+            <a:ext cx="1464469" cy="1464469"/>
+          </a:xfrm>
+          <a:prstGeom prst="rect">
+            <a:avLst/>
+          </a:prstGeom>
+          <a:ln w="12700">
+            <a:miter lim="400000"/>
+          </a:ln>
+        </p:spPr>
+      </p:pic>
+      <p:pic>
+        <p:nvPicPr>
+          <p:cNvPr id="270" name="300px-West_Texas_Pumpjack.jpg" descr="300px-West_Texas_Pumpjack.jpg"/>
+          <p:cNvPicPr>
+            <a:picLocks noChangeAspect="1"/>
+          </p:cNvPicPr>
+          <p:nvPr/>
+        </p:nvPicPr>
+        <p:blipFill>
+          <a:blip r:embed="rId5"/>
+          <a:stretch>
+            <a:fillRect/>
+          </a:stretch>
+        </p:blipFill>
+        <p:spPr>
+          <a:xfrm>
+            <a:off x="7188398" y="1143000"/>
+            <a:ext cx="1955602" cy="1466701"/>
+          </a:xfrm>
+          <a:prstGeom prst="rect">
+            <a:avLst/>
+          </a:prstGeom>
+          <a:ln w="12700">
+            <a:miter lim="400000"/>
+          </a:ln>
+        </p:spPr>
+      </p:pic>
+      <p:pic>
+        <p:nvPicPr>
+          <p:cNvPr id="271" name="iStock_000016330086Medium.jpg" descr="iStock_000016330086Medium.jpg"/>
+          <p:cNvPicPr>
+            <a:picLocks noChangeAspect="1"/>
+          </p:cNvPicPr>
+          <p:nvPr/>
+        </p:nvPicPr>
+        <p:blipFill>
+          <a:blip r:embed="rId6"/>
+          <a:srcRect l="21908" t="24837" r="39790" b="22246"/>
+          <a:stretch>
+            <a:fillRect/>
+          </a:stretch>
+        </p:blipFill>
+        <p:spPr>
+          <a:xfrm>
+            <a:off x="5592066" y="2915543"/>
+            <a:ext cx="1464469" cy="1348853"/>
+          </a:xfrm>
+          <a:prstGeom prst="rect">
+            <a:avLst/>
+          </a:prstGeom>
+          <a:ln w="12700">
+            <a:miter lim="400000"/>
+          </a:ln>
+        </p:spPr>
+      </p:pic>
+      <p:pic>
+        <p:nvPicPr>
+          <p:cNvPr id="272" name="london-2012.png" descr="london-2012.png"/>
+          <p:cNvPicPr>
+            <a:picLocks noChangeAspect="1"/>
+          </p:cNvPicPr>
+          <p:nvPr/>
+        </p:nvPicPr>
+        <p:blipFill>
+          <a:blip r:embed="rId7"/>
+          <a:stretch>
+            <a:fillRect/>
+          </a:stretch>
+        </p:blipFill>
+        <p:spPr>
+          <a:xfrm>
+            <a:off x="7331274" y="3143250"/>
+            <a:ext cx="1678781" cy="893952"/>
+          </a:xfrm>
+          <a:prstGeom prst="rect">
+            <a:avLst/>
+          </a:prstGeom>
+          <a:ln w="12700">
+            <a:miter lim="400000"/>
+          </a:ln>
+        </p:spPr>
+      </p:pic>
+      <p:sp>
+        <p:nvSpPr>
+          <p:cNvPr id="273" name="Rectangle"/>
+          <p:cNvSpPr/>
+          <p:nvPr/>
+        </p:nvSpPr>
+        <p:spPr>
+          <a:xfrm>
+            <a:off x="7679531" y="4572000"/>
+            <a:ext cx="2437805" cy="1473398"/>
+          </a:xfrm>
+          <a:prstGeom prst="rect">
+            <a:avLst/>
+          </a:prstGeom>
+          <a:solidFill>
+            <a:srgbClr val="FFFFFF"/>
+          </a:solidFill>
+          <a:ln w="25400">
+            <a:miter lim="400000"/>
+          </a:ln>
+        </p:spPr>
+        <p:txBody>
+          <a:bodyPr lIns="35719" tIns="35719" rIns="35719" bIns="35719" anchor="ctr"/>
+          <a:lstStyle/>
+          <a:p>
+            <a:pPr>
+              <a:defRPr sz="2800">
+                <a:effectLst>
+                  <a:outerShdw blurRad="38100" dist="12700" dir="5400000" rotWithShape="0">
+                    <a:srgbClr val="000000">
+                      <a:alpha val="50000"/>
+                    </a:srgbClr>
+                  </a:outerShdw>
+                </a:effectLst>
+              </a:defRPr>
+            </a:pPr>
+            <a:endParaRPr sz="1969"/>
+          </a:p>
+        </p:txBody>
+      </p:sp>
+      <p:pic>
+        <p:nvPicPr>
+          <p:cNvPr id="274" name="thames-water-logo-cmk.jpg" descr="thames-water-logo-cmk.jpg"/>
+          <p:cNvPicPr>
+            <a:picLocks noChangeAspect="1"/>
+          </p:cNvPicPr>
+          <p:nvPr/>
+        </p:nvPicPr>
+        <p:blipFill>
+          <a:blip r:embed="rId8"/>
+          <a:stretch>
+            <a:fillRect/>
+          </a:stretch>
+        </p:blipFill>
+        <p:spPr>
+          <a:xfrm>
+            <a:off x="7813476" y="4732734"/>
+            <a:ext cx="1205508" cy="1205508"/>
+          </a:xfrm>
+          <a:prstGeom prst="rect">
+            <a:avLst/>
+          </a:prstGeom>
+          <a:ln w="12700">
+            <a:miter lim="400000"/>
+          </a:ln>
+        </p:spPr>
+      </p:pic>
     </p:spTree>
     <p:extLst>
       <p:ext uri="{BB962C8B-B14F-4D97-AF65-F5344CB8AC3E}">
-        <p14:creationId xmlns:p14="http://schemas.microsoft.com/office/powerpoint/2010/main" val="4225558154"/>
+        <p14:creationId xmlns:p14="http://schemas.microsoft.com/office/powerpoint/2010/main" val="2207227144"/>
       </p:ext>
     </p:extLst>
   </p:cSld>
@@ -12998,6 +13648,937 @@
       </p:grpSpPr>
       <p:sp>
         <p:nvSpPr>
+          <p:cNvPr id="296" name="In practice …"/>
+          <p:cNvSpPr txBox="1">
+            <a:spLocks noGrp="1"/>
+          </p:cNvSpPr>
+          <p:nvPr>
+            <p:ph type="title"/>
+          </p:nvPr>
+        </p:nvSpPr>
+        <p:spPr>
+          <a:xfrm>
+            <a:off x="675701" y="14689"/>
+            <a:ext cx="7772400" cy="1143000"/>
+          </a:xfrm>
+          <a:prstGeom prst="rect">
+            <a:avLst/>
+          </a:prstGeom>
+        </p:spPr>
+        <p:txBody>
+          <a:bodyPr/>
+          <a:lstStyle/>
+          <a:p>
+            <a:r>
+              <a:rPr lang="en-GB" sz="3600" dirty="0">
+                <a:latin typeface="Candara" panose="020E0502030303020204" pitchFamily="34" charset="0"/>
+              </a:rPr>
+              <a:t>Ex post</a:t>
+            </a:r>
+            <a:endParaRPr sz="3600" dirty="0">
+              <a:latin typeface="Candara" panose="020E0502030303020204" pitchFamily="34" charset="0"/>
+            </a:endParaRPr>
+          </a:p>
+        </p:txBody>
+      </p:sp>
+      <p:sp>
+        <p:nvSpPr>
+          <p:cNvPr id="297" name="Of US environmental regulations from 1990 – 1995,  ~50% fail cost-benefit test? (Hahn 1996)…"/>
+          <p:cNvSpPr txBox="1">
+            <a:spLocks noGrp="1"/>
+          </p:cNvSpPr>
+          <p:nvPr>
+            <p:ph idx="1"/>
+          </p:nvPr>
+        </p:nvSpPr>
+        <p:spPr>
+          <a:xfrm>
+            <a:off x="675701" y="990600"/>
+            <a:ext cx="7772400" cy="4114800"/>
+          </a:xfrm>
+          <a:prstGeom prst="rect">
+            <a:avLst/>
+          </a:prstGeom>
+        </p:spPr>
+        <p:txBody>
+          <a:bodyPr/>
+          <a:lstStyle/>
+          <a:p>
+            <a:pPr marL="428610" indent="-428610" defTabSz="394320">
+              <a:spcBef>
+                <a:spcPts val="1055"/>
+              </a:spcBef>
+              <a:defRPr sz="5760"/>
+            </a:pPr>
+            <a:r>
+              <a:rPr sz="2800" dirty="0">
+                <a:latin typeface="Candara" panose="020E0502030303020204" pitchFamily="34" charset="0"/>
+              </a:rPr>
+              <a:t>Of US environmental regulations from 1990 – 1995, ~50% fail cost-benefit test</a:t>
+            </a:r>
+            <a:r>
+              <a:rPr lang="en-GB" sz="2800" dirty="0">
+                <a:latin typeface="Candara" panose="020E0502030303020204" pitchFamily="34" charset="0"/>
+              </a:rPr>
+              <a:t> </a:t>
+            </a:r>
+            <a:r>
+              <a:rPr sz="2800" dirty="0">
+                <a:latin typeface="Candara" panose="020E0502030303020204" pitchFamily="34" charset="0"/>
+              </a:rPr>
+              <a:t>(Hahn 1996)</a:t>
+            </a:r>
+          </a:p>
+          <a:p>
+            <a:pPr marL="428610" indent="-428610" defTabSz="394320">
+              <a:spcBef>
+                <a:spcPts val="1055"/>
+              </a:spcBef>
+              <a:defRPr sz="5760"/>
+            </a:pPr>
+            <a:r>
+              <a:rPr sz="2800" dirty="0">
+                <a:latin typeface="Candara" panose="020E0502030303020204" pitchFamily="34" charset="0"/>
+              </a:rPr>
+              <a:t>Few EU Directives pass cost-benefit test either</a:t>
+            </a:r>
+            <a:br>
+              <a:rPr sz="2800" dirty="0">
+                <a:latin typeface="Candara" panose="020E0502030303020204" pitchFamily="34" charset="0"/>
+              </a:rPr>
+            </a:br>
+            <a:r>
+              <a:rPr sz="2800" dirty="0">
+                <a:latin typeface="Candara" panose="020E0502030303020204" pitchFamily="34" charset="0"/>
+              </a:rPr>
+              <a:t>(Pearce 2004)</a:t>
+            </a:r>
+            <a:endParaRPr lang="en-GB" sz="2800" dirty="0">
+              <a:latin typeface="Candara" panose="020E0502030303020204" pitchFamily="34" charset="0"/>
+            </a:endParaRPr>
+          </a:p>
+          <a:p>
+            <a:pPr marL="428610" indent="-428610" defTabSz="394320">
+              <a:spcBef>
+                <a:spcPts val="1055"/>
+              </a:spcBef>
+              <a:defRPr sz="5760"/>
+            </a:pPr>
+            <a:r>
+              <a:rPr sz="2800" dirty="0">
+                <a:latin typeface="Candara" panose="020E0502030303020204" pitchFamily="34" charset="0"/>
+              </a:rPr>
+              <a:t>However, there are (1) a variety of ways in which CBA may be systematically biased against pro-environmental policies and regulations (Graves 2012) and (2) other goals we might pursue beyond efficiency</a:t>
+            </a:r>
+          </a:p>
+        </p:txBody>
+      </p:sp>
+    </p:spTree>
+    <p:extLst>
+      <p:ext uri="{BB962C8B-B14F-4D97-AF65-F5344CB8AC3E}">
+        <p14:creationId xmlns:p14="http://schemas.microsoft.com/office/powerpoint/2010/main" val="233666694"/>
+      </p:ext>
+    </p:extLst>
+  </p:cSld>
+  <p:clrMapOvr>
+    <a:masterClrMapping/>
+  </p:clrMapOvr>
+</p:sld>
+</file>
+
+<file path=ppt/slides/slide35.xml><?xml version="1.0" encoding="utf-8"?>
+<p:sld xmlns:a="http://schemas.openxmlformats.org/drawingml/2006/main" xmlns:r="http://schemas.openxmlformats.org/officeDocument/2006/relationships" xmlns:p="http://schemas.openxmlformats.org/presentationml/2006/main">
+  <p:cSld>
+    <p:spTree>
+      <p:nvGrpSpPr>
+        <p:cNvPr id="1" name=""/>
+        <p:cNvGrpSpPr/>
+        <p:nvPr/>
+      </p:nvGrpSpPr>
+      <p:grpSpPr>
+        <a:xfrm>
+          <a:off x="0" y="0"/>
+          <a:ext cx="0" cy="0"/>
+          <a:chOff x="0" y="0"/>
+          <a:chExt cx="0" cy="0"/>
+        </a:xfrm>
+      </p:grpSpPr>
+      <p:sp>
+        <p:nvSpPr>
+          <p:cNvPr id="332" name="What about equity?"/>
+          <p:cNvSpPr txBox="1">
+            <a:spLocks noGrp="1"/>
+          </p:cNvSpPr>
+          <p:nvPr>
+            <p:ph type="title"/>
+          </p:nvPr>
+        </p:nvSpPr>
+        <p:spPr>
+          <a:xfrm>
+            <a:off x="685800" y="0"/>
+            <a:ext cx="7772400" cy="1143000"/>
+          </a:xfrm>
+          <a:prstGeom prst="rect">
+            <a:avLst/>
+          </a:prstGeom>
+        </p:spPr>
+        <p:txBody>
+          <a:bodyPr/>
+          <a:lstStyle/>
+          <a:p>
+            <a:r>
+              <a:rPr sz="3600" dirty="0">
+                <a:latin typeface="Candara" panose="020E0502030303020204" pitchFamily="34" charset="0"/>
+              </a:rPr>
+              <a:t>What about equity?</a:t>
+            </a:r>
+          </a:p>
+        </p:txBody>
+      </p:sp>
+      <p:sp>
+        <p:nvSpPr>
+          <p:cNvPr id="333" name="Policymakers could address equity separately…"/>
+          <p:cNvSpPr txBox="1">
+            <a:spLocks noGrp="1"/>
+          </p:cNvSpPr>
+          <p:nvPr>
+            <p:ph type="body" idx="1"/>
+          </p:nvPr>
+        </p:nvSpPr>
+        <p:spPr>
+          <a:xfrm>
+            <a:off x="571500" y="1143000"/>
+            <a:ext cx="7886700" cy="5143500"/>
+          </a:xfrm>
+          <a:prstGeom prst="rect">
+            <a:avLst/>
+          </a:prstGeom>
+        </p:spPr>
+        <p:txBody>
+          <a:bodyPr/>
+          <a:lstStyle/>
+          <a:p>
+            <a:pPr marL="406286" indent="-406286" defTabSz="373783">
+              <a:spcBef>
+                <a:spcPts val="984"/>
+              </a:spcBef>
+              <a:defRPr sz="5460"/>
+            </a:pPr>
+            <a:r>
+              <a:rPr sz="2800" dirty="0">
+                <a:latin typeface="Candara" panose="020E0502030303020204" pitchFamily="34" charset="0"/>
+              </a:rPr>
+              <a:t>Policymakers </a:t>
+            </a:r>
+            <a:r>
+              <a:rPr sz="2800" i="1" dirty="0">
+                <a:latin typeface="Candara" panose="020E0502030303020204" pitchFamily="34" charset="0"/>
+              </a:rPr>
+              <a:t>could</a:t>
+            </a:r>
+            <a:r>
+              <a:rPr sz="2800" dirty="0">
+                <a:latin typeface="Candara" panose="020E0502030303020204" pitchFamily="34" charset="0"/>
+              </a:rPr>
+              <a:t> address equity separately</a:t>
+            </a:r>
+          </a:p>
+          <a:p>
+            <a:pPr marL="739441" lvl="1" indent="-219395" defTabSz="373783">
+              <a:spcBef>
+                <a:spcPts val="984"/>
+              </a:spcBef>
+              <a:buSzPct val="100000"/>
+              <a:buChar char="•"/>
+              <a:defRPr sz="3276"/>
+            </a:pPr>
+            <a:r>
+              <a:rPr sz="2400" dirty="0">
+                <a:latin typeface="Candara" panose="020E0502030303020204" pitchFamily="34" charset="0"/>
+              </a:rPr>
+              <a:t>e.g. compensation through tax system</a:t>
+            </a:r>
+            <a:endParaRPr lang="en-GB" sz="2400" dirty="0">
+              <a:latin typeface="Candara" panose="020E0502030303020204" pitchFamily="34" charset="0"/>
+            </a:endParaRPr>
+          </a:p>
+          <a:p>
+            <a:pPr marL="739441" lvl="1" indent="-219395" defTabSz="373783">
+              <a:spcBef>
+                <a:spcPts val="984"/>
+              </a:spcBef>
+              <a:buSzPct val="100000"/>
+              <a:buChar char="•"/>
+              <a:defRPr sz="3276"/>
+            </a:pPr>
+            <a:r>
+              <a:rPr lang="en-GB" sz="2400" dirty="0">
+                <a:latin typeface="Candara" panose="020E0502030303020204" pitchFamily="34" charset="0"/>
+              </a:rPr>
+              <a:t>potential v actual Pareto improvements</a:t>
+            </a:r>
+            <a:endParaRPr sz="2400" dirty="0">
+              <a:latin typeface="Candara" panose="020E0502030303020204" pitchFamily="34" charset="0"/>
+            </a:endParaRPr>
+          </a:p>
+          <a:p>
+            <a:pPr marL="406286" indent="-406286" defTabSz="373783">
+              <a:spcBef>
+                <a:spcPts val="984"/>
+              </a:spcBef>
+              <a:defRPr sz="5460"/>
+            </a:pPr>
+            <a:r>
+              <a:rPr sz="2800" dirty="0">
+                <a:latin typeface="Candara" panose="020E0502030303020204" pitchFamily="34" charset="0"/>
+              </a:rPr>
+              <a:t>Given enough projects, differences </a:t>
+            </a:r>
+            <a:r>
+              <a:rPr sz="2800" i="1" dirty="0">
+                <a:latin typeface="Candara" panose="020E0502030303020204" pitchFamily="34" charset="0"/>
+              </a:rPr>
+              <a:t>might </a:t>
+            </a:r>
+            <a:r>
+              <a:rPr sz="2800" dirty="0">
+                <a:latin typeface="Candara" panose="020E0502030303020204" pitchFamily="34" charset="0"/>
+              </a:rPr>
+              <a:t> </a:t>
+            </a:r>
+            <a:br>
+              <a:rPr sz="2800" dirty="0">
+                <a:latin typeface="Candara" panose="020E0502030303020204" pitchFamily="34" charset="0"/>
+              </a:rPr>
+            </a:br>
+            <a:r>
+              <a:rPr sz="2800" dirty="0">
+                <a:latin typeface="Candara" panose="020E0502030303020204" pitchFamily="34" charset="0"/>
+              </a:rPr>
+              <a:t>‘come out in the wash’</a:t>
+            </a:r>
+          </a:p>
+          <a:p>
+            <a:pPr marL="406286" indent="-406286" defTabSz="373783">
+              <a:spcBef>
+                <a:spcPts val="984"/>
+              </a:spcBef>
+              <a:defRPr sz="5460"/>
+            </a:pPr>
+            <a:r>
+              <a:rPr sz="2800" dirty="0">
+                <a:latin typeface="Candara" panose="020E0502030303020204" pitchFamily="34" charset="0"/>
+              </a:rPr>
+              <a:t>Or they might not</a:t>
+            </a:r>
+            <a:r>
+              <a:rPr lang="en-US" sz="2800" dirty="0">
+                <a:latin typeface="Candara" panose="020E0502030303020204" pitchFamily="34" charset="0"/>
+              </a:rPr>
+              <a:t> (cf. final week)</a:t>
+            </a:r>
+            <a:endParaRPr lang="en-GB" sz="2800" dirty="0">
+              <a:latin typeface="Candara" panose="020E0502030303020204" pitchFamily="34" charset="0"/>
+            </a:endParaRPr>
+          </a:p>
+          <a:p>
+            <a:pPr marL="406286" indent="-406286" defTabSz="373783">
+              <a:spcBef>
+                <a:spcPts val="984"/>
+              </a:spcBef>
+              <a:defRPr sz="5460"/>
+            </a:pPr>
+            <a:r>
+              <a:rPr sz="2800" dirty="0">
+                <a:latin typeface="Candara" panose="020E0502030303020204" pitchFamily="34" charset="0"/>
+              </a:rPr>
+              <a:t>Use CBA as one input to a policy decision — not to provide the decision by itself</a:t>
+            </a:r>
+          </a:p>
+        </p:txBody>
+      </p:sp>
+    </p:spTree>
+    <p:extLst>
+      <p:ext uri="{BB962C8B-B14F-4D97-AF65-F5344CB8AC3E}">
+        <p14:creationId xmlns:p14="http://schemas.microsoft.com/office/powerpoint/2010/main" val="694287538"/>
+      </p:ext>
+    </p:extLst>
+  </p:cSld>
+  <p:clrMapOvr>
+    <a:masterClrMapping/>
+  </p:clrMapOvr>
+  <p:transition spd="med"/>
+</p:sld>
+</file>
+
+<file path=ppt/slides/slide36.xml><?xml version="1.0" encoding="utf-8"?>
+<p:sld xmlns:a="http://schemas.openxmlformats.org/drawingml/2006/main" xmlns:r="http://schemas.openxmlformats.org/officeDocument/2006/relationships" xmlns:p="http://schemas.openxmlformats.org/presentationml/2006/main">
+  <p:cSld>
+    <p:spTree>
+      <p:nvGrpSpPr>
+        <p:cNvPr id="1" name=""/>
+        <p:cNvGrpSpPr/>
+        <p:nvPr/>
+      </p:nvGrpSpPr>
+      <p:grpSpPr>
+        <a:xfrm>
+          <a:off x="0" y="0"/>
+          <a:ext cx="0" cy="0"/>
+          <a:chOff x="0" y="0"/>
+          <a:chExt cx="0" cy="0"/>
+        </a:xfrm>
+      </p:grpSpPr>
+      <p:sp>
+        <p:nvSpPr>
+          <p:cNvPr id="342" name="Ten stages of CBA"/>
+          <p:cNvSpPr txBox="1">
+            <a:spLocks noGrp="1"/>
+          </p:cNvSpPr>
+          <p:nvPr>
+            <p:ph type="title"/>
+          </p:nvPr>
+        </p:nvSpPr>
+        <p:spPr>
+          <a:xfrm>
+            <a:off x="685800" y="0"/>
+            <a:ext cx="7772400" cy="1143000"/>
+          </a:xfrm>
+          <a:prstGeom prst="rect">
+            <a:avLst/>
+          </a:prstGeom>
+        </p:spPr>
+        <p:txBody>
+          <a:bodyPr/>
+          <a:lstStyle/>
+          <a:p>
+            <a:r>
+              <a:rPr sz="3600" dirty="0">
+                <a:latin typeface="Candara" panose="020E0502030303020204" pitchFamily="34" charset="0"/>
+              </a:rPr>
+              <a:t>Ten stages of CBA</a:t>
+            </a:r>
+          </a:p>
+        </p:txBody>
+      </p:sp>
+      <p:sp>
+        <p:nvSpPr>
+          <p:cNvPr id="343" name="Rationale for intervention…"/>
+          <p:cNvSpPr txBox="1">
+            <a:spLocks noGrp="1"/>
+          </p:cNvSpPr>
+          <p:nvPr>
+            <p:ph type="body" idx="1"/>
+          </p:nvPr>
+        </p:nvSpPr>
+        <p:spPr>
+          <a:xfrm>
+            <a:off x="0" y="1143000"/>
+            <a:ext cx="9144000" cy="5486400"/>
+          </a:xfrm>
+          <a:prstGeom prst="rect">
+            <a:avLst/>
+          </a:prstGeom>
+        </p:spPr>
+        <p:txBody>
+          <a:bodyPr numCol="2" spcCol="698500"/>
+          <a:lstStyle/>
+          <a:p>
+            <a:pPr marL="490953" indent="-490953" defTabSz="230021">
+              <a:spcBef>
+                <a:spcPts val="562"/>
+              </a:spcBef>
+              <a:buAutoNum type="arabicPeriod"/>
+              <a:defRPr sz="3359"/>
+            </a:pPr>
+            <a:r>
+              <a:rPr sz="2400" dirty="0">
+                <a:latin typeface="Candara" panose="020E0502030303020204" pitchFamily="34" charset="0"/>
+              </a:rPr>
+              <a:t>Rationale for intervention</a:t>
+            </a:r>
+          </a:p>
+          <a:p>
+            <a:pPr marL="490953" indent="-490953" defTabSz="230021">
+              <a:spcBef>
+                <a:spcPts val="562"/>
+              </a:spcBef>
+              <a:buAutoNum type="arabicPeriod"/>
+              <a:defRPr sz="3359"/>
+            </a:pPr>
+            <a:r>
+              <a:rPr sz="2400" dirty="0">
+                <a:latin typeface="Candara" panose="020E0502030303020204" pitchFamily="34" charset="0"/>
+              </a:rPr>
+              <a:t>Identify the portfolio of candidate projects </a:t>
+            </a:r>
+            <a:r>
+              <a:rPr lang="en-GB" sz="2400" dirty="0">
+                <a:latin typeface="Candara" panose="020E0502030303020204" pitchFamily="34" charset="0"/>
+              </a:rPr>
+              <a:t>and</a:t>
+            </a:r>
+            <a:r>
+              <a:rPr sz="2400" dirty="0">
+                <a:latin typeface="Candara" panose="020E0502030303020204" pitchFamily="34" charset="0"/>
+              </a:rPr>
+              <a:t> define a baseline or counterfactual: what will happen if none of these things do?</a:t>
+            </a:r>
+          </a:p>
+          <a:p>
+            <a:pPr marL="490953" indent="-490953" defTabSz="230021">
+              <a:spcBef>
+                <a:spcPts val="562"/>
+              </a:spcBef>
+              <a:buAutoNum type="arabicPeriod"/>
+              <a:defRPr sz="3359"/>
+            </a:pPr>
+            <a:r>
+              <a:rPr sz="2400" dirty="0">
+                <a:latin typeface="Candara" panose="020E0502030303020204" pitchFamily="34" charset="0"/>
+              </a:rPr>
+              <a:t>Decide whose benefits and costs count (</a:t>
+            </a:r>
+            <a:r>
+              <a:rPr sz="2400" i="1" dirty="0">
+                <a:latin typeface="Candara" panose="020E0502030303020204" pitchFamily="34" charset="0"/>
+              </a:rPr>
+              <a:t>standing</a:t>
+            </a:r>
+            <a:r>
+              <a:rPr sz="2400" dirty="0">
+                <a:latin typeface="Candara" panose="020E0502030303020204" pitchFamily="34" charset="0"/>
+              </a:rPr>
+              <a:t>, or </a:t>
+            </a:r>
+            <a:r>
+              <a:rPr sz="2400" i="1" dirty="0">
+                <a:latin typeface="Candara" panose="020E0502030303020204" pitchFamily="34" charset="0"/>
+              </a:rPr>
+              <a:t>accounting stance</a:t>
+            </a:r>
+            <a:r>
+              <a:rPr sz="2400" dirty="0">
+                <a:latin typeface="Candara" panose="020E0502030303020204" pitchFamily="34" charset="0"/>
+              </a:rPr>
+              <a:t>) </a:t>
+            </a:r>
+          </a:p>
+          <a:p>
+            <a:pPr marL="490953" indent="-490953" defTabSz="230021">
+              <a:spcBef>
+                <a:spcPts val="562"/>
+              </a:spcBef>
+              <a:buAutoNum type="arabicPeriod"/>
+              <a:defRPr sz="3359"/>
+            </a:pPr>
+            <a:r>
+              <a:rPr sz="2400" dirty="0">
+                <a:latin typeface="Candara" panose="020E0502030303020204" pitchFamily="34" charset="0"/>
+              </a:rPr>
+              <a:t>Identify all potential impacts, physical and  biological</a:t>
+            </a:r>
+            <a:endParaRPr lang="en-GB" sz="2400" dirty="0">
+              <a:latin typeface="Candara" panose="020E0502030303020204" pitchFamily="34" charset="0"/>
+            </a:endParaRPr>
+          </a:p>
+          <a:p>
+            <a:pPr marL="490953" indent="-490953" defTabSz="230021">
+              <a:spcBef>
+                <a:spcPts val="562"/>
+              </a:spcBef>
+              <a:buAutoNum type="arabicPeriod"/>
+              <a:defRPr sz="3359"/>
+            </a:pPr>
+            <a:endParaRPr sz="2400" dirty="0">
+              <a:latin typeface="Candara" panose="020E0502030303020204" pitchFamily="34" charset="0"/>
+            </a:endParaRPr>
+          </a:p>
+          <a:p>
+            <a:pPr marL="490953" indent="-490953" defTabSz="230021">
+              <a:spcBef>
+                <a:spcPts val="562"/>
+              </a:spcBef>
+              <a:buAutoNum type="arabicPeriod"/>
+              <a:defRPr sz="3359"/>
+            </a:pPr>
+            <a:r>
+              <a:rPr lang="en-GB" sz="2400" dirty="0">
+                <a:latin typeface="Candara" panose="020E0502030303020204" pitchFamily="34" charset="0"/>
+              </a:rPr>
+              <a:t>Predict scale of impacts </a:t>
+            </a:r>
+            <a:r>
+              <a:rPr sz="2400" dirty="0">
+                <a:latin typeface="Candara" panose="020E0502030303020204" pitchFamily="34" charset="0"/>
+              </a:rPr>
+              <a:t>over the life of the project </a:t>
+            </a:r>
+          </a:p>
+          <a:p>
+            <a:pPr marL="490953" indent="-490953" defTabSz="230021">
+              <a:spcBef>
+                <a:spcPts val="562"/>
+              </a:spcBef>
+              <a:buAutoNum type="arabicPeriod"/>
+              <a:defRPr sz="3359"/>
+            </a:pPr>
+            <a:r>
+              <a:rPr sz="2400" dirty="0">
+                <a:latin typeface="Candara" panose="020E0502030303020204" pitchFamily="34" charset="0"/>
+              </a:rPr>
+              <a:t>Moneti</a:t>
+            </a:r>
+            <a:r>
+              <a:rPr lang="en-US" sz="2400" dirty="0">
+                <a:latin typeface="Candara" panose="020E0502030303020204" pitchFamily="34" charset="0"/>
+              </a:rPr>
+              <a:t>z</a:t>
+            </a:r>
+            <a:r>
+              <a:rPr sz="2400" dirty="0">
+                <a:latin typeface="Candara" panose="020E0502030303020204" pitchFamily="34" charset="0"/>
+              </a:rPr>
+              <a:t>e (attach money values to) all impacts</a:t>
+            </a:r>
+          </a:p>
+          <a:p>
+            <a:pPr marL="490953" indent="-490953" defTabSz="230021">
+              <a:spcBef>
+                <a:spcPts val="562"/>
+              </a:spcBef>
+              <a:buAutoNum type="arabicPeriod"/>
+              <a:defRPr sz="3359"/>
+            </a:pPr>
+            <a:r>
+              <a:rPr sz="2400" dirty="0">
+                <a:latin typeface="Candara" panose="020E0502030303020204" pitchFamily="34" charset="0"/>
+              </a:rPr>
+              <a:t>Discount to find present values</a:t>
+            </a:r>
+          </a:p>
+          <a:p>
+            <a:pPr marL="490953" indent="-490953" defTabSz="230021">
+              <a:spcBef>
+                <a:spcPts val="562"/>
+              </a:spcBef>
+              <a:buAutoNum type="arabicPeriod"/>
+              <a:defRPr sz="3359"/>
+            </a:pPr>
+            <a:r>
+              <a:rPr sz="2400" dirty="0">
+                <a:latin typeface="Candara" panose="020E0502030303020204" pitchFamily="34" charset="0"/>
+              </a:rPr>
+              <a:t>Aggregate: add up all the benefits and costs, calculate net benefits</a:t>
+            </a:r>
+          </a:p>
+          <a:p>
+            <a:pPr marL="490953" indent="-490953" defTabSz="230021">
+              <a:spcBef>
+                <a:spcPts val="562"/>
+              </a:spcBef>
+              <a:buAutoNum type="arabicPeriod"/>
+              <a:defRPr sz="3359"/>
+            </a:pPr>
+            <a:r>
+              <a:rPr sz="2400" dirty="0">
+                <a:latin typeface="Candara" panose="020E0502030303020204" pitchFamily="34" charset="0"/>
+              </a:rPr>
+              <a:t>Perform sensitivity analysis</a:t>
+            </a:r>
+          </a:p>
+          <a:p>
+            <a:pPr marL="490953" indent="-490953" defTabSz="230021">
+              <a:spcBef>
+                <a:spcPts val="562"/>
+              </a:spcBef>
+              <a:buAutoNum type="arabicPeriod"/>
+              <a:defRPr sz="3359"/>
+            </a:pPr>
+            <a:r>
+              <a:rPr sz="2400" dirty="0">
+                <a:latin typeface="Candara" panose="020E0502030303020204" pitchFamily="34" charset="0"/>
+              </a:rPr>
+              <a:t>Recommend the alternative with the largest net benefits</a:t>
+            </a:r>
+          </a:p>
+        </p:txBody>
+      </p:sp>
+    </p:spTree>
+    <p:extLst>
+      <p:ext uri="{BB962C8B-B14F-4D97-AF65-F5344CB8AC3E}">
+        <p14:creationId xmlns:p14="http://schemas.microsoft.com/office/powerpoint/2010/main" val="1375152349"/>
+      </p:ext>
+    </p:extLst>
+  </p:cSld>
+  <p:clrMapOvr>
+    <a:masterClrMapping/>
+  </p:clrMapOvr>
+  <p:transition spd="med"/>
+</p:sld>
+</file>
+
+<file path=ppt/slides/slide37.xml><?xml version="1.0" encoding="utf-8"?>
+<p:sld xmlns:a="http://schemas.openxmlformats.org/drawingml/2006/main" xmlns:r="http://schemas.openxmlformats.org/officeDocument/2006/relationships" xmlns:p="http://schemas.openxmlformats.org/presentationml/2006/main">
+  <p:cSld>
+    <p:spTree>
+      <p:nvGrpSpPr>
+        <p:cNvPr id="1" name=""/>
+        <p:cNvGrpSpPr/>
+        <p:nvPr/>
+      </p:nvGrpSpPr>
+      <p:grpSpPr>
+        <a:xfrm>
+          <a:off x="0" y="0"/>
+          <a:ext cx="0" cy="0"/>
+          <a:chOff x="0" y="0"/>
+          <a:chExt cx="0" cy="0"/>
+        </a:xfrm>
+      </p:grpSpPr>
+      <p:sp>
+        <p:nvSpPr>
+          <p:cNvPr id="6146" name="Rectangle 2"/>
+          <p:cNvSpPr>
+            <a:spLocks noGrp="1" noChangeArrowheads="1"/>
+          </p:cNvSpPr>
+          <p:nvPr>
+            <p:ph type="title"/>
+          </p:nvPr>
+        </p:nvSpPr>
+        <p:spPr>
+          <a:xfrm>
+            <a:off x="685800" y="190500"/>
+            <a:ext cx="7772400" cy="1143000"/>
+          </a:xfrm>
+        </p:spPr>
+        <p:txBody>
+          <a:bodyPr/>
+          <a:lstStyle/>
+          <a:p>
+            <a:pPr eaLnBrk="1" hangingPunct="1"/>
+            <a:r>
+              <a:rPr lang="de-DE" dirty="0">
+                <a:latin typeface="Candara" panose="020E0502030303020204" pitchFamily="34" charset="0"/>
+              </a:rPr>
+              <a:t>Decision analysis</a:t>
+            </a:r>
+            <a:endParaRPr lang="en-GB" dirty="0">
+              <a:latin typeface="Candara" panose="020E0502030303020204" pitchFamily="34" charset="0"/>
+            </a:endParaRPr>
+          </a:p>
+        </p:txBody>
+      </p:sp>
+      <p:sp>
+        <p:nvSpPr>
+          <p:cNvPr id="6147" name="Rectangle 3"/>
+          <p:cNvSpPr>
+            <a:spLocks noGrp="1" noChangeArrowheads="1"/>
+          </p:cNvSpPr>
+          <p:nvPr>
+            <p:ph type="body" idx="1"/>
+          </p:nvPr>
+        </p:nvSpPr>
+        <p:spPr>
+          <a:xfrm>
+            <a:off x="685800" y="1371600"/>
+            <a:ext cx="7772400" cy="4114800"/>
+          </a:xfrm>
+        </p:spPr>
+        <p:txBody>
+          <a:bodyPr/>
+          <a:lstStyle/>
+          <a:p>
+            <a:pPr eaLnBrk="1" hangingPunct="1"/>
+            <a:r>
+              <a:rPr lang="de-DE" dirty="0">
+                <a:latin typeface="Candara" panose="020E0502030303020204" pitchFamily="34" charset="0"/>
+              </a:rPr>
+              <a:t>Cost-benefit analysis</a:t>
+            </a:r>
+          </a:p>
+          <a:p>
+            <a:pPr lvl="1" eaLnBrk="1" hangingPunct="1"/>
+            <a:r>
+              <a:rPr lang="de-DE" dirty="0">
+                <a:latin typeface="Candara" panose="020E0502030303020204" pitchFamily="34" charset="0"/>
+              </a:rPr>
+              <a:t>Efficient flow pollution</a:t>
+            </a:r>
+          </a:p>
+          <a:p>
+            <a:pPr lvl="1" eaLnBrk="1" hangingPunct="1"/>
+            <a:r>
+              <a:rPr lang="de-DE" dirty="0">
+                <a:latin typeface="Candara" panose="020E0502030303020204" pitchFamily="34" charset="0"/>
+              </a:rPr>
+              <a:t>Efficient stock pollution</a:t>
+            </a:r>
+          </a:p>
+          <a:p>
+            <a:pPr eaLnBrk="1" hangingPunct="1"/>
+            <a:r>
+              <a:rPr lang="de-DE" dirty="0">
+                <a:latin typeface="Candara" panose="020E0502030303020204" pitchFamily="34" charset="0"/>
+              </a:rPr>
+              <a:t>Alternatives</a:t>
+            </a:r>
+          </a:p>
+          <a:p>
+            <a:pPr eaLnBrk="1" hangingPunct="1"/>
+            <a:r>
+              <a:rPr lang="de-DE" dirty="0">
+                <a:latin typeface="Candara" panose="020E0502030303020204" pitchFamily="34" charset="0"/>
+              </a:rPr>
+              <a:t>Applications</a:t>
+            </a:r>
+          </a:p>
+          <a:p>
+            <a:pPr lvl="1" eaLnBrk="1" hangingPunct="1"/>
+            <a:r>
+              <a:rPr lang="de-DE" dirty="0">
+                <a:latin typeface="Candara" panose="020E0502030303020204" pitchFamily="34" charset="0"/>
+              </a:rPr>
+              <a:t>How to apply cost-benefit analysis</a:t>
+            </a:r>
+          </a:p>
+          <a:p>
+            <a:pPr lvl="1" eaLnBrk="1" hangingPunct="1"/>
+            <a:r>
+              <a:rPr lang="de-DE" b="1" dirty="0">
+                <a:latin typeface="Candara" panose="020E0502030303020204" pitchFamily="34" charset="0"/>
+              </a:rPr>
+              <a:t>The London Super Sewer</a:t>
+            </a:r>
+          </a:p>
+          <a:p>
+            <a:pPr lvl="1" eaLnBrk="1" hangingPunct="1"/>
+            <a:endParaRPr lang="en-GB" dirty="0">
+              <a:latin typeface="Candara" panose="020E0502030303020204" pitchFamily="34" charset="0"/>
+            </a:endParaRPr>
+          </a:p>
+        </p:txBody>
+      </p:sp>
+    </p:spTree>
+    <p:extLst>
+      <p:ext uri="{BB962C8B-B14F-4D97-AF65-F5344CB8AC3E}">
+        <p14:creationId xmlns:p14="http://schemas.microsoft.com/office/powerpoint/2010/main" val="3984954391"/>
+      </p:ext>
+    </p:extLst>
+  </p:cSld>
+  <p:clrMapOvr>
+    <a:masterClrMapping/>
+  </p:clrMapOvr>
+</p:sld>
+</file>
+
+<file path=ppt/slides/slide38.xml><?xml version="1.0" encoding="utf-8"?>
+<p:sld xmlns:a="http://schemas.openxmlformats.org/drawingml/2006/main" xmlns:r="http://schemas.openxmlformats.org/officeDocument/2006/relationships" xmlns:p="http://schemas.openxmlformats.org/presentationml/2006/main">
+  <p:cSld>
+    <p:spTree>
+      <p:nvGrpSpPr>
+        <p:cNvPr id="1" name=""/>
+        <p:cNvGrpSpPr/>
+        <p:nvPr/>
+      </p:nvGrpSpPr>
+      <p:grpSpPr>
+        <a:xfrm>
+          <a:off x="0" y="0"/>
+          <a:ext cx="0" cy="0"/>
+          <a:chOff x="0" y="0"/>
+          <a:chExt cx="0" cy="0"/>
+        </a:xfrm>
+      </p:grpSpPr>
+      <p:sp>
+        <p:nvSpPr>
+          <p:cNvPr id="350" name="Case study: London’s super sewer"/>
+          <p:cNvSpPr txBox="1">
+            <a:spLocks noGrp="1"/>
+          </p:cNvSpPr>
+          <p:nvPr>
+            <p:ph type="title"/>
+          </p:nvPr>
+        </p:nvSpPr>
+        <p:spPr>
+          <a:xfrm>
+            <a:off x="838200" y="0"/>
+            <a:ext cx="7772400" cy="1143000"/>
+          </a:xfrm>
+          <a:prstGeom prst="rect">
+            <a:avLst/>
+          </a:prstGeom>
+        </p:spPr>
+        <p:txBody>
+          <a:bodyPr/>
+          <a:lstStyle/>
+          <a:p>
+            <a:r>
+              <a:rPr sz="3600" dirty="0">
+                <a:latin typeface="Candara" panose="020E0502030303020204" pitchFamily="34" charset="0"/>
+              </a:rPr>
+              <a:t>Case study: London’s super sewer</a:t>
+            </a:r>
+          </a:p>
+        </p:txBody>
+      </p:sp>
+      <p:pic>
+        <p:nvPicPr>
+          <p:cNvPr id="351" name="Screen Shot 2013-11-11 at 17.44.48.png" descr="Screen Shot 2013-11-11 at 17.44.48.png"/>
+          <p:cNvPicPr>
+            <a:picLocks noChangeAspect="1"/>
+          </p:cNvPicPr>
+          <p:nvPr/>
+        </p:nvPicPr>
+        <p:blipFill>
+          <a:blip r:embed="rId3"/>
+          <a:stretch>
+            <a:fillRect/>
+          </a:stretch>
+        </p:blipFill>
+        <p:spPr>
+          <a:xfrm>
+            <a:off x="-12853" y="571500"/>
+            <a:ext cx="9144000" cy="8456414"/>
+          </a:xfrm>
+          <a:prstGeom prst="rect">
+            <a:avLst/>
+          </a:prstGeom>
+          <a:ln w="12700">
+            <a:miter lim="400000"/>
+          </a:ln>
+        </p:spPr>
+      </p:pic>
+    </p:spTree>
+    <p:extLst>
+      <p:ext uri="{BB962C8B-B14F-4D97-AF65-F5344CB8AC3E}">
+        <p14:creationId xmlns:p14="http://schemas.microsoft.com/office/powerpoint/2010/main" val="4225558154"/>
+      </p:ext>
+    </p:extLst>
+  </p:cSld>
+  <p:clrMapOvr>
+    <a:masterClrMapping/>
+  </p:clrMapOvr>
+  <p:transition spd="med"/>
+</p:sld>
+</file>
+
+<file path=ppt/slides/slide39.xml><?xml version="1.0" encoding="utf-8"?>
+<p:sld xmlns:a="http://schemas.openxmlformats.org/drawingml/2006/main" xmlns:r="http://schemas.openxmlformats.org/officeDocument/2006/relationships" xmlns:p="http://schemas.openxmlformats.org/presentationml/2006/main">
+  <p:cSld>
+    <p:spTree>
+      <p:nvGrpSpPr>
+        <p:cNvPr id="1" name=""/>
+        <p:cNvGrpSpPr/>
+        <p:nvPr/>
+      </p:nvGrpSpPr>
+      <p:grpSpPr>
+        <a:xfrm>
+          <a:off x="0" y="0"/>
+          <a:ext cx="0" cy="0"/>
+          <a:chOff x="0" y="0"/>
+          <a:chExt cx="0" cy="0"/>
+        </a:xfrm>
+      </p:grpSpPr>
+      <p:sp>
+        <p:nvSpPr>
           <p:cNvPr id="355" name="Sewage in the Thames"/>
           <p:cNvSpPr txBox="1">
             <a:spLocks noGrp="1"/>
@@ -13023,8 +14604,29 @@
               <a:rPr sz="3600" dirty="0">
                 <a:latin typeface="Candara" panose="020E0502030303020204" pitchFamily="34" charset="0"/>
               </a:rPr>
-              <a:t>Sewage in the Thames</a:t>
-            </a:r>
+              <a:t>S</a:t>
+            </a:r>
+            <a:r>
+              <a:rPr lang="en-US" sz="3600" dirty="0">
+                <a:latin typeface="Candara" panose="020E0502030303020204" pitchFamily="34" charset="0"/>
+              </a:rPr>
+              <a:t>tep 1: rational</a:t>
+            </a:r>
+            <a:r>
+              <a:rPr sz="3600" dirty="0">
+                <a:latin typeface="Candara" panose="020E0502030303020204" pitchFamily="34" charset="0"/>
+              </a:rPr>
+              <a:t>e</a:t>
+            </a:r>
+            <a:r>
+              <a:rPr lang="en-US" sz="3600" dirty="0">
+                <a:latin typeface="Candara" panose="020E0502030303020204" pitchFamily="34" charset="0"/>
+              </a:rPr>
+              <a:t> for intervention</a:t>
+            </a:r>
+            <a:endParaRPr sz="3600" dirty="0">
+              <a:latin typeface="Candara" panose="020E0502030303020204" pitchFamily="34" charset="0"/>
+            </a:endParaRPr>
           </a:p>
         </p:txBody>
       </p:sp>
@@ -13222,7 +14824,443 @@
 </p:sld>
 </file>
 
-<file path=ppt/slides/slide35.xml><?xml version="1.0" encoding="utf-8"?>
+<file path=ppt/slides/slide4.xml><?xml version="1.0" encoding="utf-8"?>
+<p:sld xmlns:a="http://schemas.openxmlformats.org/drawingml/2006/main" xmlns:r="http://schemas.openxmlformats.org/officeDocument/2006/relationships" xmlns:p="http://schemas.openxmlformats.org/presentationml/2006/main">
+  <p:cSld>
+    <p:spTree>
+      <p:nvGrpSpPr>
+        <p:cNvPr id="1" name=""/>
+        <p:cNvGrpSpPr/>
+        <p:nvPr/>
+      </p:nvGrpSpPr>
+      <p:grpSpPr>
+        <a:xfrm>
+          <a:off x="0" y="0"/>
+          <a:ext cx="0" cy="0"/>
+          <a:chOff x="0" y="0"/>
+          <a:chExt cx="0" cy="0"/>
+        </a:xfrm>
+      </p:grpSpPr>
+      <p:sp>
+        <p:nvSpPr>
+          <p:cNvPr id="2051" name="Rectangle 3"/>
+          <p:cNvSpPr>
+            <a:spLocks noGrp="1" noChangeArrowheads="1"/>
+          </p:cNvSpPr>
+          <p:nvPr>
+            <p:ph type="body" idx="1"/>
+          </p:nvPr>
+        </p:nvSpPr>
+        <p:spPr>
+          <a:xfrm>
+            <a:off x="228600" y="457200"/>
+            <a:ext cx="8534400" cy="4114800"/>
+          </a:xfrm>
+        </p:spPr>
+        <p:txBody>
+          <a:bodyPr/>
+          <a:lstStyle/>
+          <a:p>
+            <a:pPr>
+              <a:lnSpc>
+                <a:spcPct val="90000"/>
+              </a:lnSpc>
+              <a:spcBef>
+                <a:spcPts val="0"/>
+              </a:spcBef>
+              <a:buFontTx/>
+              <a:buNone/>
+            </a:pPr>
+            <a:r>
+              <a:rPr lang="en-GB" sz="2800" dirty="0">
+                <a:latin typeface="Candara" panose="020E0502030303020204" pitchFamily="34" charset="0"/>
+              </a:rPr>
+              <a:t>[E]</a:t>
+            </a:r>
+            <a:r>
+              <a:rPr lang="en-GB" sz="2800" dirty="0" err="1">
+                <a:latin typeface="Candara" panose="020E0502030303020204" pitchFamily="34" charset="0"/>
+              </a:rPr>
+              <a:t>conomists</a:t>
+            </a:r>
+            <a:r>
+              <a:rPr lang="en-GB" sz="2800" dirty="0">
+                <a:latin typeface="Candara" panose="020E0502030303020204" pitchFamily="34" charset="0"/>
+              </a:rPr>
+              <a:t> have the reputation of being</a:t>
+            </a:r>
+          </a:p>
+          <a:p>
+            <a:pPr>
+              <a:lnSpc>
+                <a:spcPct val="90000"/>
+              </a:lnSpc>
+              <a:spcBef>
+                <a:spcPts val="0"/>
+              </a:spcBef>
+              <a:buFontTx/>
+              <a:buNone/>
+            </a:pPr>
+            <a:r>
+              <a:rPr lang="en-GB" sz="2800" dirty="0">
+                <a:latin typeface="Candara" panose="020E0502030303020204" pitchFamily="34" charset="0"/>
+              </a:rPr>
+              <a:t>unimaginative bean-counters, doggedly</a:t>
+            </a:r>
+          </a:p>
+          <a:p>
+            <a:pPr>
+              <a:lnSpc>
+                <a:spcPct val="90000"/>
+              </a:lnSpc>
+              <a:spcBef>
+                <a:spcPts val="0"/>
+              </a:spcBef>
+              <a:buFontTx/>
+              <a:buNone/>
+            </a:pPr>
+            <a:r>
+              <a:rPr lang="en-GB" sz="2800" dirty="0">
+                <a:latin typeface="Candara" panose="020E0502030303020204" pitchFamily="34" charset="0"/>
+              </a:rPr>
+              <a:t>claiming to quantify the unquantifiable [...]</a:t>
+            </a:r>
+          </a:p>
+          <a:p>
+            <a:pPr>
+              <a:lnSpc>
+                <a:spcPct val="90000"/>
+              </a:lnSpc>
+              <a:spcBef>
+                <a:spcPts val="0"/>
+              </a:spcBef>
+              <a:buFontTx/>
+              <a:buNone/>
+            </a:pPr>
+            <a:r>
+              <a:rPr lang="en-GB" sz="2800" dirty="0">
+                <a:latin typeface="Candara" panose="020E0502030303020204" pitchFamily="34" charset="0"/>
+              </a:rPr>
+              <a:t>and personifying Oscar Wilde’s definition</a:t>
+            </a:r>
+          </a:p>
+          <a:p>
+            <a:pPr>
+              <a:lnSpc>
+                <a:spcPct val="90000"/>
+              </a:lnSpc>
+              <a:spcBef>
+                <a:spcPts val="0"/>
+              </a:spcBef>
+              <a:buFontTx/>
+              <a:buNone/>
+            </a:pPr>
+            <a:r>
+              <a:rPr lang="en-GB" sz="2800" dirty="0">
+                <a:latin typeface="Candara" panose="020E0502030303020204" pitchFamily="34" charset="0"/>
+              </a:rPr>
+              <a:t>of a cynic as someone who knows the price</a:t>
+            </a:r>
+          </a:p>
+          <a:p>
+            <a:pPr>
+              <a:lnSpc>
+                <a:spcPct val="90000"/>
+              </a:lnSpc>
+              <a:spcBef>
+                <a:spcPts val="0"/>
+              </a:spcBef>
+              <a:buFontTx/>
+              <a:buNone/>
+            </a:pPr>
+            <a:r>
+              <a:rPr lang="en-GB" sz="2800" dirty="0">
+                <a:latin typeface="Candara" panose="020E0502030303020204" pitchFamily="34" charset="0"/>
+              </a:rPr>
+              <a:t>of everything and the value of nothing. [...] It is</a:t>
+            </a:r>
+          </a:p>
+          <a:p>
+            <a:pPr>
+              <a:lnSpc>
+                <a:spcPct val="90000"/>
+              </a:lnSpc>
+              <a:spcBef>
+                <a:spcPts val="0"/>
+              </a:spcBef>
+              <a:buFontTx/>
+              <a:buNone/>
+            </a:pPr>
+            <a:r>
+              <a:rPr lang="en-GB" sz="2800" dirty="0">
+                <a:latin typeface="Candara" panose="020E0502030303020204" pitchFamily="34" charset="0"/>
+              </a:rPr>
+              <a:t>true that they would give a lot for a rough</a:t>
+            </a:r>
+          </a:p>
+          <a:p>
+            <a:pPr>
+              <a:lnSpc>
+                <a:spcPct val="90000"/>
+              </a:lnSpc>
+              <a:spcBef>
+                <a:spcPts val="0"/>
+              </a:spcBef>
+              <a:buFontTx/>
+              <a:buNone/>
+            </a:pPr>
+            <a:r>
+              <a:rPr lang="en-GB" sz="2800" dirty="0">
+                <a:latin typeface="Candara" panose="020E0502030303020204" pitchFamily="34" charset="0"/>
+              </a:rPr>
+              <a:t>quantitative answer; but that only reflects the</a:t>
+            </a:r>
+          </a:p>
+          <a:p>
+            <a:pPr>
+              <a:lnSpc>
+                <a:spcPct val="90000"/>
+              </a:lnSpc>
+              <a:spcBef>
+                <a:spcPts val="0"/>
+              </a:spcBef>
+              <a:buFontTx/>
+              <a:buNone/>
+            </a:pPr>
+            <a:r>
+              <a:rPr lang="en-GB" sz="2800" dirty="0">
+                <a:latin typeface="Candara" panose="020E0502030303020204" pitchFamily="34" charset="0"/>
+              </a:rPr>
+              <a:t>fact that any policy can be pushed harder or less</a:t>
+            </a:r>
+          </a:p>
+          <a:p>
+            <a:pPr>
+              <a:lnSpc>
+                <a:spcPct val="90000"/>
+              </a:lnSpc>
+              <a:spcBef>
+                <a:spcPts val="0"/>
+              </a:spcBef>
+              <a:buFontTx/>
+              <a:buNone/>
+            </a:pPr>
+            <a:r>
+              <a:rPr lang="en-GB" sz="2800" dirty="0">
+                <a:latin typeface="Candara" panose="020E0502030303020204" pitchFamily="34" charset="0"/>
+              </a:rPr>
+              <a:t>hard, further or less far, and that a useful</a:t>
+            </a:r>
+          </a:p>
+          <a:p>
+            <a:pPr>
+              <a:lnSpc>
+                <a:spcPct val="90000"/>
+              </a:lnSpc>
+              <a:spcBef>
+                <a:spcPts val="0"/>
+              </a:spcBef>
+              <a:buFontTx/>
+              <a:buNone/>
+            </a:pPr>
+            <a:r>
+              <a:rPr lang="en-GB" sz="2800" dirty="0">
+                <a:latin typeface="Candara" panose="020E0502030303020204" pitchFamily="34" charset="0"/>
+              </a:rPr>
+              <a:t>evaluation has to suggest how hard and how far.</a:t>
+            </a:r>
+          </a:p>
+          <a:p>
+            <a:pPr>
+              <a:lnSpc>
+                <a:spcPct val="90000"/>
+              </a:lnSpc>
+              <a:spcBef>
+                <a:spcPts val="0"/>
+              </a:spcBef>
+              <a:buFontTx/>
+              <a:buNone/>
+            </a:pPr>
+            <a:r>
+              <a:rPr lang="en-GB" sz="2800" dirty="0">
+                <a:latin typeface="Candara" panose="020E0502030303020204" pitchFamily="34" charset="0"/>
+              </a:rPr>
+              <a:t>The beans have to be counted, if only</a:t>
+            </a:r>
+          </a:p>
+          <a:p>
+            <a:pPr>
+              <a:lnSpc>
+                <a:spcPct val="90000"/>
+              </a:lnSpc>
+              <a:spcBef>
+                <a:spcPts val="0"/>
+              </a:spcBef>
+              <a:buFontTx/>
+              <a:buNone/>
+            </a:pPr>
+            <a:r>
+              <a:rPr lang="en-GB" sz="2800" dirty="0">
+                <a:latin typeface="Candara" panose="020E0502030303020204" pitchFamily="34" charset="0"/>
+              </a:rPr>
+              <a:t>approximately: those gentle souls who merely ooh</a:t>
+            </a:r>
+          </a:p>
+          <a:p>
+            <a:pPr>
+              <a:lnSpc>
+                <a:spcPct val="90000"/>
+              </a:lnSpc>
+              <a:spcBef>
+                <a:spcPts val="0"/>
+              </a:spcBef>
+              <a:buFontTx/>
+              <a:buNone/>
+            </a:pPr>
+            <a:r>
+              <a:rPr lang="en-GB" sz="2800" dirty="0">
+                <a:latin typeface="Candara" panose="020E0502030303020204" pitchFamily="34" charset="0"/>
+              </a:rPr>
+              <a:t>and ah over them are arguably part of the</a:t>
+            </a:r>
+          </a:p>
+          <a:p>
+            <a:pPr>
+              <a:lnSpc>
+                <a:spcPct val="90000"/>
+              </a:lnSpc>
+              <a:spcBef>
+                <a:spcPts val="0"/>
+              </a:spcBef>
+              <a:buFontTx/>
+              <a:buNone/>
+            </a:pPr>
+            <a:r>
+              <a:rPr lang="en-GB" sz="2800" dirty="0">
+                <a:latin typeface="Candara" panose="020E0502030303020204" pitchFamily="34" charset="0"/>
+              </a:rPr>
+              <a:t>problem, not part of the solution.</a:t>
+            </a:r>
+          </a:p>
+          <a:p>
+            <a:pPr algn="r">
+              <a:lnSpc>
+                <a:spcPct val="90000"/>
+              </a:lnSpc>
+              <a:buFontTx/>
+              <a:buNone/>
+            </a:pPr>
+            <a:r>
+              <a:rPr lang="de-DE" sz="2800" dirty="0">
+                <a:latin typeface="Candara" panose="020E0502030303020204" pitchFamily="34" charset="0"/>
+              </a:rPr>
+              <a:t>Robert M. Solow</a:t>
+            </a:r>
+            <a:endParaRPr lang="en-GB" sz="2800" dirty="0">
+              <a:latin typeface="Candara" panose="020E0502030303020204" pitchFamily="34" charset="0"/>
+            </a:endParaRPr>
+          </a:p>
+        </p:txBody>
+      </p:sp>
+      <p:pic>
+        <p:nvPicPr>
+          <p:cNvPr id="3" name="Picture 2" descr="solow.jpg"/>
+          <p:cNvPicPr>
+            <a:picLocks noChangeAspect="1"/>
+          </p:cNvPicPr>
+          <p:nvPr/>
+        </p:nvPicPr>
+        <p:blipFill>
+          <a:blip r:embed="rId3" cstate="print"/>
+          <a:stretch>
+            <a:fillRect/>
+          </a:stretch>
+        </p:blipFill>
+        <p:spPr>
+          <a:xfrm>
+            <a:off x="7391400" y="152400"/>
+            <a:ext cx="1543050" cy="2162175"/>
+          </a:xfrm>
+          <a:prstGeom prst="rect">
+            <a:avLst/>
+          </a:prstGeom>
+        </p:spPr>
+      </p:pic>
+    </p:spTree>
+  </p:cSld>
+  <p:clrMapOvr>
+    <a:masterClrMapping/>
+  </p:clrMapOvr>
+</p:sld>
+</file>
+
+<file path=ppt/slides/slide40.xml><?xml version="1.0" encoding="utf-8"?>
+<p:sld xmlns:a="http://schemas.openxmlformats.org/drawingml/2006/main" xmlns:r="http://schemas.openxmlformats.org/officeDocument/2006/relationships" xmlns:p="http://schemas.openxmlformats.org/presentationml/2006/main">
+  <p:cSld>
+    <p:spTree>
+      <p:nvGrpSpPr>
+        <p:cNvPr id="1" name=""/>
+        <p:cNvGrpSpPr/>
+        <p:nvPr/>
+      </p:nvGrpSpPr>
+      <p:grpSpPr>
+        <a:xfrm>
+          <a:off x="0" y="0"/>
+          <a:ext cx="0" cy="0"/>
+          <a:chOff x="0" y="0"/>
+          <a:chExt cx="0" cy="0"/>
+        </a:xfrm>
+      </p:grpSpPr>
+      <p:pic>
+        <p:nvPicPr>
+          <p:cNvPr id="3" name="Picture 2" descr="A map of a city&#10;&#10;Description automatically generated">
+            <a:extLst>
+              <a:ext uri="{FF2B5EF4-FFF2-40B4-BE49-F238E27FC236}">
+                <a16:creationId xmlns:a16="http://schemas.microsoft.com/office/drawing/2014/main" id="{8D07EB82-0770-0C52-782B-52E3BB4D850E}"/>
+              </a:ext>
+            </a:extLst>
+          </p:cNvPr>
+          <p:cNvPicPr>
+            <a:picLocks noChangeAspect="1"/>
+          </p:cNvPicPr>
+          <p:nvPr/>
+        </p:nvPicPr>
+        <p:blipFill>
+          <a:blip r:embed="rId2">
+            <a:extLst>
+              <a:ext uri="{28A0092B-C50C-407E-A947-70E740481C1C}">
+                <a14:useLocalDpi xmlns:a14="http://schemas.microsoft.com/office/drawing/2010/main" val="0"/>
+              </a:ext>
+            </a:extLst>
+          </a:blip>
+          <a:stretch>
+            <a:fillRect/>
+          </a:stretch>
+        </p:blipFill>
+        <p:spPr>
+          <a:xfrm>
+            <a:off x="182880" y="0"/>
+            <a:ext cx="8778240" cy="6858000"/>
+          </a:xfrm>
+          <a:prstGeom prst="rect">
+            <a:avLst/>
+          </a:prstGeom>
+        </p:spPr>
+      </p:pic>
+    </p:spTree>
+    <p:extLst>
+      <p:ext uri="{BB962C8B-B14F-4D97-AF65-F5344CB8AC3E}">
+        <p14:creationId xmlns:p14="http://schemas.microsoft.com/office/powerpoint/2010/main" val="3334007981"/>
+      </p:ext>
+    </p:extLst>
+  </p:cSld>
+  <p:clrMapOvr>
+    <a:masterClrMapping/>
+  </p:clrMapOvr>
+</p:sld>
+</file>
+
+<file path=ppt/slides/slide41.xml><?xml version="1.0" encoding="utf-8"?>
 <p:sld xmlns:a="http://schemas.openxmlformats.org/drawingml/2006/main" xmlns:r="http://schemas.openxmlformats.org/officeDocument/2006/relationships" xmlns:p="http://schemas.openxmlformats.org/presentationml/2006/main">
   <p:cSld>
     <p:spTree>
@@ -13266,33 +15304,6 @@
           </a:ln>
         </p:spPr>
       </p:pic>
-      <p:pic>
-        <p:nvPicPr>
-          <p:cNvPr id="363" name="500px-Blue_Flag_Logo.svg.png" descr="500px-Blue_Flag_Logo.svg.png"/>
-          <p:cNvPicPr>
-            <a:picLocks noChangeAspect="1"/>
-          </p:cNvPicPr>
-          <p:nvPr/>
-        </p:nvPicPr>
-        <p:blipFill>
-          <a:blip r:embed="rId4"/>
-          <a:stretch>
-            <a:fillRect/>
-          </a:stretch>
-        </p:blipFill>
-        <p:spPr>
-          <a:xfrm>
-            <a:off x="152400" y="151552"/>
-            <a:ext cx="3327453" cy="2375802"/>
-          </a:xfrm>
-          <a:prstGeom prst="rect">
-            <a:avLst/>
-          </a:prstGeom>
-          <a:ln w="12700">
-            <a:miter lim="400000"/>
-          </a:ln>
-        </p:spPr>
-      </p:pic>
     </p:spTree>
     <p:extLst>
       <p:ext uri="{BB962C8B-B14F-4D97-AF65-F5344CB8AC3E}">
@@ -13307,7 +15318,7 @@
 </p:sld>
 </file>
 
-<file path=ppt/slides/slide36.xml><?xml version="1.0" encoding="utf-8"?>
+<file path=ppt/slides/slide42.xml><?xml version="1.0" encoding="utf-8"?>
 <p:sld xmlns:a="http://schemas.openxmlformats.org/drawingml/2006/main" xmlns:r="http://schemas.openxmlformats.org/officeDocument/2006/relationships" xmlns:p="http://schemas.openxmlformats.org/presentationml/2006/main">
   <p:cSld>
     <p:spTree>
@@ -13503,7 +15514,7 @@
 </p:sld>
 </file>
 
-<file path=ppt/slides/slide37.xml><?xml version="1.0" encoding="utf-8"?>
+<file path=ppt/slides/slide43.xml><?xml version="1.0" encoding="utf-8"?>
 <p:sld xmlns:a="http://schemas.openxmlformats.org/drawingml/2006/main" xmlns:r="http://schemas.openxmlformats.org/officeDocument/2006/relationships" xmlns:p="http://schemas.openxmlformats.org/presentationml/2006/main">
   <p:cSld>
     <p:spTree>
@@ -13619,7 +15630,7 @@
               <a:rPr lang="en-GB" sz="2000" dirty="0">
                 <a:latin typeface="Candara" panose="020E0502030303020204" pitchFamily="34" charset="0"/>
               </a:rPr>
-              <a:t>(unless you’re Theresa May)</a:t>
+              <a:t>(unless you’re Theresa May or Keir Starmer)</a:t>
             </a:r>
             <a:endParaRPr sz="2000" dirty="0">
               <a:latin typeface="Candara" panose="020E0502030303020204" pitchFamily="34" charset="0"/>
@@ -13686,7 +15697,7 @@
 </p:sld>
 </file>
 
-<file path=ppt/slides/slide38.xml><?xml version="1.0" encoding="utf-8"?>
+<file path=ppt/slides/slide44.xml><?xml version="1.0" encoding="utf-8"?>
 <p:sld xmlns:a="http://schemas.openxmlformats.org/drawingml/2006/main" xmlns:r="http://schemas.openxmlformats.org/officeDocument/2006/relationships" xmlns:p="http://schemas.openxmlformats.org/presentationml/2006/main">
   <p:cSld>
     <p:spTree>
@@ -14293,7 +16304,7 @@
 </p:sld>
 </file>
 
-<file path=ppt/slides/slide39.xml><?xml version="1.0" encoding="utf-8"?>
+<file path=ppt/slides/slide45.xml><?xml version="1.0" encoding="utf-8"?>
 <p:sld xmlns:a="http://schemas.openxmlformats.org/drawingml/2006/main" xmlns:r="http://schemas.openxmlformats.org/officeDocument/2006/relationships" xmlns:p="http://schemas.openxmlformats.org/presentationml/2006/main">
   <p:cSld>
     <p:spTree>
@@ -14453,377 +16464,7 @@
 </p:sld>
 </file>
 
-<file path=ppt/slides/slide4.xml><?xml version="1.0" encoding="utf-8"?>
-<p:sld xmlns:a="http://schemas.openxmlformats.org/drawingml/2006/main" xmlns:r="http://schemas.openxmlformats.org/officeDocument/2006/relationships" xmlns:p="http://schemas.openxmlformats.org/presentationml/2006/main">
-  <p:cSld>
-    <p:spTree>
-      <p:nvGrpSpPr>
-        <p:cNvPr id="1" name=""/>
-        <p:cNvGrpSpPr/>
-        <p:nvPr/>
-      </p:nvGrpSpPr>
-      <p:grpSpPr>
-        <a:xfrm>
-          <a:off x="0" y="0"/>
-          <a:ext cx="0" cy="0"/>
-          <a:chOff x="0" y="0"/>
-          <a:chExt cx="0" cy="0"/>
-        </a:xfrm>
-      </p:grpSpPr>
-      <p:sp>
-        <p:nvSpPr>
-          <p:cNvPr id="2051" name="Rectangle 3"/>
-          <p:cNvSpPr>
-            <a:spLocks noGrp="1" noChangeArrowheads="1"/>
-          </p:cNvSpPr>
-          <p:nvPr>
-            <p:ph type="body" idx="1"/>
-          </p:nvPr>
-        </p:nvSpPr>
-        <p:spPr>
-          <a:xfrm>
-            <a:off x="228600" y="457200"/>
-            <a:ext cx="8534400" cy="4114800"/>
-          </a:xfrm>
-        </p:spPr>
-        <p:txBody>
-          <a:bodyPr/>
-          <a:lstStyle/>
-          <a:p>
-            <a:pPr>
-              <a:lnSpc>
-                <a:spcPct val="90000"/>
-              </a:lnSpc>
-              <a:spcBef>
-                <a:spcPts val="0"/>
-              </a:spcBef>
-              <a:buFontTx/>
-              <a:buNone/>
-            </a:pPr>
-            <a:r>
-              <a:rPr lang="en-GB" sz="2800" dirty="0">
-                <a:latin typeface="Candara" panose="020E0502030303020204" pitchFamily="34" charset="0"/>
-              </a:rPr>
-              <a:t>[E]</a:t>
-            </a:r>
-            <a:r>
-              <a:rPr lang="en-GB" sz="2800" dirty="0" err="1">
-                <a:latin typeface="Candara" panose="020E0502030303020204" pitchFamily="34" charset="0"/>
-              </a:rPr>
-              <a:t>conomists</a:t>
-            </a:r>
-            <a:r>
-              <a:rPr lang="en-GB" sz="2800" dirty="0">
-                <a:latin typeface="Candara" panose="020E0502030303020204" pitchFamily="34" charset="0"/>
-              </a:rPr>
-              <a:t> have the reputation of being</a:t>
-            </a:r>
-          </a:p>
-          <a:p>
-            <a:pPr>
-              <a:lnSpc>
-                <a:spcPct val="90000"/>
-              </a:lnSpc>
-              <a:spcBef>
-                <a:spcPts val="0"/>
-              </a:spcBef>
-              <a:buFontTx/>
-              <a:buNone/>
-            </a:pPr>
-            <a:r>
-              <a:rPr lang="en-GB" sz="2800" dirty="0">
-                <a:latin typeface="Candara" panose="020E0502030303020204" pitchFamily="34" charset="0"/>
-              </a:rPr>
-              <a:t>unimaginative bean-counters, doggedly</a:t>
-            </a:r>
-          </a:p>
-          <a:p>
-            <a:pPr>
-              <a:lnSpc>
-                <a:spcPct val="90000"/>
-              </a:lnSpc>
-              <a:spcBef>
-                <a:spcPts val="0"/>
-              </a:spcBef>
-              <a:buFontTx/>
-              <a:buNone/>
-            </a:pPr>
-            <a:r>
-              <a:rPr lang="en-GB" sz="2800" dirty="0">
-                <a:latin typeface="Candara" panose="020E0502030303020204" pitchFamily="34" charset="0"/>
-              </a:rPr>
-              <a:t>claiming to quantify the unquantifiable [...]</a:t>
-            </a:r>
-          </a:p>
-          <a:p>
-            <a:pPr>
-              <a:lnSpc>
-                <a:spcPct val="90000"/>
-              </a:lnSpc>
-              <a:spcBef>
-                <a:spcPts val="0"/>
-              </a:spcBef>
-              <a:buFontTx/>
-              <a:buNone/>
-            </a:pPr>
-            <a:r>
-              <a:rPr lang="en-GB" sz="2800" dirty="0">
-                <a:latin typeface="Candara" panose="020E0502030303020204" pitchFamily="34" charset="0"/>
-              </a:rPr>
-              <a:t>and personifying Oscar Wilde’s definition</a:t>
-            </a:r>
-          </a:p>
-          <a:p>
-            <a:pPr>
-              <a:lnSpc>
-                <a:spcPct val="90000"/>
-              </a:lnSpc>
-              <a:spcBef>
-                <a:spcPts val="0"/>
-              </a:spcBef>
-              <a:buFontTx/>
-              <a:buNone/>
-            </a:pPr>
-            <a:r>
-              <a:rPr lang="en-GB" sz="2800" dirty="0">
-                <a:latin typeface="Candara" panose="020E0502030303020204" pitchFamily="34" charset="0"/>
-              </a:rPr>
-              <a:t>of a cynic as someone who knows the price</a:t>
-            </a:r>
-          </a:p>
-          <a:p>
-            <a:pPr>
-              <a:lnSpc>
-                <a:spcPct val="90000"/>
-              </a:lnSpc>
-              <a:spcBef>
-                <a:spcPts val="0"/>
-              </a:spcBef>
-              <a:buFontTx/>
-              <a:buNone/>
-            </a:pPr>
-            <a:r>
-              <a:rPr lang="en-GB" sz="2800" dirty="0">
-                <a:latin typeface="Candara" panose="020E0502030303020204" pitchFamily="34" charset="0"/>
-              </a:rPr>
-              <a:t>of everything and the value of nothing. [...] It is</a:t>
-            </a:r>
-          </a:p>
-          <a:p>
-            <a:pPr>
-              <a:lnSpc>
-                <a:spcPct val="90000"/>
-              </a:lnSpc>
-              <a:spcBef>
-                <a:spcPts val="0"/>
-              </a:spcBef>
-              <a:buFontTx/>
-              <a:buNone/>
-            </a:pPr>
-            <a:r>
-              <a:rPr lang="en-GB" sz="2800" dirty="0">
-                <a:latin typeface="Candara" panose="020E0502030303020204" pitchFamily="34" charset="0"/>
-              </a:rPr>
-              <a:t>true that they would give a lot for a rough</a:t>
-            </a:r>
-          </a:p>
-          <a:p>
-            <a:pPr>
-              <a:lnSpc>
-                <a:spcPct val="90000"/>
-              </a:lnSpc>
-              <a:spcBef>
-                <a:spcPts val="0"/>
-              </a:spcBef>
-              <a:buFontTx/>
-              <a:buNone/>
-            </a:pPr>
-            <a:r>
-              <a:rPr lang="en-GB" sz="2800" dirty="0">
-                <a:latin typeface="Candara" panose="020E0502030303020204" pitchFamily="34" charset="0"/>
-              </a:rPr>
-              <a:t>quantitative answer; but that only reflects the</a:t>
-            </a:r>
-          </a:p>
-          <a:p>
-            <a:pPr>
-              <a:lnSpc>
-                <a:spcPct val="90000"/>
-              </a:lnSpc>
-              <a:spcBef>
-                <a:spcPts val="0"/>
-              </a:spcBef>
-              <a:buFontTx/>
-              <a:buNone/>
-            </a:pPr>
-            <a:r>
-              <a:rPr lang="en-GB" sz="2800" dirty="0">
-                <a:latin typeface="Candara" panose="020E0502030303020204" pitchFamily="34" charset="0"/>
-              </a:rPr>
-              <a:t>fact that any policy can be pushed harder or less</a:t>
-            </a:r>
-          </a:p>
-          <a:p>
-            <a:pPr>
-              <a:lnSpc>
-                <a:spcPct val="90000"/>
-              </a:lnSpc>
-              <a:spcBef>
-                <a:spcPts val="0"/>
-              </a:spcBef>
-              <a:buFontTx/>
-              <a:buNone/>
-            </a:pPr>
-            <a:r>
-              <a:rPr lang="en-GB" sz="2800" dirty="0">
-                <a:latin typeface="Candara" panose="020E0502030303020204" pitchFamily="34" charset="0"/>
-              </a:rPr>
-              <a:t>hard, further or less far, and that a useful</a:t>
-            </a:r>
-          </a:p>
-          <a:p>
-            <a:pPr>
-              <a:lnSpc>
-                <a:spcPct val="90000"/>
-              </a:lnSpc>
-              <a:spcBef>
-                <a:spcPts val="0"/>
-              </a:spcBef>
-              <a:buFontTx/>
-              <a:buNone/>
-            </a:pPr>
-            <a:r>
-              <a:rPr lang="en-GB" sz="2800" dirty="0">
-                <a:latin typeface="Candara" panose="020E0502030303020204" pitchFamily="34" charset="0"/>
-              </a:rPr>
-              <a:t>evaluation has to suggest how hard and how far.</a:t>
-            </a:r>
-          </a:p>
-          <a:p>
-            <a:pPr>
-              <a:lnSpc>
-                <a:spcPct val="90000"/>
-              </a:lnSpc>
-              <a:spcBef>
-                <a:spcPts val="0"/>
-              </a:spcBef>
-              <a:buFontTx/>
-              <a:buNone/>
-            </a:pPr>
-            <a:r>
-              <a:rPr lang="en-GB" sz="2800" dirty="0">
-                <a:latin typeface="Candara" panose="020E0502030303020204" pitchFamily="34" charset="0"/>
-              </a:rPr>
-              <a:t>The beans have to be counted, if only</a:t>
-            </a:r>
-          </a:p>
-          <a:p>
-            <a:pPr>
-              <a:lnSpc>
-                <a:spcPct val="90000"/>
-              </a:lnSpc>
-              <a:spcBef>
-                <a:spcPts val="0"/>
-              </a:spcBef>
-              <a:buFontTx/>
-              <a:buNone/>
-            </a:pPr>
-            <a:r>
-              <a:rPr lang="en-GB" sz="2800" dirty="0">
-                <a:latin typeface="Candara" panose="020E0502030303020204" pitchFamily="34" charset="0"/>
-              </a:rPr>
-              <a:t>approximately: those gentle souls who merely ooh</a:t>
-            </a:r>
-          </a:p>
-          <a:p>
-            <a:pPr>
-              <a:lnSpc>
-                <a:spcPct val="90000"/>
-              </a:lnSpc>
-              <a:spcBef>
-                <a:spcPts val="0"/>
-              </a:spcBef>
-              <a:buFontTx/>
-              <a:buNone/>
-            </a:pPr>
-            <a:r>
-              <a:rPr lang="en-GB" sz="2800" dirty="0">
-                <a:latin typeface="Candara" panose="020E0502030303020204" pitchFamily="34" charset="0"/>
-              </a:rPr>
-              <a:t>and ah over them are arguably part of the</a:t>
-            </a:r>
-          </a:p>
-          <a:p>
-            <a:pPr>
-              <a:lnSpc>
-                <a:spcPct val="90000"/>
-              </a:lnSpc>
-              <a:spcBef>
-                <a:spcPts val="0"/>
-              </a:spcBef>
-              <a:buFontTx/>
-              <a:buNone/>
-            </a:pPr>
-            <a:r>
-              <a:rPr lang="en-GB" sz="2800" dirty="0">
-                <a:latin typeface="Candara" panose="020E0502030303020204" pitchFamily="34" charset="0"/>
-              </a:rPr>
-              <a:t>problem, not part of the solution.</a:t>
-            </a:r>
-          </a:p>
-          <a:p>
-            <a:pPr algn="r">
-              <a:lnSpc>
-                <a:spcPct val="90000"/>
-              </a:lnSpc>
-              <a:buFontTx/>
-              <a:buNone/>
-            </a:pPr>
-            <a:r>
-              <a:rPr lang="de-DE" sz="2800" dirty="0">
-                <a:latin typeface="Candara" panose="020E0502030303020204" pitchFamily="34" charset="0"/>
-              </a:rPr>
-              <a:t>Robert M. Solow</a:t>
-            </a:r>
-            <a:endParaRPr lang="en-GB" sz="2800" dirty="0">
-              <a:latin typeface="Candara" panose="020E0502030303020204" pitchFamily="34" charset="0"/>
-            </a:endParaRPr>
-          </a:p>
-        </p:txBody>
-      </p:sp>
-      <p:pic>
-        <p:nvPicPr>
-          <p:cNvPr id="3" name="Picture 2" descr="solow.jpg"/>
-          <p:cNvPicPr>
-            <a:picLocks noChangeAspect="1"/>
-          </p:cNvPicPr>
-          <p:nvPr/>
-        </p:nvPicPr>
-        <p:blipFill>
-          <a:blip r:embed="rId3" cstate="print"/>
-          <a:stretch>
-            <a:fillRect/>
-          </a:stretch>
-        </p:blipFill>
-        <p:spPr>
-          <a:xfrm>
-            <a:off x="7391400" y="152400"/>
-            <a:ext cx="1543050" cy="2162175"/>
-          </a:xfrm>
-          <a:prstGeom prst="rect">
-            <a:avLst/>
-          </a:prstGeom>
-        </p:spPr>
-      </p:pic>
-    </p:spTree>
-  </p:cSld>
-  <p:clrMapOvr>
-    <a:masterClrMapping/>
-  </p:clrMapOvr>
-</p:sld>
-</file>
-
-<file path=ppt/slides/slide40.xml><?xml version="1.0" encoding="utf-8"?>
+<file path=ppt/slides/slide46.xml><?xml version="1.0" encoding="utf-8"?>
 <p:sld xmlns:a="http://schemas.openxmlformats.org/drawingml/2006/main" xmlns:r="http://schemas.openxmlformats.org/officeDocument/2006/relationships" xmlns:p="http://schemas.openxmlformats.org/presentationml/2006/main">
   <p:cSld>
     <p:spTree>
@@ -15052,7 +16693,7 @@
 </p:sld>
 </file>
 
-<file path=ppt/slides/slide41.xml><?xml version="1.0" encoding="utf-8"?>
+<file path=ppt/slides/slide47.xml><?xml version="1.0" encoding="utf-8"?>
 <p:sld xmlns:a="http://schemas.openxmlformats.org/drawingml/2006/main" xmlns:r="http://schemas.openxmlformats.org/officeDocument/2006/relationships" xmlns:p="http://schemas.openxmlformats.org/presentationml/2006/main">
   <p:cSld>
     <p:spTree>
@@ -15150,7 +16791,7 @@
 </p:sld>
 </file>
 
-<file path=ppt/slides/slide42.xml><?xml version="1.0" encoding="utf-8"?>
+<file path=ppt/slides/slide48.xml><?xml version="1.0" encoding="utf-8"?>
 <p:sld xmlns:a="http://schemas.openxmlformats.org/drawingml/2006/main" xmlns:r="http://schemas.openxmlformats.org/officeDocument/2006/relationships" xmlns:p="http://schemas.openxmlformats.org/presentationml/2006/main">
   <p:cSld>
     <p:spTree>
@@ -15248,7 +16889,7 @@
 </p:sld>
 </file>
 
-<file path=ppt/slides/slide43.xml><?xml version="1.0" encoding="utf-8"?>
+<file path=ppt/slides/slide49.xml><?xml version="1.0" encoding="utf-8"?>
 <p:sld xmlns:a="http://schemas.openxmlformats.org/drawingml/2006/main" xmlns:r="http://schemas.openxmlformats.org/officeDocument/2006/relationships" xmlns:p="http://schemas.openxmlformats.org/presentationml/2006/main">
   <p:cSld>
     <p:spTree>
@@ -15295,7 +16936,7 @@
                 </a:solidFill>
                 <a:latin typeface="Candara" panose="020E0502030303020204" pitchFamily="34" charset="0"/>
               </a:rPr>
-              <a:t>Step 6: monetise impacts</a:t>
+              <a:t>Step 6: monetize impacts</a:t>
             </a:r>
           </a:p>
         </p:txBody>
@@ -15431,7 +17072,126 @@
 </p:sld>
 </file>
 
-<file path=ppt/slides/slide44.xml><?xml version="1.0" encoding="utf-8"?>
+<file path=ppt/slides/slide5.xml><?xml version="1.0" encoding="utf-8"?>
+<p:sld xmlns:a="http://schemas.openxmlformats.org/drawingml/2006/main" xmlns:r="http://schemas.openxmlformats.org/officeDocument/2006/relationships" xmlns:p="http://schemas.openxmlformats.org/presentationml/2006/main">
+  <p:cSld>
+    <p:spTree>
+      <p:nvGrpSpPr>
+        <p:cNvPr id="1" name=""/>
+        <p:cNvGrpSpPr/>
+        <p:nvPr/>
+      </p:nvGrpSpPr>
+      <p:grpSpPr>
+        <a:xfrm>
+          <a:off x="0" y="0"/>
+          <a:ext cx="0" cy="0"/>
+          <a:chOff x="0" y="0"/>
+          <a:chExt cx="0" cy="0"/>
+        </a:xfrm>
+      </p:grpSpPr>
+      <p:sp>
+        <p:nvSpPr>
+          <p:cNvPr id="255" name="“The true rule in determining to embrace or reject anything is not whether it have any evil in it; but whether it have more of evil than of good.”  — Abraham Lincoln"/>
+          <p:cNvSpPr txBox="1">
+            <a:spLocks noGrp="1"/>
+          </p:cNvSpPr>
+          <p:nvPr>
+            <p:ph type="body" sz="half" idx="1"/>
+          </p:nvPr>
+        </p:nvSpPr>
+        <p:spPr>
+          <a:xfrm>
+            <a:off x="457200" y="1101727"/>
+            <a:ext cx="6172200" cy="5143500"/>
+          </a:xfrm>
+          <a:prstGeom prst="rect">
+            <a:avLst/>
+          </a:prstGeom>
+        </p:spPr>
+        <p:txBody>
+          <a:bodyPr/>
+          <a:lstStyle/>
+          <a:p>
+            <a:pPr marL="0" indent="0" defTabSz="373783">
+              <a:spcBef>
+                <a:spcPts val="984"/>
+              </a:spcBef>
+              <a:buNone/>
+              <a:defRPr sz="5460"/>
+            </a:pPr>
+            <a:r>
+              <a:rPr sz="2800" dirty="0">
+                <a:latin typeface="Candara" panose="020E0502030303020204" pitchFamily="34" charset="0"/>
+              </a:rPr>
+              <a:t>The true rule in determining to embrace or reject anything is not whether it have any evil in it; but whether it have more of evil than of good.</a:t>
+            </a:r>
+            <a:br>
+              <a:rPr sz="2800" dirty="0">
+                <a:latin typeface="Candara" panose="020E0502030303020204" pitchFamily="34" charset="0"/>
+              </a:rPr>
+            </a:br>
+            <a:br>
+              <a:rPr sz="2800" dirty="0">
+                <a:latin typeface="Candara" panose="020E0502030303020204" pitchFamily="34" charset="0"/>
+              </a:rPr>
+            </a:br>
+            <a:r>
+              <a:rPr lang="en-GB" sz="2800" dirty="0">
+                <a:latin typeface="Candara" panose="020E0502030303020204" pitchFamily="34" charset="0"/>
+              </a:rPr>
+              <a:t>					  				</a:t>
+            </a:r>
+            <a:r>
+              <a:rPr sz="2800" dirty="0">
+                <a:latin typeface="Candara" panose="020E0502030303020204" pitchFamily="34" charset="0"/>
+              </a:rPr>
+              <a:t>Abraham Lincoln</a:t>
+            </a:r>
+          </a:p>
+        </p:txBody>
+      </p:sp>
+      <p:pic>
+        <p:nvPicPr>
+          <p:cNvPr id="256" name="abraham-lincoln.jpg" descr="abraham-lincoln.jpg"/>
+          <p:cNvPicPr>
+            <a:picLocks noChangeAspect="1"/>
+          </p:cNvPicPr>
+          <p:nvPr/>
+        </p:nvPicPr>
+        <p:blipFill>
+          <a:blip r:embed="rId3"/>
+          <a:stretch>
+            <a:fillRect/>
+          </a:stretch>
+        </p:blipFill>
+        <p:spPr>
+          <a:xfrm>
+            <a:off x="6858000" y="76200"/>
+            <a:ext cx="2181821" cy="3597277"/>
+          </a:xfrm>
+          <a:prstGeom prst="rect">
+            <a:avLst/>
+          </a:prstGeom>
+          <a:ln w="12700">
+            <a:miter lim="400000"/>
+          </a:ln>
+        </p:spPr>
+      </p:pic>
+    </p:spTree>
+    <p:extLst>
+      <p:ext uri="{BB962C8B-B14F-4D97-AF65-F5344CB8AC3E}">
+        <p14:creationId xmlns:p14="http://schemas.microsoft.com/office/powerpoint/2010/main" val="2872554945"/>
+      </p:ext>
+    </p:extLst>
+  </p:cSld>
+  <p:clrMapOvr>
+    <a:masterClrMapping/>
+  </p:clrMapOvr>
+  <p:transition spd="med"/>
+</p:sld>
+</file>
+
+<file path=ppt/slides/slide50.xml><?xml version="1.0" encoding="utf-8"?>
 <p:sld xmlns:a="http://schemas.openxmlformats.org/drawingml/2006/main" xmlns:r="http://schemas.openxmlformats.org/officeDocument/2006/relationships" xmlns:p="http://schemas.openxmlformats.org/presentationml/2006/main">
   <p:cSld>
     <p:spTree>
@@ -15764,7 +17524,7 @@
 </p:sld>
 </file>
 
-<file path=ppt/slides/slide45.xml><?xml version="1.0" encoding="utf-8"?>
+<file path=ppt/slides/slide51.xml><?xml version="1.0" encoding="utf-8"?>
 <p:sld xmlns:a="http://schemas.openxmlformats.org/drawingml/2006/main" xmlns:r="http://schemas.openxmlformats.org/officeDocument/2006/relationships" xmlns:p="http://schemas.openxmlformats.org/presentationml/2006/main">
   <p:cSld>
     <p:spTree>
@@ -16249,7 +18009,7 @@
 </p:sld>
 </file>
 
-<file path=ppt/slides/slide46.xml><?xml version="1.0" encoding="utf-8"?>
+<file path=ppt/slides/slide52.xml><?xml version="1.0" encoding="utf-8"?>
 <p:sld xmlns:a="http://schemas.openxmlformats.org/drawingml/2006/main" xmlns:r="http://schemas.openxmlformats.org/officeDocument/2006/relationships" xmlns:p="http://schemas.openxmlformats.org/presentationml/2006/main">
   <p:cSld>
     <p:spTree>
@@ -16381,7 +18141,7 @@
 </p:sld>
 </file>
 
-<file path=ppt/slides/slide47.xml><?xml version="1.0" encoding="utf-8"?>
+<file path=ppt/slides/slide53.xml><?xml version="1.0" encoding="utf-8"?>
 <p:sld xmlns:a="http://schemas.openxmlformats.org/drawingml/2006/main" xmlns:r="http://schemas.openxmlformats.org/officeDocument/2006/relationships" xmlns:p="http://schemas.openxmlformats.org/presentationml/2006/main">
   <p:cSld>
     <p:spTree>
@@ -16537,7 +18297,7 @@
 </p:sld>
 </file>
 
-<file path=ppt/slides/slide48.xml><?xml version="1.0" encoding="utf-8"?>
+<file path=ppt/slides/slide54.xml><?xml version="1.0" encoding="utf-8"?>
 <p:sld xmlns:a="http://schemas.openxmlformats.org/drawingml/2006/main" xmlns:r="http://schemas.openxmlformats.org/officeDocument/2006/relationships" xmlns:p="http://schemas.openxmlformats.org/presentationml/2006/main">
   <p:cSld>
     <p:spTree>
@@ -16706,7 +18466,7 @@
               <a:defRPr sz="2988"/>
             </a:pPr>
             <a:r>
-              <a:rPr dirty="0">
+              <a:rPr sz="2400" dirty="0">
                 <a:latin typeface="Candara" panose="020E0502030303020204" pitchFamily="34" charset="0"/>
               </a:rPr>
               <a:t>Valuation errors</a:t>
@@ -16764,30 +18524,53 @@
               </a:rPr>
               <a:t>‘economists for hire’</a:t>
             </a:r>
-          </a:p>
-          <a:p>
-            <a:pPr marL="652201" lvl="2" indent="-177873" defTabSz="340923">
+            <a:endParaRPr lang="en-US" sz="2400" dirty="0">
+              <a:latin typeface="Candara" panose="020E0502030303020204" pitchFamily="34" charset="0"/>
+            </a:endParaRPr>
+          </a:p>
+          <a:p>
+            <a:pPr marL="59455" indent="-222341" defTabSz="340923">
               <a:spcBef>
                 <a:spcPts val="914"/>
               </a:spcBef>
-              <a:defRPr sz="2656"/>
-            </a:pPr>
-            <a:r>
-              <a:rPr dirty="0">
-                <a:latin typeface="Candara" panose="020E0502030303020204" pitchFamily="34" charset="0"/>
-              </a:rPr>
-              <a:t>Pressure to generate numbers to support preferred options — inflate benefits and downplay costs</a:t>
-            </a:r>
-          </a:p>
-          <a:p>
-            <a:pPr marL="652201" lvl="2" indent="-177873" defTabSz="340923">
+              <a:defRPr sz="2988"/>
+            </a:pPr>
+            <a:r>
+              <a:rPr sz="2400" dirty="0">
+                <a:latin typeface="Candara" panose="020E0502030303020204" pitchFamily="34" charset="0"/>
+              </a:rPr>
+              <a:t>Pressure to generate numbers to support preferred options</a:t>
+            </a:r>
+            <a:endParaRPr lang="en-US" sz="2400" dirty="0">
+              <a:latin typeface="Candara" panose="020E0502030303020204" pitchFamily="34" charset="0"/>
+            </a:endParaRPr>
+          </a:p>
+          <a:p>
+            <a:pPr marL="459505" lvl="1" indent="-222341" defTabSz="340923">
               <a:spcBef>
                 <a:spcPts val="914"/>
               </a:spcBef>
-              <a:defRPr sz="2656"/>
-            </a:pPr>
-            <a:r>
-              <a:rPr dirty="0">
+              <a:defRPr sz="2988"/>
+            </a:pPr>
+            <a:r>
+              <a:rPr sz="2000" dirty="0">
+                <a:latin typeface="Candara" panose="020E0502030303020204" pitchFamily="34" charset="0"/>
+              </a:rPr>
+              <a:t>inflate benefits and downplay costs</a:t>
+            </a:r>
+            <a:endParaRPr lang="en-US" sz="2000" dirty="0">
+              <a:latin typeface="Candara" panose="020E0502030303020204" pitchFamily="34" charset="0"/>
+            </a:endParaRPr>
+          </a:p>
+          <a:p>
+            <a:pPr marL="59455" indent="-222341" defTabSz="340923">
+              <a:spcBef>
+                <a:spcPts val="914"/>
+              </a:spcBef>
+              <a:defRPr sz="2988"/>
+            </a:pPr>
+            <a:r>
+              <a:rPr sz="2400" dirty="0">
                 <a:latin typeface="Candara" panose="020E0502030303020204" pitchFamily="34" charset="0"/>
               </a:rPr>
               <a:t>Decision may have been made already!</a:t>
@@ -16817,7 +18600,7 @@
 </p:sld>
 </file>
 
-<file path=ppt/slides/slide49.xml><?xml version="1.0" encoding="utf-8"?>
+<file path=ppt/slides/slide55.xml><?xml version="1.0" encoding="utf-8"?>
 <p:sld xmlns:a="http://schemas.openxmlformats.org/drawingml/2006/main" xmlns:r="http://schemas.openxmlformats.org/officeDocument/2006/relationships" xmlns:p="http://schemas.openxmlformats.org/presentationml/2006/main">
   <p:cSld>
     <p:spTree>
@@ -17037,126 +18820,7 @@
 </p:sld>
 </file>
 
-<file path=ppt/slides/slide5.xml><?xml version="1.0" encoding="utf-8"?>
-<p:sld xmlns:a="http://schemas.openxmlformats.org/drawingml/2006/main" xmlns:r="http://schemas.openxmlformats.org/officeDocument/2006/relationships" xmlns:p="http://schemas.openxmlformats.org/presentationml/2006/main">
-  <p:cSld>
-    <p:spTree>
-      <p:nvGrpSpPr>
-        <p:cNvPr id="1" name=""/>
-        <p:cNvGrpSpPr/>
-        <p:nvPr/>
-      </p:nvGrpSpPr>
-      <p:grpSpPr>
-        <a:xfrm>
-          <a:off x="0" y="0"/>
-          <a:ext cx="0" cy="0"/>
-          <a:chOff x="0" y="0"/>
-          <a:chExt cx="0" cy="0"/>
-        </a:xfrm>
-      </p:grpSpPr>
-      <p:sp>
-        <p:nvSpPr>
-          <p:cNvPr id="255" name="“The true rule in determining to embrace or reject anything is not whether it have any evil in it; but whether it have more of evil than of good.”  — Abraham Lincoln"/>
-          <p:cNvSpPr txBox="1">
-            <a:spLocks noGrp="1"/>
-          </p:cNvSpPr>
-          <p:nvPr>
-            <p:ph type="body" sz="half" idx="1"/>
-          </p:nvPr>
-        </p:nvSpPr>
-        <p:spPr>
-          <a:xfrm>
-            <a:off x="457200" y="1101727"/>
-            <a:ext cx="6172200" cy="5143500"/>
-          </a:xfrm>
-          <a:prstGeom prst="rect">
-            <a:avLst/>
-          </a:prstGeom>
-        </p:spPr>
-        <p:txBody>
-          <a:bodyPr/>
-          <a:lstStyle/>
-          <a:p>
-            <a:pPr marL="0" indent="0" defTabSz="373783">
-              <a:spcBef>
-                <a:spcPts val="984"/>
-              </a:spcBef>
-              <a:buNone/>
-              <a:defRPr sz="5460"/>
-            </a:pPr>
-            <a:r>
-              <a:rPr sz="2800" dirty="0">
-                <a:latin typeface="Candara" panose="020E0502030303020204" pitchFamily="34" charset="0"/>
-              </a:rPr>
-              <a:t>The true rule in determining to embrace or reject anything is not whether it have any evil in it; but whether it have more of evil than of good.</a:t>
-            </a:r>
-            <a:br>
-              <a:rPr sz="2800" dirty="0">
-                <a:latin typeface="Candara" panose="020E0502030303020204" pitchFamily="34" charset="0"/>
-              </a:rPr>
-            </a:br>
-            <a:br>
-              <a:rPr sz="2800" dirty="0">
-                <a:latin typeface="Candara" panose="020E0502030303020204" pitchFamily="34" charset="0"/>
-              </a:rPr>
-            </a:br>
-            <a:r>
-              <a:rPr lang="en-GB" sz="2800" dirty="0">
-                <a:latin typeface="Candara" panose="020E0502030303020204" pitchFamily="34" charset="0"/>
-              </a:rPr>
-              <a:t>					  				</a:t>
-            </a:r>
-            <a:r>
-              <a:rPr sz="2800" dirty="0">
-                <a:latin typeface="Candara" panose="020E0502030303020204" pitchFamily="34" charset="0"/>
-              </a:rPr>
-              <a:t>Abraham Lincoln</a:t>
-            </a:r>
-          </a:p>
-        </p:txBody>
-      </p:sp>
-      <p:pic>
-        <p:nvPicPr>
-          <p:cNvPr id="256" name="abraham-lincoln.jpg" descr="abraham-lincoln.jpg"/>
-          <p:cNvPicPr>
-            <a:picLocks noChangeAspect="1"/>
-          </p:cNvPicPr>
-          <p:nvPr/>
-        </p:nvPicPr>
-        <p:blipFill>
-          <a:blip r:embed="rId3"/>
-          <a:stretch>
-            <a:fillRect/>
-          </a:stretch>
-        </p:blipFill>
-        <p:spPr>
-          <a:xfrm>
-            <a:off x="6858000" y="76200"/>
-            <a:ext cx="2181821" cy="3597277"/>
-          </a:xfrm>
-          <a:prstGeom prst="rect">
-            <a:avLst/>
-          </a:prstGeom>
-          <a:ln w="12700">
-            <a:miter lim="400000"/>
-          </a:ln>
-        </p:spPr>
-      </p:pic>
-    </p:spTree>
-    <p:extLst>
-      <p:ext uri="{BB962C8B-B14F-4D97-AF65-F5344CB8AC3E}">
-        <p14:creationId xmlns:p14="http://schemas.microsoft.com/office/powerpoint/2010/main" val="2872554945"/>
-      </p:ext>
-    </p:extLst>
-  </p:cSld>
-  <p:clrMapOvr>
-    <a:masterClrMapping/>
-  </p:clrMapOvr>
-  <p:transition spd="med"/>
-</p:sld>
-</file>
-
-<file path=ppt/slides/slide50.xml><?xml version="1.0" encoding="utf-8"?>
+<file path=ppt/slides/slide56.xml><?xml version="1.0" encoding="utf-8"?>
 <p:sld xmlns:a="http://schemas.openxmlformats.org/drawingml/2006/main" xmlns:r="http://schemas.openxmlformats.org/officeDocument/2006/relationships" xmlns:p="http://schemas.openxmlformats.org/presentationml/2006/main">
   <p:cSld>
     <p:spTree>
@@ -17295,8 +18959,23 @@
               <a:rPr sz="2800" dirty="0">
                 <a:latin typeface="Candara" panose="020E0502030303020204" pitchFamily="34" charset="0"/>
               </a:rPr>
-              <a:t>Construction has started, due for completion by 2023</a:t>
-            </a:r>
+              <a:t>Construction has started, due for completion by </a:t>
+            </a:r>
+            <a:r>
+              <a:rPr sz="2800" strike="sngStrike" dirty="0">
+                <a:latin typeface="Candara" panose="020E0502030303020204" pitchFamily="34" charset="0"/>
+              </a:rPr>
+              <a:t>2023</a:t>
+            </a:r>
+            <a:r>
+              <a:rPr lang="en-US" sz="2800" dirty="0">
+                <a:latin typeface="Candara" panose="020E0502030303020204" pitchFamily="34" charset="0"/>
+              </a:rPr>
+              <a:t> 2025</a:t>
+            </a:r>
+            <a:endParaRPr sz="2800" dirty="0">
+              <a:latin typeface="Candara" panose="020E0502030303020204" pitchFamily="34" charset="0"/>
+            </a:endParaRPr>
           </a:p>
           <a:p>
             <a:pPr marL="731315" lvl="1" indent="-216983" defTabSz="369675">
@@ -17328,7 +19007,7 @@
 </p:sld>
 </file>
 
-<file path=ppt/slides/slide51.xml><?xml version="1.0" encoding="utf-8"?>
+<file path=ppt/slides/slide57.xml><?xml version="1.0" encoding="utf-8"?>
 <p:sld xmlns:a="http://schemas.openxmlformats.org/drawingml/2006/main" xmlns:r="http://schemas.openxmlformats.org/officeDocument/2006/relationships" xmlns:p="http://schemas.openxmlformats.org/presentationml/2006/main">
   <p:cSld>
     <p:spTree>
@@ -17867,7 +19546,7 @@
               <a:rPr lang="en-GB" sz="2400" dirty="0">
                 <a:latin typeface="Candara" panose="020E0502030303020204" pitchFamily="34" charset="0"/>
               </a:rPr>
-              <a:t>Environmental transport and assimilation</a:t>
+              <a:t>Environmental transport, transformation and assimilation</a:t>
             </a:r>
           </a:p>
           <a:p>
@@ -17912,6 +19591,67 @@
                 <a:latin typeface="Candara" panose="020E0502030303020204" pitchFamily="34" charset="0"/>
               </a:rPr>
               <a:t>Mixed</a:t>
+            </a:r>
+          </a:p>
+        </p:txBody>
+      </p:sp>
+      <p:sp>
+        <p:nvSpPr>
+          <p:cNvPr id="2" name="TextBox 1">
+            <a:extLst>
+              <a:ext uri="{FF2B5EF4-FFF2-40B4-BE49-F238E27FC236}">
+                <a16:creationId xmlns:a16="http://schemas.microsoft.com/office/drawing/2014/main" id="{9AF10586-A059-6FDE-508B-6B794387CB6E}"/>
+              </a:ext>
+            </a:extLst>
+          </p:cNvPr>
+          <p:cNvSpPr txBox="1"/>
+          <p:nvPr/>
+        </p:nvSpPr>
+        <p:spPr>
+          <a:xfrm>
+            <a:off x="5507105" y="3810000"/>
+            <a:ext cx="3607078" cy="1077218"/>
+          </a:xfrm>
+          <a:prstGeom prst="rect">
+            <a:avLst/>
+          </a:prstGeom>
+          <a:noFill/>
+        </p:spPr>
+        <p:txBody>
+          <a:bodyPr wrap="none" rtlCol="0">
+            <a:spAutoFit/>
+          </a:bodyPr>
+          <a:lstStyle/>
+          <a:p>
+            <a:r>
+              <a:rPr lang="en-GB" sz="1600" dirty="0">
+                <a:latin typeface="Candara" panose="020E0502030303020204" pitchFamily="34" charset="0"/>
+              </a:rPr>
+              <a:t>Sulphur in coal becomes</a:t>
+            </a:r>
+          </a:p>
+          <a:p>
+            <a:r>
+              <a:rPr lang="en-GB" sz="1600" dirty="0">
+                <a:latin typeface="Candara" panose="020E0502030303020204" pitchFamily="34" charset="0"/>
+              </a:rPr>
+              <a:t>sulphur dioxide on combustion,</a:t>
+            </a:r>
+          </a:p>
+          <a:p>
+            <a:r>
+              <a:rPr lang="en-GB" sz="1600" dirty="0">
+                <a:latin typeface="Candara" panose="020E0502030303020204" pitchFamily="34" charset="0"/>
+              </a:rPr>
+              <a:t>sulphur trioxide in the atmosphere, and</a:t>
+            </a:r>
+          </a:p>
+          <a:p>
+            <a:r>
+              <a:rPr lang="en-GB" sz="1600" dirty="0">
+                <a:latin typeface="Candara" panose="020E0502030303020204" pitchFamily="34" charset="0"/>
+              </a:rPr>
+              <a:t>sulphuric acid in contact with water</a:t>
             </a:r>
           </a:p>
         </p:txBody>
